--- a/08-tx/tx.pptx
+++ b/08-tx/tx.pptx
@@ -6,11 +6,11 @@
   </p:sldMasterIdLst>
   <p:sldIdLst>
     <p:sldId id="257" r:id="rId2"/>
-    <p:sldId id="258" r:id="rId3"/>
-    <p:sldId id="259" r:id="rId4"/>
-    <p:sldId id="260" r:id="rId5"/>
+    <p:sldId id="263" r:id="rId3"/>
+    <p:sldId id="264" r:id="rId4"/>
+    <p:sldId id="265" r:id="rId5"/>
     <p:sldId id="262" r:id="rId6"/>
-    <p:sldId id="261" r:id="rId7"/>
+    <p:sldId id="266" r:id="rId7"/>
   </p:sldIdLst>
   <p:sldSz cx="12192000" cy="6858000"/>
   <p:notesSz cx="6858000" cy="9144000"/>
@@ -265,7 +265,7 @@
           <a:lstStyle/>
           <a:p>
             <a:fld id="{AA5C98ED-7BB4-D342-BBB7-ECC1F285DD8D}" type="datetimeFigureOut">
-              <a:t>11/27/19</a:t>
+              <a:t>12.12.20.</a:t>
             </a:fld>
             <a:endParaRPr lang="en-US"/>
           </a:p>
@@ -463,7 +463,7 @@
           <a:lstStyle/>
           <a:p>
             <a:fld id="{AA5C98ED-7BB4-D342-BBB7-ECC1F285DD8D}" type="datetimeFigureOut">
-              <a:t>11/27/19</a:t>
+              <a:t>12.12.20.</a:t>
             </a:fld>
             <a:endParaRPr lang="en-US"/>
           </a:p>
@@ -671,7 +671,7 @@
           <a:lstStyle/>
           <a:p>
             <a:fld id="{AA5C98ED-7BB4-D342-BBB7-ECC1F285DD8D}" type="datetimeFigureOut">
-              <a:t>11/27/19</a:t>
+              <a:t>12.12.20.</a:t>
             </a:fld>
             <a:endParaRPr lang="en-US"/>
           </a:p>
@@ -869,7 +869,7 @@
           <a:lstStyle/>
           <a:p>
             <a:fld id="{AA5C98ED-7BB4-D342-BBB7-ECC1F285DD8D}" type="datetimeFigureOut">
-              <a:t>11/27/19</a:t>
+              <a:t>12.12.20.</a:t>
             </a:fld>
             <a:endParaRPr lang="en-US"/>
           </a:p>
@@ -1143,7 +1143,7 @@
           <a:lstStyle/>
           <a:p>
             <a:fld id="{AA5C98ED-7BB4-D342-BBB7-ECC1F285DD8D}" type="datetimeFigureOut">
-              <a:t>11/27/19</a:t>
+              <a:t>12.12.20.</a:t>
             </a:fld>
             <a:endParaRPr lang="en-US"/>
           </a:p>
@@ -1409,7 +1409,7 @@
           <a:lstStyle/>
           <a:p>
             <a:fld id="{AA5C98ED-7BB4-D342-BBB7-ECC1F285DD8D}" type="datetimeFigureOut">
-              <a:t>11/27/19</a:t>
+              <a:t>12.12.20.</a:t>
             </a:fld>
             <a:endParaRPr lang="en-US"/>
           </a:p>
@@ -1822,7 +1822,7 @@
           <a:lstStyle/>
           <a:p>
             <a:fld id="{AA5C98ED-7BB4-D342-BBB7-ECC1F285DD8D}" type="datetimeFigureOut">
-              <a:t>11/27/19</a:t>
+              <a:t>12.12.20.</a:t>
             </a:fld>
             <a:endParaRPr lang="en-US"/>
           </a:p>
@@ -1962,7 +1962,7 @@
           <a:lstStyle/>
           <a:p>
             <a:fld id="{AA5C98ED-7BB4-D342-BBB7-ECC1F285DD8D}" type="datetimeFigureOut">
-              <a:t>11/27/19</a:t>
+              <a:t>12.12.20.</a:t>
             </a:fld>
             <a:endParaRPr lang="en-US"/>
           </a:p>
@@ -2073,7 +2073,7 @@
           <a:lstStyle/>
           <a:p>
             <a:fld id="{AA5C98ED-7BB4-D342-BBB7-ECC1F285DD8D}" type="datetimeFigureOut">
-              <a:t>11/27/19</a:t>
+              <a:t>12.12.20.</a:t>
             </a:fld>
             <a:endParaRPr lang="en-US"/>
           </a:p>
@@ -2384,7 +2384,7 @@
           <a:lstStyle/>
           <a:p>
             <a:fld id="{AA5C98ED-7BB4-D342-BBB7-ECC1F285DD8D}" type="datetimeFigureOut">
-              <a:t>11/27/19</a:t>
+              <a:t>12.12.20.</a:t>
             </a:fld>
             <a:endParaRPr lang="en-US"/>
           </a:p>
@@ -2671,7 +2671,7 @@
           <a:lstStyle/>
           <a:p>
             <a:fld id="{AA5C98ED-7BB4-D342-BBB7-ECC1F285DD8D}" type="datetimeFigureOut">
-              <a:t>11/27/19</a:t>
+              <a:t>12.12.20.</a:t>
             </a:fld>
             <a:endParaRPr lang="en-US"/>
           </a:p>
@@ -2912,7 +2912,7 @@
           </a:lstStyle>
           <a:p>
             <a:fld id="{AA5C98ED-7BB4-D342-BBB7-ECC1F285DD8D}" type="datetimeFigureOut">
-              <a:t>11/27/19</a:t>
+              <a:t>12.12.20.</a:t>
             </a:fld>
             <a:endParaRPr lang="en-US"/>
           </a:p>
@@ -3343,7 +3343,104 @@
         <p:spPr>
           <a:xfrm>
             <a:off x="0" y="0"/>
-            <a:ext cx="2428165" cy="646331"/>
+            <a:ext cx="12192000" cy="646331"/>
+          </a:xfrm>
+          <a:prstGeom prst="rect">
+            <a:avLst/>
+          </a:prstGeom>
+          <a:solidFill>
+            <a:schemeClr val="accent1">
+              <a:lumMod val="75000"/>
+            </a:schemeClr>
+          </a:solidFill>
+          <a:ln>
+            <a:solidFill>
+              <a:schemeClr val="accent1">
+                <a:lumMod val="75000"/>
+              </a:schemeClr>
+            </a:solidFill>
+          </a:ln>
+        </p:spPr>
+        <p:txBody>
+          <a:bodyPr wrap="square" rtlCol="0">
+            <a:spAutoFit/>
+          </a:bodyPr>
+          <a:lstStyle/>
+          <a:p>
+            <a:r>
+              <a:rPr lang="en-US" sz="3600" b="1">
+                <a:solidFill>
+                  <a:schemeClr val="bg1"/>
+                </a:solidFill>
+                <a:latin typeface="Myriad Pro Light" panose="020B0403030403020204" pitchFamily="34" charset="0"/>
+              </a:rPr>
+              <a:t>Problem #1: Lost update</a:t>
+            </a:r>
+          </a:p>
+        </p:txBody>
+      </p:sp>
+      <p:cxnSp>
+        <p:nvCxnSpPr>
+          <p:cNvPr id="3" name="Straight Arrow Connector 2">
+            <a:extLst>
+              <a:ext uri="{FF2B5EF4-FFF2-40B4-BE49-F238E27FC236}">
+                <a16:creationId xmlns:a16="http://schemas.microsoft.com/office/drawing/2014/main" id="{DAE367D8-F979-CE4E-BED0-815E4A65B59C}"/>
+              </a:ext>
+            </a:extLst>
+          </p:cNvPr>
+          <p:cNvCxnSpPr>
+            <a:cxnSpLocks/>
+          </p:cNvCxnSpPr>
+          <p:nvPr/>
+        </p:nvCxnSpPr>
+        <p:spPr>
+          <a:xfrm>
+            <a:off x="1214082" y="1266497"/>
+            <a:ext cx="7807998" cy="0"/>
+          </a:xfrm>
+          <a:prstGeom prst="straightConnector1">
+            <a:avLst/>
+          </a:prstGeom>
+          <a:ln w="38100">
+            <a:solidFill>
+              <a:schemeClr val="accent1">
+                <a:lumMod val="75000"/>
+              </a:schemeClr>
+            </a:solidFill>
+            <a:tailEnd type="triangle" w="lg" len="lg"/>
+          </a:ln>
+        </p:spPr>
+        <p:style>
+          <a:lnRef idx="1">
+            <a:schemeClr val="accent1"/>
+          </a:lnRef>
+          <a:fillRef idx="0">
+            <a:schemeClr val="accent1"/>
+          </a:fillRef>
+          <a:effectRef idx="0">
+            <a:schemeClr val="accent1"/>
+          </a:effectRef>
+          <a:fontRef idx="minor">
+            <a:schemeClr val="tx1"/>
+          </a:fontRef>
+        </p:style>
+      </p:cxnSp>
+      <p:sp>
+        <p:nvSpPr>
+          <p:cNvPr id="6" name="TextBox 5">
+            <a:extLst>
+              <a:ext uri="{FF2B5EF4-FFF2-40B4-BE49-F238E27FC236}">
+                <a16:creationId xmlns:a16="http://schemas.microsoft.com/office/drawing/2014/main" id="{0D5CA038-C564-384E-992F-8BE26843C162}"/>
+              </a:ext>
+            </a:extLst>
+          </p:cNvPr>
+          <p:cNvSpPr txBox="1"/>
+          <p:nvPr/>
+        </p:nvSpPr>
+        <p:spPr>
+          <a:xfrm>
+            <a:off x="5559635" y="620166"/>
+            <a:ext cx="1072730" cy="646331"/>
           </a:xfrm>
           <a:prstGeom prst="rect">
             <a:avLst/>
@@ -3357,42 +3454,863 @@
           <a:lstStyle/>
           <a:p>
             <a:r>
-              <a:rPr lang="en-US" sz="3600" b="1"/>
-              <a:t>Lost update</a:t>
-            </a:r>
-          </a:p>
-        </p:txBody>
-      </p:sp>
-      <p:pic>
-        <p:nvPicPr>
-          <p:cNvPr id="5" name="Picture 4" descr="A picture containing clock&#10;&#10;Description automatically generated">
-            <a:extLst>
-              <a:ext uri="{FF2B5EF4-FFF2-40B4-BE49-F238E27FC236}">
-                <a16:creationId xmlns:a16="http://schemas.microsoft.com/office/drawing/2014/main" id="{E0094051-323E-B444-AC67-F166F8237407}"/>
-              </a:ext>
-            </a:extLst>
-          </p:cNvPr>
-          <p:cNvPicPr>
-            <a:picLocks noChangeAspect="1"/>
-          </p:cNvPicPr>
-          <p:nvPr/>
-        </p:nvPicPr>
-        <p:blipFill>
-          <a:blip r:embed="rId2"/>
-          <a:stretch>
-            <a:fillRect/>
-          </a:stretch>
-        </p:blipFill>
-        <p:spPr>
-          <a:xfrm>
-            <a:off x="930991" y="1001612"/>
-            <a:ext cx="10330018" cy="5856388"/>
+              <a:rPr lang="en-RS" sz="3600" b="1">
+                <a:solidFill>
+                  <a:schemeClr val="accent1">
+                    <a:lumMod val="75000"/>
+                  </a:schemeClr>
+                </a:solidFill>
+                <a:latin typeface="Myriad Pro Light" panose="020B0403030403020204" pitchFamily="34" charset="0"/>
+              </a:rPr>
+              <a:t>Tx A</a:t>
+            </a:r>
+          </a:p>
+        </p:txBody>
+      </p:sp>
+      <p:cxnSp>
+        <p:nvCxnSpPr>
+          <p:cNvPr id="7" name="Straight Arrow Connector 6">
+            <a:extLst>
+              <a:ext uri="{FF2B5EF4-FFF2-40B4-BE49-F238E27FC236}">
+                <a16:creationId xmlns:a16="http://schemas.microsoft.com/office/drawing/2014/main" id="{F9AC25A1-09F4-4340-8469-9191DAC63AE4}"/>
+              </a:ext>
+            </a:extLst>
+          </p:cNvPr>
+          <p:cNvCxnSpPr/>
+          <p:nvPr/>
+        </p:nvCxnSpPr>
+        <p:spPr>
+          <a:xfrm>
+            <a:off x="1194361" y="6209539"/>
+            <a:ext cx="9490841" cy="0"/>
+          </a:xfrm>
+          <a:prstGeom prst="straightConnector1">
+            <a:avLst/>
+          </a:prstGeom>
+          <a:ln w="38100">
+            <a:solidFill>
+              <a:schemeClr val="accent1">
+                <a:lumMod val="75000"/>
+              </a:schemeClr>
+            </a:solidFill>
+            <a:tailEnd type="triangle" w="lg" len="lg"/>
+          </a:ln>
+        </p:spPr>
+        <p:style>
+          <a:lnRef idx="1">
+            <a:schemeClr val="accent1"/>
+          </a:lnRef>
+          <a:fillRef idx="0">
+            <a:schemeClr val="accent1"/>
+          </a:fillRef>
+          <a:effectRef idx="0">
+            <a:schemeClr val="accent1"/>
+          </a:effectRef>
+          <a:fontRef idx="minor">
+            <a:schemeClr val="tx1"/>
+          </a:fontRef>
+        </p:style>
+      </p:cxnSp>
+      <p:sp>
+        <p:nvSpPr>
+          <p:cNvPr id="8" name="TextBox 7">
+            <a:extLst>
+              <a:ext uri="{FF2B5EF4-FFF2-40B4-BE49-F238E27FC236}">
+                <a16:creationId xmlns:a16="http://schemas.microsoft.com/office/drawing/2014/main" id="{889DF298-CA37-C443-BD10-316450C059B6}"/>
+              </a:ext>
+            </a:extLst>
+          </p:cNvPr>
+          <p:cNvSpPr txBox="1"/>
+          <p:nvPr/>
+        </p:nvSpPr>
+        <p:spPr>
+          <a:xfrm>
+            <a:off x="5539914" y="6230475"/>
+            <a:ext cx="1048685" cy="646331"/>
           </a:xfrm>
           <a:prstGeom prst="rect">
             <a:avLst/>
           </a:prstGeom>
-        </p:spPr>
-      </p:pic>
+          <a:noFill/>
+        </p:spPr>
+        <p:txBody>
+          <a:bodyPr wrap="none" rtlCol="0">
+            <a:spAutoFit/>
+          </a:bodyPr>
+          <a:lstStyle/>
+          <a:p>
+            <a:r>
+              <a:rPr lang="en-RS" sz="3600" b="1">
+                <a:solidFill>
+                  <a:schemeClr val="accent1">
+                    <a:lumMod val="75000"/>
+                  </a:schemeClr>
+                </a:solidFill>
+                <a:latin typeface="Myriad Pro Light" panose="020B0403030403020204" pitchFamily="34" charset="0"/>
+              </a:rPr>
+              <a:t>Tx B</a:t>
+            </a:r>
+          </a:p>
+        </p:txBody>
+      </p:sp>
+      <p:sp>
+        <p:nvSpPr>
+          <p:cNvPr id="11" name="Rectangle 10">
+            <a:extLst>
+              <a:ext uri="{FF2B5EF4-FFF2-40B4-BE49-F238E27FC236}">
+                <a16:creationId xmlns:a16="http://schemas.microsoft.com/office/drawing/2014/main" id="{24D6860A-5812-B749-993A-8D7499CE905F}"/>
+              </a:ext>
+            </a:extLst>
+          </p:cNvPr>
+          <p:cNvSpPr/>
+          <p:nvPr/>
+        </p:nvSpPr>
+        <p:spPr>
+          <a:xfrm>
+            <a:off x="3145483" y="3230953"/>
+            <a:ext cx="700894" cy="700894"/>
+          </a:xfrm>
+          <a:prstGeom prst="rect">
+            <a:avLst/>
+          </a:prstGeom>
+          <a:noFill/>
+          <a:ln w="38100"/>
+        </p:spPr>
+        <p:style>
+          <a:lnRef idx="2">
+            <a:schemeClr val="accent1">
+              <a:shade val="50000"/>
+            </a:schemeClr>
+          </a:lnRef>
+          <a:fillRef idx="1">
+            <a:schemeClr val="accent1"/>
+          </a:fillRef>
+          <a:effectRef idx="0">
+            <a:schemeClr val="accent1"/>
+          </a:effectRef>
+          <a:fontRef idx="minor">
+            <a:schemeClr val="lt1"/>
+          </a:fontRef>
+        </p:style>
+        <p:txBody>
+          <a:bodyPr rtlCol="0" anchor="ctr"/>
+          <a:lstStyle/>
+          <a:p>
+            <a:pPr algn="ctr"/>
+            <a:r>
+              <a:rPr lang="en-RS" b="1">
+                <a:ln>
+                  <a:solidFill>
+                    <a:schemeClr val="accent1">
+                      <a:lumMod val="75000"/>
+                    </a:schemeClr>
+                  </a:solidFill>
+                </a:ln>
+                <a:solidFill>
+                  <a:schemeClr val="accent1">
+                    <a:lumMod val="75000"/>
+                  </a:schemeClr>
+                </a:solidFill>
+                <a:latin typeface="Myriad Pro Light" panose="020B0403030403020204" pitchFamily="34" charset="0"/>
+              </a:rPr>
+              <a:t>D1</a:t>
+            </a:r>
+          </a:p>
+        </p:txBody>
+      </p:sp>
+      <p:cxnSp>
+        <p:nvCxnSpPr>
+          <p:cNvPr id="13" name="Straight Arrow Connector 12">
+            <a:extLst>
+              <a:ext uri="{FF2B5EF4-FFF2-40B4-BE49-F238E27FC236}">
+                <a16:creationId xmlns:a16="http://schemas.microsoft.com/office/drawing/2014/main" id="{365517A5-B1F6-CE4B-AFBE-490E0406BB50}"/>
+              </a:ext>
+            </a:extLst>
+          </p:cNvPr>
+          <p:cNvCxnSpPr>
+            <a:cxnSpLocks/>
+          </p:cNvCxnSpPr>
+          <p:nvPr/>
+        </p:nvCxnSpPr>
+        <p:spPr>
+          <a:xfrm>
+            <a:off x="3495931" y="1385946"/>
+            <a:ext cx="0" cy="1712854"/>
+          </a:xfrm>
+          <a:prstGeom prst="straightConnector1">
+            <a:avLst/>
+          </a:prstGeom>
+          <a:ln w="38100">
+            <a:solidFill>
+              <a:schemeClr val="accent1">
+                <a:lumMod val="75000"/>
+              </a:schemeClr>
+            </a:solidFill>
+            <a:tailEnd type="triangle"/>
+          </a:ln>
+        </p:spPr>
+        <p:style>
+          <a:lnRef idx="1">
+            <a:schemeClr val="accent1"/>
+          </a:lnRef>
+          <a:fillRef idx="0">
+            <a:schemeClr val="accent1"/>
+          </a:fillRef>
+          <a:effectRef idx="0">
+            <a:schemeClr val="accent1"/>
+          </a:effectRef>
+          <a:fontRef idx="minor">
+            <a:schemeClr val="tx1"/>
+          </a:fontRef>
+        </p:style>
+      </p:cxnSp>
+      <p:sp>
+        <p:nvSpPr>
+          <p:cNvPr id="15" name="Rectangle 14">
+            <a:extLst>
+              <a:ext uri="{FF2B5EF4-FFF2-40B4-BE49-F238E27FC236}">
+                <a16:creationId xmlns:a16="http://schemas.microsoft.com/office/drawing/2014/main" id="{269D0B31-08FC-AE46-9FD4-DE17EB32D886}"/>
+              </a:ext>
+            </a:extLst>
+          </p:cNvPr>
+          <p:cNvSpPr/>
+          <p:nvPr/>
+        </p:nvSpPr>
+        <p:spPr>
+          <a:xfrm>
+            <a:off x="2813189" y="2257145"/>
+            <a:ext cx="1457750" cy="391684"/>
+          </a:xfrm>
+          <a:prstGeom prst="rect">
+            <a:avLst/>
+          </a:prstGeom>
+        </p:spPr>
+        <p:style>
+          <a:lnRef idx="2">
+            <a:schemeClr val="accent1">
+              <a:shade val="50000"/>
+            </a:schemeClr>
+          </a:lnRef>
+          <a:fillRef idx="1">
+            <a:schemeClr val="accent1"/>
+          </a:fillRef>
+          <a:effectRef idx="0">
+            <a:schemeClr val="accent1"/>
+          </a:effectRef>
+          <a:fontRef idx="minor">
+            <a:schemeClr val="lt1"/>
+          </a:fontRef>
+        </p:style>
+        <p:txBody>
+          <a:bodyPr rtlCol="0" anchor="ctr"/>
+          <a:lstStyle/>
+          <a:p>
+            <a:pPr algn="ctr"/>
+            <a:r>
+              <a:rPr lang="en-RS" b="1">
+                <a:latin typeface="Myriad Pro Light" panose="020B0403030403020204" pitchFamily="34" charset="0"/>
+              </a:rPr>
+              <a:t>UPDATE</a:t>
+            </a:r>
+          </a:p>
+        </p:txBody>
+      </p:sp>
+      <p:sp>
+        <p:nvSpPr>
+          <p:cNvPr id="16" name="TextBox 15">
+            <a:extLst>
+              <a:ext uri="{FF2B5EF4-FFF2-40B4-BE49-F238E27FC236}">
+                <a16:creationId xmlns:a16="http://schemas.microsoft.com/office/drawing/2014/main" id="{7594550B-0930-A74D-BFB0-EA1888B64B5A}"/>
+              </a:ext>
+            </a:extLst>
+          </p:cNvPr>
+          <p:cNvSpPr txBox="1"/>
+          <p:nvPr/>
+        </p:nvSpPr>
+        <p:spPr>
+          <a:xfrm>
+            <a:off x="3118904" y="1801812"/>
+            <a:ext cx="377026" cy="523220"/>
+          </a:xfrm>
+          <a:prstGeom prst="rect">
+            <a:avLst/>
+          </a:prstGeom>
+          <a:noFill/>
+        </p:spPr>
+        <p:txBody>
+          <a:bodyPr wrap="none" rtlCol="0">
+            <a:spAutoFit/>
+          </a:bodyPr>
+          <a:lstStyle/>
+          <a:p>
+            <a:r>
+              <a:rPr lang="en-RS" sz="2800" b="1">
+                <a:solidFill>
+                  <a:srgbClr val="C00000"/>
+                </a:solidFill>
+                <a:latin typeface="Myriad Pro Light" panose="020B0403030403020204" pitchFamily="34" charset="0"/>
+              </a:rPr>
+              <a:t>1</a:t>
+            </a:r>
+          </a:p>
+        </p:txBody>
+      </p:sp>
+      <p:cxnSp>
+        <p:nvCxnSpPr>
+          <p:cNvPr id="18" name="Straight Connector 17">
+            <a:extLst>
+              <a:ext uri="{FF2B5EF4-FFF2-40B4-BE49-F238E27FC236}">
+                <a16:creationId xmlns:a16="http://schemas.microsoft.com/office/drawing/2014/main" id="{B367081D-D3F3-1740-8057-463E3BA51DD4}"/>
+              </a:ext>
+            </a:extLst>
+          </p:cNvPr>
+          <p:cNvCxnSpPr/>
+          <p:nvPr/>
+        </p:nvCxnSpPr>
+        <p:spPr>
+          <a:xfrm>
+            <a:off x="1214082" y="1050980"/>
+            <a:ext cx="0" cy="437939"/>
+          </a:xfrm>
+          <a:prstGeom prst="line">
+            <a:avLst/>
+          </a:prstGeom>
+          <a:ln w="38100">
+            <a:solidFill>
+              <a:schemeClr val="accent1">
+                <a:lumMod val="75000"/>
+              </a:schemeClr>
+            </a:solidFill>
+          </a:ln>
+        </p:spPr>
+        <p:style>
+          <a:lnRef idx="1">
+            <a:schemeClr val="accent1"/>
+          </a:lnRef>
+          <a:fillRef idx="0">
+            <a:schemeClr val="accent1"/>
+          </a:fillRef>
+          <a:effectRef idx="0">
+            <a:schemeClr val="accent1"/>
+          </a:effectRef>
+          <a:fontRef idx="minor">
+            <a:schemeClr val="tx1"/>
+          </a:fontRef>
+        </p:style>
+      </p:cxnSp>
+      <p:cxnSp>
+        <p:nvCxnSpPr>
+          <p:cNvPr id="19" name="Straight Connector 18">
+            <a:extLst>
+              <a:ext uri="{FF2B5EF4-FFF2-40B4-BE49-F238E27FC236}">
+                <a16:creationId xmlns:a16="http://schemas.microsoft.com/office/drawing/2014/main" id="{C3EFF11A-F124-E142-9B09-B9C01A7D564A}"/>
+              </a:ext>
+            </a:extLst>
+          </p:cNvPr>
+          <p:cNvCxnSpPr/>
+          <p:nvPr/>
+        </p:nvCxnSpPr>
+        <p:spPr>
+          <a:xfrm>
+            <a:off x="1185124" y="5988114"/>
+            <a:ext cx="0" cy="437939"/>
+          </a:xfrm>
+          <a:prstGeom prst="line">
+            <a:avLst/>
+          </a:prstGeom>
+          <a:ln w="38100">
+            <a:solidFill>
+              <a:schemeClr val="accent1">
+                <a:lumMod val="75000"/>
+              </a:schemeClr>
+            </a:solidFill>
+          </a:ln>
+        </p:spPr>
+        <p:style>
+          <a:lnRef idx="1">
+            <a:schemeClr val="accent1"/>
+          </a:lnRef>
+          <a:fillRef idx="0">
+            <a:schemeClr val="accent1"/>
+          </a:fillRef>
+          <a:effectRef idx="0">
+            <a:schemeClr val="accent1"/>
+          </a:effectRef>
+          <a:fontRef idx="minor">
+            <a:schemeClr val="tx1"/>
+          </a:fontRef>
+        </p:style>
+      </p:cxnSp>
+      <p:cxnSp>
+        <p:nvCxnSpPr>
+          <p:cNvPr id="20" name="Straight Connector 19">
+            <a:extLst>
+              <a:ext uri="{FF2B5EF4-FFF2-40B4-BE49-F238E27FC236}">
+                <a16:creationId xmlns:a16="http://schemas.microsoft.com/office/drawing/2014/main" id="{5F3CC795-87BA-F547-9E61-8D2239EE5F17}"/>
+              </a:ext>
+            </a:extLst>
+          </p:cNvPr>
+          <p:cNvCxnSpPr/>
+          <p:nvPr/>
+        </p:nvCxnSpPr>
+        <p:spPr>
+          <a:xfrm>
+            <a:off x="9043725" y="1047527"/>
+            <a:ext cx="0" cy="437939"/>
+          </a:xfrm>
+          <a:prstGeom prst="line">
+            <a:avLst/>
+          </a:prstGeom>
+          <a:ln w="38100">
+            <a:solidFill>
+              <a:schemeClr val="accent1">
+                <a:lumMod val="75000"/>
+              </a:schemeClr>
+            </a:solidFill>
+          </a:ln>
+        </p:spPr>
+        <p:style>
+          <a:lnRef idx="1">
+            <a:schemeClr val="accent1"/>
+          </a:lnRef>
+          <a:fillRef idx="0">
+            <a:schemeClr val="accent1"/>
+          </a:fillRef>
+          <a:effectRef idx="0">
+            <a:schemeClr val="accent1"/>
+          </a:effectRef>
+          <a:fontRef idx="minor">
+            <a:schemeClr val="tx1"/>
+          </a:fontRef>
+        </p:style>
+      </p:cxnSp>
+      <p:sp>
+        <p:nvSpPr>
+          <p:cNvPr id="23" name="Rectangle 22">
+            <a:extLst>
+              <a:ext uri="{FF2B5EF4-FFF2-40B4-BE49-F238E27FC236}">
+                <a16:creationId xmlns:a16="http://schemas.microsoft.com/office/drawing/2014/main" id="{74BA7C61-B0E1-A148-B75F-D77389553BFC}"/>
+              </a:ext>
+            </a:extLst>
+          </p:cNvPr>
+          <p:cNvSpPr/>
+          <p:nvPr/>
+        </p:nvSpPr>
+        <p:spPr>
+          <a:xfrm>
+            <a:off x="8721371" y="1585664"/>
+            <a:ext cx="1457750" cy="391684"/>
+          </a:xfrm>
+          <a:prstGeom prst="rect">
+            <a:avLst/>
+          </a:prstGeom>
+        </p:spPr>
+        <p:style>
+          <a:lnRef idx="2">
+            <a:schemeClr val="accent1">
+              <a:shade val="50000"/>
+            </a:schemeClr>
+          </a:lnRef>
+          <a:fillRef idx="1">
+            <a:schemeClr val="accent1"/>
+          </a:fillRef>
+          <a:effectRef idx="0">
+            <a:schemeClr val="accent1"/>
+          </a:effectRef>
+          <a:fontRef idx="minor">
+            <a:schemeClr val="lt1"/>
+          </a:fontRef>
+        </p:style>
+        <p:txBody>
+          <a:bodyPr rtlCol="0" anchor="ctr"/>
+          <a:lstStyle/>
+          <a:p>
+            <a:pPr algn="ctr"/>
+            <a:r>
+              <a:rPr lang="en-RS" b="1">
+                <a:latin typeface="Myriad Pro Light" panose="020B0403030403020204" pitchFamily="34" charset="0"/>
+              </a:rPr>
+              <a:t>COMMIT</a:t>
+            </a:r>
+          </a:p>
+        </p:txBody>
+      </p:sp>
+      <p:sp>
+        <p:nvSpPr>
+          <p:cNvPr id="24" name="TextBox 23">
+            <a:extLst>
+              <a:ext uri="{FF2B5EF4-FFF2-40B4-BE49-F238E27FC236}">
+                <a16:creationId xmlns:a16="http://schemas.microsoft.com/office/drawing/2014/main" id="{B8B698FD-B939-254D-8F6E-95AE0B75F63F}"/>
+              </a:ext>
+            </a:extLst>
+          </p:cNvPr>
+          <p:cNvSpPr txBox="1"/>
+          <p:nvPr/>
+        </p:nvSpPr>
+        <p:spPr>
+          <a:xfrm>
+            <a:off x="9027086" y="1130331"/>
+            <a:ext cx="377026" cy="523220"/>
+          </a:xfrm>
+          <a:prstGeom prst="rect">
+            <a:avLst/>
+          </a:prstGeom>
+          <a:noFill/>
+        </p:spPr>
+        <p:txBody>
+          <a:bodyPr wrap="none" rtlCol="0">
+            <a:spAutoFit/>
+          </a:bodyPr>
+          <a:lstStyle/>
+          <a:p>
+            <a:r>
+              <a:rPr lang="en-RS" sz="2800" b="1">
+                <a:solidFill>
+                  <a:srgbClr val="C00000"/>
+                </a:solidFill>
+                <a:latin typeface="Myriad Pro Light" panose="020B0403030403020204" pitchFamily="34" charset="0"/>
+              </a:rPr>
+              <a:t>3</a:t>
+            </a:r>
+          </a:p>
+        </p:txBody>
+      </p:sp>
+      <p:sp>
+        <p:nvSpPr>
+          <p:cNvPr id="25" name="Rectangle 24">
+            <a:extLst>
+              <a:ext uri="{FF2B5EF4-FFF2-40B4-BE49-F238E27FC236}">
+                <a16:creationId xmlns:a16="http://schemas.microsoft.com/office/drawing/2014/main" id="{AFD971F6-3E09-C54B-A51D-C459E493293B}"/>
+              </a:ext>
+            </a:extLst>
+          </p:cNvPr>
+          <p:cNvSpPr/>
+          <p:nvPr/>
+        </p:nvSpPr>
+        <p:spPr>
+          <a:xfrm>
+            <a:off x="10460483" y="5522294"/>
+            <a:ext cx="1457750" cy="391684"/>
+          </a:xfrm>
+          <a:prstGeom prst="rect">
+            <a:avLst/>
+          </a:prstGeom>
+        </p:spPr>
+        <p:style>
+          <a:lnRef idx="2">
+            <a:schemeClr val="accent1">
+              <a:shade val="50000"/>
+            </a:schemeClr>
+          </a:lnRef>
+          <a:fillRef idx="1">
+            <a:schemeClr val="accent1"/>
+          </a:fillRef>
+          <a:effectRef idx="0">
+            <a:schemeClr val="accent1"/>
+          </a:effectRef>
+          <a:fontRef idx="minor">
+            <a:schemeClr val="lt1"/>
+          </a:fontRef>
+        </p:style>
+        <p:txBody>
+          <a:bodyPr rtlCol="0" anchor="ctr"/>
+          <a:lstStyle/>
+          <a:p>
+            <a:pPr algn="ctr"/>
+            <a:r>
+              <a:rPr lang="en-RS" b="1">
+                <a:latin typeface="Myriad Pro Light" panose="020B0403030403020204" pitchFamily="34" charset="0"/>
+              </a:rPr>
+              <a:t>ROLLBACK</a:t>
+            </a:r>
+          </a:p>
+        </p:txBody>
+      </p:sp>
+      <p:sp>
+        <p:nvSpPr>
+          <p:cNvPr id="26" name="TextBox 25">
+            <a:extLst>
+              <a:ext uri="{FF2B5EF4-FFF2-40B4-BE49-F238E27FC236}">
+                <a16:creationId xmlns:a16="http://schemas.microsoft.com/office/drawing/2014/main" id="{DFBB1786-9648-1448-BD10-6C3E8C9993F7}"/>
+              </a:ext>
+            </a:extLst>
+          </p:cNvPr>
+          <p:cNvSpPr txBox="1"/>
+          <p:nvPr/>
+        </p:nvSpPr>
+        <p:spPr>
+          <a:xfrm>
+            <a:off x="10766198" y="5066961"/>
+            <a:ext cx="377026" cy="523220"/>
+          </a:xfrm>
+          <a:prstGeom prst="rect">
+            <a:avLst/>
+          </a:prstGeom>
+          <a:noFill/>
+        </p:spPr>
+        <p:txBody>
+          <a:bodyPr wrap="none" rtlCol="0">
+            <a:spAutoFit/>
+          </a:bodyPr>
+          <a:lstStyle/>
+          <a:p>
+            <a:r>
+              <a:rPr lang="en-RS" sz="2800" b="1">
+                <a:solidFill>
+                  <a:srgbClr val="C00000"/>
+                </a:solidFill>
+                <a:latin typeface="Myriad Pro Light" panose="020B0403030403020204" pitchFamily="34" charset="0"/>
+              </a:rPr>
+              <a:t>4</a:t>
+            </a:r>
+          </a:p>
+        </p:txBody>
+      </p:sp>
+      <p:sp>
+        <p:nvSpPr>
+          <p:cNvPr id="28" name="Rectangle 27">
+            <a:extLst>
+              <a:ext uri="{FF2B5EF4-FFF2-40B4-BE49-F238E27FC236}">
+                <a16:creationId xmlns:a16="http://schemas.microsoft.com/office/drawing/2014/main" id="{D0252FA8-BC4E-2143-B620-77F75C36870E}"/>
+              </a:ext>
+            </a:extLst>
+          </p:cNvPr>
+          <p:cNvSpPr/>
+          <p:nvPr/>
+        </p:nvSpPr>
+        <p:spPr>
+          <a:xfrm>
+            <a:off x="6182000" y="3230953"/>
+            <a:ext cx="700894" cy="700894"/>
+          </a:xfrm>
+          <a:prstGeom prst="rect">
+            <a:avLst/>
+          </a:prstGeom>
+          <a:noFill/>
+          <a:ln w="38100"/>
+        </p:spPr>
+        <p:style>
+          <a:lnRef idx="2">
+            <a:schemeClr val="accent1">
+              <a:shade val="50000"/>
+            </a:schemeClr>
+          </a:lnRef>
+          <a:fillRef idx="1">
+            <a:schemeClr val="accent1"/>
+          </a:fillRef>
+          <a:effectRef idx="0">
+            <a:schemeClr val="accent1"/>
+          </a:effectRef>
+          <a:fontRef idx="minor">
+            <a:schemeClr val="lt1"/>
+          </a:fontRef>
+        </p:style>
+        <p:txBody>
+          <a:bodyPr rtlCol="0" anchor="ctr"/>
+          <a:lstStyle/>
+          <a:p>
+            <a:pPr algn="ctr"/>
+            <a:r>
+              <a:rPr lang="en-RS" b="1">
+                <a:ln>
+                  <a:solidFill>
+                    <a:schemeClr val="accent1">
+                      <a:lumMod val="75000"/>
+                    </a:schemeClr>
+                  </a:solidFill>
+                </a:ln>
+                <a:solidFill>
+                  <a:schemeClr val="accent1">
+                    <a:lumMod val="75000"/>
+                  </a:schemeClr>
+                </a:solidFill>
+                <a:latin typeface="Myriad Pro Light" panose="020B0403030403020204" pitchFamily="34" charset="0"/>
+              </a:rPr>
+              <a:t>D1</a:t>
+            </a:r>
+          </a:p>
+        </p:txBody>
+      </p:sp>
+      <p:cxnSp>
+        <p:nvCxnSpPr>
+          <p:cNvPr id="29" name="Straight Arrow Connector 28">
+            <a:extLst>
+              <a:ext uri="{FF2B5EF4-FFF2-40B4-BE49-F238E27FC236}">
+                <a16:creationId xmlns:a16="http://schemas.microsoft.com/office/drawing/2014/main" id="{4D750665-DBB6-0840-B7FB-CEA7AB4D4915}"/>
+              </a:ext>
+            </a:extLst>
+          </p:cNvPr>
+          <p:cNvCxnSpPr>
+            <a:cxnSpLocks/>
+          </p:cNvCxnSpPr>
+          <p:nvPr/>
+        </p:nvCxnSpPr>
+        <p:spPr>
+          <a:xfrm flipV="1">
+            <a:off x="6532015" y="4084320"/>
+            <a:ext cx="432" cy="1960094"/>
+          </a:xfrm>
+          <a:prstGeom prst="straightConnector1">
+            <a:avLst/>
+          </a:prstGeom>
+          <a:ln w="38100">
+            <a:solidFill>
+              <a:schemeClr val="accent1">
+                <a:lumMod val="75000"/>
+              </a:schemeClr>
+            </a:solidFill>
+            <a:tailEnd type="triangle"/>
+          </a:ln>
+        </p:spPr>
+        <p:style>
+          <a:lnRef idx="1">
+            <a:schemeClr val="accent1"/>
+          </a:lnRef>
+          <a:fillRef idx="0">
+            <a:schemeClr val="accent1"/>
+          </a:fillRef>
+          <a:effectRef idx="0">
+            <a:schemeClr val="accent1"/>
+          </a:effectRef>
+          <a:fontRef idx="minor">
+            <a:schemeClr val="tx1"/>
+          </a:fontRef>
+        </p:style>
+      </p:cxnSp>
+      <p:sp>
+        <p:nvSpPr>
+          <p:cNvPr id="30" name="Rectangle 29">
+            <a:extLst>
+              <a:ext uri="{FF2B5EF4-FFF2-40B4-BE49-F238E27FC236}">
+                <a16:creationId xmlns:a16="http://schemas.microsoft.com/office/drawing/2014/main" id="{7FBF86B7-2145-D44A-AE98-59E70378AEE4}"/>
+              </a:ext>
+            </a:extLst>
+          </p:cNvPr>
+          <p:cNvSpPr/>
+          <p:nvPr/>
+        </p:nvSpPr>
+        <p:spPr>
+          <a:xfrm>
+            <a:off x="5849706" y="4858105"/>
+            <a:ext cx="1457750" cy="391684"/>
+          </a:xfrm>
+          <a:prstGeom prst="rect">
+            <a:avLst/>
+          </a:prstGeom>
+        </p:spPr>
+        <p:style>
+          <a:lnRef idx="2">
+            <a:schemeClr val="accent1">
+              <a:shade val="50000"/>
+            </a:schemeClr>
+          </a:lnRef>
+          <a:fillRef idx="1">
+            <a:schemeClr val="accent1"/>
+          </a:fillRef>
+          <a:effectRef idx="0">
+            <a:schemeClr val="accent1"/>
+          </a:effectRef>
+          <a:fontRef idx="minor">
+            <a:schemeClr val="lt1"/>
+          </a:fontRef>
+        </p:style>
+        <p:txBody>
+          <a:bodyPr rtlCol="0" anchor="ctr"/>
+          <a:lstStyle/>
+          <a:p>
+            <a:pPr algn="ctr"/>
+            <a:r>
+              <a:rPr lang="en-RS" b="1">
+                <a:latin typeface="Myriad Pro Light" panose="020B0403030403020204" pitchFamily="34" charset="0"/>
+              </a:rPr>
+              <a:t>UPDATE</a:t>
+            </a:r>
+          </a:p>
+        </p:txBody>
+      </p:sp>
+      <p:sp>
+        <p:nvSpPr>
+          <p:cNvPr id="31" name="TextBox 30">
+            <a:extLst>
+              <a:ext uri="{FF2B5EF4-FFF2-40B4-BE49-F238E27FC236}">
+                <a16:creationId xmlns:a16="http://schemas.microsoft.com/office/drawing/2014/main" id="{37D4CD11-B00A-9C48-A021-15444038893C}"/>
+              </a:ext>
+            </a:extLst>
+          </p:cNvPr>
+          <p:cNvSpPr txBox="1"/>
+          <p:nvPr/>
+        </p:nvSpPr>
+        <p:spPr>
+          <a:xfrm>
+            <a:off x="6155421" y="4402772"/>
+            <a:ext cx="377026" cy="523220"/>
+          </a:xfrm>
+          <a:prstGeom prst="rect">
+            <a:avLst/>
+          </a:prstGeom>
+          <a:noFill/>
+        </p:spPr>
+        <p:txBody>
+          <a:bodyPr wrap="none" rtlCol="0">
+            <a:spAutoFit/>
+          </a:bodyPr>
+          <a:lstStyle/>
+          <a:p>
+            <a:r>
+              <a:rPr lang="en-RS" sz="2800" b="1">
+                <a:solidFill>
+                  <a:srgbClr val="C00000"/>
+                </a:solidFill>
+                <a:latin typeface="Myriad Pro Light" panose="020B0403030403020204" pitchFamily="34" charset="0"/>
+              </a:rPr>
+              <a:t>2</a:t>
+            </a:r>
+          </a:p>
+        </p:txBody>
+      </p:sp>
+      <p:cxnSp>
+        <p:nvCxnSpPr>
+          <p:cNvPr id="35" name="Straight Connector 34">
+            <a:extLst>
+              <a:ext uri="{FF2B5EF4-FFF2-40B4-BE49-F238E27FC236}">
+                <a16:creationId xmlns:a16="http://schemas.microsoft.com/office/drawing/2014/main" id="{F20B565E-F1A4-8F40-AB41-C57996A785B6}"/>
+              </a:ext>
+            </a:extLst>
+          </p:cNvPr>
+          <p:cNvCxnSpPr/>
+          <p:nvPr/>
+        </p:nvCxnSpPr>
+        <p:spPr>
+          <a:xfrm>
+            <a:off x="10685202" y="5990569"/>
+            <a:ext cx="0" cy="437939"/>
+          </a:xfrm>
+          <a:prstGeom prst="line">
+            <a:avLst/>
+          </a:prstGeom>
+          <a:ln w="38100">
+            <a:solidFill>
+              <a:schemeClr val="accent1">
+                <a:lumMod val="75000"/>
+              </a:schemeClr>
+            </a:solidFill>
+          </a:ln>
+        </p:spPr>
+        <p:style>
+          <a:lnRef idx="1">
+            <a:schemeClr val="accent1"/>
+          </a:lnRef>
+          <a:fillRef idx="0">
+            <a:schemeClr val="accent1"/>
+          </a:fillRef>
+          <a:effectRef idx="0">
+            <a:schemeClr val="accent1"/>
+          </a:effectRef>
+          <a:fontRef idx="minor">
+            <a:schemeClr val="tx1"/>
+          </a:fontRef>
+        </p:style>
+      </p:cxnSp>
     </p:spTree>
     <p:extLst>
       <p:ext uri="{BB962C8B-B14F-4D97-AF65-F5344CB8AC3E}">
@@ -3425,10 +4343,10 @@
       </p:grpSpPr>
       <p:sp>
         <p:nvSpPr>
-          <p:cNvPr id="2" name="TextBox 1">
-            <a:extLst>
-              <a:ext uri="{FF2B5EF4-FFF2-40B4-BE49-F238E27FC236}">
-                <a16:creationId xmlns:a16="http://schemas.microsoft.com/office/drawing/2014/main" id="{BB31D285-B21B-064C-9DB2-DC9994C018A0}"/>
+          <p:cNvPr id="4" name="TextBox 3">
+            <a:extLst>
+              <a:ext uri="{FF2B5EF4-FFF2-40B4-BE49-F238E27FC236}">
+                <a16:creationId xmlns:a16="http://schemas.microsoft.com/office/drawing/2014/main" id="{907B1718-8761-7240-B7EB-B2CFF277E6A3}"/>
               </a:ext>
             </a:extLst>
           </p:cNvPr>
@@ -3438,7 +4356,104 @@
         <p:spPr>
           <a:xfrm>
             <a:off x="0" y="0"/>
-            <a:ext cx="2103076" cy="646331"/>
+            <a:ext cx="12192000" cy="646331"/>
+          </a:xfrm>
+          <a:prstGeom prst="rect">
+            <a:avLst/>
+          </a:prstGeom>
+          <a:solidFill>
+            <a:schemeClr val="accent1">
+              <a:lumMod val="75000"/>
+            </a:schemeClr>
+          </a:solidFill>
+          <a:ln>
+            <a:solidFill>
+              <a:schemeClr val="accent1">
+                <a:lumMod val="75000"/>
+              </a:schemeClr>
+            </a:solidFill>
+          </a:ln>
+        </p:spPr>
+        <p:txBody>
+          <a:bodyPr wrap="square" rtlCol="0">
+            <a:spAutoFit/>
+          </a:bodyPr>
+          <a:lstStyle/>
+          <a:p>
+            <a:r>
+              <a:rPr lang="en-US" sz="3600" b="1">
+                <a:solidFill>
+                  <a:schemeClr val="bg1"/>
+                </a:solidFill>
+                <a:latin typeface="Myriad Pro Light" panose="020B0403030403020204" pitchFamily="34" charset="0"/>
+              </a:rPr>
+              <a:t>Problem #2: Dirty read</a:t>
+            </a:r>
+          </a:p>
+        </p:txBody>
+      </p:sp>
+      <p:cxnSp>
+        <p:nvCxnSpPr>
+          <p:cNvPr id="3" name="Straight Arrow Connector 2">
+            <a:extLst>
+              <a:ext uri="{FF2B5EF4-FFF2-40B4-BE49-F238E27FC236}">
+                <a16:creationId xmlns:a16="http://schemas.microsoft.com/office/drawing/2014/main" id="{DAE367D8-F979-CE4E-BED0-815E4A65B59C}"/>
+              </a:ext>
+            </a:extLst>
+          </p:cNvPr>
+          <p:cNvCxnSpPr>
+            <a:cxnSpLocks/>
+          </p:cNvCxnSpPr>
+          <p:nvPr/>
+        </p:nvCxnSpPr>
+        <p:spPr>
+          <a:xfrm>
+            <a:off x="1214082" y="1276657"/>
+            <a:ext cx="9261431" cy="0"/>
+          </a:xfrm>
+          <a:prstGeom prst="straightConnector1">
+            <a:avLst/>
+          </a:prstGeom>
+          <a:ln w="38100">
+            <a:solidFill>
+              <a:schemeClr val="accent1">
+                <a:lumMod val="75000"/>
+              </a:schemeClr>
+            </a:solidFill>
+            <a:tailEnd type="triangle" w="lg" len="lg"/>
+          </a:ln>
+        </p:spPr>
+        <p:style>
+          <a:lnRef idx="1">
+            <a:schemeClr val="accent1"/>
+          </a:lnRef>
+          <a:fillRef idx="0">
+            <a:schemeClr val="accent1"/>
+          </a:fillRef>
+          <a:effectRef idx="0">
+            <a:schemeClr val="accent1"/>
+          </a:effectRef>
+          <a:fontRef idx="minor">
+            <a:schemeClr val="tx1"/>
+          </a:fontRef>
+        </p:style>
+      </p:cxnSp>
+      <p:sp>
+        <p:nvSpPr>
+          <p:cNvPr id="6" name="TextBox 5">
+            <a:extLst>
+              <a:ext uri="{FF2B5EF4-FFF2-40B4-BE49-F238E27FC236}">
+                <a16:creationId xmlns:a16="http://schemas.microsoft.com/office/drawing/2014/main" id="{0D5CA038-C564-384E-992F-8BE26843C162}"/>
+              </a:ext>
+            </a:extLst>
+          </p:cNvPr>
+          <p:cNvSpPr txBox="1"/>
+          <p:nvPr/>
+        </p:nvSpPr>
+        <p:spPr>
+          <a:xfrm>
+            <a:off x="5559635" y="630326"/>
+            <a:ext cx="1072730" cy="646331"/>
           </a:xfrm>
           <a:prstGeom prst="rect">
             <a:avLst/>
@@ -3452,46 +4467,869 @@
           <a:lstStyle/>
           <a:p>
             <a:r>
-              <a:rPr lang="en-US" sz="3600" b="1"/>
-              <a:t>Dirty read</a:t>
-            </a:r>
-          </a:p>
-        </p:txBody>
-      </p:sp>
-      <p:pic>
-        <p:nvPicPr>
-          <p:cNvPr id="5" name="Picture 4" descr="A screenshot of a cell phone&#10;&#10;Description automatically generated">
-            <a:extLst>
-              <a:ext uri="{FF2B5EF4-FFF2-40B4-BE49-F238E27FC236}">
-                <a16:creationId xmlns:a16="http://schemas.microsoft.com/office/drawing/2014/main" id="{A5942CBA-6161-634B-A947-585EC773F8A0}"/>
-              </a:ext>
-            </a:extLst>
-          </p:cNvPr>
-          <p:cNvPicPr>
-            <a:picLocks noChangeAspect="1"/>
-          </p:cNvPicPr>
-          <p:nvPr/>
-        </p:nvPicPr>
-        <p:blipFill>
-          <a:blip r:embed="rId2"/>
-          <a:stretch>
-            <a:fillRect/>
-          </a:stretch>
-        </p:blipFill>
-        <p:spPr>
-          <a:xfrm>
-            <a:off x="1018160" y="780585"/>
-            <a:ext cx="10155679" cy="6077415"/>
+              <a:rPr lang="en-RS" sz="3600" b="1">
+                <a:solidFill>
+                  <a:schemeClr val="accent1">
+                    <a:lumMod val="75000"/>
+                  </a:schemeClr>
+                </a:solidFill>
+                <a:latin typeface="Myriad Pro Light" panose="020B0403030403020204" pitchFamily="34" charset="0"/>
+              </a:rPr>
+              <a:t>Tx A</a:t>
+            </a:r>
+          </a:p>
+        </p:txBody>
+      </p:sp>
+      <p:cxnSp>
+        <p:nvCxnSpPr>
+          <p:cNvPr id="7" name="Straight Arrow Connector 6">
+            <a:extLst>
+              <a:ext uri="{FF2B5EF4-FFF2-40B4-BE49-F238E27FC236}">
+                <a16:creationId xmlns:a16="http://schemas.microsoft.com/office/drawing/2014/main" id="{F9AC25A1-09F4-4340-8469-9191DAC63AE4}"/>
+              </a:ext>
+            </a:extLst>
+          </p:cNvPr>
+          <p:cNvCxnSpPr>
+            <a:cxnSpLocks/>
+          </p:cNvCxnSpPr>
+          <p:nvPr/>
+        </p:nvCxnSpPr>
+        <p:spPr>
+          <a:xfrm>
+            <a:off x="1194361" y="6219699"/>
+            <a:ext cx="8051239" cy="0"/>
+          </a:xfrm>
+          <a:prstGeom prst="straightConnector1">
+            <a:avLst/>
+          </a:prstGeom>
+          <a:ln w="38100">
+            <a:solidFill>
+              <a:schemeClr val="accent1">
+                <a:lumMod val="75000"/>
+              </a:schemeClr>
+            </a:solidFill>
+            <a:tailEnd type="triangle" w="lg" len="lg"/>
+          </a:ln>
+        </p:spPr>
+        <p:style>
+          <a:lnRef idx="1">
+            <a:schemeClr val="accent1"/>
+          </a:lnRef>
+          <a:fillRef idx="0">
+            <a:schemeClr val="accent1"/>
+          </a:fillRef>
+          <a:effectRef idx="0">
+            <a:schemeClr val="accent1"/>
+          </a:effectRef>
+          <a:fontRef idx="minor">
+            <a:schemeClr val="tx1"/>
+          </a:fontRef>
+        </p:style>
+      </p:cxnSp>
+      <p:sp>
+        <p:nvSpPr>
+          <p:cNvPr id="8" name="TextBox 7">
+            <a:extLst>
+              <a:ext uri="{FF2B5EF4-FFF2-40B4-BE49-F238E27FC236}">
+                <a16:creationId xmlns:a16="http://schemas.microsoft.com/office/drawing/2014/main" id="{889DF298-CA37-C443-BD10-316450C059B6}"/>
+              </a:ext>
+            </a:extLst>
+          </p:cNvPr>
+          <p:cNvSpPr txBox="1"/>
+          <p:nvPr/>
+        </p:nvSpPr>
+        <p:spPr>
+          <a:xfrm>
+            <a:off x="5539914" y="6240635"/>
+            <a:ext cx="1048685" cy="646331"/>
           </a:xfrm>
           <a:prstGeom prst="rect">
             <a:avLst/>
           </a:prstGeom>
-        </p:spPr>
-      </p:pic>
+          <a:noFill/>
+        </p:spPr>
+        <p:txBody>
+          <a:bodyPr wrap="none" rtlCol="0">
+            <a:spAutoFit/>
+          </a:bodyPr>
+          <a:lstStyle/>
+          <a:p>
+            <a:r>
+              <a:rPr lang="en-RS" sz="3600" b="1">
+                <a:solidFill>
+                  <a:schemeClr val="accent1">
+                    <a:lumMod val="75000"/>
+                  </a:schemeClr>
+                </a:solidFill>
+                <a:latin typeface="Myriad Pro Light" panose="020B0403030403020204" pitchFamily="34" charset="0"/>
+              </a:rPr>
+              <a:t>Tx B</a:t>
+            </a:r>
+          </a:p>
+        </p:txBody>
+      </p:sp>
+      <p:sp>
+        <p:nvSpPr>
+          <p:cNvPr id="11" name="Rectangle 10">
+            <a:extLst>
+              <a:ext uri="{FF2B5EF4-FFF2-40B4-BE49-F238E27FC236}">
+                <a16:creationId xmlns:a16="http://schemas.microsoft.com/office/drawing/2014/main" id="{24D6860A-5812-B749-993A-8D7499CE905F}"/>
+              </a:ext>
+            </a:extLst>
+          </p:cNvPr>
+          <p:cNvSpPr/>
+          <p:nvPr/>
+        </p:nvSpPr>
+        <p:spPr>
+          <a:xfrm>
+            <a:off x="5736283" y="3241113"/>
+            <a:ext cx="700894" cy="700894"/>
+          </a:xfrm>
+          <a:prstGeom prst="rect">
+            <a:avLst/>
+          </a:prstGeom>
+          <a:noFill/>
+          <a:ln w="38100"/>
+        </p:spPr>
+        <p:style>
+          <a:lnRef idx="2">
+            <a:schemeClr val="accent1">
+              <a:shade val="50000"/>
+            </a:schemeClr>
+          </a:lnRef>
+          <a:fillRef idx="1">
+            <a:schemeClr val="accent1"/>
+          </a:fillRef>
+          <a:effectRef idx="0">
+            <a:schemeClr val="accent1"/>
+          </a:effectRef>
+          <a:fontRef idx="minor">
+            <a:schemeClr val="lt1"/>
+          </a:fontRef>
+        </p:style>
+        <p:txBody>
+          <a:bodyPr rtlCol="0" anchor="ctr"/>
+          <a:lstStyle/>
+          <a:p>
+            <a:pPr algn="ctr"/>
+            <a:r>
+              <a:rPr lang="en-RS" b="1">
+                <a:ln>
+                  <a:solidFill>
+                    <a:schemeClr val="accent1">
+                      <a:lumMod val="75000"/>
+                    </a:schemeClr>
+                  </a:solidFill>
+                </a:ln>
+                <a:solidFill>
+                  <a:schemeClr val="accent1">
+                    <a:lumMod val="75000"/>
+                  </a:schemeClr>
+                </a:solidFill>
+                <a:latin typeface="Myriad Pro Light" panose="020B0403030403020204" pitchFamily="34" charset="0"/>
+              </a:rPr>
+              <a:t>D1</a:t>
+            </a:r>
+          </a:p>
+        </p:txBody>
+      </p:sp>
+      <p:cxnSp>
+        <p:nvCxnSpPr>
+          <p:cNvPr id="13" name="Straight Arrow Connector 12">
+            <a:extLst>
+              <a:ext uri="{FF2B5EF4-FFF2-40B4-BE49-F238E27FC236}">
+                <a16:creationId xmlns:a16="http://schemas.microsoft.com/office/drawing/2014/main" id="{365517A5-B1F6-CE4B-AFBE-490E0406BB50}"/>
+              </a:ext>
+            </a:extLst>
+          </p:cNvPr>
+          <p:cNvCxnSpPr>
+            <a:cxnSpLocks/>
+          </p:cNvCxnSpPr>
+          <p:nvPr/>
+        </p:nvCxnSpPr>
+        <p:spPr>
+          <a:xfrm>
+            <a:off x="6086731" y="1396106"/>
+            <a:ext cx="0" cy="1712854"/>
+          </a:xfrm>
+          <a:prstGeom prst="straightConnector1">
+            <a:avLst/>
+          </a:prstGeom>
+          <a:ln w="38100">
+            <a:solidFill>
+              <a:schemeClr val="accent1">
+                <a:lumMod val="75000"/>
+              </a:schemeClr>
+            </a:solidFill>
+            <a:tailEnd type="triangle"/>
+          </a:ln>
+        </p:spPr>
+        <p:style>
+          <a:lnRef idx="1">
+            <a:schemeClr val="accent1"/>
+          </a:lnRef>
+          <a:fillRef idx="0">
+            <a:schemeClr val="accent1"/>
+          </a:fillRef>
+          <a:effectRef idx="0">
+            <a:schemeClr val="accent1"/>
+          </a:effectRef>
+          <a:fontRef idx="minor">
+            <a:schemeClr val="tx1"/>
+          </a:fontRef>
+        </p:style>
+      </p:cxnSp>
+      <p:sp>
+        <p:nvSpPr>
+          <p:cNvPr id="15" name="Rectangle 14">
+            <a:extLst>
+              <a:ext uri="{FF2B5EF4-FFF2-40B4-BE49-F238E27FC236}">
+                <a16:creationId xmlns:a16="http://schemas.microsoft.com/office/drawing/2014/main" id="{269D0B31-08FC-AE46-9FD4-DE17EB32D886}"/>
+              </a:ext>
+            </a:extLst>
+          </p:cNvPr>
+          <p:cNvSpPr/>
+          <p:nvPr/>
+        </p:nvSpPr>
+        <p:spPr>
+          <a:xfrm>
+            <a:off x="5403989" y="2267305"/>
+            <a:ext cx="1457750" cy="391684"/>
+          </a:xfrm>
+          <a:prstGeom prst="rect">
+            <a:avLst/>
+          </a:prstGeom>
+        </p:spPr>
+        <p:style>
+          <a:lnRef idx="2">
+            <a:schemeClr val="accent1">
+              <a:shade val="50000"/>
+            </a:schemeClr>
+          </a:lnRef>
+          <a:fillRef idx="1">
+            <a:schemeClr val="accent1"/>
+          </a:fillRef>
+          <a:effectRef idx="0">
+            <a:schemeClr val="accent1"/>
+          </a:effectRef>
+          <a:fontRef idx="minor">
+            <a:schemeClr val="lt1"/>
+          </a:fontRef>
+        </p:style>
+        <p:txBody>
+          <a:bodyPr rtlCol="0" anchor="ctr"/>
+          <a:lstStyle/>
+          <a:p>
+            <a:pPr algn="ctr"/>
+            <a:r>
+              <a:rPr lang="en-RS" b="1">
+                <a:latin typeface="Myriad Pro Light" panose="020B0403030403020204" pitchFamily="34" charset="0"/>
+              </a:rPr>
+              <a:t>SELECT</a:t>
+            </a:r>
+          </a:p>
+        </p:txBody>
+      </p:sp>
+      <p:sp>
+        <p:nvSpPr>
+          <p:cNvPr id="16" name="TextBox 15">
+            <a:extLst>
+              <a:ext uri="{FF2B5EF4-FFF2-40B4-BE49-F238E27FC236}">
+                <a16:creationId xmlns:a16="http://schemas.microsoft.com/office/drawing/2014/main" id="{7594550B-0930-A74D-BFB0-EA1888B64B5A}"/>
+              </a:ext>
+            </a:extLst>
+          </p:cNvPr>
+          <p:cNvSpPr txBox="1"/>
+          <p:nvPr/>
+        </p:nvSpPr>
+        <p:spPr>
+          <a:xfrm>
+            <a:off x="5709704" y="1811972"/>
+            <a:ext cx="377026" cy="523220"/>
+          </a:xfrm>
+          <a:prstGeom prst="rect">
+            <a:avLst/>
+          </a:prstGeom>
+          <a:noFill/>
+        </p:spPr>
+        <p:txBody>
+          <a:bodyPr wrap="none" rtlCol="0">
+            <a:spAutoFit/>
+          </a:bodyPr>
+          <a:lstStyle/>
+          <a:p>
+            <a:r>
+              <a:rPr lang="en-RS" sz="2800" b="1">
+                <a:solidFill>
+                  <a:srgbClr val="C00000"/>
+                </a:solidFill>
+                <a:latin typeface="Myriad Pro Light" panose="020B0403030403020204" pitchFamily="34" charset="0"/>
+              </a:rPr>
+              <a:t>2</a:t>
+            </a:r>
+          </a:p>
+        </p:txBody>
+      </p:sp>
+      <p:cxnSp>
+        <p:nvCxnSpPr>
+          <p:cNvPr id="18" name="Straight Connector 17">
+            <a:extLst>
+              <a:ext uri="{FF2B5EF4-FFF2-40B4-BE49-F238E27FC236}">
+                <a16:creationId xmlns:a16="http://schemas.microsoft.com/office/drawing/2014/main" id="{B367081D-D3F3-1740-8057-463E3BA51DD4}"/>
+              </a:ext>
+            </a:extLst>
+          </p:cNvPr>
+          <p:cNvCxnSpPr/>
+          <p:nvPr/>
+        </p:nvCxnSpPr>
+        <p:spPr>
+          <a:xfrm>
+            <a:off x="1214082" y="1061140"/>
+            <a:ext cx="0" cy="437939"/>
+          </a:xfrm>
+          <a:prstGeom prst="line">
+            <a:avLst/>
+          </a:prstGeom>
+          <a:ln w="38100">
+            <a:solidFill>
+              <a:schemeClr val="accent1">
+                <a:lumMod val="75000"/>
+              </a:schemeClr>
+            </a:solidFill>
+          </a:ln>
+        </p:spPr>
+        <p:style>
+          <a:lnRef idx="1">
+            <a:schemeClr val="accent1"/>
+          </a:lnRef>
+          <a:fillRef idx="0">
+            <a:schemeClr val="accent1"/>
+          </a:fillRef>
+          <a:effectRef idx="0">
+            <a:schemeClr val="accent1"/>
+          </a:effectRef>
+          <a:fontRef idx="minor">
+            <a:schemeClr val="tx1"/>
+          </a:fontRef>
+        </p:style>
+      </p:cxnSp>
+      <p:cxnSp>
+        <p:nvCxnSpPr>
+          <p:cNvPr id="19" name="Straight Connector 18">
+            <a:extLst>
+              <a:ext uri="{FF2B5EF4-FFF2-40B4-BE49-F238E27FC236}">
+                <a16:creationId xmlns:a16="http://schemas.microsoft.com/office/drawing/2014/main" id="{C3EFF11A-F124-E142-9B09-B9C01A7D564A}"/>
+              </a:ext>
+            </a:extLst>
+          </p:cNvPr>
+          <p:cNvCxnSpPr/>
+          <p:nvPr/>
+        </p:nvCxnSpPr>
+        <p:spPr>
+          <a:xfrm>
+            <a:off x="1185124" y="5998274"/>
+            <a:ext cx="0" cy="437939"/>
+          </a:xfrm>
+          <a:prstGeom prst="line">
+            <a:avLst/>
+          </a:prstGeom>
+          <a:ln w="38100">
+            <a:solidFill>
+              <a:schemeClr val="accent1">
+                <a:lumMod val="75000"/>
+              </a:schemeClr>
+            </a:solidFill>
+          </a:ln>
+        </p:spPr>
+        <p:style>
+          <a:lnRef idx="1">
+            <a:schemeClr val="accent1"/>
+          </a:lnRef>
+          <a:fillRef idx="0">
+            <a:schemeClr val="accent1"/>
+          </a:fillRef>
+          <a:effectRef idx="0">
+            <a:schemeClr val="accent1"/>
+          </a:effectRef>
+          <a:fontRef idx="minor">
+            <a:schemeClr val="tx1"/>
+          </a:fontRef>
+        </p:style>
+      </p:cxnSp>
+      <p:cxnSp>
+        <p:nvCxnSpPr>
+          <p:cNvPr id="20" name="Straight Connector 19">
+            <a:extLst>
+              <a:ext uri="{FF2B5EF4-FFF2-40B4-BE49-F238E27FC236}">
+                <a16:creationId xmlns:a16="http://schemas.microsoft.com/office/drawing/2014/main" id="{5F3CC795-87BA-F547-9E61-8D2239EE5F17}"/>
+              </a:ext>
+            </a:extLst>
+          </p:cNvPr>
+          <p:cNvCxnSpPr/>
+          <p:nvPr/>
+        </p:nvCxnSpPr>
+        <p:spPr>
+          <a:xfrm>
+            <a:off x="10486445" y="1057687"/>
+            <a:ext cx="0" cy="437939"/>
+          </a:xfrm>
+          <a:prstGeom prst="line">
+            <a:avLst/>
+          </a:prstGeom>
+          <a:ln w="38100">
+            <a:solidFill>
+              <a:schemeClr val="accent1">
+                <a:lumMod val="75000"/>
+              </a:schemeClr>
+            </a:solidFill>
+          </a:ln>
+        </p:spPr>
+        <p:style>
+          <a:lnRef idx="1">
+            <a:schemeClr val="accent1"/>
+          </a:lnRef>
+          <a:fillRef idx="0">
+            <a:schemeClr val="accent1"/>
+          </a:fillRef>
+          <a:effectRef idx="0">
+            <a:schemeClr val="accent1"/>
+          </a:effectRef>
+          <a:fontRef idx="minor">
+            <a:schemeClr val="tx1"/>
+          </a:fontRef>
+        </p:style>
+      </p:cxnSp>
+      <p:sp>
+        <p:nvSpPr>
+          <p:cNvPr id="23" name="Rectangle 22">
+            <a:extLst>
+              <a:ext uri="{FF2B5EF4-FFF2-40B4-BE49-F238E27FC236}">
+                <a16:creationId xmlns:a16="http://schemas.microsoft.com/office/drawing/2014/main" id="{74BA7C61-B0E1-A148-B75F-D77389553BFC}"/>
+              </a:ext>
+            </a:extLst>
+          </p:cNvPr>
+          <p:cNvSpPr/>
+          <p:nvPr/>
+        </p:nvSpPr>
+        <p:spPr>
+          <a:xfrm>
+            <a:off x="10164091" y="1595824"/>
+            <a:ext cx="1457750" cy="391684"/>
+          </a:xfrm>
+          <a:prstGeom prst="rect">
+            <a:avLst/>
+          </a:prstGeom>
+        </p:spPr>
+        <p:style>
+          <a:lnRef idx="2">
+            <a:schemeClr val="accent1">
+              <a:shade val="50000"/>
+            </a:schemeClr>
+          </a:lnRef>
+          <a:fillRef idx="1">
+            <a:schemeClr val="accent1"/>
+          </a:fillRef>
+          <a:effectRef idx="0">
+            <a:schemeClr val="accent1"/>
+          </a:effectRef>
+          <a:fontRef idx="minor">
+            <a:schemeClr val="lt1"/>
+          </a:fontRef>
+        </p:style>
+        <p:txBody>
+          <a:bodyPr rtlCol="0" anchor="ctr"/>
+          <a:lstStyle/>
+          <a:p>
+            <a:pPr algn="ctr"/>
+            <a:r>
+              <a:rPr lang="en-RS" b="1">
+                <a:latin typeface="Myriad Pro Light" panose="020B0403030403020204" pitchFamily="34" charset="0"/>
+              </a:rPr>
+              <a:t>COMMIT</a:t>
+            </a:r>
+          </a:p>
+        </p:txBody>
+      </p:sp>
+      <p:sp>
+        <p:nvSpPr>
+          <p:cNvPr id="24" name="TextBox 23">
+            <a:extLst>
+              <a:ext uri="{FF2B5EF4-FFF2-40B4-BE49-F238E27FC236}">
+                <a16:creationId xmlns:a16="http://schemas.microsoft.com/office/drawing/2014/main" id="{B8B698FD-B939-254D-8F6E-95AE0B75F63F}"/>
+              </a:ext>
+            </a:extLst>
+          </p:cNvPr>
+          <p:cNvSpPr txBox="1"/>
+          <p:nvPr/>
+        </p:nvSpPr>
+        <p:spPr>
+          <a:xfrm>
+            <a:off x="10469806" y="1140491"/>
+            <a:ext cx="377026" cy="523220"/>
+          </a:xfrm>
+          <a:prstGeom prst="rect">
+            <a:avLst/>
+          </a:prstGeom>
+          <a:noFill/>
+        </p:spPr>
+        <p:txBody>
+          <a:bodyPr wrap="none" rtlCol="0">
+            <a:spAutoFit/>
+          </a:bodyPr>
+          <a:lstStyle/>
+          <a:p>
+            <a:r>
+              <a:rPr lang="en-RS" sz="2800" b="1">
+                <a:solidFill>
+                  <a:srgbClr val="C00000"/>
+                </a:solidFill>
+                <a:latin typeface="Myriad Pro Light" panose="020B0403030403020204" pitchFamily="34" charset="0"/>
+              </a:rPr>
+              <a:t>4</a:t>
+            </a:r>
+          </a:p>
+        </p:txBody>
+      </p:sp>
+      <p:sp>
+        <p:nvSpPr>
+          <p:cNvPr id="25" name="Rectangle 24">
+            <a:extLst>
+              <a:ext uri="{FF2B5EF4-FFF2-40B4-BE49-F238E27FC236}">
+                <a16:creationId xmlns:a16="http://schemas.microsoft.com/office/drawing/2014/main" id="{AFD971F6-3E09-C54B-A51D-C459E493293B}"/>
+              </a:ext>
+            </a:extLst>
+          </p:cNvPr>
+          <p:cNvSpPr/>
+          <p:nvPr/>
+        </p:nvSpPr>
+        <p:spPr>
+          <a:xfrm>
+            <a:off x="9017763" y="5532454"/>
+            <a:ext cx="1457750" cy="391684"/>
+          </a:xfrm>
+          <a:prstGeom prst="rect">
+            <a:avLst/>
+          </a:prstGeom>
+        </p:spPr>
+        <p:style>
+          <a:lnRef idx="2">
+            <a:schemeClr val="accent1">
+              <a:shade val="50000"/>
+            </a:schemeClr>
+          </a:lnRef>
+          <a:fillRef idx="1">
+            <a:schemeClr val="accent1"/>
+          </a:fillRef>
+          <a:effectRef idx="0">
+            <a:schemeClr val="accent1"/>
+          </a:effectRef>
+          <a:fontRef idx="minor">
+            <a:schemeClr val="lt1"/>
+          </a:fontRef>
+        </p:style>
+        <p:txBody>
+          <a:bodyPr rtlCol="0" anchor="ctr"/>
+          <a:lstStyle/>
+          <a:p>
+            <a:pPr algn="ctr"/>
+            <a:r>
+              <a:rPr lang="en-RS" b="1">
+                <a:latin typeface="Myriad Pro Light" panose="020B0403030403020204" pitchFamily="34" charset="0"/>
+              </a:rPr>
+              <a:t>ROLLBACK</a:t>
+            </a:r>
+          </a:p>
+        </p:txBody>
+      </p:sp>
+      <p:sp>
+        <p:nvSpPr>
+          <p:cNvPr id="26" name="TextBox 25">
+            <a:extLst>
+              <a:ext uri="{FF2B5EF4-FFF2-40B4-BE49-F238E27FC236}">
+                <a16:creationId xmlns:a16="http://schemas.microsoft.com/office/drawing/2014/main" id="{DFBB1786-9648-1448-BD10-6C3E8C9993F7}"/>
+              </a:ext>
+            </a:extLst>
+          </p:cNvPr>
+          <p:cNvSpPr txBox="1"/>
+          <p:nvPr/>
+        </p:nvSpPr>
+        <p:spPr>
+          <a:xfrm>
+            <a:off x="9323478" y="5077121"/>
+            <a:ext cx="377026" cy="523220"/>
+          </a:xfrm>
+          <a:prstGeom prst="rect">
+            <a:avLst/>
+          </a:prstGeom>
+          <a:noFill/>
+        </p:spPr>
+        <p:txBody>
+          <a:bodyPr wrap="none" rtlCol="0">
+            <a:spAutoFit/>
+          </a:bodyPr>
+          <a:lstStyle/>
+          <a:p>
+            <a:r>
+              <a:rPr lang="en-RS" sz="2800" b="1">
+                <a:solidFill>
+                  <a:srgbClr val="C00000"/>
+                </a:solidFill>
+                <a:latin typeface="Myriad Pro Light" panose="020B0403030403020204" pitchFamily="34" charset="0"/>
+              </a:rPr>
+              <a:t>3</a:t>
+            </a:r>
+          </a:p>
+        </p:txBody>
+      </p:sp>
+      <p:sp>
+        <p:nvSpPr>
+          <p:cNvPr id="28" name="Rectangle 27">
+            <a:extLst>
+              <a:ext uri="{FF2B5EF4-FFF2-40B4-BE49-F238E27FC236}">
+                <a16:creationId xmlns:a16="http://schemas.microsoft.com/office/drawing/2014/main" id="{D0252FA8-BC4E-2143-B620-77F75C36870E}"/>
+              </a:ext>
+            </a:extLst>
+          </p:cNvPr>
+          <p:cNvSpPr/>
+          <p:nvPr/>
+        </p:nvSpPr>
+        <p:spPr>
+          <a:xfrm>
+            <a:off x="2920640" y="3241113"/>
+            <a:ext cx="700894" cy="700894"/>
+          </a:xfrm>
+          <a:prstGeom prst="rect">
+            <a:avLst/>
+          </a:prstGeom>
+          <a:noFill/>
+          <a:ln w="38100"/>
+        </p:spPr>
+        <p:style>
+          <a:lnRef idx="2">
+            <a:schemeClr val="accent1">
+              <a:shade val="50000"/>
+            </a:schemeClr>
+          </a:lnRef>
+          <a:fillRef idx="1">
+            <a:schemeClr val="accent1"/>
+          </a:fillRef>
+          <a:effectRef idx="0">
+            <a:schemeClr val="accent1"/>
+          </a:effectRef>
+          <a:fontRef idx="minor">
+            <a:schemeClr val="lt1"/>
+          </a:fontRef>
+        </p:style>
+        <p:txBody>
+          <a:bodyPr rtlCol="0" anchor="ctr"/>
+          <a:lstStyle/>
+          <a:p>
+            <a:pPr algn="ctr"/>
+            <a:r>
+              <a:rPr lang="en-RS" b="1">
+                <a:ln>
+                  <a:solidFill>
+                    <a:schemeClr val="accent1">
+                      <a:lumMod val="75000"/>
+                    </a:schemeClr>
+                  </a:solidFill>
+                </a:ln>
+                <a:solidFill>
+                  <a:schemeClr val="accent1">
+                    <a:lumMod val="75000"/>
+                  </a:schemeClr>
+                </a:solidFill>
+                <a:latin typeface="Myriad Pro Light" panose="020B0403030403020204" pitchFamily="34" charset="0"/>
+              </a:rPr>
+              <a:t>D1</a:t>
+            </a:r>
+          </a:p>
+        </p:txBody>
+      </p:sp>
+      <p:cxnSp>
+        <p:nvCxnSpPr>
+          <p:cNvPr id="29" name="Straight Arrow Connector 28">
+            <a:extLst>
+              <a:ext uri="{FF2B5EF4-FFF2-40B4-BE49-F238E27FC236}">
+                <a16:creationId xmlns:a16="http://schemas.microsoft.com/office/drawing/2014/main" id="{4D750665-DBB6-0840-B7FB-CEA7AB4D4915}"/>
+              </a:ext>
+            </a:extLst>
+          </p:cNvPr>
+          <p:cNvCxnSpPr>
+            <a:cxnSpLocks/>
+          </p:cNvCxnSpPr>
+          <p:nvPr/>
+        </p:nvCxnSpPr>
+        <p:spPr>
+          <a:xfrm flipV="1">
+            <a:off x="3270655" y="4094480"/>
+            <a:ext cx="432" cy="1960094"/>
+          </a:xfrm>
+          <a:prstGeom prst="straightConnector1">
+            <a:avLst/>
+          </a:prstGeom>
+          <a:ln w="38100">
+            <a:solidFill>
+              <a:schemeClr val="accent1">
+                <a:lumMod val="75000"/>
+              </a:schemeClr>
+            </a:solidFill>
+            <a:tailEnd type="triangle"/>
+          </a:ln>
+        </p:spPr>
+        <p:style>
+          <a:lnRef idx="1">
+            <a:schemeClr val="accent1"/>
+          </a:lnRef>
+          <a:fillRef idx="0">
+            <a:schemeClr val="accent1"/>
+          </a:fillRef>
+          <a:effectRef idx="0">
+            <a:schemeClr val="accent1"/>
+          </a:effectRef>
+          <a:fontRef idx="minor">
+            <a:schemeClr val="tx1"/>
+          </a:fontRef>
+        </p:style>
+      </p:cxnSp>
+      <p:sp>
+        <p:nvSpPr>
+          <p:cNvPr id="30" name="Rectangle 29">
+            <a:extLst>
+              <a:ext uri="{FF2B5EF4-FFF2-40B4-BE49-F238E27FC236}">
+                <a16:creationId xmlns:a16="http://schemas.microsoft.com/office/drawing/2014/main" id="{7FBF86B7-2145-D44A-AE98-59E70378AEE4}"/>
+              </a:ext>
+            </a:extLst>
+          </p:cNvPr>
+          <p:cNvSpPr/>
+          <p:nvPr/>
+        </p:nvSpPr>
+        <p:spPr>
+          <a:xfrm>
+            <a:off x="2588346" y="4868265"/>
+            <a:ext cx="1457750" cy="391684"/>
+          </a:xfrm>
+          <a:prstGeom prst="rect">
+            <a:avLst/>
+          </a:prstGeom>
+        </p:spPr>
+        <p:style>
+          <a:lnRef idx="2">
+            <a:schemeClr val="accent1">
+              <a:shade val="50000"/>
+            </a:schemeClr>
+          </a:lnRef>
+          <a:fillRef idx="1">
+            <a:schemeClr val="accent1"/>
+          </a:fillRef>
+          <a:effectRef idx="0">
+            <a:schemeClr val="accent1"/>
+          </a:effectRef>
+          <a:fontRef idx="minor">
+            <a:schemeClr val="lt1"/>
+          </a:fontRef>
+        </p:style>
+        <p:txBody>
+          <a:bodyPr rtlCol="0" anchor="ctr"/>
+          <a:lstStyle/>
+          <a:p>
+            <a:pPr algn="ctr"/>
+            <a:r>
+              <a:rPr lang="en-RS" b="1">
+                <a:latin typeface="Myriad Pro Light" panose="020B0403030403020204" pitchFamily="34" charset="0"/>
+              </a:rPr>
+              <a:t>UPDATE</a:t>
+            </a:r>
+          </a:p>
+        </p:txBody>
+      </p:sp>
+      <p:sp>
+        <p:nvSpPr>
+          <p:cNvPr id="31" name="TextBox 30">
+            <a:extLst>
+              <a:ext uri="{FF2B5EF4-FFF2-40B4-BE49-F238E27FC236}">
+                <a16:creationId xmlns:a16="http://schemas.microsoft.com/office/drawing/2014/main" id="{37D4CD11-B00A-9C48-A021-15444038893C}"/>
+              </a:ext>
+            </a:extLst>
+          </p:cNvPr>
+          <p:cNvSpPr txBox="1"/>
+          <p:nvPr/>
+        </p:nvSpPr>
+        <p:spPr>
+          <a:xfrm>
+            <a:off x="2894061" y="4412932"/>
+            <a:ext cx="377026" cy="523220"/>
+          </a:xfrm>
+          <a:prstGeom prst="rect">
+            <a:avLst/>
+          </a:prstGeom>
+          <a:noFill/>
+        </p:spPr>
+        <p:txBody>
+          <a:bodyPr wrap="none" rtlCol="0">
+            <a:spAutoFit/>
+          </a:bodyPr>
+          <a:lstStyle/>
+          <a:p>
+            <a:r>
+              <a:rPr lang="en-RS" sz="2800" b="1">
+                <a:solidFill>
+                  <a:srgbClr val="C00000"/>
+                </a:solidFill>
+                <a:latin typeface="Myriad Pro Light" panose="020B0403030403020204" pitchFamily="34" charset="0"/>
+              </a:rPr>
+              <a:t>1</a:t>
+            </a:r>
+          </a:p>
+        </p:txBody>
+      </p:sp>
+      <p:cxnSp>
+        <p:nvCxnSpPr>
+          <p:cNvPr id="35" name="Straight Connector 34">
+            <a:extLst>
+              <a:ext uri="{FF2B5EF4-FFF2-40B4-BE49-F238E27FC236}">
+                <a16:creationId xmlns:a16="http://schemas.microsoft.com/office/drawing/2014/main" id="{F20B565E-F1A4-8F40-AB41-C57996A785B6}"/>
+              </a:ext>
+            </a:extLst>
+          </p:cNvPr>
+          <p:cNvCxnSpPr/>
+          <p:nvPr/>
+        </p:nvCxnSpPr>
+        <p:spPr>
+          <a:xfrm>
+            <a:off x="9242482" y="6000729"/>
+            <a:ext cx="0" cy="437939"/>
+          </a:xfrm>
+          <a:prstGeom prst="line">
+            <a:avLst/>
+          </a:prstGeom>
+          <a:ln w="38100">
+            <a:solidFill>
+              <a:schemeClr val="accent1">
+                <a:lumMod val="75000"/>
+              </a:schemeClr>
+            </a:solidFill>
+          </a:ln>
+        </p:spPr>
+        <p:style>
+          <a:lnRef idx="1">
+            <a:schemeClr val="accent1"/>
+          </a:lnRef>
+          <a:fillRef idx="0">
+            <a:schemeClr val="accent1"/>
+          </a:fillRef>
+          <a:effectRef idx="0">
+            <a:schemeClr val="accent1"/>
+          </a:effectRef>
+          <a:fontRef idx="minor">
+            <a:schemeClr val="tx1"/>
+          </a:fontRef>
+        </p:style>
+      </p:cxnSp>
     </p:spTree>
     <p:extLst>
       <p:ext uri="{BB962C8B-B14F-4D97-AF65-F5344CB8AC3E}">
-        <p14:creationId xmlns:p14="http://schemas.microsoft.com/office/powerpoint/2010/main" val="1389133583"/>
+        <p14:creationId xmlns:p14="http://schemas.microsoft.com/office/powerpoint/2010/main" val="309992484"/>
       </p:ext>
     </p:extLst>
   </p:cSld>
@@ -3520,10 +5358,10 @@
       </p:grpSpPr>
       <p:sp>
         <p:nvSpPr>
-          <p:cNvPr id="2" name="TextBox 1">
-            <a:extLst>
-              <a:ext uri="{FF2B5EF4-FFF2-40B4-BE49-F238E27FC236}">
-                <a16:creationId xmlns:a16="http://schemas.microsoft.com/office/drawing/2014/main" id="{59037820-2A95-E943-AB1B-816DE3AD5D5F}"/>
+          <p:cNvPr id="4" name="TextBox 3">
+            <a:extLst>
+              <a:ext uri="{FF2B5EF4-FFF2-40B4-BE49-F238E27FC236}">
+                <a16:creationId xmlns:a16="http://schemas.microsoft.com/office/drawing/2014/main" id="{907B1718-8761-7240-B7EB-B2CFF277E6A3}"/>
               </a:ext>
             </a:extLst>
           </p:cNvPr>
@@ -3533,7 +5371,104 @@
         <p:spPr>
           <a:xfrm>
             <a:off x="0" y="0"/>
-            <a:ext cx="3778663" cy="646331"/>
+            <a:ext cx="12192000" cy="646331"/>
+          </a:xfrm>
+          <a:prstGeom prst="rect">
+            <a:avLst/>
+          </a:prstGeom>
+          <a:solidFill>
+            <a:schemeClr val="accent1">
+              <a:lumMod val="75000"/>
+            </a:schemeClr>
+          </a:solidFill>
+          <a:ln>
+            <a:solidFill>
+              <a:schemeClr val="accent1">
+                <a:lumMod val="75000"/>
+              </a:schemeClr>
+            </a:solidFill>
+          </a:ln>
+        </p:spPr>
+        <p:txBody>
+          <a:bodyPr wrap="square" rtlCol="0">
+            <a:spAutoFit/>
+          </a:bodyPr>
+          <a:lstStyle/>
+          <a:p>
+            <a:r>
+              <a:rPr lang="en-US" sz="3600" b="1">
+                <a:solidFill>
+                  <a:schemeClr val="bg1"/>
+                </a:solidFill>
+                <a:latin typeface="Myriad Pro Light" panose="020B0403030403020204" pitchFamily="34" charset="0"/>
+              </a:rPr>
+              <a:t>Problem #3: Unrepeatable read</a:t>
+            </a:r>
+          </a:p>
+        </p:txBody>
+      </p:sp>
+      <p:cxnSp>
+        <p:nvCxnSpPr>
+          <p:cNvPr id="3" name="Straight Arrow Connector 2">
+            <a:extLst>
+              <a:ext uri="{FF2B5EF4-FFF2-40B4-BE49-F238E27FC236}">
+                <a16:creationId xmlns:a16="http://schemas.microsoft.com/office/drawing/2014/main" id="{DAE367D8-F979-CE4E-BED0-815E4A65B59C}"/>
+              </a:ext>
+            </a:extLst>
+          </p:cNvPr>
+          <p:cNvCxnSpPr>
+            <a:cxnSpLocks/>
+          </p:cNvCxnSpPr>
+          <p:nvPr/>
+        </p:nvCxnSpPr>
+        <p:spPr>
+          <a:xfrm>
+            <a:off x="1214082" y="1236017"/>
+            <a:ext cx="9261431" cy="0"/>
+          </a:xfrm>
+          <a:prstGeom prst="straightConnector1">
+            <a:avLst/>
+          </a:prstGeom>
+          <a:ln w="38100">
+            <a:solidFill>
+              <a:schemeClr val="accent1">
+                <a:lumMod val="75000"/>
+              </a:schemeClr>
+            </a:solidFill>
+            <a:tailEnd type="triangle" w="lg" len="lg"/>
+          </a:ln>
+        </p:spPr>
+        <p:style>
+          <a:lnRef idx="1">
+            <a:schemeClr val="accent1"/>
+          </a:lnRef>
+          <a:fillRef idx="0">
+            <a:schemeClr val="accent1"/>
+          </a:fillRef>
+          <a:effectRef idx="0">
+            <a:schemeClr val="accent1"/>
+          </a:effectRef>
+          <a:fontRef idx="minor">
+            <a:schemeClr val="tx1"/>
+          </a:fontRef>
+        </p:style>
+      </p:cxnSp>
+      <p:sp>
+        <p:nvSpPr>
+          <p:cNvPr id="6" name="TextBox 5">
+            <a:extLst>
+              <a:ext uri="{FF2B5EF4-FFF2-40B4-BE49-F238E27FC236}">
+                <a16:creationId xmlns:a16="http://schemas.microsoft.com/office/drawing/2014/main" id="{0D5CA038-C564-384E-992F-8BE26843C162}"/>
+              </a:ext>
+            </a:extLst>
+          </p:cNvPr>
+          <p:cNvSpPr txBox="1"/>
+          <p:nvPr/>
+        </p:nvSpPr>
+        <p:spPr>
+          <a:xfrm>
+            <a:off x="5559635" y="589686"/>
+            <a:ext cx="1072730" cy="646331"/>
           </a:xfrm>
           <a:prstGeom prst="rect">
             <a:avLst/>
@@ -3547,46 +5482,1071 @@
           <a:lstStyle/>
           <a:p>
             <a:r>
-              <a:rPr lang="en-US" sz="3600" b="1"/>
-              <a:t>Unrepeatable read</a:t>
-            </a:r>
-          </a:p>
-        </p:txBody>
-      </p:sp>
-      <p:pic>
-        <p:nvPicPr>
-          <p:cNvPr id="5" name="Picture 4" descr="A close up of a clock&#10;&#10;Description automatically generated">
-            <a:extLst>
-              <a:ext uri="{FF2B5EF4-FFF2-40B4-BE49-F238E27FC236}">
-                <a16:creationId xmlns:a16="http://schemas.microsoft.com/office/drawing/2014/main" id="{BE775F3F-A1B5-924F-A6CF-C53B3CC0FF85}"/>
-              </a:ext>
-            </a:extLst>
-          </p:cNvPr>
-          <p:cNvPicPr>
-            <a:picLocks noChangeAspect="1"/>
-          </p:cNvPicPr>
-          <p:nvPr/>
-        </p:nvPicPr>
-        <p:blipFill>
-          <a:blip r:embed="rId2"/>
-          <a:stretch>
-            <a:fillRect/>
-          </a:stretch>
-        </p:blipFill>
-        <p:spPr>
-          <a:xfrm>
-            <a:off x="2034289" y="1252840"/>
-            <a:ext cx="8123421" cy="5605160"/>
+              <a:rPr lang="en-RS" sz="3600" b="1">
+                <a:solidFill>
+                  <a:schemeClr val="accent1">
+                    <a:lumMod val="75000"/>
+                  </a:schemeClr>
+                </a:solidFill>
+                <a:latin typeface="Myriad Pro Light" panose="020B0403030403020204" pitchFamily="34" charset="0"/>
+              </a:rPr>
+              <a:t>Tx A</a:t>
+            </a:r>
+          </a:p>
+        </p:txBody>
+      </p:sp>
+      <p:cxnSp>
+        <p:nvCxnSpPr>
+          <p:cNvPr id="7" name="Straight Arrow Connector 6">
+            <a:extLst>
+              <a:ext uri="{FF2B5EF4-FFF2-40B4-BE49-F238E27FC236}">
+                <a16:creationId xmlns:a16="http://schemas.microsoft.com/office/drawing/2014/main" id="{F9AC25A1-09F4-4340-8469-9191DAC63AE4}"/>
+              </a:ext>
+            </a:extLst>
+          </p:cNvPr>
+          <p:cNvCxnSpPr>
+            <a:cxnSpLocks/>
+          </p:cNvCxnSpPr>
+          <p:nvPr/>
+        </p:nvCxnSpPr>
+        <p:spPr>
+          <a:xfrm>
+            <a:off x="1194361" y="6179059"/>
+            <a:ext cx="5135319" cy="0"/>
+          </a:xfrm>
+          <a:prstGeom prst="straightConnector1">
+            <a:avLst/>
+          </a:prstGeom>
+          <a:ln w="38100">
+            <a:solidFill>
+              <a:schemeClr val="accent1">
+                <a:lumMod val="75000"/>
+              </a:schemeClr>
+            </a:solidFill>
+            <a:tailEnd type="triangle" w="lg" len="lg"/>
+          </a:ln>
+        </p:spPr>
+        <p:style>
+          <a:lnRef idx="1">
+            <a:schemeClr val="accent1"/>
+          </a:lnRef>
+          <a:fillRef idx="0">
+            <a:schemeClr val="accent1"/>
+          </a:fillRef>
+          <a:effectRef idx="0">
+            <a:schemeClr val="accent1"/>
+          </a:effectRef>
+          <a:fontRef idx="minor">
+            <a:schemeClr val="tx1"/>
+          </a:fontRef>
+        </p:style>
+      </p:cxnSp>
+      <p:sp>
+        <p:nvSpPr>
+          <p:cNvPr id="8" name="TextBox 7">
+            <a:extLst>
+              <a:ext uri="{FF2B5EF4-FFF2-40B4-BE49-F238E27FC236}">
+                <a16:creationId xmlns:a16="http://schemas.microsoft.com/office/drawing/2014/main" id="{889DF298-CA37-C443-BD10-316450C059B6}"/>
+              </a:ext>
+            </a:extLst>
+          </p:cNvPr>
+          <p:cNvSpPr txBox="1"/>
+          <p:nvPr/>
+        </p:nvSpPr>
+        <p:spPr>
+          <a:xfrm>
+            <a:off x="3558714" y="6199995"/>
+            <a:ext cx="1048685" cy="646331"/>
           </a:xfrm>
           <a:prstGeom prst="rect">
             <a:avLst/>
           </a:prstGeom>
-        </p:spPr>
-      </p:pic>
+          <a:noFill/>
+        </p:spPr>
+        <p:txBody>
+          <a:bodyPr wrap="none" rtlCol="0">
+            <a:spAutoFit/>
+          </a:bodyPr>
+          <a:lstStyle/>
+          <a:p>
+            <a:r>
+              <a:rPr lang="en-RS" sz="3600" b="1">
+                <a:solidFill>
+                  <a:schemeClr val="accent1">
+                    <a:lumMod val="75000"/>
+                  </a:schemeClr>
+                </a:solidFill>
+                <a:latin typeface="Myriad Pro Light" panose="020B0403030403020204" pitchFamily="34" charset="0"/>
+              </a:rPr>
+              <a:t>Tx B</a:t>
+            </a:r>
+          </a:p>
+        </p:txBody>
+      </p:sp>
+      <p:sp>
+        <p:nvSpPr>
+          <p:cNvPr id="11" name="Rectangle 10">
+            <a:extLst>
+              <a:ext uri="{FF2B5EF4-FFF2-40B4-BE49-F238E27FC236}">
+                <a16:creationId xmlns:a16="http://schemas.microsoft.com/office/drawing/2014/main" id="{24D6860A-5812-B749-993A-8D7499CE905F}"/>
+              </a:ext>
+            </a:extLst>
+          </p:cNvPr>
+          <p:cNvSpPr/>
+          <p:nvPr/>
+        </p:nvSpPr>
+        <p:spPr>
+          <a:xfrm>
+            <a:off x="6884363" y="3200473"/>
+            <a:ext cx="700894" cy="700894"/>
+          </a:xfrm>
+          <a:prstGeom prst="rect">
+            <a:avLst/>
+          </a:prstGeom>
+          <a:noFill/>
+          <a:ln w="38100"/>
+        </p:spPr>
+        <p:style>
+          <a:lnRef idx="2">
+            <a:schemeClr val="accent1">
+              <a:shade val="50000"/>
+            </a:schemeClr>
+          </a:lnRef>
+          <a:fillRef idx="1">
+            <a:schemeClr val="accent1"/>
+          </a:fillRef>
+          <a:effectRef idx="0">
+            <a:schemeClr val="accent1"/>
+          </a:effectRef>
+          <a:fontRef idx="minor">
+            <a:schemeClr val="lt1"/>
+          </a:fontRef>
+        </p:style>
+        <p:txBody>
+          <a:bodyPr rtlCol="0" anchor="ctr"/>
+          <a:lstStyle/>
+          <a:p>
+            <a:pPr algn="ctr"/>
+            <a:r>
+              <a:rPr lang="en-RS" b="1">
+                <a:ln>
+                  <a:solidFill>
+                    <a:schemeClr val="accent1">
+                      <a:lumMod val="75000"/>
+                    </a:schemeClr>
+                  </a:solidFill>
+                </a:ln>
+                <a:solidFill>
+                  <a:schemeClr val="accent1">
+                    <a:lumMod val="75000"/>
+                  </a:schemeClr>
+                </a:solidFill>
+                <a:latin typeface="Myriad Pro Light" panose="020B0403030403020204" pitchFamily="34" charset="0"/>
+              </a:rPr>
+              <a:t>D1</a:t>
+            </a:r>
+          </a:p>
+        </p:txBody>
+      </p:sp>
+      <p:cxnSp>
+        <p:nvCxnSpPr>
+          <p:cNvPr id="13" name="Straight Arrow Connector 12">
+            <a:extLst>
+              <a:ext uri="{FF2B5EF4-FFF2-40B4-BE49-F238E27FC236}">
+                <a16:creationId xmlns:a16="http://schemas.microsoft.com/office/drawing/2014/main" id="{365517A5-B1F6-CE4B-AFBE-490E0406BB50}"/>
+              </a:ext>
+            </a:extLst>
+          </p:cNvPr>
+          <p:cNvCxnSpPr>
+            <a:cxnSpLocks/>
+          </p:cNvCxnSpPr>
+          <p:nvPr/>
+        </p:nvCxnSpPr>
+        <p:spPr>
+          <a:xfrm>
+            <a:off x="7234811" y="1355466"/>
+            <a:ext cx="0" cy="1712854"/>
+          </a:xfrm>
+          <a:prstGeom prst="straightConnector1">
+            <a:avLst/>
+          </a:prstGeom>
+          <a:ln w="38100">
+            <a:solidFill>
+              <a:schemeClr val="accent1">
+                <a:lumMod val="75000"/>
+              </a:schemeClr>
+            </a:solidFill>
+            <a:tailEnd type="triangle"/>
+          </a:ln>
+        </p:spPr>
+        <p:style>
+          <a:lnRef idx="1">
+            <a:schemeClr val="accent1"/>
+          </a:lnRef>
+          <a:fillRef idx="0">
+            <a:schemeClr val="accent1"/>
+          </a:fillRef>
+          <a:effectRef idx="0">
+            <a:schemeClr val="accent1"/>
+          </a:effectRef>
+          <a:fontRef idx="minor">
+            <a:schemeClr val="tx1"/>
+          </a:fontRef>
+        </p:style>
+      </p:cxnSp>
+      <p:sp>
+        <p:nvSpPr>
+          <p:cNvPr id="15" name="Rectangle 14">
+            <a:extLst>
+              <a:ext uri="{FF2B5EF4-FFF2-40B4-BE49-F238E27FC236}">
+                <a16:creationId xmlns:a16="http://schemas.microsoft.com/office/drawing/2014/main" id="{269D0B31-08FC-AE46-9FD4-DE17EB32D886}"/>
+              </a:ext>
+            </a:extLst>
+          </p:cNvPr>
+          <p:cNvSpPr/>
+          <p:nvPr/>
+        </p:nvSpPr>
+        <p:spPr>
+          <a:xfrm>
+            <a:off x="6552069" y="2226665"/>
+            <a:ext cx="1457750" cy="391684"/>
+          </a:xfrm>
+          <a:prstGeom prst="rect">
+            <a:avLst/>
+          </a:prstGeom>
+        </p:spPr>
+        <p:style>
+          <a:lnRef idx="2">
+            <a:schemeClr val="accent1">
+              <a:shade val="50000"/>
+            </a:schemeClr>
+          </a:lnRef>
+          <a:fillRef idx="1">
+            <a:schemeClr val="accent1"/>
+          </a:fillRef>
+          <a:effectRef idx="0">
+            <a:schemeClr val="accent1"/>
+          </a:effectRef>
+          <a:fontRef idx="minor">
+            <a:schemeClr val="lt1"/>
+          </a:fontRef>
+        </p:style>
+        <p:txBody>
+          <a:bodyPr rtlCol="0" anchor="ctr"/>
+          <a:lstStyle/>
+          <a:p>
+            <a:pPr algn="ctr"/>
+            <a:r>
+              <a:rPr lang="en-RS" b="1">
+                <a:latin typeface="Myriad Pro Light" panose="020B0403030403020204" pitchFamily="34" charset="0"/>
+              </a:rPr>
+              <a:t>SELECT</a:t>
+            </a:r>
+          </a:p>
+        </p:txBody>
+      </p:sp>
+      <p:sp>
+        <p:nvSpPr>
+          <p:cNvPr id="16" name="TextBox 15">
+            <a:extLst>
+              <a:ext uri="{FF2B5EF4-FFF2-40B4-BE49-F238E27FC236}">
+                <a16:creationId xmlns:a16="http://schemas.microsoft.com/office/drawing/2014/main" id="{7594550B-0930-A74D-BFB0-EA1888B64B5A}"/>
+              </a:ext>
+            </a:extLst>
+          </p:cNvPr>
+          <p:cNvSpPr txBox="1"/>
+          <p:nvPr/>
+        </p:nvSpPr>
+        <p:spPr>
+          <a:xfrm>
+            <a:off x="6857784" y="1771332"/>
+            <a:ext cx="377026" cy="523220"/>
+          </a:xfrm>
+          <a:prstGeom prst="rect">
+            <a:avLst/>
+          </a:prstGeom>
+          <a:noFill/>
+        </p:spPr>
+        <p:txBody>
+          <a:bodyPr wrap="none" rtlCol="0">
+            <a:spAutoFit/>
+          </a:bodyPr>
+          <a:lstStyle/>
+          <a:p>
+            <a:r>
+              <a:rPr lang="en-RS" sz="2800" b="1">
+                <a:solidFill>
+                  <a:srgbClr val="C00000"/>
+                </a:solidFill>
+                <a:latin typeface="Myriad Pro Light" panose="020B0403030403020204" pitchFamily="34" charset="0"/>
+              </a:rPr>
+              <a:t>4</a:t>
+            </a:r>
+          </a:p>
+        </p:txBody>
+      </p:sp>
+      <p:cxnSp>
+        <p:nvCxnSpPr>
+          <p:cNvPr id="18" name="Straight Connector 17">
+            <a:extLst>
+              <a:ext uri="{FF2B5EF4-FFF2-40B4-BE49-F238E27FC236}">
+                <a16:creationId xmlns:a16="http://schemas.microsoft.com/office/drawing/2014/main" id="{B367081D-D3F3-1740-8057-463E3BA51DD4}"/>
+              </a:ext>
+            </a:extLst>
+          </p:cNvPr>
+          <p:cNvCxnSpPr/>
+          <p:nvPr/>
+        </p:nvCxnSpPr>
+        <p:spPr>
+          <a:xfrm>
+            <a:off x="1214082" y="1020500"/>
+            <a:ext cx="0" cy="437939"/>
+          </a:xfrm>
+          <a:prstGeom prst="line">
+            <a:avLst/>
+          </a:prstGeom>
+          <a:ln w="38100">
+            <a:solidFill>
+              <a:schemeClr val="accent1">
+                <a:lumMod val="75000"/>
+              </a:schemeClr>
+            </a:solidFill>
+          </a:ln>
+        </p:spPr>
+        <p:style>
+          <a:lnRef idx="1">
+            <a:schemeClr val="accent1"/>
+          </a:lnRef>
+          <a:fillRef idx="0">
+            <a:schemeClr val="accent1"/>
+          </a:fillRef>
+          <a:effectRef idx="0">
+            <a:schemeClr val="accent1"/>
+          </a:effectRef>
+          <a:fontRef idx="minor">
+            <a:schemeClr val="tx1"/>
+          </a:fontRef>
+        </p:style>
+      </p:cxnSp>
+      <p:cxnSp>
+        <p:nvCxnSpPr>
+          <p:cNvPr id="19" name="Straight Connector 18">
+            <a:extLst>
+              <a:ext uri="{FF2B5EF4-FFF2-40B4-BE49-F238E27FC236}">
+                <a16:creationId xmlns:a16="http://schemas.microsoft.com/office/drawing/2014/main" id="{C3EFF11A-F124-E142-9B09-B9C01A7D564A}"/>
+              </a:ext>
+            </a:extLst>
+          </p:cNvPr>
+          <p:cNvCxnSpPr/>
+          <p:nvPr/>
+        </p:nvCxnSpPr>
+        <p:spPr>
+          <a:xfrm>
+            <a:off x="1185124" y="5957634"/>
+            <a:ext cx="0" cy="437939"/>
+          </a:xfrm>
+          <a:prstGeom prst="line">
+            <a:avLst/>
+          </a:prstGeom>
+          <a:ln w="38100">
+            <a:solidFill>
+              <a:schemeClr val="accent1">
+                <a:lumMod val="75000"/>
+              </a:schemeClr>
+            </a:solidFill>
+          </a:ln>
+        </p:spPr>
+        <p:style>
+          <a:lnRef idx="1">
+            <a:schemeClr val="accent1"/>
+          </a:lnRef>
+          <a:fillRef idx="0">
+            <a:schemeClr val="accent1"/>
+          </a:fillRef>
+          <a:effectRef idx="0">
+            <a:schemeClr val="accent1"/>
+          </a:effectRef>
+          <a:fontRef idx="minor">
+            <a:schemeClr val="tx1"/>
+          </a:fontRef>
+        </p:style>
+      </p:cxnSp>
+      <p:cxnSp>
+        <p:nvCxnSpPr>
+          <p:cNvPr id="20" name="Straight Connector 19">
+            <a:extLst>
+              <a:ext uri="{FF2B5EF4-FFF2-40B4-BE49-F238E27FC236}">
+                <a16:creationId xmlns:a16="http://schemas.microsoft.com/office/drawing/2014/main" id="{5F3CC795-87BA-F547-9E61-8D2239EE5F17}"/>
+              </a:ext>
+            </a:extLst>
+          </p:cNvPr>
+          <p:cNvCxnSpPr/>
+          <p:nvPr/>
+        </p:nvCxnSpPr>
+        <p:spPr>
+          <a:xfrm>
+            <a:off x="10486445" y="1017047"/>
+            <a:ext cx="0" cy="437939"/>
+          </a:xfrm>
+          <a:prstGeom prst="line">
+            <a:avLst/>
+          </a:prstGeom>
+          <a:ln w="38100">
+            <a:solidFill>
+              <a:schemeClr val="accent1">
+                <a:lumMod val="75000"/>
+              </a:schemeClr>
+            </a:solidFill>
+          </a:ln>
+        </p:spPr>
+        <p:style>
+          <a:lnRef idx="1">
+            <a:schemeClr val="accent1"/>
+          </a:lnRef>
+          <a:fillRef idx="0">
+            <a:schemeClr val="accent1"/>
+          </a:fillRef>
+          <a:effectRef idx="0">
+            <a:schemeClr val="accent1"/>
+          </a:effectRef>
+          <a:fontRef idx="minor">
+            <a:schemeClr val="tx1"/>
+          </a:fontRef>
+        </p:style>
+      </p:cxnSp>
+      <p:sp>
+        <p:nvSpPr>
+          <p:cNvPr id="23" name="Rectangle 22">
+            <a:extLst>
+              <a:ext uri="{FF2B5EF4-FFF2-40B4-BE49-F238E27FC236}">
+                <a16:creationId xmlns:a16="http://schemas.microsoft.com/office/drawing/2014/main" id="{74BA7C61-B0E1-A148-B75F-D77389553BFC}"/>
+              </a:ext>
+            </a:extLst>
+          </p:cNvPr>
+          <p:cNvSpPr/>
+          <p:nvPr/>
+        </p:nvSpPr>
+        <p:spPr>
+          <a:xfrm>
+            <a:off x="10164091" y="1555184"/>
+            <a:ext cx="1457750" cy="391684"/>
+          </a:xfrm>
+          <a:prstGeom prst="rect">
+            <a:avLst/>
+          </a:prstGeom>
+        </p:spPr>
+        <p:style>
+          <a:lnRef idx="2">
+            <a:schemeClr val="accent1">
+              <a:shade val="50000"/>
+            </a:schemeClr>
+          </a:lnRef>
+          <a:fillRef idx="1">
+            <a:schemeClr val="accent1"/>
+          </a:fillRef>
+          <a:effectRef idx="0">
+            <a:schemeClr val="accent1"/>
+          </a:effectRef>
+          <a:fontRef idx="minor">
+            <a:schemeClr val="lt1"/>
+          </a:fontRef>
+        </p:style>
+        <p:txBody>
+          <a:bodyPr rtlCol="0" anchor="ctr"/>
+          <a:lstStyle/>
+          <a:p>
+            <a:pPr algn="ctr"/>
+            <a:r>
+              <a:rPr lang="en-RS" b="1">
+                <a:latin typeface="Myriad Pro Light" panose="020B0403030403020204" pitchFamily="34" charset="0"/>
+              </a:rPr>
+              <a:t>COMMIT</a:t>
+            </a:r>
+          </a:p>
+        </p:txBody>
+      </p:sp>
+      <p:sp>
+        <p:nvSpPr>
+          <p:cNvPr id="24" name="TextBox 23">
+            <a:extLst>
+              <a:ext uri="{FF2B5EF4-FFF2-40B4-BE49-F238E27FC236}">
+                <a16:creationId xmlns:a16="http://schemas.microsoft.com/office/drawing/2014/main" id="{B8B698FD-B939-254D-8F6E-95AE0B75F63F}"/>
+              </a:ext>
+            </a:extLst>
+          </p:cNvPr>
+          <p:cNvSpPr txBox="1"/>
+          <p:nvPr/>
+        </p:nvSpPr>
+        <p:spPr>
+          <a:xfrm>
+            <a:off x="10469806" y="1099851"/>
+            <a:ext cx="377026" cy="523220"/>
+          </a:xfrm>
+          <a:prstGeom prst="rect">
+            <a:avLst/>
+          </a:prstGeom>
+          <a:noFill/>
+        </p:spPr>
+        <p:txBody>
+          <a:bodyPr wrap="none" rtlCol="0">
+            <a:spAutoFit/>
+          </a:bodyPr>
+          <a:lstStyle/>
+          <a:p>
+            <a:r>
+              <a:rPr lang="en-RS" sz="2800" b="1">
+                <a:solidFill>
+                  <a:srgbClr val="C00000"/>
+                </a:solidFill>
+                <a:latin typeface="Myriad Pro Light" panose="020B0403030403020204" pitchFamily="34" charset="0"/>
+              </a:rPr>
+              <a:t>5</a:t>
+            </a:r>
+          </a:p>
+        </p:txBody>
+      </p:sp>
+      <p:sp>
+        <p:nvSpPr>
+          <p:cNvPr id="25" name="Rectangle 24">
+            <a:extLst>
+              <a:ext uri="{FF2B5EF4-FFF2-40B4-BE49-F238E27FC236}">
+                <a16:creationId xmlns:a16="http://schemas.microsoft.com/office/drawing/2014/main" id="{AFD971F6-3E09-C54B-A51D-C459E493293B}"/>
+              </a:ext>
+            </a:extLst>
+          </p:cNvPr>
+          <p:cNvSpPr/>
+          <p:nvPr/>
+        </p:nvSpPr>
+        <p:spPr>
+          <a:xfrm>
+            <a:off x="6122163" y="5491814"/>
+            <a:ext cx="1457750" cy="391684"/>
+          </a:xfrm>
+          <a:prstGeom prst="rect">
+            <a:avLst/>
+          </a:prstGeom>
+        </p:spPr>
+        <p:style>
+          <a:lnRef idx="2">
+            <a:schemeClr val="accent1">
+              <a:shade val="50000"/>
+            </a:schemeClr>
+          </a:lnRef>
+          <a:fillRef idx="1">
+            <a:schemeClr val="accent1"/>
+          </a:fillRef>
+          <a:effectRef idx="0">
+            <a:schemeClr val="accent1"/>
+          </a:effectRef>
+          <a:fontRef idx="minor">
+            <a:schemeClr val="lt1"/>
+          </a:fontRef>
+        </p:style>
+        <p:txBody>
+          <a:bodyPr rtlCol="0" anchor="ctr"/>
+          <a:lstStyle/>
+          <a:p>
+            <a:pPr algn="ctr"/>
+            <a:r>
+              <a:rPr lang="en-RS" b="1">
+                <a:latin typeface="Myriad Pro Light" panose="020B0403030403020204" pitchFamily="34" charset="0"/>
+              </a:rPr>
+              <a:t>COMMIT</a:t>
+            </a:r>
+          </a:p>
+        </p:txBody>
+      </p:sp>
+      <p:sp>
+        <p:nvSpPr>
+          <p:cNvPr id="26" name="TextBox 25">
+            <a:extLst>
+              <a:ext uri="{FF2B5EF4-FFF2-40B4-BE49-F238E27FC236}">
+                <a16:creationId xmlns:a16="http://schemas.microsoft.com/office/drawing/2014/main" id="{DFBB1786-9648-1448-BD10-6C3E8C9993F7}"/>
+              </a:ext>
+            </a:extLst>
+          </p:cNvPr>
+          <p:cNvSpPr txBox="1"/>
+          <p:nvPr/>
+        </p:nvSpPr>
+        <p:spPr>
+          <a:xfrm>
+            <a:off x="6427878" y="5036481"/>
+            <a:ext cx="377026" cy="523220"/>
+          </a:xfrm>
+          <a:prstGeom prst="rect">
+            <a:avLst/>
+          </a:prstGeom>
+          <a:noFill/>
+        </p:spPr>
+        <p:txBody>
+          <a:bodyPr wrap="none" rtlCol="0">
+            <a:spAutoFit/>
+          </a:bodyPr>
+          <a:lstStyle/>
+          <a:p>
+            <a:r>
+              <a:rPr lang="en-RS" sz="2800" b="1">
+                <a:solidFill>
+                  <a:srgbClr val="C00000"/>
+                </a:solidFill>
+                <a:latin typeface="Myriad Pro Light" panose="020B0403030403020204" pitchFamily="34" charset="0"/>
+              </a:rPr>
+              <a:t>3</a:t>
+            </a:r>
+          </a:p>
+        </p:txBody>
+      </p:sp>
+      <p:sp>
+        <p:nvSpPr>
+          <p:cNvPr id="28" name="Rectangle 27">
+            <a:extLst>
+              <a:ext uri="{FF2B5EF4-FFF2-40B4-BE49-F238E27FC236}">
+                <a16:creationId xmlns:a16="http://schemas.microsoft.com/office/drawing/2014/main" id="{D0252FA8-BC4E-2143-B620-77F75C36870E}"/>
+              </a:ext>
+            </a:extLst>
+          </p:cNvPr>
+          <p:cNvSpPr/>
+          <p:nvPr/>
+        </p:nvSpPr>
+        <p:spPr>
+          <a:xfrm>
+            <a:off x="3703877" y="3200473"/>
+            <a:ext cx="700894" cy="700894"/>
+          </a:xfrm>
+          <a:prstGeom prst="rect">
+            <a:avLst/>
+          </a:prstGeom>
+          <a:noFill/>
+          <a:ln w="38100"/>
+        </p:spPr>
+        <p:style>
+          <a:lnRef idx="2">
+            <a:schemeClr val="accent1">
+              <a:shade val="50000"/>
+            </a:schemeClr>
+          </a:lnRef>
+          <a:fillRef idx="1">
+            <a:schemeClr val="accent1"/>
+          </a:fillRef>
+          <a:effectRef idx="0">
+            <a:schemeClr val="accent1"/>
+          </a:effectRef>
+          <a:fontRef idx="minor">
+            <a:schemeClr val="lt1"/>
+          </a:fontRef>
+        </p:style>
+        <p:txBody>
+          <a:bodyPr rtlCol="0" anchor="ctr"/>
+          <a:lstStyle/>
+          <a:p>
+            <a:pPr algn="ctr"/>
+            <a:r>
+              <a:rPr lang="en-RS" b="1">
+                <a:ln>
+                  <a:solidFill>
+                    <a:schemeClr val="accent1">
+                      <a:lumMod val="75000"/>
+                    </a:schemeClr>
+                  </a:solidFill>
+                </a:ln>
+                <a:solidFill>
+                  <a:schemeClr val="accent1">
+                    <a:lumMod val="75000"/>
+                  </a:schemeClr>
+                </a:solidFill>
+                <a:latin typeface="Myriad Pro Light" panose="020B0403030403020204" pitchFamily="34" charset="0"/>
+              </a:rPr>
+              <a:t>D1</a:t>
+            </a:r>
+          </a:p>
+        </p:txBody>
+      </p:sp>
+      <p:cxnSp>
+        <p:nvCxnSpPr>
+          <p:cNvPr id="29" name="Straight Arrow Connector 28">
+            <a:extLst>
+              <a:ext uri="{FF2B5EF4-FFF2-40B4-BE49-F238E27FC236}">
+                <a16:creationId xmlns:a16="http://schemas.microsoft.com/office/drawing/2014/main" id="{4D750665-DBB6-0840-B7FB-CEA7AB4D4915}"/>
+              </a:ext>
+            </a:extLst>
+          </p:cNvPr>
+          <p:cNvCxnSpPr>
+            <a:cxnSpLocks/>
+          </p:cNvCxnSpPr>
+          <p:nvPr/>
+        </p:nvCxnSpPr>
+        <p:spPr>
+          <a:xfrm flipV="1">
+            <a:off x="4053892" y="4053840"/>
+            <a:ext cx="432" cy="1960094"/>
+          </a:xfrm>
+          <a:prstGeom prst="straightConnector1">
+            <a:avLst/>
+          </a:prstGeom>
+          <a:ln w="38100">
+            <a:solidFill>
+              <a:schemeClr val="accent1">
+                <a:lumMod val="75000"/>
+              </a:schemeClr>
+            </a:solidFill>
+            <a:tailEnd type="triangle"/>
+          </a:ln>
+        </p:spPr>
+        <p:style>
+          <a:lnRef idx="1">
+            <a:schemeClr val="accent1"/>
+          </a:lnRef>
+          <a:fillRef idx="0">
+            <a:schemeClr val="accent1"/>
+          </a:fillRef>
+          <a:effectRef idx="0">
+            <a:schemeClr val="accent1"/>
+          </a:effectRef>
+          <a:fontRef idx="minor">
+            <a:schemeClr val="tx1"/>
+          </a:fontRef>
+        </p:style>
+      </p:cxnSp>
+      <p:sp>
+        <p:nvSpPr>
+          <p:cNvPr id="30" name="Rectangle 29">
+            <a:extLst>
+              <a:ext uri="{FF2B5EF4-FFF2-40B4-BE49-F238E27FC236}">
+                <a16:creationId xmlns:a16="http://schemas.microsoft.com/office/drawing/2014/main" id="{7FBF86B7-2145-D44A-AE98-59E70378AEE4}"/>
+              </a:ext>
+            </a:extLst>
+          </p:cNvPr>
+          <p:cNvSpPr/>
+          <p:nvPr/>
+        </p:nvSpPr>
+        <p:spPr>
+          <a:xfrm>
+            <a:off x="3371583" y="4827625"/>
+            <a:ext cx="1457750" cy="391684"/>
+          </a:xfrm>
+          <a:prstGeom prst="rect">
+            <a:avLst/>
+          </a:prstGeom>
+        </p:spPr>
+        <p:style>
+          <a:lnRef idx="2">
+            <a:schemeClr val="accent1">
+              <a:shade val="50000"/>
+            </a:schemeClr>
+          </a:lnRef>
+          <a:fillRef idx="1">
+            <a:schemeClr val="accent1"/>
+          </a:fillRef>
+          <a:effectRef idx="0">
+            <a:schemeClr val="accent1"/>
+          </a:effectRef>
+          <a:fontRef idx="minor">
+            <a:schemeClr val="lt1"/>
+          </a:fontRef>
+        </p:style>
+        <p:txBody>
+          <a:bodyPr rtlCol="0" anchor="ctr"/>
+          <a:lstStyle/>
+          <a:p>
+            <a:pPr algn="ctr"/>
+            <a:r>
+              <a:rPr lang="en-RS" b="1">
+                <a:latin typeface="Myriad Pro Light" panose="020B0403030403020204" pitchFamily="34" charset="0"/>
+              </a:rPr>
+              <a:t>UPDATE</a:t>
+            </a:r>
+          </a:p>
+        </p:txBody>
+      </p:sp>
+      <p:sp>
+        <p:nvSpPr>
+          <p:cNvPr id="31" name="TextBox 30">
+            <a:extLst>
+              <a:ext uri="{FF2B5EF4-FFF2-40B4-BE49-F238E27FC236}">
+                <a16:creationId xmlns:a16="http://schemas.microsoft.com/office/drawing/2014/main" id="{37D4CD11-B00A-9C48-A021-15444038893C}"/>
+              </a:ext>
+            </a:extLst>
+          </p:cNvPr>
+          <p:cNvSpPr txBox="1"/>
+          <p:nvPr/>
+        </p:nvSpPr>
+        <p:spPr>
+          <a:xfrm>
+            <a:off x="3677298" y="4372292"/>
+            <a:ext cx="377026" cy="523220"/>
+          </a:xfrm>
+          <a:prstGeom prst="rect">
+            <a:avLst/>
+          </a:prstGeom>
+          <a:noFill/>
+        </p:spPr>
+        <p:txBody>
+          <a:bodyPr wrap="none" rtlCol="0">
+            <a:spAutoFit/>
+          </a:bodyPr>
+          <a:lstStyle/>
+          <a:p>
+            <a:r>
+              <a:rPr lang="en-RS" sz="2800" b="1">
+                <a:solidFill>
+                  <a:srgbClr val="C00000"/>
+                </a:solidFill>
+                <a:latin typeface="Myriad Pro Light" panose="020B0403030403020204" pitchFamily="34" charset="0"/>
+              </a:rPr>
+              <a:t>2</a:t>
+            </a:r>
+          </a:p>
+        </p:txBody>
+      </p:sp>
+      <p:cxnSp>
+        <p:nvCxnSpPr>
+          <p:cNvPr id="35" name="Straight Connector 34">
+            <a:extLst>
+              <a:ext uri="{FF2B5EF4-FFF2-40B4-BE49-F238E27FC236}">
+                <a16:creationId xmlns:a16="http://schemas.microsoft.com/office/drawing/2014/main" id="{F20B565E-F1A4-8F40-AB41-C57996A785B6}"/>
+              </a:ext>
+            </a:extLst>
+          </p:cNvPr>
+          <p:cNvCxnSpPr/>
+          <p:nvPr/>
+        </p:nvCxnSpPr>
+        <p:spPr>
+          <a:xfrm>
+            <a:off x="6346882" y="5960089"/>
+            <a:ext cx="0" cy="437939"/>
+          </a:xfrm>
+          <a:prstGeom prst="line">
+            <a:avLst/>
+          </a:prstGeom>
+          <a:ln w="38100">
+            <a:solidFill>
+              <a:schemeClr val="accent1">
+                <a:lumMod val="75000"/>
+              </a:schemeClr>
+            </a:solidFill>
+          </a:ln>
+        </p:spPr>
+        <p:style>
+          <a:lnRef idx="1">
+            <a:schemeClr val="accent1"/>
+          </a:lnRef>
+          <a:fillRef idx="0">
+            <a:schemeClr val="accent1"/>
+          </a:fillRef>
+          <a:effectRef idx="0">
+            <a:schemeClr val="accent1"/>
+          </a:effectRef>
+          <a:fontRef idx="minor">
+            <a:schemeClr val="tx1"/>
+          </a:fontRef>
+        </p:style>
+      </p:cxnSp>
+      <p:sp>
+        <p:nvSpPr>
+          <p:cNvPr id="27" name="Rectangle 26">
+            <a:extLst>
+              <a:ext uri="{FF2B5EF4-FFF2-40B4-BE49-F238E27FC236}">
+                <a16:creationId xmlns:a16="http://schemas.microsoft.com/office/drawing/2014/main" id="{FD403F15-1690-574A-9D4B-ABBE9A237230}"/>
+              </a:ext>
+            </a:extLst>
+          </p:cNvPr>
+          <p:cNvSpPr/>
+          <p:nvPr/>
+        </p:nvSpPr>
+        <p:spPr>
+          <a:xfrm>
+            <a:off x="1838089" y="3200473"/>
+            <a:ext cx="700894" cy="700894"/>
+          </a:xfrm>
+          <a:prstGeom prst="rect">
+            <a:avLst/>
+          </a:prstGeom>
+          <a:noFill/>
+          <a:ln w="38100"/>
+        </p:spPr>
+        <p:style>
+          <a:lnRef idx="2">
+            <a:schemeClr val="accent1">
+              <a:shade val="50000"/>
+            </a:schemeClr>
+          </a:lnRef>
+          <a:fillRef idx="1">
+            <a:schemeClr val="accent1"/>
+          </a:fillRef>
+          <a:effectRef idx="0">
+            <a:schemeClr val="accent1"/>
+          </a:effectRef>
+          <a:fontRef idx="minor">
+            <a:schemeClr val="lt1"/>
+          </a:fontRef>
+        </p:style>
+        <p:txBody>
+          <a:bodyPr rtlCol="0" anchor="ctr"/>
+          <a:lstStyle/>
+          <a:p>
+            <a:pPr algn="ctr"/>
+            <a:r>
+              <a:rPr lang="en-RS" b="1">
+                <a:ln>
+                  <a:solidFill>
+                    <a:schemeClr val="accent1">
+                      <a:lumMod val="75000"/>
+                    </a:schemeClr>
+                  </a:solidFill>
+                </a:ln>
+                <a:solidFill>
+                  <a:schemeClr val="accent1">
+                    <a:lumMod val="75000"/>
+                  </a:schemeClr>
+                </a:solidFill>
+                <a:latin typeface="Myriad Pro Light" panose="020B0403030403020204" pitchFamily="34" charset="0"/>
+              </a:rPr>
+              <a:t>D1</a:t>
+            </a:r>
+          </a:p>
+        </p:txBody>
+      </p:sp>
+      <p:cxnSp>
+        <p:nvCxnSpPr>
+          <p:cNvPr id="32" name="Straight Arrow Connector 31">
+            <a:extLst>
+              <a:ext uri="{FF2B5EF4-FFF2-40B4-BE49-F238E27FC236}">
+                <a16:creationId xmlns:a16="http://schemas.microsoft.com/office/drawing/2014/main" id="{000C4DFA-0C61-7D42-A02B-22FA5CDDB492}"/>
+              </a:ext>
+            </a:extLst>
+          </p:cNvPr>
+          <p:cNvCxnSpPr>
+            <a:cxnSpLocks/>
+          </p:cNvCxnSpPr>
+          <p:nvPr/>
+        </p:nvCxnSpPr>
+        <p:spPr>
+          <a:xfrm>
+            <a:off x="2188537" y="1355466"/>
+            <a:ext cx="0" cy="1712854"/>
+          </a:xfrm>
+          <a:prstGeom prst="straightConnector1">
+            <a:avLst/>
+          </a:prstGeom>
+          <a:ln w="38100">
+            <a:solidFill>
+              <a:schemeClr val="accent1">
+                <a:lumMod val="75000"/>
+              </a:schemeClr>
+            </a:solidFill>
+            <a:tailEnd type="triangle"/>
+          </a:ln>
+        </p:spPr>
+        <p:style>
+          <a:lnRef idx="1">
+            <a:schemeClr val="accent1"/>
+          </a:lnRef>
+          <a:fillRef idx="0">
+            <a:schemeClr val="accent1"/>
+          </a:fillRef>
+          <a:effectRef idx="0">
+            <a:schemeClr val="accent1"/>
+          </a:effectRef>
+          <a:fontRef idx="minor">
+            <a:schemeClr val="tx1"/>
+          </a:fontRef>
+        </p:style>
+      </p:cxnSp>
+      <p:sp>
+        <p:nvSpPr>
+          <p:cNvPr id="33" name="Rectangle 32">
+            <a:extLst>
+              <a:ext uri="{FF2B5EF4-FFF2-40B4-BE49-F238E27FC236}">
+                <a16:creationId xmlns:a16="http://schemas.microsoft.com/office/drawing/2014/main" id="{B63DA8F4-B1FE-CC49-9905-B5A91EA9F9A5}"/>
+              </a:ext>
+            </a:extLst>
+          </p:cNvPr>
+          <p:cNvSpPr/>
+          <p:nvPr/>
+        </p:nvSpPr>
+        <p:spPr>
+          <a:xfrm>
+            <a:off x="1505795" y="2226665"/>
+            <a:ext cx="1457750" cy="391684"/>
+          </a:xfrm>
+          <a:prstGeom prst="rect">
+            <a:avLst/>
+          </a:prstGeom>
+        </p:spPr>
+        <p:style>
+          <a:lnRef idx="2">
+            <a:schemeClr val="accent1">
+              <a:shade val="50000"/>
+            </a:schemeClr>
+          </a:lnRef>
+          <a:fillRef idx="1">
+            <a:schemeClr val="accent1"/>
+          </a:fillRef>
+          <a:effectRef idx="0">
+            <a:schemeClr val="accent1"/>
+          </a:effectRef>
+          <a:fontRef idx="minor">
+            <a:schemeClr val="lt1"/>
+          </a:fontRef>
+        </p:style>
+        <p:txBody>
+          <a:bodyPr rtlCol="0" anchor="ctr"/>
+          <a:lstStyle/>
+          <a:p>
+            <a:pPr algn="ctr"/>
+            <a:r>
+              <a:rPr lang="en-RS" b="1">
+                <a:latin typeface="Myriad Pro Light" panose="020B0403030403020204" pitchFamily="34" charset="0"/>
+              </a:rPr>
+              <a:t>SELECT</a:t>
+            </a:r>
+          </a:p>
+        </p:txBody>
+      </p:sp>
+      <p:sp>
+        <p:nvSpPr>
+          <p:cNvPr id="34" name="TextBox 33">
+            <a:extLst>
+              <a:ext uri="{FF2B5EF4-FFF2-40B4-BE49-F238E27FC236}">
+                <a16:creationId xmlns:a16="http://schemas.microsoft.com/office/drawing/2014/main" id="{C5E9034D-0975-B44C-9A0B-6B0095E202C8}"/>
+              </a:ext>
+            </a:extLst>
+          </p:cNvPr>
+          <p:cNvSpPr txBox="1"/>
+          <p:nvPr/>
+        </p:nvSpPr>
+        <p:spPr>
+          <a:xfrm>
+            <a:off x="1811510" y="1771332"/>
+            <a:ext cx="377026" cy="523220"/>
+          </a:xfrm>
+          <a:prstGeom prst="rect">
+            <a:avLst/>
+          </a:prstGeom>
+          <a:noFill/>
+        </p:spPr>
+        <p:txBody>
+          <a:bodyPr wrap="none" rtlCol="0">
+            <a:spAutoFit/>
+          </a:bodyPr>
+          <a:lstStyle/>
+          <a:p>
+            <a:r>
+              <a:rPr lang="en-RS" sz="2800" b="1">
+                <a:solidFill>
+                  <a:srgbClr val="C00000"/>
+                </a:solidFill>
+                <a:latin typeface="Myriad Pro Light" panose="020B0403030403020204" pitchFamily="34" charset="0"/>
+              </a:rPr>
+              <a:t>1</a:t>
+            </a:r>
+          </a:p>
+        </p:txBody>
+      </p:sp>
     </p:spTree>
     <p:extLst>
       <p:ext uri="{BB962C8B-B14F-4D97-AF65-F5344CB8AC3E}">
-        <p14:creationId xmlns:p14="http://schemas.microsoft.com/office/powerpoint/2010/main" val="3769436826"/>
+        <p14:creationId xmlns:p14="http://schemas.microsoft.com/office/powerpoint/2010/main" val="926649505"/>
       </p:ext>
     </p:extLst>
   </p:cSld>
@@ -3615,10 +6575,10 @@
       </p:grpSpPr>
       <p:sp>
         <p:nvSpPr>
-          <p:cNvPr id="2" name="TextBox 1">
-            <a:extLst>
-              <a:ext uri="{FF2B5EF4-FFF2-40B4-BE49-F238E27FC236}">
-                <a16:creationId xmlns:a16="http://schemas.microsoft.com/office/drawing/2014/main" id="{59037820-2A95-E943-AB1B-816DE3AD5D5F}"/>
+          <p:cNvPr id="4" name="TextBox 3">
+            <a:extLst>
+              <a:ext uri="{FF2B5EF4-FFF2-40B4-BE49-F238E27FC236}">
+                <a16:creationId xmlns:a16="http://schemas.microsoft.com/office/drawing/2014/main" id="{907B1718-8761-7240-B7EB-B2CFF277E6A3}"/>
               </a:ext>
             </a:extLst>
           </p:cNvPr>
@@ -3628,7 +6588,104 @@
         <p:spPr>
           <a:xfrm>
             <a:off x="0" y="0"/>
-            <a:ext cx="2900602" cy="646331"/>
+            <a:ext cx="12192000" cy="646331"/>
+          </a:xfrm>
+          <a:prstGeom prst="rect">
+            <a:avLst/>
+          </a:prstGeom>
+          <a:solidFill>
+            <a:schemeClr val="accent1">
+              <a:lumMod val="75000"/>
+            </a:schemeClr>
+          </a:solidFill>
+          <a:ln>
+            <a:solidFill>
+              <a:schemeClr val="accent1">
+                <a:lumMod val="75000"/>
+              </a:schemeClr>
+            </a:solidFill>
+          </a:ln>
+        </p:spPr>
+        <p:txBody>
+          <a:bodyPr wrap="square" rtlCol="0">
+            <a:spAutoFit/>
+          </a:bodyPr>
+          <a:lstStyle/>
+          <a:p>
+            <a:r>
+              <a:rPr lang="en-US" sz="3600" b="1">
+                <a:solidFill>
+                  <a:schemeClr val="bg1"/>
+                </a:solidFill>
+                <a:latin typeface="Myriad Pro Light" panose="020B0403030403020204" pitchFamily="34" charset="0"/>
+              </a:rPr>
+              <a:t>Problem #4: Phantom read</a:t>
+            </a:r>
+          </a:p>
+        </p:txBody>
+      </p:sp>
+      <p:cxnSp>
+        <p:nvCxnSpPr>
+          <p:cNvPr id="3" name="Straight Arrow Connector 2">
+            <a:extLst>
+              <a:ext uri="{FF2B5EF4-FFF2-40B4-BE49-F238E27FC236}">
+                <a16:creationId xmlns:a16="http://schemas.microsoft.com/office/drawing/2014/main" id="{DAE367D8-F979-CE4E-BED0-815E4A65B59C}"/>
+              </a:ext>
+            </a:extLst>
+          </p:cNvPr>
+          <p:cNvCxnSpPr>
+            <a:cxnSpLocks/>
+          </p:cNvCxnSpPr>
+          <p:nvPr/>
+        </p:nvCxnSpPr>
+        <p:spPr>
+          <a:xfrm>
+            <a:off x="1214082" y="1225857"/>
+            <a:ext cx="9261431" cy="0"/>
+          </a:xfrm>
+          <a:prstGeom prst="straightConnector1">
+            <a:avLst/>
+          </a:prstGeom>
+          <a:ln w="38100">
+            <a:solidFill>
+              <a:schemeClr val="accent1">
+                <a:lumMod val="75000"/>
+              </a:schemeClr>
+            </a:solidFill>
+            <a:tailEnd type="triangle" w="lg" len="lg"/>
+          </a:ln>
+        </p:spPr>
+        <p:style>
+          <a:lnRef idx="1">
+            <a:schemeClr val="accent1"/>
+          </a:lnRef>
+          <a:fillRef idx="0">
+            <a:schemeClr val="accent1"/>
+          </a:fillRef>
+          <a:effectRef idx="0">
+            <a:schemeClr val="accent1"/>
+          </a:effectRef>
+          <a:fontRef idx="minor">
+            <a:schemeClr val="tx1"/>
+          </a:fontRef>
+        </p:style>
+      </p:cxnSp>
+      <p:sp>
+        <p:nvSpPr>
+          <p:cNvPr id="6" name="TextBox 5">
+            <a:extLst>
+              <a:ext uri="{FF2B5EF4-FFF2-40B4-BE49-F238E27FC236}">
+                <a16:creationId xmlns:a16="http://schemas.microsoft.com/office/drawing/2014/main" id="{0D5CA038-C564-384E-992F-8BE26843C162}"/>
+              </a:ext>
+            </a:extLst>
+          </p:cNvPr>
+          <p:cNvSpPr txBox="1"/>
+          <p:nvPr/>
+        </p:nvSpPr>
+        <p:spPr>
+          <a:xfrm>
+            <a:off x="5559635" y="579526"/>
+            <a:ext cx="1072730" cy="646331"/>
           </a:xfrm>
           <a:prstGeom prst="rect">
             <a:avLst/>
@@ -3642,46 +6699,1071 @@
           <a:lstStyle/>
           <a:p>
             <a:r>
-              <a:rPr lang="en-US" sz="3600" b="1"/>
-              <a:t>Phantom read</a:t>
-            </a:r>
-          </a:p>
-        </p:txBody>
-      </p:sp>
-      <p:pic>
-        <p:nvPicPr>
-          <p:cNvPr id="4" name="Picture 3" descr="A picture containing clock&#10;&#10;Description automatically generated">
-            <a:extLst>
-              <a:ext uri="{FF2B5EF4-FFF2-40B4-BE49-F238E27FC236}">
-                <a16:creationId xmlns:a16="http://schemas.microsoft.com/office/drawing/2014/main" id="{13BB18ED-61DD-F34C-80C9-32965BB82411}"/>
-              </a:ext>
-            </a:extLst>
-          </p:cNvPr>
-          <p:cNvPicPr>
-            <a:picLocks noChangeAspect="1"/>
-          </p:cNvPicPr>
-          <p:nvPr/>
-        </p:nvPicPr>
-        <p:blipFill>
-          <a:blip r:embed="rId2"/>
-          <a:stretch>
-            <a:fillRect/>
-          </a:stretch>
-        </p:blipFill>
-        <p:spPr>
-          <a:xfrm>
-            <a:off x="1886807" y="880946"/>
-            <a:ext cx="8418386" cy="5977054"/>
+              <a:rPr lang="en-RS" sz="3600" b="1">
+                <a:solidFill>
+                  <a:schemeClr val="accent1">
+                    <a:lumMod val="75000"/>
+                  </a:schemeClr>
+                </a:solidFill>
+                <a:latin typeface="Myriad Pro Light" panose="020B0403030403020204" pitchFamily="34" charset="0"/>
+              </a:rPr>
+              <a:t>Tx A</a:t>
+            </a:r>
+          </a:p>
+        </p:txBody>
+      </p:sp>
+      <p:cxnSp>
+        <p:nvCxnSpPr>
+          <p:cNvPr id="7" name="Straight Arrow Connector 6">
+            <a:extLst>
+              <a:ext uri="{FF2B5EF4-FFF2-40B4-BE49-F238E27FC236}">
+                <a16:creationId xmlns:a16="http://schemas.microsoft.com/office/drawing/2014/main" id="{F9AC25A1-09F4-4340-8469-9191DAC63AE4}"/>
+              </a:ext>
+            </a:extLst>
+          </p:cNvPr>
+          <p:cNvCxnSpPr>
+            <a:cxnSpLocks/>
+          </p:cNvCxnSpPr>
+          <p:nvPr/>
+        </p:nvCxnSpPr>
+        <p:spPr>
+          <a:xfrm>
+            <a:off x="1194361" y="6168899"/>
+            <a:ext cx="5135319" cy="0"/>
+          </a:xfrm>
+          <a:prstGeom prst="straightConnector1">
+            <a:avLst/>
+          </a:prstGeom>
+          <a:ln w="38100">
+            <a:solidFill>
+              <a:schemeClr val="accent1">
+                <a:lumMod val="75000"/>
+              </a:schemeClr>
+            </a:solidFill>
+            <a:tailEnd type="triangle" w="lg" len="lg"/>
+          </a:ln>
+        </p:spPr>
+        <p:style>
+          <a:lnRef idx="1">
+            <a:schemeClr val="accent1"/>
+          </a:lnRef>
+          <a:fillRef idx="0">
+            <a:schemeClr val="accent1"/>
+          </a:fillRef>
+          <a:effectRef idx="0">
+            <a:schemeClr val="accent1"/>
+          </a:effectRef>
+          <a:fontRef idx="minor">
+            <a:schemeClr val="tx1"/>
+          </a:fontRef>
+        </p:style>
+      </p:cxnSp>
+      <p:sp>
+        <p:nvSpPr>
+          <p:cNvPr id="8" name="TextBox 7">
+            <a:extLst>
+              <a:ext uri="{FF2B5EF4-FFF2-40B4-BE49-F238E27FC236}">
+                <a16:creationId xmlns:a16="http://schemas.microsoft.com/office/drawing/2014/main" id="{889DF298-CA37-C443-BD10-316450C059B6}"/>
+              </a:ext>
+            </a:extLst>
+          </p:cNvPr>
+          <p:cNvSpPr txBox="1"/>
+          <p:nvPr/>
+        </p:nvSpPr>
+        <p:spPr>
+          <a:xfrm>
+            <a:off x="3558714" y="6189835"/>
+            <a:ext cx="1048685" cy="646331"/>
           </a:xfrm>
           <a:prstGeom prst="rect">
             <a:avLst/>
           </a:prstGeom>
-        </p:spPr>
-      </p:pic>
+          <a:noFill/>
+        </p:spPr>
+        <p:txBody>
+          <a:bodyPr wrap="none" rtlCol="0">
+            <a:spAutoFit/>
+          </a:bodyPr>
+          <a:lstStyle/>
+          <a:p>
+            <a:r>
+              <a:rPr lang="en-RS" sz="3600" b="1">
+                <a:solidFill>
+                  <a:schemeClr val="accent1">
+                    <a:lumMod val="75000"/>
+                  </a:schemeClr>
+                </a:solidFill>
+                <a:latin typeface="Myriad Pro Light" panose="020B0403030403020204" pitchFamily="34" charset="0"/>
+              </a:rPr>
+              <a:t>Tx B</a:t>
+            </a:r>
+          </a:p>
+        </p:txBody>
+      </p:sp>
+      <p:sp>
+        <p:nvSpPr>
+          <p:cNvPr id="11" name="Rectangle 10">
+            <a:extLst>
+              <a:ext uri="{FF2B5EF4-FFF2-40B4-BE49-F238E27FC236}">
+                <a16:creationId xmlns:a16="http://schemas.microsoft.com/office/drawing/2014/main" id="{24D6860A-5812-B749-993A-8D7499CE905F}"/>
+              </a:ext>
+            </a:extLst>
+          </p:cNvPr>
+          <p:cNvSpPr/>
+          <p:nvPr/>
+        </p:nvSpPr>
+        <p:spPr>
+          <a:xfrm>
+            <a:off x="6884363" y="3190313"/>
+            <a:ext cx="700894" cy="700894"/>
+          </a:xfrm>
+          <a:prstGeom prst="rect">
+            <a:avLst/>
+          </a:prstGeom>
+          <a:noFill/>
+          <a:ln w="38100"/>
+        </p:spPr>
+        <p:style>
+          <a:lnRef idx="2">
+            <a:schemeClr val="accent1">
+              <a:shade val="50000"/>
+            </a:schemeClr>
+          </a:lnRef>
+          <a:fillRef idx="1">
+            <a:schemeClr val="accent1"/>
+          </a:fillRef>
+          <a:effectRef idx="0">
+            <a:schemeClr val="accent1"/>
+          </a:effectRef>
+          <a:fontRef idx="minor">
+            <a:schemeClr val="lt1"/>
+          </a:fontRef>
+        </p:style>
+        <p:txBody>
+          <a:bodyPr rtlCol="0" anchor="ctr"/>
+          <a:lstStyle/>
+          <a:p>
+            <a:pPr algn="ctr"/>
+            <a:r>
+              <a:rPr lang="en-RS" b="1">
+                <a:ln>
+                  <a:solidFill>
+                    <a:schemeClr val="accent1">
+                      <a:lumMod val="75000"/>
+                    </a:schemeClr>
+                  </a:solidFill>
+                </a:ln>
+                <a:solidFill>
+                  <a:schemeClr val="accent1">
+                    <a:lumMod val="75000"/>
+                  </a:schemeClr>
+                </a:solidFill>
+                <a:latin typeface="Myriad Pro Light" panose="020B0403030403020204" pitchFamily="34" charset="0"/>
+              </a:rPr>
+              <a:t>D1 D2</a:t>
+            </a:r>
+          </a:p>
+        </p:txBody>
+      </p:sp>
+      <p:cxnSp>
+        <p:nvCxnSpPr>
+          <p:cNvPr id="13" name="Straight Arrow Connector 12">
+            <a:extLst>
+              <a:ext uri="{FF2B5EF4-FFF2-40B4-BE49-F238E27FC236}">
+                <a16:creationId xmlns:a16="http://schemas.microsoft.com/office/drawing/2014/main" id="{365517A5-B1F6-CE4B-AFBE-490E0406BB50}"/>
+              </a:ext>
+            </a:extLst>
+          </p:cNvPr>
+          <p:cNvCxnSpPr>
+            <a:cxnSpLocks/>
+          </p:cNvCxnSpPr>
+          <p:nvPr/>
+        </p:nvCxnSpPr>
+        <p:spPr>
+          <a:xfrm>
+            <a:off x="7234811" y="1345306"/>
+            <a:ext cx="0" cy="1712854"/>
+          </a:xfrm>
+          <a:prstGeom prst="straightConnector1">
+            <a:avLst/>
+          </a:prstGeom>
+          <a:ln w="38100">
+            <a:solidFill>
+              <a:schemeClr val="accent1">
+                <a:lumMod val="75000"/>
+              </a:schemeClr>
+            </a:solidFill>
+            <a:tailEnd type="triangle"/>
+          </a:ln>
+        </p:spPr>
+        <p:style>
+          <a:lnRef idx="1">
+            <a:schemeClr val="accent1"/>
+          </a:lnRef>
+          <a:fillRef idx="0">
+            <a:schemeClr val="accent1"/>
+          </a:fillRef>
+          <a:effectRef idx="0">
+            <a:schemeClr val="accent1"/>
+          </a:effectRef>
+          <a:fontRef idx="minor">
+            <a:schemeClr val="tx1"/>
+          </a:fontRef>
+        </p:style>
+      </p:cxnSp>
+      <p:sp>
+        <p:nvSpPr>
+          <p:cNvPr id="15" name="Rectangle 14">
+            <a:extLst>
+              <a:ext uri="{FF2B5EF4-FFF2-40B4-BE49-F238E27FC236}">
+                <a16:creationId xmlns:a16="http://schemas.microsoft.com/office/drawing/2014/main" id="{269D0B31-08FC-AE46-9FD4-DE17EB32D886}"/>
+              </a:ext>
+            </a:extLst>
+          </p:cNvPr>
+          <p:cNvSpPr/>
+          <p:nvPr/>
+        </p:nvSpPr>
+        <p:spPr>
+          <a:xfrm>
+            <a:off x="6552069" y="2216505"/>
+            <a:ext cx="1457750" cy="391684"/>
+          </a:xfrm>
+          <a:prstGeom prst="rect">
+            <a:avLst/>
+          </a:prstGeom>
+        </p:spPr>
+        <p:style>
+          <a:lnRef idx="2">
+            <a:schemeClr val="accent1">
+              <a:shade val="50000"/>
+            </a:schemeClr>
+          </a:lnRef>
+          <a:fillRef idx="1">
+            <a:schemeClr val="accent1"/>
+          </a:fillRef>
+          <a:effectRef idx="0">
+            <a:schemeClr val="accent1"/>
+          </a:effectRef>
+          <a:fontRef idx="minor">
+            <a:schemeClr val="lt1"/>
+          </a:fontRef>
+        </p:style>
+        <p:txBody>
+          <a:bodyPr rtlCol="0" anchor="ctr"/>
+          <a:lstStyle/>
+          <a:p>
+            <a:pPr algn="ctr"/>
+            <a:r>
+              <a:rPr lang="en-RS" b="1">
+                <a:latin typeface="Myriad Pro Light" panose="020B0403030403020204" pitchFamily="34" charset="0"/>
+              </a:rPr>
+              <a:t>SELECT</a:t>
+            </a:r>
+          </a:p>
+        </p:txBody>
+      </p:sp>
+      <p:sp>
+        <p:nvSpPr>
+          <p:cNvPr id="16" name="TextBox 15">
+            <a:extLst>
+              <a:ext uri="{FF2B5EF4-FFF2-40B4-BE49-F238E27FC236}">
+                <a16:creationId xmlns:a16="http://schemas.microsoft.com/office/drawing/2014/main" id="{7594550B-0930-A74D-BFB0-EA1888B64B5A}"/>
+              </a:ext>
+            </a:extLst>
+          </p:cNvPr>
+          <p:cNvSpPr txBox="1"/>
+          <p:nvPr/>
+        </p:nvSpPr>
+        <p:spPr>
+          <a:xfrm>
+            <a:off x="6857784" y="1761172"/>
+            <a:ext cx="377026" cy="523220"/>
+          </a:xfrm>
+          <a:prstGeom prst="rect">
+            <a:avLst/>
+          </a:prstGeom>
+          <a:noFill/>
+        </p:spPr>
+        <p:txBody>
+          <a:bodyPr wrap="none" rtlCol="0">
+            <a:spAutoFit/>
+          </a:bodyPr>
+          <a:lstStyle/>
+          <a:p>
+            <a:r>
+              <a:rPr lang="en-RS" sz="2800" b="1">
+                <a:solidFill>
+                  <a:srgbClr val="C00000"/>
+                </a:solidFill>
+                <a:latin typeface="Myriad Pro Light" panose="020B0403030403020204" pitchFamily="34" charset="0"/>
+              </a:rPr>
+              <a:t>4</a:t>
+            </a:r>
+          </a:p>
+        </p:txBody>
+      </p:sp>
+      <p:cxnSp>
+        <p:nvCxnSpPr>
+          <p:cNvPr id="18" name="Straight Connector 17">
+            <a:extLst>
+              <a:ext uri="{FF2B5EF4-FFF2-40B4-BE49-F238E27FC236}">
+                <a16:creationId xmlns:a16="http://schemas.microsoft.com/office/drawing/2014/main" id="{B367081D-D3F3-1740-8057-463E3BA51DD4}"/>
+              </a:ext>
+            </a:extLst>
+          </p:cNvPr>
+          <p:cNvCxnSpPr/>
+          <p:nvPr/>
+        </p:nvCxnSpPr>
+        <p:spPr>
+          <a:xfrm>
+            <a:off x="1214082" y="1010340"/>
+            <a:ext cx="0" cy="437939"/>
+          </a:xfrm>
+          <a:prstGeom prst="line">
+            <a:avLst/>
+          </a:prstGeom>
+          <a:ln w="38100">
+            <a:solidFill>
+              <a:schemeClr val="accent1">
+                <a:lumMod val="75000"/>
+              </a:schemeClr>
+            </a:solidFill>
+          </a:ln>
+        </p:spPr>
+        <p:style>
+          <a:lnRef idx="1">
+            <a:schemeClr val="accent1"/>
+          </a:lnRef>
+          <a:fillRef idx="0">
+            <a:schemeClr val="accent1"/>
+          </a:fillRef>
+          <a:effectRef idx="0">
+            <a:schemeClr val="accent1"/>
+          </a:effectRef>
+          <a:fontRef idx="minor">
+            <a:schemeClr val="tx1"/>
+          </a:fontRef>
+        </p:style>
+      </p:cxnSp>
+      <p:cxnSp>
+        <p:nvCxnSpPr>
+          <p:cNvPr id="19" name="Straight Connector 18">
+            <a:extLst>
+              <a:ext uri="{FF2B5EF4-FFF2-40B4-BE49-F238E27FC236}">
+                <a16:creationId xmlns:a16="http://schemas.microsoft.com/office/drawing/2014/main" id="{C3EFF11A-F124-E142-9B09-B9C01A7D564A}"/>
+              </a:ext>
+            </a:extLst>
+          </p:cNvPr>
+          <p:cNvCxnSpPr/>
+          <p:nvPr/>
+        </p:nvCxnSpPr>
+        <p:spPr>
+          <a:xfrm>
+            <a:off x="1185124" y="5947474"/>
+            <a:ext cx="0" cy="437939"/>
+          </a:xfrm>
+          <a:prstGeom prst="line">
+            <a:avLst/>
+          </a:prstGeom>
+          <a:ln w="38100">
+            <a:solidFill>
+              <a:schemeClr val="accent1">
+                <a:lumMod val="75000"/>
+              </a:schemeClr>
+            </a:solidFill>
+          </a:ln>
+        </p:spPr>
+        <p:style>
+          <a:lnRef idx="1">
+            <a:schemeClr val="accent1"/>
+          </a:lnRef>
+          <a:fillRef idx="0">
+            <a:schemeClr val="accent1"/>
+          </a:fillRef>
+          <a:effectRef idx="0">
+            <a:schemeClr val="accent1"/>
+          </a:effectRef>
+          <a:fontRef idx="minor">
+            <a:schemeClr val="tx1"/>
+          </a:fontRef>
+        </p:style>
+      </p:cxnSp>
+      <p:cxnSp>
+        <p:nvCxnSpPr>
+          <p:cNvPr id="20" name="Straight Connector 19">
+            <a:extLst>
+              <a:ext uri="{FF2B5EF4-FFF2-40B4-BE49-F238E27FC236}">
+                <a16:creationId xmlns:a16="http://schemas.microsoft.com/office/drawing/2014/main" id="{5F3CC795-87BA-F547-9E61-8D2239EE5F17}"/>
+              </a:ext>
+            </a:extLst>
+          </p:cNvPr>
+          <p:cNvCxnSpPr/>
+          <p:nvPr/>
+        </p:nvCxnSpPr>
+        <p:spPr>
+          <a:xfrm>
+            <a:off x="10486445" y="1006887"/>
+            <a:ext cx="0" cy="437939"/>
+          </a:xfrm>
+          <a:prstGeom prst="line">
+            <a:avLst/>
+          </a:prstGeom>
+          <a:ln w="38100">
+            <a:solidFill>
+              <a:schemeClr val="accent1">
+                <a:lumMod val="75000"/>
+              </a:schemeClr>
+            </a:solidFill>
+          </a:ln>
+        </p:spPr>
+        <p:style>
+          <a:lnRef idx="1">
+            <a:schemeClr val="accent1"/>
+          </a:lnRef>
+          <a:fillRef idx="0">
+            <a:schemeClr val="accent1"/>
+          </a:fillRef>
+          <a:effectRef idx="0">
+            <a:schemeClr val="accent1"/>
+          </a:effectRef>
+          <a:fontRef idx="minor">
+            <a:schemeClr val="tx1"/>
+          </a:fontRef>
+        </p:style>
+      </p:cxnSp>
+      <p:sp>
+        <p:nvSpPr>
+          <p:cNvPr id="23" name="Rectangle 22">
+            <a:extLst>
+              <a:ext uri="{FF2B5EF4-FFF2-40B4-BE49-F238E27FC236}">
+                <a16:creationId xmlns:a16="http://schemas.microsoft.com/office/drawing/2014/main" id="{74BA7C61-B0E1-A148-B75F-D77389553BFC}"/>
+              </a:ext>
+            </a:extLst>
+          </p:cNvPr>
+          <p:cNvSpPr/>
+          <p:nvPr/>
+        </p:nvSpPr>
+        <p:spPr>
+          <a:xfrm>
+            <a:off x="10164091" y="1545024"/>
+            <a:ext cx="1457750" cy="391684"/>
+          </a:xfrm>
+          <a:prstGeom prst="rect">
+            <a:avLst/>
+          </a:prstGeom>
+        </p:spPr>
+        <p:style>
+          <a:lnRef idx="2">
+            <a:schemeClr val="accent1">
+              <a:shade val="50000"/>
+            </a:schemeClr>
+          </a:lnRef>
+          <a:fillRef idx="1">
+            <a:schemeClr val="accent1"/>
+          </a:fillRef>
+          <a:effectRef idx="0">
+            <a:schemeClr val="accent1"/>
+          </a:effectRef>
+          <a:fontRef idx="minor">
+            <a:schemeClr val="lt1"/>
+          </a:fontRef>
+        </p:style>
+        <p:txBody>
+          <a:bodyPr rtlCol="0" anchor="ctr"/>
+          <a:lstStyle/>
+          <a:p>
+            <a:pPr algn="ctr"/>
+            <a:r>
+              <a:rPr lang="en-RS" b="1">
+                <a:latin typeface="Myriad Pro Light" panose="020B0403030403020204" pitchFamily="34" charset="0"/>
+              </a:rPr>
+              <a:t>COMMIT</a:t>
+            </a:r>
+          </a:p>
+        </p:txBody>
+      </p:sp>
+      <p:sp>
+        <p:nvSpPr>
+          <p:cNvPr id="24" name="TextBox 23">
+            <a:extLst>
+              <a:ext uri="{FF2B5EF4-FFF2-40B4-BE49-F238E27FC236}">
+                <a16:creationId xmlns:a16="http://schemas.microsoft.com/office/drawing/2014/main" id="{B8B698FD-B939-254D-8F6E-95AE0B75F63F}"/>
+              </a:ext>
+            </a:extLst>
+          </p:cNvPr>
+          <p:cNvSpPr txBox="1"/>
+          <p:nvPr/>
+        </p:nvSpPr>
+        <p:spPr>
+          <a:xfrm>
+            <a:off x="10469806" y="1089691"/>
+            <a:ext cx="377026" cy="523220"/>
+          </a:xfrm>
+          <a:prstGeom prst="rect">
+            <a:avLst/>
+          </a:prstGeom>
+          <a:noFill/>
+        </p:spPr>
+        <p:txBody>
+          <a:bodyPr wrap="none" rtlCol="0">
+            <a:spAutoFit/>
+          </a:bodyPr>
+          <a:lstStyle/>
+          <a:p>
+            <a:r>
+              <a:rPr lang="en-RS" sz="2800" b="1">
+                <a:solidFill>
+                  <a:srgbClr val="C00000"/>
+                </a:solidFill>
+                <a:latin typeface="Myriad Pro Light" panose="020B0403030403020204" pitchFamily="34" charset="0"/>
+              </a:rPr>
+              <a:t>5</a:t>
+            </a:r>
+          </a:p>
+        </p:txBody>
+      </p:sp>
+      <p:sp>
+        <p:nvSpPr>
+          <p:cNvPr id="25" name="Rectangle 24">
+            <a:extLst>
+              <a:ext uri="{FF2B5EF4-FFF2-40B4-BE49-F238E27FC236}">
+                <a16:creationId xmlns:a16="http://schemas.microsoft.com/office/drawing/2014/main" id="{AFD971F6-3E09-C54B-A51D-C459E493293B}"/>
+              </a:ext>
+            </a:extLst>
+          </p:cNvPr>
+          <p:cNvSpPr/>
+          <p:nvPr/>
+        </p:nvSpPr>
+        <p:spPr>
+          <a:xfrm>
+            <a:off x="6122163" y="5481654"/>
+            <a:ext cx="1457750" cy="391684"/>
+          </a:xfrm>
+          <a:prstGeom prst="rect">
+            <a:avLst/>
+          </a:prstGeom>
+        </p:spPr>
+        <p:style>
+          <a:lnRef idx="2">
+            <a:schemeClr val="accent1">
+              <a:shade val="50000"/>
+            </a:schemeClr>
+          </a:lnRef>
+          <a:fillRef idx="1">
+            <a:schemeClr val="accent1"/>
+          </a:fillRef>
+          <a:effectRef idx="0">
+            <a:schemeClr val="accent1"/>
+          </a:effectRef>
+          <a:fontRef idx="minor">
+            <a:schemeClr val="lt1"/>
+          </a:fontRef>
+        </p:style>
+        <p:txBody>
+          <a:bodyPr rtlCol="0" anchor="ctr"/>
+          <a:lstStyle/>
+          <a:p>
+            <a:pPr algn="ctr"/>
+            <a:r>
+              <a:rPr lang="en-RS" b="1">
+                <a:latin typeface="Myriad Pro Light" panose="020B0403030403020204" pitchFamily="34" charset="0"/>
+              </a:rPr>
+              <a:t>COMMIT</a:t>
+            </a:r>
+          </a:p>
+        </p:txBody>
+      </p:sp>
+      <p:sp>
+        <p:nvSpPr>
+          <p:cNvPr id="26" name="TextBox 25">
+            <a:extLst>
+              <a:ext uri="{FF2B5EF4-FFF2-40B4-BE49-F238E27FC236}">
+                <a16:creationId xmlns:a16="http://schemas.microsoft.com/office/drawing/2014/main" id="{DFBB1786-9648-1448-BD10-6C3E8C9993F7}"/>
+              </a:ext>
+            </a:extLst>
+          </p:cNvPr>
+          <p:cNvSpPr txBox="1"/>
+          <p:nvPr/>
+        </p:nvSpPr>
+        <p:spPr>
+          <a:xfrm>
+            <a:off x="6427878" y="5026321"/>
+            <a:ext cx="377026" cy="523220"/>
+          </a:xfrm>
+          <a:prstGeom prst="rect">
+            <a:avLst/>
+          </a:prstGeom>
+          <a:noFill/>
+        </p:spPr>
+        <p:txBody>
+          <a:bodyPr wrap="none" rtlCol="0">
+            <a:spAutoFit/>
+          </a:bodyPr>
+          <a:lstStyle/>
+          <a:p>
+            <a:r>
+              <a:rPr lang="en-RS" sz="2800" b="1">
+                <a:solidFill>
+                  <a:srgbClr val="C00000"/>
+                </a:solidFill>
+                <a:latin typeface="Myriad Pro Light" panose="020B0403030403020204" pitchFamily="34" charset="0"/>
+              </a:rPr>
+              <a:t>3</a:t>
+            </a:r>
+          </a:p>
+        </p:txBody>
+      </p:sp>
+      <p:sp>
+        <p:nvSpPr>
+          <p:cNvPr id="28" name="Rectangle 27">
+            <a:extLst>
+              <a:ext uri="{FF2B5EF4-FFF2-40B4-BE49-F238E27FC236}">
+                <a16:creationId xmlns:a16="http://schemas.microsoft.com/office/drawing/2014/main" id="{D0252FA8-BC4E-2143-B620-77F75C36870E}"/>
+              </a:ext>
+            </a:extLst>
+          </p:cNvPr>
+          <p:cNvSpPr/>
+          <p:nvPr/>
+        </p:nvSpPr>
+        <p:spPr>
+          <a:xfrm>
+            <a:off x="3703877" y="3190313"/>
+            <a:ext cx="700894" cy="700894"/>
+          </a:xfrm>
+          <a:prstGeom prst="rect">
+            <a:avLst/>
+          </a:prstGeom>
+          <a:noFill/>
+          <a:ln w="38100"/>
+        </p:spPr>
+        <p:style>
+          <a:lnRef idx="2">
+            <a:schemeClr val="accent1">
+              <a:shade val="50000"/>
+            </a:schemeClr>
+          </a:lnRef>
+          <a:fillRef idx="1">
+            <a:schemeClr val="accent1"/>
+          </a:fillRef>
+          <a:effectRef idx="0">
+            <a:schemeClr val="accent1"/>
+          </a:effectRef>
+          <a:fontRef idx="minor">
+            <a:schemeClr val="lt1"/>
+          </a:fontRef>
+        </p:style>
+        <p:txBody>
+          <a:bodyPr rtlCol="0" anchor="ctr"/>
+          <a:lstStyle/>
+          <a:p>
+            <a:pPr algn="ctr"/>
+            <a:r>
+              <a:rPr lang="en-RS" b="1">
+                <a:ln>
+                  <a:solidFill>
+                    <a:schemeClr val="accent1">
+                      <a:lumMod val="75000"/>
+                    </a:schemeClr>
+                  </a:solidFill>
+                </a:ln>
+                <a:solidFill>
+                  <a:schemeClr val="accent1">
+                    <a:lumMod val="75000"/>
+                  </a:schemeClr>
+                </a:solidFill>
+                <a:latin typeface="Myriad Pro Light" panose="020B0403030403020204" pitchFamily="34" charset="0"/>
+              </a:rPr>
+              <a:t>D1</a:t>
+            </a:r>
+          </a:p>
+        </p:txBody>
+      </p:sp>
+      <p:cxnSp>
+        <p:nvCxnSpPr>
+          <p:cNvPr id="29" name="Straight Arrow Connector 28">
+            <a:extLst>
+              <a:ext uri="{FF2B5EF4-FFF2-40B4-BE49-F238E27FC236}">
+                <a16:creationId xmlns:a16="http://schemas.microsoft.com/office/drawing/2014/main" id="{4D750665-DBB6-0840-B7FB-CEA7AB4D4915}"/>
+              </a:ext>
+            </a:extLst>
+          </p:cNvPr>
+          <p:cNvCxnSpPr>
+            <a:cxnSpLocks/>
+          </p:cNvCxnSpPr>
+          <p:nvPr/>
+        </p:nvCxnSpPr>
+        <p:spPr>
+          <a:xfrm flipV="1">
+            <a:off x="4053892" y="4043680"/>
+            <a:ext cx="432" cy="1960094"/>
+          </a:xfrm>
+          <a:prstGeom prst="straightConnector1">
+            <a:avLst/>
+          </a:prstGeom>
+          <a:ln w="38100">
+            <a:solidFill>
+              <a:schemeClr val="accent1">
+                <a:lumMod val="75000"/>
+              </a:schemeClr>
+            </a:solidFill>
+            <a:tailEnd type="triangle"/>
+          </a:ln>
+        </p:spPr>
+        <p:style>
+          <a:lnRef idx="1">
+            <a:schemeClr val="accent1"/>
+          </a:lnRef>
+          <a:fillRef idx="0">
+            <a:schemeClr val="accent1"/>
+          </a:fillRef>
+          <a:effectRef idx="0">
+            <a:schemeClr val="accent1"/>
+          </a:effectRef>
+          <a:fontRef idx="minor">
+            <a:schemeClr val="tx1"/>
+          </a:fontRef>
+        </p:style>
+      </p:cxnSp>
+      <p:sp>
+        <p:nvSpPr>
+          <p:cNvPr id="30" name="Rectangle 29">
+            <a:extLst>
+              <a:ext uri="{FF2B5EF4-FFF2-40B4-BE49-F238E27FC236}">
+                <a16:creationId xmlns:a16="http://schemas.microsoft.com/office/drawing/2014/main" id="{7FBF86B7-2145-D44A-AE98-59E70378AEE4}"/>
+              </a:ext>
+            </a:extLst>
+          </p:cNvPr>
+          <p:cNvSpPr/>
+          <p:nvPr/>
+        </p:nvSpPr>
+        <p:spPr>
+          <a:xfrm>
+            <a:off x="3371583" y="4817465"/>
+            <a:ext cx="1457750" cy="391684"/>
+          </a:xfrm>
+          <a:prstGeom prst="rect">
+            <a:avLst/>
+          </a:prstGeom>
+        </p:spPr>
+        <p:style>
+          <a:lnRef idx="2">
+            <a:schemeClr val="accent1">
+              <a:shade val="50000"/>
+            </a:schemeClr>
+          </a:lnRef>
+          <a:fillRef idx="1">
+            <a:schemeClr val="accent1"/>
+          </a:fillRef>
+          <a:effectRef idx="0">
+            <a:schemeClr val="accent1"/>
+          </a:effectRef>
+          <a:fontRef idx="minor">
+            <a:schemeClr val="lt1"/>
+          </a:fontRef>
+        </p:style>
+        <p:txBody>
+          <a:bodyPr rtlCol="0" anchor="ctr"/>
+          <a:lstStyle/>
+          <a:p>
+            <a:pPr algn="ctr"/>
+            <a:r>
+              <a:rPr lang="en-RS" b="1">
+                <a:latin typeface="Myriad Pro Light" panose="020B0403030403020204" pitchFamily="34" charset="0"/>
+              </a:rPr>
+              <a:t>INSERT</a:t>
+            </a:r>
+          </a:p>
+        </p:txBody>
+      </p:sp>
+      <p:sp>
+        <p:nvSpPr>
+          <p:cNvPr id="31" name="TextBox 30">
+            <a:extLst>
+              <a:ext uri="{FF2B5EF4-FFF2-40B4-BE49-F238E27FC236}">
+                <a16:creationId xmlns:a16="http://schemas.microsoft.com/office/drawing/2014/main" id="{37D4CD11-B00A-9C48-A021-15444038893C}"/>
+              </a:ext>
+            </a:extLst>
+          </p:cNvPr>
+          <p:cNvSpPr txBox="1"/>
+          <p:nvPr/>
+        </p:nvSpPr>
+        <p:spPr>
+          <a:xfrm>
+            <a:off x="3677298" y="4362132"/>
+            <a:ext cx="377026" cy="523220"/>
+          </a:xfrm>
+          <a:prstGeom prst="rect">
+            <a:avLst/>
+          </a:prstGeom>
+          <a:noFill/>
+        </p:spPr>
+        <p:txBody>
+          <a:bodyPr wrap="none" rtlCol="0">
+            <a:spAutoFit/>
+          </a:bodyPr>
+          <a:lstStyle/>
+          <a:p>
+            <a:r>
+              <a:rPr lang="en-RS" sz="2800" b="1">
+                <a:solidFill>
+                  <a:srgbClr val="C00000"/>
+                </a:solidFill>
+                <a:latin typeface="Myriad Pro Light" panose="020B0403030403020204" pitchFamily="34" charset="0"/>
+              </a:rPr>
+              <a:t>2</a:t>
+            </a:r>
+          </a:p>
+        </p:txBody>
+      </p:sp>
+      <p:cxnSp>
+        <p:nvCxnSpPr>
+          <p:cNvPr id="35" name="Straight Connector 34">
+            <a:extLst>
+              <a:ext uri="{FF2B5EF4-FFF2-40B4-BE49-F238E27FC236}">
+                <a16:creationId xmlns:a16="http://schemas.microsoft.com/office/drawing/2014/main" id="{F20B565E-F1A4-8F40-AB41-C57996A785B6}"/>
+              </a:ext>
+            </a:extLst>
+          </p:cNvPr>
+          <p:cNvCxnSpPr/>
+          <p:nvPr/>
+        </p:nvCxnSpPr>
+        <p:spPr>
+          <a:xfrm>
+            <a:off x="6346882" y="5949929"/>
+            <a:ext cx="0" cy="437939"/>
+          </a:xfrm>
+          <a:prstGeom prst="line">
+            <a:avLst/>
+          </a:prstGeom>
+          <a:ln w="38100">
+            <a:solidFill>
+              <a:schemeClr val="accent1">
+                <a:lumMod val="75000"/>
+              </a:schemeClr>
+            </a:solidFill>
+          </a:ln>
+        </p:spPr>
+        <p:style>
+          <a:lnRef idx="1">
+            <a:schemeClr val="accent1"/>
+          </a:lnRef>
+          <a:fillRef idx="0">
+            <a:schemeClr val="accent1"/>
+          </a:fillRef>
+          <a:effectRef idx="0">
+            <a:schemeClr val="accent1"/>
+          </a:effectRef>
+          <a:fontRef idx="minor">
+            <a:schemeClr val="tx1"/>
+          </a:fontRef>
+        </p:style>
+      </p:cxnSp>
+      <p:sp>
+        <p:nvSpPr>
+          <p:cNvPr id="27" name="Rectangle 26">
+            <a:extLst>
+              <a:ext uri="{FF2B5EF4-FFF2-40B4-BE49-F238E27FC236}">
+                <a16:creationId xmlns:a16="http://schemas.microsoft.com/office/drawing/2014/main" id="{FD403F15-1690-574A-9D4B-ABBE9A237230}"/>
+              </a:ext>
+            </a:extLst>
+          </p:cNvPr>
+          <p:cNvSpPr/>
+          <p:nvPr/>
+        </p:nvSpPr>
+        <p:spPr>
+          <a:xfrm>
+            <a:off x="1838089" y="3190313"/>
+            <a:ext cx="700894" cy="700894"/>
+          </a:xfrm>
+          <a:prstGeom prst="rect">
+            <a:avLst/>
+          </a:prstGeom>
+          <a:noFill/>
+          <a:ln w="38100"/>
+        </p:spPr>
+        <p:style>
+          <a:lnRef idx="2">
+            <a:schemeClr val="accent1">
+              <a:shade val="50000"/>
+            </a:schemeClr>
+          </a:lnRef>
+          <a:fillRef idx="1">
+            <a:schemeClr val="accent1"/>
+          </a:fillRef>
+          <a:effectRef idx="0">
+            <a:schemeClr val="accent1"/>
+          </a:effectRef>
+          <a:fontRef idx="minor">
+            <a:schemeClr val="lt1"/>
+          </a:fontRef>
+        </p:style>
+        <p:txBody>
+          <a:bodyPr rtlCol="0" anchor="ctr"/>
+          <a:lstStyle/>
+          <a:p>
+            <a:pPr algn="ctr"/>
+            <a:r>
+              <a:rPr lang="en-RS" b="1">
+                <a:ln>
+                  <a:solidFill>
+                    <a:schemeClr val="accent1">
+                      <a:lumMod val="75000"/>
+                    </a:schemeClr>
+                  </a:solidFill>
+                </a:ln>
+                <a:solidFill>
+                  <a:schemeClr val="accent1">
+                    <a:lumMod val="75000"/>
+                  </a:schemeClr>
+                </a:solidFill>
+                <a:latin typeface="Myriad Pro Light" panose="020B0403030403020204" pitchFamily="34" charset="0"/>
+              </a:rPr>
+              <a:t>D1</a:t>
+            </a:r>
+          </a:p>
+        </p:txBody>
+      </p:sp>
+      <p:cxnSp>
+        <p:nvCxnSpPr>
+          <p:cNvPr id="32" name="Straight Arrow Connector 31">
+            <a:extLst>
+              <a:ext uri="{FF2B5EF4-FFF2-40B4-BE49-F238E27FC236}">
+                <a16:creationId xmlns:a16="http://schemas.microsoft.com/office/drawing/2014/main" id="{000C4DFA-0C61-7D42-A02B-22FA5CDDB492}"/>
+              </a:ext>
+            </a:extLst>
+          </p:cNvPr>
+          <p:cNvCxnSpPr>
+            <a:cxnSpLocks/>
+          </p:cNvCxnSpPr>
+          <p:nvPr/>
+        </p:nvCxnSpPr>
+        <p:spPr>
+          <a:xfrm>
+            <a:off x="2188537" y="1345306"/>
+            <a:ext cx="0" cy="1712854"/>
+          </a:xfrm>
+          <a:prstGeom prst="straightConnector1">
+            <a:avLst/>
+          </a:prstGeom>
+          <a:ln w="38100">
+            <a:solidFill>
+              <a:schemeClr val="accent1">
+                <a:lumMod val="75000"/>
+              </a:schemeClr>
+            </a:solidFill>
+            <a:tailEnd type="triangle"/>
+          </a:ln>
+        </p:spPr>
+        <p:style>
+          <a:lnRef idx="1">
+            <a:schemeClr val="accent1"/>
+          </a:lnRef>
+          <a:fillRef idx="0">
+            <a:schemeClr val="accent1"/>
+          </a:fillRef>
+          <a:effectRef idx="0">
+            <a:schemeClr val="accent1"/>
+          </a:effectRef>
+          <a:fontRef idx="minor">
+            <a:schemeClr val="tx1"/>
+          </a:fontRef>
+        </p:style>
+      </p:cxnSp>
+      <p:sp>
+        <p:nvSpPr>
+          <p:cNvPr id="33" name="Rectangle 32">
+            <a:extLst>
+              <a:ext uri="{FF2B5EF4-FFF2-40B4-BE49-F238E27FC236}">
+                <a16:creationId xmlns:a16="http://schemas.microsoft.com/office/drawing/2014/main" id="{B63DA8F4-B1FE-CC49-9905-B5A91EA9F9A5}"/>
+              </a:ext>
+            </a:extLst>
+          </p:cNvPr>
+          <p:cNvSpPr/>
+          <p:nvPr/>
+        </p:nvSpPr>
+        <p:spPr>
+          <a:xfrm>
+            <a:off x="1505795" y="2216505"/>
+            <a:ext cx="1457750" cy="391684"/>
+          </a:xfrm>
+          <a:prstGeom prst="rect">
+            <a:avLst/>
+          </a:prstGeom>
+        </p:spPr>
+        <p:style>
+          <a:lnRef idx="2">
+            <a:schemeClr val="accent1">
+              <a:shade val="50000"/>
+            </a:schemeClr>
+          </a:lnRef>
+          <a:fillRef idx="1">
+            <a:schemeClr val="accent1"/>
+          </a:fillRef>
+          <a:effectRef idx="0">
+            <a:schemeClr val="accent1"/>
+          </a:effectRef>
+          <a:fontRef idx="minor">
+            <a:schemeClr val="lt1"/>
+          </a:fontRef>
+        </p:style>
+        <p:txBody>
+          <a:bodyPr rtlCol="0" anchor="ctr"/>
+          <a:lstStyle/>
+          <a:p>
+            <a:pPr algn="ctr"/>
+            <a:r>
+              <a:rPr lang="en-RS" b="1">
+                <a:latin typeface="Myriad Pro Light" panose="020B0403030403020204" pitchFamily="34" charset="0"/>
+              </a:rPr>
+              <a:t>SELECT</a:t>
+            </a:r>
+          </a:p>
+        </p:txBody>
+      </p:sp>
+      <p:sp>
+        <p:nvSpPr>
+          <p:cNvPr id="34" name="TextBox 33">
+            <a:extLst>
+              <a:ext uri="{FF2B5EF4-FFF2-40B4-BE49-F238E27FC236}">
+                <a16:creationId xmlns:a16="http://schemas.microsoft.com/office/drawing/2014/main" id="{C5E9034D-0975-B44C-9A0B-6B0095E202C8}"/>
+              </a:ext>
+            </a:extLst>
+          </p:cNvPr>
+          <p:cNvSpPr txBox="1"/>
+          <p:nvPr/>
+        </p:nvSpPr>
+        <p:spPr>
+          <a:xfrm>
+            <a:off x="1811510" y="1761172"/>
+            <a:ext cx="377026" cy="523220"/>
+          </a:xfrm>
+          <a:prstGeom prst="rect">
+            <a:avLst/>
+          </a:prstGeom>
+          <a:noFill/>
+        </p:spPr>
+        <p:txBody>
+          <a:bodyPr wrap="none" rtlCol="0">
+            <a:spAutoFit/>
+          </a:bodyPr>
+          <a:lstStyle/>
+          <a:p>
+            <a:r>
+              <a:rPr lang="en-RS" sz="2800" b="1">
+                <a:solidFill>
+                  <a:srgbClr val="C00000"/>
+                </a:solidFill>
+                <a:latin typeface="Myriad Pro Light" panose="020B0403030403020204" pitchFamily="34" charset="0"/>
+              </a:rPr>
+              <a:t>1</a:t>
+            </a:r>
+          </a:p>
+        </p:txBody>
+      </p:sp>
     </p:spTree>
     <p:extLst>
       <p:ext uri="{BB962C8B-B14F-4D97-AF65-F5344CB8AC3E}">
-        <p14:creationId xmlns:p14="http://schemas.microsoft.com/office/powerpoint/2010/main" val="4213503229"/>
+        <p14:creationId xmlns:p14="http://schemas.microsoft.com/office/powerpoint/2010/main" val="2663004479"/>
       </p:ext>
     </p:extLst>
   </p:cSld>
@@ -3723,21 +7805,37 @@
         <p:spPr>
           <a:xfrm>
             <a:off x="0" y="0"/>
-            <a:ext cx="4877874" cy="646331"/>
+            <a:ext cx="12192000" cy="646331"/>
           </a:xfrm>
           <a:prstGeom prst="rect">
             <a:avLst/>
           </a:prstGeom>
-          <a:noFill/>
-        </p:spPr>
-        <p:txBody>
-          <a:bodyPr wrap="none" rtlCol="0">
+          <a:solidFill>
+            <a:schemeClr val="accent1">
+              <a:lumMod val="75000"/>
+            </a:schemeClr>
+          </a:solidFill>
+          <a:ln>
+            <a:solidFill>
+              <a:schemeClr val="accent1">
+                <a:lumMod val="75000"/>
+              </a:schemeClr>
+            </a:solidFill>
+          </a:ln>
+        </p:spPr>
+        <p:txBody>
+          <a:bodyPr wrap="square" rtlCol="0">
             <a:spAutoFit/>
           </a:bodyPr>
           <a:lstStyle/>
           <a:p>
             <a:r>
-              <a:rPr lang="en-US" sz="3600" b="1"/>
+              <a:rPr lang="en-US" sz="3600" b="1">
+                <a:solidFill>
+                  <a:schemeClr val="bg1"/>
+                </a:solidFill>
+                <a:latin typeface="Myriad Pro Light" panose="020B0403030403020204" pitchFamily="34" charset="0"/>
+              </a:rPr>
               <a:t>Nivo izolacije transakcija</a:t>
             </a:r>
           </a:p>
@@ -3758,7 +7856,7 @@
           <p:nvPr>
             <p:extLst>
               <p:ext uri="{D42A27DB-BD31-4B8C-83A1-F6EECF244321}">
-                <p14:modId xmlns:p14="http://schemas.microsoft.com/office/powerpoint/2010/main" val="829241584"/>
+                <p14:modId xmlns:p14="http://schemas.microsoft.com/office/powerpoint/2010/main" val="403550375"/>
               </p:ext>
             </p:extLst>
           </p:nvPr>
@@ -3796,7 +7894,9 @@
                     <a:lstStyle/>
                     <a:p>
                       <a:r>
-                        <a:rPr lang="en-US" sz="3200"/>
+                        <a:rPr lang="en-US" sz="3200" b="1" i="0">
+                          <a:latin typeface="Myriad Pro Light" panose="020B0403030403020204" pitchFamily="34" charset="0"/>
+                        </a:rPr>
                         <a:t>Nivo izolacije</a:t>
                       </a:r>
                     </a:p>
@@ -3809,7 +7909,9 @@
                     <a:lstStyle/>
                     <a:p>
                       <a:r>
-                        <a:rPr lang="en-US" sz="3200"/>
+                        <a:rPr lang="en-US" sz="3200" b="1" i="0">
+                          <a:latin typeface="Myriad Pro Light" panose="020B0403030403020204" pitchFamily="34" charset="0"/>
+                        </a:rPr>
                         <a:t>Eliminiše problem</a:t>
                       </a:r>
                     </a:p>
@@ -3829,7 +7931,9 @@
                     <a:lstStyle/>
                     <a:p>
                       <a:r>
-                        <a:rPr lang="en-US" sz="3200"/>
+                        <a:rPr lang="en-US" sz="3200" b="1" i="0">
+                          <a:latin typeface="Myriad Pro Light" panose="020B0403030403020204" pitchFamily="34" charset="0"/>
+                        </a:rPr>
                         <a:t>READ_UNCOMMITTED</a:t>
                       </a:r>
                     </a:p>
@@ -3842,7 +7946,9 @@
                     <a:lstStyle/>
                     <a:p>
                       <a:r>
-                        <a:rPr lang="en-US" sz="3200"/>
+                        <a:rPr lang="en-US" sz="3200" b="1" i="0">
+                          <a:latin typeface="Myriad Pro Light" panose="020B0403030403020204" pitchFamily="34" charset="0"/>
+                        </a:rPr>
                         <a:t>lost update</a:t>
                       </a:r>
                     </a:p>
@@ -3862,7 +7968,9 @@
                     <a:lstStyle/>
                     <a:p>
                       <a:r>
-                        <a:rPr lang="en-US" sz="3200"/>
+                        <a:rPr lang="en-US" sz="3200" b="1" i="0">
+                          <a:latin typeface="Myriad Pro Light" panose="020B0403030403020204" pitchFamily="34" charset="0"/>
+                        </a:rPr>
                         <a:t>READ_COMMITTED</a:t>
                       </a:r>
                     </a:p>
@@ -3875,7 +7983,9 @@
                     <a:lstStyle/>
                     <a:p>
                       <a:r>
-                        <a:rPr lang="en-US" sz="3200"/>
+                        <a:rPr lang="en-US" sz="3200" b="1" i="0">
+                          <a:latin typeface="Myriad Pro Light" panose="020B0403030403020204" pitchFamily="34" charset="0"/>
+                        </a:rPr>
                         <a:t>dirty read</a:t>
                       </a:r>
                     </a:p>
@@ -3895,7 +8005,9 @@
                     <a:lstStyle/>
                     <a:p>
                       <a:r>
-                        <a:rPr lang="en-US" sz="3200"/>
+                        <a:rPr lang="en-US" sz="3200" b="1" i="0">
+                          <a:latin typeface="Myriad Pro Light" panose="020B0403030403020204" pitchFamily="34" charset="0"/>
+                        </a:rPr>
                         <a:t>REPEATABLE_READ</a:t>
                       </a:r>
                     </a:p>
@@ -3908,7 +8020,9 @@
                     <a:lstStyle/>
                     <a:p>
                       <a:r>
-                        <a:rPr lang="en-US" sz="3200"/>
+                        <a:rPr lang="en-US" sz="3200" b="1" i="0">
+                          <a:latin typeface="Myriad Pro Light" panose="020B0403030403020204" pitchFamily="34" charset="0"/>
+                        </a:rPr>
                         <a:t>unrepeatable read</a:t>
                       </a:r>
                     </a:p>
@@ -3928,7 +8042,9 @@
                     <a:lstStyle/>
                     <a:p>
                       <a:r>
-                        <a:rPr lang="en-US" sz="3200"/>
+                        <a:rPr lang="en-US" sz="3200" b="1" i="0">
+                          <a:latin typeface="Myriad Pro Light" panose="020B0403030403020204" pitchFamily="34" charset="0"/>
+                        </a:rPr>
                         <a:t>SERIALIZABLE</a:t>
                       </a:r>
                     </a:p>
@@ -3941,7 +8057,9 @@
                     <a:lstStyle/>
                     <a:p>
                       <a:r>
-                        <a:rPr lang="en-US" sz="3200"/>
+                        <a:rPr lang="en-US" sz="3200" b="1" i="0">
+                          <a:latin typeface="Myriad Pro Light" panose="020B0403030403020204" pitchFamily="34" charset="0"/>
+                        </a:rPr>
                         <a:t>phantom read</a:t>
                       </a:r>
                     </a:p>
@@ -3973,7 +8091,7 @@
         <p:spPr>
           <a:xfrm>
             <a:off x="630620" y="2196662"/>
-            <a:ext cx="6675289" cy="584775"/>
+            <a:ext cx="9225602" cy="584775"/>
           </a:xfrm>
           <a:prstGeom prst="rect">
             <a:avLst/>
@@ -3987,7 +8105,10 @@
           <a:lstStyle/>
           <a:p>
             <a:r>
-              <a:rPr lang="en-US" sz="3200"/>
+              <a:rPr lang="en-US" sz="3200">
+                <a:latin typeface="Consolas" panose="020B0609020204030204" pitchFamily="49" charset="0"/>
+                <a:cs typeface="Consolas" panose="020B0609020204030204" pitchFamily="49" charset="0"/>
+              </a:rPr>
               <a:t>connection.setTransactionIsolation(...);</a:t>
             </a:r>
           </a:p>
@@ -4025,10 +8146,10 @@
       </p:grpSpPr>
       <p:sp>
         <p:nvSpPr>
-          <p:cNvPr id="2" name="TextBox 1">
-            <a:extLst>
-              <a:ext uri="{FF2B5EF4-FFF2-40B4-BE49-F238E27FC236}">
-                <a16:creationId xmlns:a16="http://schemas.microsoft.com/office/drawing/2014/main" id="{59037820-2A95-E943-AB1B-816DE3AD5D5F}"/>
+          <p:cNvPr id="4" name="TextBox 3">
+            <a:extLst>
+              <a:ext uri="{FF2B5EF4-FFF2-40B4-BE49-F238E27FC236}">
+                <a16:creationId xmlns:a16="http://schemas.microsoft.com/office/drawing/2014/main" id="{907B1718-8761-7240-B7EB-B2CFF277E6A3}"/>
               </a:ext>
             </a:extLst>
           </p:cNvPr>
@@ -4038,7 +8159,104 @@
         <p:spPr>
           <a:xfrm>
             <a:off x="0" y="0"/>
-            <a:ext cx="5272405" cy="646331"/>
+            <a:ext cx="12192000" cy="646331"/>
+          </a:xfrm>
+          <a:prstGeom prst="rect">
+            <a:avLst/>
+          </a:prstGeom>
+          <a:solidFill>
+            <a:schemeClr val="accent1">
+              <a:lumMod val="75000"/>
+            </a:schemeClr>
+          </a:solidFill>
+          <a:ln>
+            <a:solidFill>
+              <a:schemeClr val="accent1">
+                <a:lumMod val="75000"/>
+              </a:schemeClr>
+            </a:solidFill>
+          </a:ln>
+        </p:spPr>
+        <p:txBody>
+          <a:bodyPr wrap="square" rtlCol="0">
+            <a:spAutoFit/>
+          </a:bodyPr>
+          <a:lstStyle/>
+          <a:p>
+            <a:r>
+              <a:rPr lang="en-US" sz="3600" b="1">
+                <a:solidFill>
+                  <a:schemeClr val="bg1"/>
+                </a:solidFill>
+                <a:latin typeface="Myriad Pro Light" panose="020B0403030403020204" pitchFamily="34" charset="0"/>
+              </a:rPr>
+              <a:t>Optimističko zaključavanje</a:t>
+            </a:r>
+          </a:p>
+        </p:txBody>
+      </p:sp>
+      <p:cxnSp>
+        <p:nvCxnSpPr>
+          <p:cNvPr id="3" name="Straight Arrow Connector 2">
+            <a:extLst>
+              <a:ext uri="{FF2B5EF4-FFF2-40B4-BE49-F238E27FC236}">
+                <a16:creationId xmlns:a16="http://schemas.microsoft.com/office/drawing/2014/main" id="{DAE367D8-F979-CE4E-BED0-815E4A65B59C}"/>
+              </a:ext>
+            </a:extLst>
+          </p:cNvPr>
+          <p:cNvCxnSpPr>
+            <a:cxnSpLocks/>
+          </p:cNvCxnSpPr>
+          <p:nvPr/>
+        </p:nvCxnSpPr>
+        <p:spPr>
+          <a:xfrm>
+            <a:off x="1214082" y="1337617"/>
+            <a:ext cx="9261431" cy="0"/>
+          </a:xfrm>
+          <a:prstGeom prst="straightConnector1">
+            <a:avLst/>
+          </a:prstGeom>
+          <a:ln w="38100">
+            <a:solidFill>
+              <a:schemeClr val="accent1">
+                <a:lumMod val="75000"/>
+              </a:schemeClr>
+            </a:solidFill>
+            <a:tailEnd type="triangle" w="lg" len="lg"/>
+          </a:ln>
+        </p:spPr>
+        <p:style>
+          <a:lnRef idx="1">
+            <a:schemeClr val="accent1"/>
+          </a:lnRef>
+          <a:fillRef idx="0">
+            <a:schemeClr val="accent1"/>
+          </a:fillRef>
+          <a:effectRef idx="0">
+            <a:schemeClr val="accent1"/>
+          </a:effectRef>
+          <a:fontRef idx="minor">
+            <a:schemeClr val="tx1"/>
+          </a:fontRef>
+        </p:style>
+      </p:cxnSp>
+      <p:sp>
+        <p:nvSpPr>
+          <p:cNvPr id="6" name="TextBox 5">
+            <a:extLst>
+              <a:ext uri="{FF2B5EF4-FFF2-40B4-BE49-F238E27FC236}">
+                <a16:creationId xmlns:a16="http://schemas.microsoft.com/office/drawing/2014/main" id="{0D5CA038-C564-384E-992F-8BE26843C162}"/>
+              </a:ext>
+            </a:extLst>
+          </p:cNvPr>
+          <p:cNvSpPr txBox="1"/>
+          <p:nvPr/>
+        </p:nvSpPr>
+        <p:spPr>
+          <a:xfrm>
+            <a:off x="5559635" y="691286"/>
+            <a:ext cx="1552028" cy="584775"/>
           </a:xfrm>
           <a:prstGeom prst="rect">
             <a:avLst/>
@@ -4052,46 +8270,1985 @@
           <a:lstStyle/>
           <a:p>
             <a:r>
-              <a:rPr lang="en-US" sz="3600" b="1"/>
-              <a:t>Optimističko zaključavanje</a:t>
-            </a:r>
-          </a:p>
-        </p:txBody>
-      </p:sp>
-      <p:pic>
-        <p:nvPicPr>
-          <p:cNvPr id="5" name="Picture 4" descr="A picture containing clock&#10;&#10;Description automatically generated">
-            <a:extLst>
-              <a:ext uri="{FF2B5EF4-FFF2-40B4-BE49-F238E27FC236}">
-                <a16:creationId xmlns:a16="http://schemas.microsoft.com/office/drawing/2014/main" id="{C1A6B261-801C-9C4A-8191-D28FE303C3F8}"/>
-              </a:ext>
-            </a:extLst>
-          </p:cNvPr>
-          <p:cNvPicPr>
-            <a:picLocks noChangeAspect="1"/>
-          </p:cNvPicPr>
-          <p:nvPr/>
-        </p:nvPicPr>
-        <p:blipFill>
-          <a:blip r:embed="rId2"/>
-          <a:stretch>
-            <a:fillRect/>
-          </a:stretch>
-        </p:blipFill>
-        <p:spPr>
-          <a:xfrm>
-            <a:off x="652489" y="925551"/>
-            <a:ext cx="10887021" cy="5932449"/>
+              <a:rPr lang="en-RS" sz="3200" b="1">
+                <a:solidFill>
+                  <a:schemeClr val="accent1">
+                    <a:lumMod val="75000"/>
+                  </a:schemeClr>
+                </a:solidFill>
+                <a:latin typeface="Myriad Pro Light" panose="020B0403030403020204" pitchFamily="34" charset="0"/>
+              </a:rPr>
+              <a:t>Sesija A</a:t>
+            </a:r>
+          </a:p>
+        </p:txBody>
+      </p:sp>
+      <p:cxnSp>
+        <p:nvCxnSpPr>
+          <p:cNvPr id="7" name="Straight Arrow Connector 6">
+            <a:extLst>
+              <a:ext uri="{FF2B5EF4-FFF2-40B4-BE49-F238E27FC236}">
+                <a16:creationId xmlns:a16="http://schemas.microsoft.com/office/drawing/2014/main" id="{F9AC25A1-09F4-4340-8469-9191DAC63AE4}"/>
+              </a:ext>
+            </a:extLst>
+          </p:cNvPr>
+          <p:cNvCxnSpPr>
+            <a:cxnSpLocks/>
+          </p:cNvCxnSpPr>
+          <p:nvPr/>
+        </p:nvCxnSpPr>
+        <p:spPr>
+          <a:xfrm>
+            <a:off x="1194361" y="6280659"/>
+            <a:ext cx="9275445" cy="0"/>
+          </a:xfrm>
+          <a:prstGeom prst="straightConnector1">
+            <a:avLst/>
+          </a:prstGeom>
+          <a:ln w="38100">
+            <a:solidFill>
+              <a:schemeClr val="accent1">
+                <a:lumMod val="75000"/>
+              </a:schemeClr>
+            </a:solidFill>
+            <a:tailEnd type="triangle" w="lg" len="lg"/>
+          </a:ln>
+        </p:spPr>
+        <p:style>
+          <a:lnRef idx="1">
+            <a:schemeClr val="accent1"/>
+          </a:lnRef>
+          <a:fillRef idx="0">
+            <a:schemeClr val="accent1"/>
+          </a:fillRef>
+          <a:effectRef idx="0">
+            <a:schemeClr val="accent1"/>
+          </a:effectRef>
+          <a:fontRef idx="minor">
+            <a:schemeClr val="tx1"/>
+          </a:fontRef>
+        </p:style>
+      </p:cxnSp>
+      <p:sp>
+        <p:nvSpPr>
+          <p:cNvPr id="8" name="TextBox 7">
+            <a:extLst>
+              <a:ext uri="{FF2B5EF4-FFF2-40B4-BE49-F238E27FC236}">
+                <a16:creationId xmlns:a16="http://schemas.microsoft.com/office/drawing/2014/main" id="{889DF298-CA37-C443-BD10-316450C059B6}"/>
+              </a:ext>
+            </a:extLst>
+          </p:cNvPr>
+          <p:cNvSpPr txBox="1"/>
+          <p:nvPr/>
+        </p:nvSpPr>
+        <p:spPr>
+          <a:xfrm>
+            <a:off x="5559635" y="6278203"/>
+            <a:ext cx="1526380" cy="584775"/>
           </a:xfrm>
           <a:prstGeom prst="rect">
             <a:avLst/>
           </a:prstGeom>
-        </p:spPr>
-      </p:pic>
+          <a:noFill/>
+        </p:spPr>
+        <p:txBody>
+          <a:bodyPr wrap="none" rtlCol="0">
+            <a:spAutoFit/>
+          </a:bodyPr>
+          <a:lstStyle/>
+          <a:p>
+            <a:r>
+              <a:rPr lang="en-RS" sz="3200" b="1">
+                <a:solidFill>
+                  <a:schemeClr val="accent1">
+                    <a:lumMod val="75000"/>
+                  </a:schemeClr>
+                </a:solidFill>
+                <a:latin typeface="Myriad Pro Light" panose="020B0403030403020204" pitchFamily="34" charset="0"/>
+              </a:rPr>
+              <a:t>Sesija B</a:t>
+            </a:r>
+          </a:p>
+        </p:txBody>
+      </p:sp>
+      <p:sp>
+        <p:nvSpPr>
+          <p:cNvPr id="15" name="Rectangle 14">
+            <a:extLst>
+              <a:ext uri="{FF2B5EF4-FFF2-40B4-BE49-F238E27FC236}">
+                <a16:creationId xmlns:a16="http://schemas.microsoft.com/office/drawing/2014/main" id="{269D0B31-08FC-AE46-9FD4-DE17EB32D886}"/>
+              </a:ext>
+            </a:extLst>
+          </p:cNvPr>
+          <p:cNvSpPr/>
+          <p:nvPr/>
+        </p:nvSpPr>
+        <p:spPr>
+          <a:xfrm>
+            <a:off x="5759589" y="2328265"/>
+            <a:ext cx="1457750" cy="391684"/>
+          </a:xfrm>
+          <a:prstGeom prst="rect">
+            <a:avLst/>
+          </a:prstGeom>
+        </p:spPr>
+        <p:style>
+          <a:lnRef idx="2">
+            <a:schemeClr val="accent1">
+              <a:shade val="50000"/>
+            </a:schemeClr>
+          </a:lnRef>
+          <a:fillRef idx="1">
+            <a:schemeClr val="accent1"/>
+          </a:fillRef>
+          <a:effectRef idx="0">
+            <a:schemeClr val="accent1"/>
+          </a:effectRef>
+          <a:fontRef idx="minor">
+            <a:schemeClr val="lt1"/>
+          </a:fontRef>
+        </p:style>
+        <p:txBody>
+          <a:bodyPr rtlCol="0" anchor="ctr"/>
+          <a:lstStyle/>
+          <a:p>
+            <a:pPr algn="ctr"/>
+            <a:r>
+              <a:rPr lang="en-RS" b="1">
+                <a:latin typeface="Myriad Pro Light" panose="020B0403030403020204" pitchFamily="34" charset="0"/>
+              </a:rPr>
+              <a:t>COMMIT</a:t>
+            </a:r>
+          </a:p>
+        </p:txBody>
+      </p:sp>
+      <p:sp>
+        <p:nvSpPr>
+          <p:cNvPr id="16" name="TextBox 15">
+            <a:extLst>
+              <a:ext uri="{FF2B5EF4-FFF2-40B4-BE49-F238E27FC236}">
+                <a16:creationId xmlns:a16="http://schemas.microsoft.com/office/drawing/2014/main" id="{7594550B-0930-A74D-BFB0-EA1888B64B5A}"/>
+              </a:ext>
+            </a:extLst>
+          </p:cNvPr>
+          <p:cNvSpPr txBox="1"/>
+          <p:nvPr/>
+        </p:nvSpPr>
+        <p:spPr>
+          <a:xfrm>
+            <a:off x="6065304" y="1872932"/>
+            <a:ext cx="377026" cy="523220"/>
+          </a:xfrm>
+          <a:prstGeom prst="rect">
+            <a:avLst/>
+          </a:prstGeom>
+          <a:noFill/>
+        </p:spPr>
+        <p:txBody>
+          <a:bodyPr wrap="none" rtlCol="0">
+            <a:spAutoFit/>
+          </a:bodyPr>
+          <a:lstStyle/>
+          <a:p>
+            <a:r>
+              <a:rPr lang="en-RS" sz="2800" b="1">
+                <a:solidFill>
+                  <a:srgbClr val="C00000"/>
+                </a:solidFill>
+                <a:latin typeface="Myriad Pro Light" panose="020B0403030403020204" pitchFamily="34" charset="0"/>
+              </a:rPr>
+              <a:t>4</a:t>
+            </a:r>
+          </a:p>
+        </p:txBody>
+      </p:sp>
+      <p:cxnSp>
+        <p:nvCxnSpPr>
+          <p:cNvPr id="18" name="Straight Connector 17">
+            <a:extLst>
+              <a:ext uri="{FF2B5EF4-FFF2-40B4-BE49-F238E27FC236}">
+                <a16:creationId xmlns:a16="http://schemas.microsoft.com/office/drawing/2014/main" id="{B367081D-D3F3-1740-8057-463E3BA51DD4}"/>
+              </a:ext>
+            </a:extLst>
+          </p:cNvPr>
+          <p:cNvCxnSpPr/>
+          <p:nvPr/>
+        </p:nvCxnSpPr>
+        <p:spPr>
+          <a:xfrm>
+            <a:off x="1214082" y="1122100"/>
+            <a:ext cx="0" cy="437939"/>
+          </a:xfrm>
+          <a:prstGeom prst="line">
+            <a:avLst/>
+          </a:prstGeom>
+          <a:ln w="38100">
+            <a:solidFill>
+              <a:schemeClr val="accent1">
+                <a:lumMod val="75000"/>
+              </a:schemeClr>
+            </a:solidFill>
+          </a:ln>
+        </p:spPr>
+        <p:style>
+          <a:lnRef idx="1">
+            <a:schemeClr val="accent1"/>
+          </a:lnRef>
+          <a:fillRef idx="0">
+            <a:schemeClr val="accent1"/>
+          </a:fillRef>
+          <a:effectRef idx="0">
+            <a:schemeClr val="accent1"/>
+          </a:effectRef>
+          <a:fontRef idx="minor">
+            <a:schemeClr val="tx1"/>
+          </a:fontRef>
+        </p:style>
+      </p:cxnSp>
+      <p:cxnSp>
+        <p:nvCxnSpPr>
+          <p:cNvPr id="19" name="Straight Connector 18">
+            <a:extLst>
+              <a:ext uri="{FF2B5EF4-FFF2-40B4-BE49-F238E27FC236}">
+                <a16:creationId xmlns:a16="http://schemas.microsoft.com/office/drawing/2014/main" id="{C3EFF11A-F124-E142-9B09-B9C01A7D564A}"/>
+              </a:ext>
+            </a:extLst>
+          </p:cNvPr>
+          <p:cNvCxnSpPr/>
+          <p:nvPr/>
+        </p:nvCxnSpPr>
+        <p:spPr>
+          <a:xfrm>
+            <a:off x="1185124" y="6059234"/>
+            <a:ext cx="0" cy="437939"/>
+          </a:xfrm>
+          <a:prstGeom prst="line">
+            <a:avLst/>
+          </a:prstGeom>
+          <a:ln w="38100">
+            <a:solidFill>
+              <a:schemeClr val="accent1">
+                <a:lumMod val="75000"/>
+              </a:schemeClr>
+            </a:solidFill>
+          </a:ln>
+        </p:spPr>
+        <p:style>
+          <a:lnRef idx="1">
+            <a:schemeClr val="accent1"/>
+          </a:lnRef>
+          <a:fillRef idx="0">
+            <a:schemeClr val="accent1"/>
+          </a:fillRef>
+          <a:effectRef idx="0">
+            <a:schemeClr val="accent1"/>
+          </a:effectRef>
+          <a:fontRef idx="minor">
+            <a:schemeClr val="tx1"/>
+          </a:fontRef>
+        </p:style>
+      </p:cxnSp>
+      <p:cxnSp>
+        <p:nvCxnSpPr>
+          <p:cNvPr id="20" name="Straight Connector 19">
+            <a:extLst>
+              <a:ext uri="{FF2B5EF4-FFF2-40B4-BE49-F238E27FC236}">
+                <a16:creationId xmlns:a16="http://schemas.microsoft.com/office/drawing/2014/main" id="{5F3CC795-87BA-F547-9E61-8D2239EE5F17}"/>
+              </a:ext>
+            </a:extLst>
+          </p:cNvPr>
+          <p:cNvCxnSpPr/>
+          <p:nvPr/>
+        </p:nvCxnSpPr>
+        <p:spPr>
+          <a:xfrm>
+            <a:off x="10486445" y="1118647"/>
+            <a:ext cx="0" cy="437939"/>
+          </a:xfrm>
+          <a:prstGeom prst="line">
+            <a:avLst/>
+          </a:prstGeom>
+          <a:ln w="38100">
+            <a:solidFill>
+              <a:schemeClr val="accent1">
+                <a:lumMod val="75000"/>
+              </a:schemeClr>
+            </a:solidFill>
+          </a:ln>
+        </p:spPr>
+        <p:style>
+          <a:lnRef idx="1">
+            <a:schemeClr val="accent1"/>
+          </a:lnRef>
+          <a:fillRef idx="0">
+            <a:schemeClr val="accent1"/>
+          </a:fillRef>
+          <a:effectRef idx="0">
+            <a:schemeClr val="accent1"/>
+          </a:effectRef>
+          <a:fontRef idx="minor">
+            <a:schemeClr val="tx1"/>
+          </a:fontRef>
+        </p:style>
+      </p:cxnSp>
+      <p:sp>
+        <p:nvSpPr>
+          <p:cNvPr id="25" name="Rectangle 24">
+            <a:extLst>
+              <a:ext uri="{FF2B5EF4-FFF2-40B4-BE49-F238E27FC236}">
+                <a16:creationId xmlns:a16="http://schemas.microsoft.com/office/drawing/2014/main" id="{AFD971F6-3E09-C54B-A51D-C459E493293B}"/>
+              </a:ext>
+            </a:extLst>
+          </p:cNvPr>
+          <p:cNvSpPr/>
+          <p:nvPr/>
+        </p:nvSpPr>
+        <p:spPr>
+          <a:xfrm>
+            <a:off x="9576563" y="4922854"/>
+            <a:ext cx="1457750" cy="391684"/>
+          </a:xfrm>
+          <a:prstGeom prst="rect">
+            <a:avLst/>
+          </a:prstGeom>
+        </p:spPr>
+        <p:style>
+          <a:lnRef idx="2">
+            <a:schemeClr val="accent1">
+              <a:shade val="50000"/>
+            </a:schemeClr>
+          </a:lnRef>
+          <a:fillRef idx="1">
+            <a:schemeClr val="accent1"/>
+          </a:fillRef>
+          <a:effectRef idx="0">
+            <a:schemeClr val="accent1"/>
+          </a:effectRef>
+          <a:fontRef idx="minor">
+            <a:schemeClr val="lt1"/>
+          </a:fontRef>
+        </p:style>
+        <p:txBody>
+          <a:bodyPr rtlCol="0" anchor="ctr"/>
+          <a:lstStyle/>
+          <a:p>
+            <a:pPr algn="ctr"/>
+            <a:r>
+              <a:rPr lang="en-RS" b="1">
+                <a:latin typeface="Myriad Pro Light" panose="020B0403030403020204" pitchFamily="34" charset="0"/>
+              </a:rPr>
+              <a:t>COMMIT</a:t>
+            </a:r>
+          </a:p>
+        </p:txBody>
+      </p:sp>
+      <p:sp>
+        <p:nvSpPr>
+          <p:cNvPr id="26" name="TextBox 25">
+            <a:extLst>
+              <a:ext uri="{FF2B5EF4-FFF2-40B4-BE49-F238E27FC236}">
+                <a16:creationId xmlns:a16="http://schemas.microsoft.com/office/drawing/2014/main" id="{DFBB1786-9648-1448-BD10-6C3E8C9993F7}"/>
+              </a:ext>
+            </a:extLst>
+          </p:cNvPr>
+          <p:cNvSpPr txBox="1"/>
+          <p:nvPr/>
+        </p:nvSpPr>
+        <p:spPr>
+          <a:xfrm>
+            <a:off x="9882278" y="4477681"/>
+            <a:ext cx="377026" cy="523220"/>
+          </a:xfrm>
+          <a:prstGeom prst="rect">
+            <a:avLst/>
+          </a:prstGeom>
+          <a:noFill/>
+        </p:spPr>
+        <p:txBody>
+          <a:bodyPr wrap="none" rtlCol="0">
+            <a:spAutoFit/>
+          </a:bodyPr>
+          <a:lstStyle/>
+          <a:p>
+            <a:r>
+              <a:rPr lang="en-RS" sz="2800" b="1">
+                <a:solidFill>
+                  <a:srgbClr val="C00000"/>
+                </a:solidFill>
+                <a:latin typeface="Myriad Pro Light" panose="020B0403030403020204" pitchFamily="34" charset="0"/>
+              </a:rPr>
+              <a:t>6</a:t>
+            </a:r>
+          </a:p>
+        </p:txBody>
+      </p:sp>
+      <p:sp>
+        <p:nvSpPr>
+          <p:cNvPr id="28" name="Rectangle 27">
+            <a:extLst>
+              <a:ext uri="{FF2B5EF4-FFF2-40B4-BE49-F238E27FC236}">
+                <a16:creationId xmlns:a16="http://schemas.microsoft.com/office/drawing/2014/main" id="{D0252FA8-BC4E-2143-B620-77F75C36870E}"/>
+              </a:ext>
+            </a:extLst>
+          </p:cNvPr>
+          <p:cNvSpPr/>
+          <p:nvPr/>
+        </p:nvSpPr>
+        <p:spPr>
+          <a:xfrm>
+            <a:off x="2433877" y="3302073"/>
+            <a:ext cx="700894" cy="700894"/>
+          </a:xfrm>
+          <a:prstGeom prst="rect">
+            <a:avLst/>
+          </a:prstGeom>
+          <a:noFill/>
+          <a:ln w="38100"/>
+        </p:spPr>
+        <p:style>
+          <a:lnRef idx="2">
+            <a:schemeClr val="accent1">
+              <a:shade val="50000"/>
+            </a:schemeClr>
+          </a:lnRef>
+          <a:fillRef idx="1">
+            <a:schemeClr val="accent1"/>
+          </a:fillRef>
+          <a:effectRef idx="0">
+            <a:schemeClr val="accent1"/>
+          </a:effectRef>
+          <a:fontRef idx="minor">
+            <a:schemeClr val="lt1"/>
+          </a:fontRef>
+        </p:style>
+        <p:txBody>
+          <a:bodyPr rtlCol="0" anchor="ctr"/>
+          <a:lstStyle/>
+          <a:p>
+            <a:pPr algn="ctr"/>
+            <a:r>
+              <a:rPr lang="en-RS" b="1">
+                <a:ln>
+                  <a:solidFill>
+                    <a:schemeClr val="accent1">
+                      <a:lumMod val="75000"/>
+                    </a:schemeClr>
+                  </a:solidFill>
+                </a:ln>
+                <a:solidFill>
+                  <a:schemeClr val="accent1">
+                    <a:lumMod val="75000"/>
+                  </a:schemeClr>
+                </a:solidFill>
+                <a:latin typeface="Myriad Pro Light" panose="020B0403030403020204" pitchFamily="34" charset="0"/>
+              </a:rPr>
+              <a:t>D1</a:t>
+            </a:r>
+          </a:p>
+        </p:txBody>
+      </p:sp>
+      <p:cxnSp>
+        <p:nvCxnSpPr>
+          <p:cNvPr id="29" name="Straight Arrow Connector 28">
+            <a:extLst>
+              <a:ext uri="{FF2B5EF4-FFF2-40B4-BE49-F238E27FC236}">
+                <a16:creationId xmlns:a16="http://schemas.microsoft.com/office/drawing/2014/main" id="{4D750665-DBB6-0840-B7FB-CEA7AB4D4915}"/>
+              </a:ext>
+            </a:extLst>
+          </p:cNvPr>
+          <p:cNvCxnSpPr>
+            <a:cxnSpLocks/>
+          </p:cNvCxnSpPr>
+          <p:nvPr/>
+        </p:nvCxnSpPr>
+        <p:spPr>
+          <a:xfrm flipV="1">
+            <a:off x="2784324" y="4155440"/>
+            <a:ext cx="0" cy="1633816"/>
+          </a:xfrm>
+          <a:prstGeom prst="straightConnector1">
+            <a:avLst/>
+          </a:prstGeom>
+          <a:ln w="38100">
+            <a:solidFill>
+              <a:schemeClr val="accent1">
+                <a:lumMod val="75000"/>
+              </a:schemeClr>
+            </a:solidFill>
+            <a:tailEnd type="triangle"/>
+          </a:ln>
+        </p:spPr>
+        <p:style>
+          <a:lnRef idx="1">
+            <a:schemeClr val="accent1"/>
+          </a:lnRef>
+          <a:fillRef idx="0">
+            <a:schemeClr val="accent1"/>
+          </a:fillRef>
+          <a:effectRef idx="0">
+            <a:schemeClr val="accent1"/>
+          </a:effectRef>
+          <a:fontRef idx="minor">
+            <a:schemeClr val="tx1"/>
+          </a:fontRef>
+        </p:style>
+      </p:cxnSp>
+      <p:sp>
+        <p:nvSpPr>
+          <p:cNvPr id="30" name="Rectangle 29">
+            <a:extLst>
+              <a:ext uri="{FF2B5EF4-FFF2-40B4-BE49-F238E27FC236}">
+                <a16:creationId xmlns:a16="http://schemas.microsoft.com/office/drawing/2014/main" id="{7FBF86B7-2145-D44A-AE98-59E70378AEE4}"/>
+              </a:ext>
+            </a:extLst>
+          </p:cNvPr>
+          <p:cNvSpPr/>
+          <p:nvPr/>
+        </p:nvSpPr>
+        <p:spPr>
+          <a:xfrm>
+            <a:off x="2101583" y="4929225"/>
+            <a:ext cx="1457750" cy="391684"/>
+          </a:xfrm>
+          <a:prstGeom prst="rect">
+            <a:avLst/>
+          </a:prstGeom>
+        </p:spPr>
+        <p:style>
+          <a:lnRef idx="2">
+            <a:schemeClr val="accent1">
+              <a:shade val="50000"/>
+            </a:schemeClr>
+          </a:lnRef>
+          <a:fillRef idx="1">
+            <a:schemeClr val="accent1"/>
+          </a:fillRef>
+          <a:effectRef idx="0">
+            <a:schemeClr val="accent1"/>
+          </a:effectRef>
+          <a:fontRef idx="minor">
+            <a:schemeClr val="lt1"/>
+          </a:fontRef>
+        </p:style>
+        <p:txBody>
+          <a:bodyPr rtlCol="0" anchor="ctr"/>
+          <a:lstStyle/>
+          <a:p>
+            <a:pPr algn="ctr"/>
+            <a:r>
+              <a:rPr lang="en-RS" b="1">
+                <a:latin typeface="Myriad Pro Light" panose="020B0403030403020204" pitchFamily="34" charset="0"/>
+              </a:rPr>
+              <a:t>SELECT</a:t>
+            </a:r>
+          </a:p>
+        </p:txBody>
+      </p:sp>
+      <p:sp>
+        <p:nvSpPr>
+          <p:cNvPr id="31" name="TextBox 30">
+            <a:extLst>
+              <a:ext uri="{FF2B5EF4-FFF2-40B4-BE49-F238E27FC236}">
+                <a16:creationId xmlns:a16="http://schemas.microsoft.com/office/drawing/2014/main" id="{37D4CD11-B00A-9C48-A021-15444038893C}"/>
+              </a:ext>
+            </a:extLst>
+          </p:cNvPr>
+          <p:cNvSpPr txBox="1"/>
+          <p:nvPr/>
+        </p:nvSpPr>
+        <p:spPr>
+          <a:xfrm>
+            <a:off x="2407298" y="4473892"/>
+            <a:ext cx="377026" cy="523220"/>
+          </a:xfrm>
+          <a:prstGeom prst="rect">
+            <a:avLst/>
+          </a:prstGeom>
+          <a:noFill/>
+        </p:spPr>
+        <p:txBody>
+          <a:bodyPr wrap="none" rtlCol="0">
+            <a:spAutoFit/>
+          </a:bodyPr>
+          <a:lstStyle/>
+          <a:p>
+            <a:r>
+              <a:rPr lang="en-RS" sz="2800" b="1">
+                <a:solidFill>
+                  <a:srgbClr val="C00000"/>
+                </a:solidFill>
+                <a:latin typeface="Myriad Pro Light" panose="020B0403030403020204" pitchFamily="34" charset="0"/>
+              </a:rPr>
+              <a:t>2</a:t>
+            </a:r>
+          </a:p>
+        </p:txBody>
+      </p:sp>
+      <p:cxnSp>
+        <p:nvCxnSpPr>
+          <p:cNvPr id="35" name="Straight Connector 34">
+            <a:extLst>
+              <a:ext uri="{FF2B5EF4-FFF2-40B4-BE49-F238E27FC236}">
+                <a16:creationId xmlns:a16="http://schemas.microsoft.com/office/drawing/2014/main" id="{F20B565E-F1A4-8F40-AB41-C57996A785B6}"/>
+              </a:ext>
+            </a:extLst>
+          </p:cNvPr>
+          <p:cNvCxnSpPr/>
+          <p:nvPr/>
+        </p:nvCxnSpPr>
+        <p:spPr>
+          <a:xfrm>
+            <a:off x="10493487" y="6061689"/>
+            <a:ext cx="0" cy="437939"/>
+          </a:xfrm>
+          <a:prstGeom prst="line">
+            <a:avLst/>
+          </a:prstGeom>
+          <a:ln w="38100">
+            <a:solidFill>
+              <a:schemeClr val="accent1">
+                <a:lumMod val="75000"/>
+              </a:schemeClr>
+            </a:solidFill>
+          </a:ln>
+        </p:spPr>
+        <p:style>
+          <a:lnRef idx="1">
+            <a:schemeClr val="accent1"/>
+          </a:lnRef>
+          <a:fillRef idx="0">
+            <a:schemeClr val="accent1"/>
+          </a:fillRef>
+          <a:effectRef idx="0">
+            <a:schemeClr val="accent1"/>
+          </a:effectRef>
+          <a:fontRef idx="minor">
+            <a:schemeClr val="tx1"/>
+          </a:fontRef>
+        </p:style>
+      </p:cxnSp>
+      <p:sp>
+        <p:nvSpPr>
+          <p:cNvPr id="27" name="Rectangle 26">
+            <a:extLst>
+              <a:ext uri="{FF2B5EF4-FFF2-40B4-BE49-F238E27FC236}">
+                <a16:creationId xmlns:a16="http://schemas.microsoft.com/office/drawing/2014/main" id="{FD403F15-1690-574A-9D4B-ABBE9A237230}"/>
+              </a:ext>
+            </a:extLst>
+          </p:cNvPr>
+          <p:cNvSpPr/>
+          <p:nvPr/>
+        </p:nvSpPr>
+        <p:spPr>
+          <a:xfrm>
+            <a:off x="1665369" y="3302073"/>
+            <a:ext cx="700894" cy="700894"/>
+          </a:xfrm>
+          <a:prstGeom prst="rect">
+            <a:avLst/>
+          </a:prstGeom>
+          <a:noFill/>
+          <a:ln w="38100"/>
+        </p:spPr>
+        <p:style>
+          <a:lnRef idx="2">
+            <a:schemeClr val="accent1">
+              <a:shade val="50000"/>
+            </a:schemeClr>
+          </a:lnRef>
+          <a:fillRef idx="1">
+            <a:schemeClr val="accent1"/>
+          </a:fillRef>
+          <a:effectRef idx="0">
+            <a:schemeClr val="accent1"/>
+          </a:effectRef>
+          <a:fontRef idx="minor">
+            <a:schemeClr val="lt1"/>
+          </a:fontRef>
+        </p:style>
+        <p:txBody>
+          <a:bodyPr rtlCol="0" anchor="ctr"/>
+          <a:lstStyle/>
+          <a:p>
+            <a:pPr algn="ctr"/>
+            <a:r>
+              <a:rPr lang="en-RS" b="1">
+                <a:ln>
+                  <a:solidFill>
+                    <a:schemeClr val="accent1">
+                      <a:lumMod val="75000"/>
+                    </a:schemeClr>
+                  </a:solidFill>
+                </a:ln>
+                <a:solidFill>
+                  <a:schemeClr val="accent1">
+                    <a:lumMod val="75000"/>
+                  </a:schemeClr>
+                </a:solidFill>
+                <a:latin typeface="Myriad Pro Light" panose="020B0403030403020204" pitchFamily="34" charset="0"/>
+              </a:rPr>
+              <a:t>D1</a:t>
+            </a:r>
+          </a:p>
+        </p:txBody>
+      </p:sp>
+      <p:cxnSp>
+        <p:nvCxnSpPr>
+          <p:cNvPr id="32" name="Straight Arrow Connector 31">
+            <a:extLst>
+              <a:ext uri="{FF2B5EF4-FFF2-40B4-BE49-F238E27FC236}">
+                <a16:creationId xmlns:a16="http://schemas.microsoft.com/office/drawing/2014/main" id="{000C4DFA-0C61-7D42-A02B-22FA5CDDB492}"/>
+              </a:ext>
+            </a:extLst>
+          </p:cNvPr>
+          <p:cNvCxnSpPr>
+            <a:cxnSpLocks/>
+          </p:cNvCxnSpPr>
+          <p:nvPr/>
+        </p:nvCxnSpPr>
+        <p:spPr>
+          <a:xfrm>
+            <a:off x="2015817" y="1852626"/>
+            <a:ext cx="0" cy="1317294"/>
+          </a:xfrm>
+          <a:prstGeom prst="straightConnector1">
+            <a:avLst/>
+          </a:prstGeom>
+          <a:ln w="38100">
+            <a:solidFill>
+              <a:schemeClr val="accent1">
+                <a:lumMod val="75000"/>
+              </a:schemeClr>
+            </a:solidFill>
+            <a:tailEnd type="triangle"/>
+          </a:ln>
+        </p:spPr>
+        <p:style>
+          <a:lnRef idx="1">
+            <a:schemeClr val="accent1"/>
+          </a:lnRef>
+          <a:fillRef idx="0">
+            <a:schemeClr val="accent1"/>
+          </a:fillRef>
+          <a:effectRef idx="0">
+            <a:schemeClr val="accent1"/>
+          </a:effectRef>
+          <a:fontRef idx="minor">
+            <a:schemeClr val="tx1"/>
+          </a:fontRef>
+        </p:style>
+      </p:cxnSp>
+      <p:sp>
+        <p:nvSpPr>
+          <p:cNvPr id="33" name="Rectangle 32">
+            <a:extLst>
+              <a:ext uri="{FF2B5EF4-FFF2-40B4-BE49-F238E27FC236}">
+                <a16:creationId xmlns:a16="http://schemas.microsoft.com/office/drawing/2014/main" id="{B63DA8F4-B1FE-CC49-9905-B5A91EA9F9A5}"/>
+              </a:ext>
+            </a:extLst>
+          </p:cNvPr>
+          <p:cNvSpPr/>
+          <p:nvPr/>
+        </p:nvSpPr>
+        <p:spPr>
+          <a:xfrm>
+            <a:off x="1333075" y="2328265"/>
+            <a:ext cx="1457750" cy="391684"/>
+          </a:xfrm>
+          <a:prstGeom prst="rect">
+            <a:avLst/>
+          </a:prstGeom>
+        </p:spPr>
+        <p:style>
+          <a:lnRef idx="2">
+            <a:schemeClr val="accent1">
+              <a:shade val="50000"/>
+            </a:schemeClr>
+          </a:lnRef>
+          <a:fillRef idx="1">
+            <a:schemeClr val="accent1"/>
+          </a:fillRef>
+          <a:effectRef idx="0">
+            <a:schemeClr val="accent1"/>
+          </a:effectRef>
+          <a:fontRef idx="minor">
+            <a:schemeClr val="lt1"/>
+          </a:fontRef>
+        </p:style>
+        <p:txBody>
+          <a:bodyPr rtlCol="0" anchor="ctr"/>
+          <a:lstStyle/>
+          <a:p>
+            <a:pPr algn="ctr"/>
+            <a:r>
+              <a:rPr lang="en-RS" b="1">
+                <a:latin typeface="Myriad Pro Light" panose="020B0403030403020204" pitchFamily="34" charset="0"/>
+              </a:rPr>
+              <a:t>SELECT</a:t>
+            </a:r>
+          </a:p>
+        </p:txBody>
+      </p:sp>
+      <p:sp>
+        <p:nvSpPr>
+          <p:cNvPr id="34" name="TextBox 33">
+            <a:extLst>
+              <a:ext uri="{FF2B5EF4-FFF2-40B4-BE49-F238E27FC236}">
+                <a16:creationId xmlns:a16="http://schemas.microsoft.com/office/drawing/2014/main" id="{C5E9034D-0975-B44C-9A0B-6B0095E202C8}"/>
+              </a:ext>
+            </a:extLst>
+          </p:cNvPr>
+          <p:cNvSpPr txBox="1"/>
+          <p:nvPr/>
+        </p:nvSpPr>
+        <p:spPr>
+          <a:xfrm>
+            <a:off x="1638790" y="1872932"/>
+            <a:ext cx="377026" cy="523220"/>
+          </a:xfrm>
+          <a:prstGeom prst="rect">
+            <a:avLst/>
+          </a:prstGeom>
+          <a:noFill/>
+        </p:spPr>
+        <p:txBody>
+          <a:bodyPr wrap="none" rtlCol="0">
+            <a:spAutoFit/>
+          </a:bodyPr>
+          <a:lstStyle/>
+          <a:p>
+            <a:r>
+              <a:rPr lang="en-RS" sz="2800" b="1">
+                <a:solidFill>
+                  <a:srgbClr val="C00000"/>
+                </a:solidFill>
+                <a:latin typeface="Myriad Pro Light" panose="020B0403030403020204" pitchFamily="34" charset="0"/>
+              </a:rPr>
+              <a:t>1</a:t>
+            </a:r>
+          </a:p>
+        </p:txBody>
+      </p:sp>
+      <p:cxnSp>
+        <p:nvCxnSpPr>
+          <p:cNvPr id="36" name="Straight Arrow Connector 35">
+            <a:extLst>
+              <a:ext uri="{FF2B5EF4-FFF2-40B4-BE49-F238E27FC236}">
+                <a16:creationId xmlns:a16="http://schemas.microsoft.com/office/drawing/2014/main" id="{E39D2202-13B2-924E-8566-F92B359468CB}"/>
+              </a:ext>
+            </a:extLst>
+          </p:cNvPr>
+          <p:cNvCxnSpPr>
+            <a:cxnSpLocks/>
+          </p:cNvCxnSpPr>
+          <p:nvPr/>
+        </p:nvCxnSpPr>
+        <p:spPr>
+          <a:xfrm>
+            <a:off x="1366482" y="1716832"/>
+            <a:ext cx="1681518" cy="0"/>
+          </a:xfrm>
+          <a:prstGeom prst="straightConnector1">
+            <a:avLst/>
+          </a:prstGeom>
+          <a:ln w="38100">
+            <a:solidFill>
+              <a:schemeClr val="accent6">
+                <a:lumMod val="75000"/>
+              </a:schemeClr>
+            </a:solidFill>
+            <a:tailEnd type="triangle" w="lg" len="lg"/>
+          </a:ln>
+        </p:spPr>
+        <p:style>
+          <a:lnRef idx="1">
+            <a:schemeClr val="accent1"/>
+          </a:lnRef>
+          <a:fillRef idx="0">
+            <a:schemeClr val="accent1"/>
+          </a:fillRef>
+          <a:effectRef idx="0">
+            <a:schemeClr val="accent1"/>
+          </a:effectRef>
+          <a:fontRef idx="minor">
+            <a:schemeClr val="tx1"/>
+          </a:fontRef>
+        </p:style>
+      </p:cxnSp>
+      <p:cxnSp>
+        <p:nvCxnSpPr>
+          <p:cNvPr id="37" name="Straight Connector 36">
+            <a:extLst>
+              <a:ext uri="{FF2B5EF4-FFF2-40B4-BE49-F238E27FC236}">
+                <a16:creationId xmlns:a16="http://schemas.microsoft.com/office/drawing/2014/main" id="{78A51126-921E-624E-91D7-1A1512153453}"/>
+              </a:ext>
+            </a:extLst>
+          </p:cNvPr>
+          <p:cNvCxnSpPr>
+            <a:cxnSpLocks/>
+          </p:cNvCxnSpPr>
+          <p:nvPr/>
+        </p:nvCxnSpPr>
+        <p:spPr>
+          <a:xfrm>
+            <a:off x="1366482" y="1589146"/>
+            <a:ext cx="0" cy="255373"/>
+          </a:xfrm>
+          <a:prstGeom prst="line">
+            <a:avLst/>
+          </a:prstGeom>
+          <a:ln w="38100">
+            <a:solidFill>
+              <a:schemeClr val="accent6">
+                <a:lumMod val="75000"/>
+              </a:schemeClr>
+            </a:solidFill>
+          </a:ln>
+        </p:spPr>
+        <p:style>
+          <a:lnRef idx="1">
+            <a:schemeClr val="accent1"/>
+          </a:lnRef>
+          <a:fillRef idx="0">
+            <a:schemeClr val="accent1"/>
+          </a:fillRef>
+          <a:effectRef idx="0">
+            <a:schemeClr val="accent1"/>
+          </a:effectRef>
+          <a:fontRef idx="minor">
+            <a:schemeClr val="tx1"/>
+          </a:fontRef>
+        </p:style>
+      </p:cxnSp>
+      <p:cxnSp>
+        <p:nvCxnSpPr>
+          <p:cNvPr id="39" name="Straight Connector 38">
+            <a:extLst>
+              <a:ext uri="{FF2B5EF4-FFF2-40B4-BE49-F238E27FC236}">
+                <a16:creationId xmlns:a16="http://schemas.microsoft.com/office/drawing/2014/main" id="{5CA64291-3DD4-8841-B018-EFDC3F45E4FB}"/>
+              </a:ext>
+            </a:extLst>
+          </p:cNvPr>
+          <p:cNvCxnSpPr>
+            <a:cxnSpLocks/>
+          </p:cNvCxnSpPr>
+          <p:nvPr/>
+        </p:nvCxnSpPr>
+        <p:spPr>
+          <a:xfrm>
+            <a:off x="3048000" y="1601378"/>
+            <a:ext cx="0" cy="255373"/>
+          </a:xfrm>
+          <a:prstGeom prst="line">
+            <a:avLst/>
+          </a:prstGeom>
+          <a:ln w="38100">
+            <a:solidFill>
+              <a:schemeClr val="accent6">
+                <a:lumMod val="75000"/>
+              </a:schemeClr>
+            </a:solidFill>
+          </a:ln>
+        </p:spPr>
+        <p:style>
+          <a:lnRef idx="1">
+            <a:schemeClr val="accent1"/>
+          </a:lnRef>
+          <a:fillRef idx="0">
+            <a:schemeClr val="accent1"/>
+          </a:fillRef>
+          <a:effectRef idx="0">
+            <a:schemeClr val="accent1"/>
+          </a:effectRef>
+          <a:fontRef idx="minor">
+            <a:schemeClr val="tx1"/>
+          </a:fontRef>
+        </p:style>
+      </p:cxnSp>
+      <p:sp>
+        <p:nvSpPr>
+          <p:cNvPr id="40" name="TextBox 39">
+            <a:extLst>
+              <a:ext uri="{FF2B5EF4-FFF2-40B4-BE49-F238E27FC236}">
+                <a16:creationId xmlns:a16="http://schemas.microsoft.com/office/drawing/2014/main" id="{0A2FF21A-AD2E-B84E-A6D8-6B44A945A8E4}"/>
+              </a:ext>
+            </a:extLst>
+          </p:cNvPr>
+          <p:cNvSpPr txBox="1"/>
+          <p:nvPr/>
+        </p:nvSpPr>
+        <p:spPr>
+          <a:xfrm>
+            <a:off x="1904333" y="1394444"/>
+            <a:ext cx="420308" cy="369332"/>
+          </a:xfrm>
+          <a:prstGeom prst="rect">
+            <a:avLst/>
+          </a:prstGeom>
+          <a:noFill/>
+        </p:spPr>
+        <p:txBody>
+          <a:bodyPr wrap="none" rtlCol="0">
+            <a:spAutoFit/>
+          </a:bodyPr>
+          <a:lstStyle/>
+          <a:p>
+            <a:r>
+              <a:rPr lang="en-RS" b="1">
+                <a:solidFill>
+                  <a:schemeClr val="accent6">
+                    <a:lumMod val="75000"/>
+                  </a:schemeClr>
+                </a:solidFill>
+                <a:latin typeface="Myriad Pro Light" panose="020B0403030403020204" pitchFamily="34" charset="0"/>
+              </a:rPr>
+              <a:t>Tx</a:t>
+            </a:r>
+          </a:p>
+        </p:txBody>
+      </p:sp>
+      <p:cxnSp>
+        <p:nvCxnSpPr>
+          <p:cNvPr id="41" name="Straight Arrow Connector 40">
+            <a:extLst>
+              <a:ext uri="{FF2B5EF4-FFF2-40B4-BE49-F238E27FC236}">
+                <a16:creationId xmlns:a16="http://schemas.microsoft.com/office/drawing/2014/main" id="{CB15FFEE-9854-D24A-8237-DABAF344A9A3}"/>
+              </a:ext>
+            </a:extLst>
+          </p:cNvPr>
+          <p:cNvCxnSpPr>
+            <a:cxnSpLocks/>
+          </p:cNvCxnSpPr>
+          <p:nvPr/>
+        </p:nvCxnSpPr>
+        <p:spPr>
+          <a:xfrm>
+            <a:off x="2015816" y="6056464"/>
+            <a:ext cx="1681518" cy="0"/>
+          </a:xfrm>
+          <a:prstGeom prst="straightConnector1">
+            <a:avLst/>
+          </a:prstGeom>
+          <a:ln w="38100">
+            <a:solidFill>
+              <a:schemeClr val="accent6">
+                <a:lumMod val="75000"/>
+              </a:schemeClr>
+            </a:solidFill>
+            <a:tailEnd type="triangle" w="lg" len="lg"/>
+          </a:ln>
+        </p:spPr>
+        <p:style>
+          <a:lnRef idx="1">
+            <a:schemeClr val="accent1"/>
+          </a:lnRef>
+          <a:fillRef idx="0">
+            <a:schemeClr val="accent1"/>
+          </a:fillRef>
+          <a:effectRef idx="0">
+            <a:schemeClr val="accent1"/>
+          </a:effectRef>
+          <a:fontRef idx="minor">
+            <a:schemeClr val="tx1"/>
+          </a:fontRef>
+        </p:style>
+      </p:cxnSp>
+      <p:cxnSp>
+        <p:nvCxnSpPr>
+          <p:cNvPr id="42" name="Straight Connector 41">
+            <a:extLst>
+              <a:ext uri="{FF2B5EF4-FFF2-40B4-BE49-F238E27FC236}">
+                <a16:creationId xmlns:a16="http://schemas.microsoft.com/office/drawing/2014/main" id="{A44FDB79-5AA4-CD4B-9B45-630EA4EFE59E}"/>
+              </a:ext>
+            </a:extLst>
+          </p:cNvPr>
+          <p:cNvCxnSpPr>
+            <a:cxnSpLocks/>
+          </p:cNvCxnSpPr>
+          <p:nvPr/>
+        </p:nvCxnSpPr>
+        <p:spPr>
+          <a:xfrm>
+            <a:off x="2015816" y="5928778"/>
+            <a:ext cx="0" cy="255373"/>
+          </a:xfrm>
+          <a:prstGeom prst="line">
+            <a:avLst/>
+          </a:prstGeom>
+          <a:ln w="38100">
+            <a:solidFill>
+              <a:schemeClr val="accent6">
+                <a:lumMod val="75000"/>
+              </a:schemeClr>
+            </a:solidFill>
+          </a:ln>
+        </p:spPr>
+        <p:style>
+          <a:lnRef idx="1">
+            <a:schemeClr val="accent1"/>
+          </a:lnRef>
+          <a:fillRef idx="0">
+            <a:schemeClr val="accent1"/>
+          </a:fillRef>
+          <a:effectRef idx="0">
+            <a:schemeClr val="accent1"/>
+          </a:effectRef>
+          <a:fontRef idx="minor">
+            <a:schemeClr val="tx1"/>
+          </a:fontRef>
+        </p:style>
+      </p:cxnSp>
+      <p:cxnSp>
+        <p:nvCxnSpPr>
+          <p:cNvPr id="43" name="Straight Connector 42">
+            <a:extLst>
+              <a:ext uri="{FF2B5EF4-FFF2-40B4-BE49-F238E27FC236}">
+                <a16:creationId xmlns:a16="http://schemas.microsoft.com/office/drawing/2014/main" id="{E10DD427-558B-CB44-B7A9-E5B8DDCF0D39}"/>
+              </a:ext>
+            </a:extLst>
+          </p:cNvPr>
+          <p:cNvCxnSpPr>
+            <a:cxnSpLocks/>
+          </p:cNvCxnSpPr>
+          <p:nvPr/>
+        </p:nvCxnSpPr>
+        <p:spPr>
+          <a:xfrm>
+            <a:off x="3697334" y="5941010"/>
+            <a:ext cx="0" cy="255373"/>
+          </a:xfrm>
+          <a:prstGeom prst="line">
+            <a:avLst/>
+          </a:prstGeom>
+          <a:ln w="38100">
+            <a:solidFill>
+              <a:schemeClr val="accent6">
+                <a:lumMod val="75000"/>
+              </a:schemeClr>
+            </a:solidFill>
+          </a:ln>
+        </p:spPr>
+        <p:style>
+          <a:lnRef idx="1">
+            <a:schemeClr val="accent1"/>
+          </a:lnRef>
+          <a:fillRef idx="0">
+            <a:schemeClr val="accent1"/>
+          </a:fillRef>
+          <a:effectRef idx="0">
+            <a:schemeClr val="accent1"/>
+          </a:effectRef>
+          <a:fontRef idx="minor">
+            <a:schemeClr val="tx1"/>
+          </a:fontRef>
+        </p:style>
+      </p:cxnSp>
+      <p:sp>
+        <p:nvSpPr>
+          <p:cNvPr id="44" name="TextBox 43">
+            <a:extLst>
+              <a:ext uri="{FF2B5EF4-FFF2-40B4-BE49-F238E27FC236}">
+                <a16:creationId xmlns:a16="http://schemas.microsoft.com/office/drawing/2014/main" id="{6DAAF60F-FA93-2B4F-8E27-02A0CB1CA890}"/>
+              </a:ext>
+            </a:extLst>
+          </p:cNvPr>
+          <p:cNvSpPr txBox="1"/>
+          <p:nvPr/>
+        </p:nvSpPr>
+        <p:spPr>
+          <a:xfrm>
+            <a:off x="2553667" y="5734076"/>
+            <a:ext cx="420308" cy="369332"/>
+          </a:xfrm>
+          <a:prstGeom prst="rect">
+            <a:avLst/>
+          </a:prstGeom>
+          <a:noFill/>
+        </p:spPr>
+        <p:txBody>
+          <a:bodyPr wrap="none" rtlCol="0">
+            <a:spAutoFit/>
+          </a:bodyPr>
+          <a:lstStyle/>
+          <a:p>
+            <a:r>
+              <a:rPr lang="en-RS" b="1">
+                <a:solidFill>
+                  <a:schemeClr val="accent6">
+                    <a:lumMod val="75000"/>
+                  </a:schemeClr>
+                </a:solidFill>
+                <a:latin typeface="Myriad Pro Light" panose="020B0403030403020204" pitchFamily="34" charset="0"/>
+              </a:rPr>
+              <a:t>Tx</a:t>
+            </a:r>
+          </a:p>
+        </p:txBody>
+      </p:sp>
+      <p:sp>
+        <p:nvSpPr>
+          <p:cNvPr id="45" name="Rectangle 44">
+            <a:extLst>
+              <a:ext uri="{FF2B5EF4-FFF2-40B4-BE49-F238E27FC236}">
+                <a16:creationId xmlns:a16="http://schemas.microsoft.com/office/drawing/2014/main" id="{90040359-E3B2-6445-A312-014AD4D36129}"/>
+              </a:ext>
+            </a:extLst>
+          </p:cNvPr>
+          <p:cNvSpPr/>
+          <p:nvPr/>
+        </p:nvSpPr>
+        <p:spPr>
+          <a:xfrm>
+            <a:off x="4572226" y="3302073"/>
+            <a:ext cx="700894" cy="700894"/>
+          </a:xfrm>
+          <a:prstGeom prst="rect">
+            <a:avLst/>
+          </a:prstGeom>
+          <a:noFill/>
+          <a:ln w="38100"/>
+        </p:spPr>
+        <p:style>
+          <a:lnRef idx="2">
+            <a:schemeClr val="accent1">
+              <a:shade val="50000"/>
+            </a:schemeClr>
+          </a:lnRef>
+          <a:fillRef idx="1">
+            <a:schemeClr val="accent1"/>
+          </a:fillRef>
+          <a:effectRef idx="0">
+            <a:schemeClr val="accent1"/>
+          </a:effectRef>
+          <a:fontRef idx="minor">
+            <a:schemeClr val="lt1"/>
+          </a:fontRef>
+        </p:style>
+        <p:txBody>
+          <a:bodyPr rtlCol="0" anchor="ctr"/>
+          <a:lstStyle/>
+          <a:p>
+            <a:pPr algn="ctr"/>
+            <a:r>
+              <a:rPr lang="en-RS" b="1">
+                <a:ln>
+                  <a:solidFill>
+                    <a:schemeClr val="accent1">
+                      <a:lumMod val="75000"/>
+                    </a:schemeClr>
+                  </a:solidFill>
+                </a:ln>
+                <a:solidFill>
+                  <a:schemeClr val="accent1">
+                    <a:lumMod val="75000"/>
+                  </a:schemeClr>
+                </a:solidFill>
+                <a:latin typeface="Myriad Pro Light" panose="020B0403030403020204" pitchFamily="34" charset="0"/>
+              </a:rPr>
+              <a:t>D1</a:t>
+            </a:r>
+          </a:p>
+        </p:txBody>
+      </p:sp>
+      <p:cxnSp>
+        <p:nvCxnSpPr>
+          <p:cNvPr id="46" name="Straight Arrow Connector 45">
+            <a:extLst>
+              <a:ext uri="{FF2B5EF4-FFF2-40B4-BE49-F238E27FC236}">
+                <a16:creationId xmlns:a16="http://schemas.microsoft.com/office/drawing/2014/main" id="{D74574F1-EB13-3A4C-9CCD-57419403AF62}"/>
+              </a:ext>
+            </a:extLst>
+          </p:cNvPr>
+          <p:cNvCxnSpPr>
+            <a:cxnSpLocks/>
+          </p:cNvCxnSpPr>
+          <p:nvPr/>
+        </p:nvCxnSpPr>
+        <p:spPr>
+          <a:xfrm>
+            <a:off x="4922674" y="1852626"/>
+            <a:ext cx="0" cy="1317294"/>
+          </a:xfrm>
+          <a:prstGeom prst="straightConnector1">
+            <a:avLst/>
+          </a:prstGeom>
+          <a:ln w="38100">
+            <a:solidFill>
+              <a:schemeClr val="accent1">
+                <a:lumMod val="75000"/>
+              </a:schemeClr>
+            </a:solidFill>
+            <a:tailEnd type="triangle"/>
+          </a:ln>
+        </p:spPr>
+        <p:style>
+          <a:lnRef idx="1">
+            <a:schemeClr val="accent1"/>
+          </a:lnRef>
+          <a:fillRef idx="0">
+            <a:schemeClr val="accent1"/>
+          </a:fillRef>
+          <a:effectRef idx="0">
+            <a:schemeClr val="accent1"/>
+          </a:effectRef>
+          <a:fontRef idx="minor">
+            <a:schemeClr val="tx1"/>
+          </a:fontRef>
+        </p:style>
+      </p:cxnSp>
+      <p:sp>
+        <p:nvSpPr>
+          <p:cNvPr id="47" name="Rectangle 46">
+            <a:extLst>
+              <a:ext uri="{FF2B5EF4-FFF2-40B4-BE49-F238E27FC236}">
+                <a16:creationId xmlns:a16="http://schemas.microsoft.com/office/drawing/2014/main" id="{9AD60722-8873-544B-A674-DA8131C7E393}"/>
+              </a:ext>
+            </a:extLst>
+          </p:cNvPr>
+          <p:cNvSpPr/>
+          <p:nvPr/>
+        </p:nvSpPr>
+        <p:spPr>
+          <a:xfrm>
+            <a:off x="4239932" y="2328265"/>
+            <a:ext cx="1457750" cy="391684"/>
+          </a:xfrm>
+          <a:prstGeom prst="rect">
+            <a:avLst/>
+          </a:prstGeom>
+        </p:spPr>
+        <p:style>
+          <a:lnRef idx="2">
+            <a:schemeClr val="accent1">
+              <a:shade val="50000"/>
+            </a:schemeClr>
+          </a:lnRef>
+          <a:fillRef idx="1">
+            <a:schemeClr val="accent1"/>
+          </a:fillRef>
+          <a:effectRef idx="0">
+            <a:schemeClr val="accent1"/>
+          </a:effectRef>
+          <a:fontRef idx="minor">
+            <a:schemeClr val="lt1"/>
+          </a:fontRef>
+        </p:style>
+        <p:txBody>
+          <a:bodyPr rtlCol="0" anchor="ctr"/>
+          <a:lstStyle/>
+          <a:p>
+            <a:pPr algn="ctr"/>
+            <a:r>
+              <a:rPr lang="en-RS" b="1">
+                <a:latin typeface="Myriad Pro Light" panose="020B0403030403020204" pitchFamily="34" charset="0"/>
+              </a:rPr>
+              <a:t>SELECT</a:t>
+            </a:r>
+          </a:p>
+        </p:txBody>
+      </p:sp>
+      <p:sp>
+        <p:nvSpPr>
+          <p:cNvPr id="48" name="TextBox 47">
+            <a:extLst>
+              <a:ext uri="{FF2B5EF4-FFF2-40B4-BE49-F238E27FC236}">
+                <a16:creationId xmlns:a16="http://schemas.microsoft.com/office/drawing/2014/main" id="{F93CA9BA-7B2B-0C41-8118-17A34DA18B09}"/>
+              </a:ext>
+            </a:extLst>
+          </p:cNvPr>
+          <p:cNvSpPr txBox="1"/>
+          <p:nvPr/>
+        </p:nvSpPr>
+        <p:spPr>
+          <a:xfrm>
+            <a:off x="4545647" y="1872932"/>
+            <a:ext cx="377026" cy="523220"/>
+          </a:xfrm>
+          <a:prstGeom prst="rect">
+            <a:avLst/>
+          </a:prstGeom>
+          <a:noFill/>
+        </p:spPr>
+        <p:txBody>
+          <a:bodyPr wrap="none" rtlCol="0">
+            <a:spAutoFit/>
+          </a:bodyPr>
+          <a:lstStyle/>
+          <a:p>
+            <a:r>
+              <a:rPr lang="en-RS" sz="2800" b="1">
+                <a:solidFill>
+                  <a:srgbClr val="C00000"/>
+                </a:solidFill>
+                <a:latin typeface="Myriad Pro Light" panose="020B0403030403020204" pitchFamily="34" charset="0"/>
+              </a:rPr>
+              <a:t>3</a:t>
+            </a:r>
+          </a:p>
+        </p:txBody>
+      </p:sp>
+      <p:cxnSp>
+        <p:nvCxnSpPr>
+          <p:cNvPr id="49" name="Straight Arrow Connector 48">
+            <a:extLst>
+              <a:ext uri="{FF2B5EF4-FFF2-40B4-BE49-F238E27FC236}">
+                <a16:creationId xmlns:a16="http://schemas.microsoft.com/office/drawing/2014/main" id="{D50A4ADA-7D61-5A40-8484-85F7257DCA5D}"/>
+              </a:ext>
+            </a:extLst>
+          </p:cNvPr>
+          <p:cNvCxnSpPr>
+            <a:cxnSpLocks/>
+          </p:cNvCxnSpPr>
+          <p:nvPr/>
+        </p:nvCxnSpPr>
+        <p:spPr>
+          <a:xfrm>
+            <a:off x="4273339" y="1716832"/>
+            <a:ext cx="1681518" cy="0"/>
+          </a:xfrm>
+          <a:prstGeom prst="straightConnector1">
+            <a:avLst/>
+          </a:prstGeom>
+          <a:ln w="38100">
+            <a:solidFill>
+              <a:schemeClr val="accent6">
+                <a:lumMod val="75000"/>
+              </a:schemeClr>
+            </a:solidFill>
+            <a:tailEnd type="triangle" w="lg" len="lg"/>
+          </a:ln>
+        </p:spPr>
+        <p:style>
+          <a:lnRef idx="1">
+            <a:schemeClr val="accent1"/>
+          </a:lnRef>
+          <a:fillRef idx="0">
+            <a:schemeClr val="accent1"/>
+          </a:fillRef>
+          <a:effectRef idx="0">
+            <a:schemeClr val="accent1"/>
+          </a:effectRef>
+          <a:fontRef idx="minor">
+            <a:schemeClr val="tx1"/>
+          </a:fontRef>
+        </p:style>
+      </p:cxnSp>
+      <p:cxnSp>
+        <p:nvCxnSpPr>
+          <p:cNvPr id="50" name="Straight Connector 49">
+            <a:extLst>
+              <a:ext uri="{FF2B5EF4-FFF2-40B4-BE49-F238E27FC236}">
+                <a16:creationId xmlns:a16="http://schemas.microsoft.com/office/drawing/2014/main" id="{D472A76C-D922-FC44-9AC6-2366296CADC8}"/>
+              </a:ext>
+            </a:extLst>
+          </p:cNvPr>
+          <p:cNvCxnSpPr>
+            <a:cxnSpLocks/>
+          </p:cNvCxnSpPr>
+          <p:nvPr/>
+        </p:nvCxnSpPr>
+        <p:spPr>
+          <a:xfrm>
+            <a:off x="4273339" y="1589146"/>
+            <a:ext cx="0" cy="255373"/>
+          </a:xfrm>
+          <a:prstGeom prst="line">
+            <a:avLst/>
+          </a:prstGeom>
+          <a:ln w="38100">
+            <a:solidFill>
+              <a:schemeClr val="accent6">
+                <a:lumMod val="75000"/>
+              </a:schemeClr>
+            </a:solidFill>
+          </a:ln>
+        </p:spPr>
+        <p:style>
+          <a:lnRef idx="1">
+            <a:schemeClr val="accent1"/>
+          </a:lnRef>
+          <a:fillRef idx="0">
+            <a:schemeClr val="accent1"/>
+          </a:fillRef>
+          <a:effectRef idx="0">
+            <a:schemeClr val="accent1"/>
+          </a:effectRef>
+          <a:fontRef idx="minor">
+            <a:schemeClr val="tx1"/>
+          </a:fontRef>
+        </p:style>
+      </p:cxnSp>
+      <p:cxnSp>
+        <p:nvCxnSpPr>
+          <p:cNvPr id="51" name="Straight Connector 50">
+            <a:extLst>
+              <a:ext uri="{FF2B5EF4-FFF2-40B4-BE49-F238E27FC236}">
+                <a16:creationId xmlns:a16="http://schemas.microsoft.com/office/drawing/2014/main" id="{65CC7A7C-7BAA-0B41-A0BB-C7AC7E09CF23}"/>
+              </a:ext>
+            </a:extLst>
+          </p:cNvPr>
+          <p:cNvCxnSpPr>
+            <a:cxnSpLocks/>
+          </p:cNvCxnSpPr>
+          <p:nvPr/>
+        </p:nvCxnSpPr>
+        <p:spPr>
+          <a:xfrm>
+            <a:off x="5954857" y="1601378"/>
+            <a:ext cx="0" cy="255373"/>
+          </a:xfrm>
+          <a:prstGeom prst="line">
+            <a:avLst/>
+          </a:prstGeom>
+          <a:ln w="38100">
+            <a:solidFill>
+              <a:schemeClr val="accent6">
+                <a:lumMod val="75000"/>
+              </a:schemeClr>
+            </a:solidFill>
+          </a:ln>
+        </p:spPr>
+        <p:style>
+          <a:lnRef idx="1">
+            <a:schemeClr val="accent1"/>
+          </a:lnRef>
+          <a:fillRef idx="0">
+            <a:schemeClr val="accent1"/>
+          </a:fillRef>
+          <a:effectRef idx="0">
+            <a:schemeClr val="accent1"/>
+          </a:effectRef>
+          <a:fontRef idx="minor">
+            <a:schemeClr val="tx1"/>
+          </a:fontRef>
+        </p:style>
+      </p:cxnSp>
+      <p:sp>
+        <p:nvSpPr>
+          <p:cNvPr id="52" name="TextBox 51">
+            <a:extLst>
+              <a:ext uri="{FF2B5EF4-FFF2-40B4-BE49-F238E27FC236}">
+                <a16:creationId xmlns:a16="http://schemas.microsoft.com/office/drawing/2014/main" id="{C4695658-EBA5-3B40-B714-30FE5CCFEECF}"/>
+              </a:ext>
+            </a:extLst>
+          </p:cNvPr>
+          <p:cNvSpPr txBox="1"/>
+          <p:nvPr/>
+        </p:nvSpPr>
+        <p:spPr>
+          <a:xfrm>
+            <a:off x="4811190" y="1394444"/>
+            <a:ext cx="420308" cy="369332"/>
+          </a:xfrm>
+          <a:prstGeom prst="rect">
+            <a:avLst/>
+          </a:prstGeom>
+          <a:noFill/>
+        </p:spPr>
+        <p:txBody>
+          <a:bodyPr wrap="none" rtlCol="0">
+            <a:spAutoFit/>
+          </a:bodyPr>
+          <a:lstStyle/>
+          <a:p>
+            <a:r>
+              <a:rPr lang="en-RS" b="1">
+                <a:solidFill>
+                  <a:schemeClr val="accent6">
+                    <a:lumMod val="75000"/>
+                  </a:schemeClr>
+                </a:solidFill>
+                <a:latin typeface="Myriad Pro Light" panose="020B0403030403020204" pitchFamily="34" charset="0"/>
+              </a:rPr>
+              <a:t>Tx</a:t>
+            </a:r>
+          </a:p>
+        </p:txBody>
+      </p:sp>
+      <p:sp>
+        <p:nvSpPr>
+          <p:cNvPr id="53" name="Rectangle 52">
+            <a:extLst>
+              <a:ext uri="{FF2B5EF4-FFF2-40B4-BE49-F238E27FC236}">
+                <a16:creationId xmlns:a16="http://schemas.microsoft.com/office/drawing/2014/main" id="{3366DD6C-1AC1-AF4D-AEFA-02B42892C92E}"/>
+              </a:ext>
+            </a:extLst>
+          </p:cNvPr>
+          <p:cNvSpPr/>
+          <p:nvPr/>
+        </p:nvSpPr>
+        <p:spPr>
+          <a:xfrm>
+            <a:off x="8387637" y="3302073"/>
+            <a:ext cx="700894" cy="700894"/>
+          </a:xfrm>
+          <a:prstGeom prst="rect">
+            <a:avLst/>
+          </a:prstGeom>
+          <a:noFill/>
+          <a:ln w="38100"/>
+        </p:spPr>
+        <p:style>
+          <a:lnRef idx="2">
+            <a:schemeClr val="accent1">
+              <a:shade val="50000"/>
+            </a:schemeClr>
+          </a:lnRef>
+          <a:fillRef idx="1">
+            <a:schemeClr val="accent1"/>
+          </a:fillRef>
+          <a:effectRef idx="0">
+            <a:schemeClr val="accent1"/>
+          </a:effectRef>
+          <a:fontRef idx="minor">
+            <a:schemeClr val="lt1"/>
+          </a:fontRef>
+        </p:style>
+        <p:txBody>
+          <a:bodyPr rtlCol="0" anchor="ctr"/>
+          <a:lstStyle/>
+          <a:p>
+            <a:pPr algn="ctr"/>
+            <a:r>
+              <a:rPr lang="en-RS" b="1">
+                <a:ln>
+                  <a:solidFill>
+                    <a:schemeClr val="accent1">
+                      <a:lumMod val="75000"/>
+                    </a:schemeClr>
+                  </a:solidFill>
+                </a:ln>
+                <a:solidFill>
+                  <a:schemeClr val="accent1">
+                    <a:lumMod val="75000"/>
+                  </a:schemeClr>
+                </a:solidFill>
+                <a:latin typeface="Myriad Pro Light" panose="020B0403030403020204" pitchFamily="34" charset="0"/>
+              </a:rPr>
+              <a:t>D1</a:t>
+            </a:r>
+          </a:p>
+        </p:txBody>
+      </p:sp>
+      <p:cxnSp>
+        <p:nvCxnSpPr>
+          <p:cNvPr id="54" name="Straight Arrow Connector 53">
+            <a:extLst>
+              <a:ext uri="{FF2B5EF4-FFF2-40B4-BE49-F238E27FC236}">
+                <a16:creationId xmlns:a16="http://schemas.microsoft.com/office/drawing/2014/main" id="{EBDFBD49-0780-5945-B485-7111D9D613AC}"/>
+              </a:ext>
+            </a:extLst>
+          </p:cNvPr>
+          <p:cNvCxnSpPr>
+            <a:cxnSpLocks/>
+          </p:cNvCxnSpPr>
+          <p:nvPr/>
+        </p:nvCxnSpPr>
+        <p:spPr>
+          <a:xfrm flipV="1">
+            <a:off x="8738084" y="4155440"/>
+            <a:ext cx="0" cy="1633816"/>
+          </a:xfrm>
+          <a:prstGeom prst="straightConnector1">
+            <a:avLst/>
+          </a:prstGeom>
+          <a:ln w="38100">
+            <a:solidFill>
+              <a:schemeClr val="accent1">
+                <a:lumMod val="75000"/>
+              </a:schemeClr>
+            </a:solidFill>
+            <a:tailEnd type="triangle"/>
+          </a:ln>
+        </p:spPr>
+        <p:style>
+          <a:lnRef idx="1">
+            <a:schemeClr val="accent1"/>
+          </a:lnRef>
+          <a:fillRef idx="0">
+            <a:schemeClr val="accent1"/>
+          </a:fillRef>
+          <a:effectRef idx="0">
+            <a:schemeClr val="accent1"/>
+          </a:effectRef>
+          <a:fontRef idx="minor">
+            <a:schemeClr val="tx1"/>
+          </a:fontRef>
+        </p:style>
+      </p:cxnSp>
+      <p:sp>
+        <p:nvSpPr>
+          <p:cNvPr id="55" name="Rectangle 54">
+            <a:extLst>
+              <a:ext uri="{FF2B5EF4-FFF2-40B4-BE49-F238E27FC236}">
+                <a16:creationId xmlns:a16="http://schemas.microsoft.com/office/drawing/2014/main" id="{9DC02469-401B-9B4A-8B16-CEBC9801480C}"/>
+              </a:ext>
+            </a:extLst>
+          </p:cNvPr>
+          <p:cNvSpPr/>
+          <p:nvPr/>
+        </p:nvSpPr>
+        <p:spPr>
+          <a:xfrm>
+            <a:off x="8055343" y="4929225"/>
+            <a:ext cx="1457750" cy="391684"/>
+          </a:xfrm>
+          <a:prstGeom prst="rect">
+            <a:avLst/>
+          </a:prstGeom>
+        </p:spPr>
+        <p:style>
+          <a:lnRef idx="2">
+            <a:schemeClr val="accent1">
+              <a:shade val="50000"/>
+            </a:schemeClr>
+          </a:lnRef>
+          <a:fillRef idx="1">
+            <a:schemeClr val="accent1"/>
+          </a:fillRef>
+          <a:effectRef idx="0">
+            <a:schemeClr val="accent1"/>
+          </a:effectRef>
+          <a:fontRef idx="minor">
+            <a:schemeClr val="lt1"/>
+          </a:fontRef>
+        </p:style>
+        <p:txBody>
+          <a:bodyPr rtlCol="0" anchor="ctr"/>
+          <a:lstStyle/>
+          <a:p>
+            <a:pPr algn="ctr"/>
+            <a:r>
+              <a:rPr lang="en-RS" b="1">
+                <a:latin typeface="Myriad Pro Light" panose="020B0403030403020204" pitchFamily="34" charset="0"/>
+              </a:rPr>
+              <a:t>UPDATE</a:t>
+            </a:r>
+          </a:p>
+        </p:txBody>
+      </p:sp>
+      <p:sp>
+        <p:nvSpPr>
+          <p:cNvPr id="56" name="TextBox 55">
+            <a:extLst>
+              <a:ext uri="{FF2B5EF4-FFF2-40B4-BE49-F238E27FC236}">
+                <a16:creationId xmlns:a16="http://schemas.microsoft.com/office/drawing/2014/main" id="{676D5632-382A-EA44-B2E0-67E2A714B966}"/>
+              </a:ext>
+            </a:extLst>
+          </p:cNvPr>
+          <p:cNvSpPr txBox="1"/>
+          <p:nvPr/>
+        </p:nvSpPr>
+        <p:spPr>
+          <a:xfrm>
+            <a:off x="8361058" y="4473892"/>
+            <a:ext cx="377026" cy="523220"/>
+          </a:xfrm>
+          <a:prstGeom prst="rect">
+            <a:avLst/>
+          </a:prstGeom>
+          <a:noFill/>
+        </p:spPr>
+        <p:txBody>
+          <a:bodyPr wrap="none" rtlCol="0">
+            <a:spAutoFit/>
+          </a:bodyPr>
+          <a:lstStyle/>
+          <a:p>
+            <a:r>
+              <a:rPr lang="en-RS" sz="2800" b="1">
+                <a:solidFill>
+                  <a:srgbClr val="C00000"/>
+                </a:solidFill>
+                <a:latin typeface="Myriad Pro Light" panose="020B0403030403020204" pitchFamily="34" charset="0"/>
+              </a:rPr>
+              <a:t>5</a:t>
+            </a:r>
+          </a:p>
+        </p:txBody>
+      </p:sp>
+      <p:cxnSp>
+        <p:nvCxnSpPr>
+          <p:cNvPr id="57" name="Straight Arrow Connector 56">
+            <a:extLst>
+              <a:ext uri="{FF2B5EF4-FFF2-40B4-BE49-F238E27FC236}">
+                <a16:creationId xmlns:a16="http://schemas.microsoft.com/office/drawing/2014/main" id="{6833D3C9-BF3A-AF47-A62D-9384CD6FC34E}"/>
+              </a:ext>
+            </a:extLst>
+          </p:cNvPr>
+          <p:cNvCxnSpPr>
+            <a:cxnSpLocks/>
+          </p:cNvCxnSpPr>
+          <p:nvPr/>
+        </p:nvCxnSpPr>
+        <p:spPr>
+          <a:xfrm>
+            <a:off x="7969576" y="6056464"/>
+            <a:ext cx="1681518" cy="0"/>
+          </a:xfrm>
+          <a:prstGeom prst="straightConnector1">
+            <a:avLst/>
+          </a:prstGeom>
+          <a:ln w="38100">
+            <a:solidFill>
+              <a:schemeClr val="accent6">
+                <a:lumMod val="75000"/>
+              </a:schemeClr>
+            </a:solidFill>
+            <a:tailEnd type="triangle" w="lg" len="lg"/>
+          </a:ln>
+        </p:spPr>
+        <p:style>
+          <a:lnRef idx="1">
+            <a:schemeClr val="accent1"/>
+          </a:lnRef>
+          <a:fillRef idx="0">
+            <a:schemeClr val="accent1"/>
+          </a:fillRef>
+          <a:effectRef idx="0">
+            <a:schemeClr val="accent1"/>
+          </a:effectRef>
+          <a:fontRef idx="minor">
+            <a:schemeClr val="tx1"/>
+          </a:fontRef>
+        </p:style>
+      </p:cxnSp>
+      <p:cxnSp>
+        <p:nvCxnSpPr>
+          <p:cNvPr id="58" name="Straight Connector 57">
+            <a:extLst>
+              <a:ext uri="{FF2B5EF4-FFF2-40B4-BE49-F238E27FC236}">
+                <a16:creationId xmlns:a16="http://schemas.microsoft.com/office/drawing/2014/main" id="{87FFD686-E349-E048-9650-3EBEB567A3D4}"/>
+              </a:ext>
+            </a:extLst>
+          </p:cNvPr>
+          <p:cNvCxnSpPr>
+            <a:cxnSpLocks/>
+          </p:cNvCxnSpPr>
+          <p:nvPr/>
+        </p:nvCxnSpPr>
+        <p:spPr>
+          <a:xfrm>
+            <a:off x="7969576" y="5928778"/>
+            <a:ext cx="0" cy="255373"/>
+          </a:xfrm>
+          <a:prstGeom prst="line">
+            <a:avLst/>
+          </a:prstGeom>
+          <a:ln w="38100">
+            <a:solidFill>
+              <a:schemeClr val="accent6">
+                <a:lumMod val="75000"/>
+              </a:schemeClr>
+            </a:solidFill>
+          </a:ln>
+        </p:spPr>
+        <p:style>
+          <a:lnRef idx="1">
+            <a:schemeClr val="accent1"/>
+          </a:lnRef>
+          <a:fillRef idx="0">
+            <a:schemeClr val="accent1"/>
+          </a:fillRef>
+          <a:effectRef idx="0">
+            <a:schemeClr val="accent1"/>
+          </a:effectRef>
+          <a:fontRef idx="minor">
+            <a:schemeClr val="tx1"/>
+          </a:fontRef>
+        </p:style>
+      </p:cxnSp>
+      <p:cxnSp>
+        <p:nvCxnSpPr>
+          <p:cNvPr id="59" name="Straight Connector 58">
+            <a:extLst>
+              <a:ext uri="{FF2B5EF4-FFF2-40B4-BE49-F238E27FC236}">
+                <a16:creationId xmlns:a16="http://schemas.microsoft.com/office/drawing/2014/main" id="{60B45EFA-D2EF-2D46-BAA1-8CAC22C8FB03}"/>
+              </a:ext>
+            </a:extLst>
+          </p:cNvPr>
+          <p:cNvCxnSpPr>
+            <a:cxnSpLocks/>
+          </p:cNvCxnSpPr>
+          <p:nvPr/>
+        </p:nvCxnSpPr>
+        <p:spPr>
+          <a:xfrm>
+            <a:off x="9651094" y="5941010"/>
+            <a:ext cx="0" cy="255373"/>
+          </a:xfrm>
+          <a:prstGeom prst="line">
+            <a:avLst/>
+          </a:prstGeom>
+          <a:ln w="38100">
+            <a:solidFill>
+              <a:schemeClr val="accent6">
+                <a:lumMod val="75000"/>
+              </a:schemeClr>
+            </a:solidFill>
+          </a:ln>
+        </p:spPr>
+        <p:style>
+          <a:lnRef idx="1">
+            <a:schemeClr val="accent1"/>
+          </a:lnRef>
+          <a:fillRef idx="0">
+            <a:schemeClr val="accent1"/>
+          </a:fillRef>
+          <a:effectRef idx="0">
+            <a:schemeClr val="accent1"/>
+          </a:effectRef>
+          <a:fontRef idx="minor">
+            <a:schemeClr val="tx1"/>
+          </a:fontRef>
+        </p:style>
+      </p:cxnSp>
+      <p:sp>
+        <p:nvSpPr>
+          <p:cNvPr id="60" name="TextBox 59">
+            <a:extLst>
+              <a:ext uri="{FF2B5EF4-FFF2-40B4-BE49-F238E27FC236}">
+                <a16:creationId xmlns:a16="http://schemas.microsoft.com/office/drawing/2014/main" id="{51EFB39C-70BF-3347-8064-53C0D236A2AF}"/>
+              </a:ext>
+            </a:extLst>
+          </p:cNvPr>
+          <p:cNvSpPr txBox="1"/>
+          <p:nvPr/>
+        </p:nvSpPr>
+        <p:spPr>
+          <a:xfrm>
+            <a:off x="8507427" y="5734076"/>
+            <a:ext cx="420308" cy="369332"/>
+          </a:xfrm>
+          <a:prstGeom prst="rect">
+            <a:avLst/>
+          </a:prstGeom>
+          <a:noFill/>
+        </p:spPr>
+        <p:txBody>
+          <a:bodyPr wrap="none" rtlCol="0">
+            <a:spAutoFit/>
+          </a:bodyPr>
+          <a:lstStyle/>
+          <a:p>
+            <a:r>
+              <a:rPr lang="en-RS" b="1">
+                <a:solidFill>
+                  <a:schemeClr val="accent6">
+                    <a:lumMod val="75000"/>
+                  </a:schemeClr>
+                </a:solidFill>
+                <a:latin typeface="Myriad Pro Light" panose="020B0403030403020204" pitchFamily="34" charset="0"/>
+              </a:rPr>
+              <a:t>Tx</a:t>
+            </a:r>
+          </a:p>
+        </p:txBody>
+      </p:sp>
     </p:spTree>
     <p:extLst>
       <p:ext uri="{BB962C8B-B14F-4D97-AF65-F5344CB8AC3E}">
-        <p14:creationId xmlns:p14="http://schemas.microsoft.com/office/powerpoint/2010/main" val="1294009492"/>
+        <p14:creationId xmlns:p14="http://schemas.microsoft.com/office/powerpoint/2010/main" val="3311530147"/>
       </p:ext>
     </p:extLst>
   </p:cSld>

--- a/08-tx/tx.pptx
+++ b/08-tx/tx.pptx
@@ -10,7 +10,17 @@
     <p:sldId id="264" r:id="rId4"/>
     <p:sldId id="265" r:id="rId5"/>
     <p:sldId id="262" r:id="rId6"/>
-    <p:sldId id="266" r:id="rId7"/>
+    <p:sldId id="267" r:id="rId7"/>
+    <p:sldId id="268" r:id="rId8"/>
+    <p:sldId id="269" r:id="rId9"/>
+    <p:sldId id="270" r:id="rId10"/>
+    <p:sldId id="271" r:id="rId11"/>
+    <p:sldId id="272" r:id="rId12"/>
+    <p:sldId id="273" r:id="rId13"/>
+    <p:sldId id="274" r:id="rId14"/>
+    <p:sldId id="275" r:id="rId15"/>
+    <p:sldId id="276" r:id="rId16"/>
+    <p:sldId id="266" r:id="rId17"/>
   </p:sldIdLst>
   <p:sldSz cx="12192000" cy="6858000"/>
   <p:notesSz cx="6858000" cy="9144000"/>
@@ -265,7 +275,7 @@
           <a:lstStyle/>
           <a:p>
             <a:fld id="{AA5C98ED-7BB4-D342-BBB7-ECC1F285DD8D}" type="datetimeFigureOut">
-              <a:t>12.12.20.</a:t>
+              <a:t>15.12.20.</a:t>
             </a:fld>
             <a:endParaRPr lang="en-US"/>
           </a:p>
@@ -463,7 +473,7 @@
           <a:lstStyle/>
           <a:p>
             <a:fld id="{AA5C98ED-7BB4-D342-BBB7-ECC1F285DD8D}" type="datetimeFigureOut">
-              <a:t>12.12.20.</a:t>
+              <a:t>15.12.20.</a:t>
             </a:fld>
             <a:endParaRPr lang="en-US"/>
           </a:p>
@@ -671,7 +681,7 @@
           <a:lstStyle/>
           <a:p>
             <a:fld id="{AA5C98ED-7BB4-D342-BBB7-ECC1F285DD8D}" type="datetimeFigureOut">
-              <a:t>12.12.20.</a:t>
+              <a:t>15.12.20.</a:t>
             </a:fld>
             <a:endParaRPr lang="en-US"/>
           </a:p>
@@ -869,7 +879,7 @@
           <a:lstStyle/>
           <a:p>
             <a:fld id="{AA5C98ED-7BB4-D342-BBB7-ECC1F285DD8D}" type="datetimeFigureOut">
-              <a:t>12.12.20.</a:t>
+              <a:t>15.12.20.</a:t>
             </a:fld>
             <a:endParaRPr lang="en-US"/>
           </a:p>
@@ -1143,7 +1153,7 @@
           <a:lstStyle/>
           <a:p>
             <a:fld id="{AA5C98ED-7BB4-D342-BBB7-ECC1F285DD8D}" type="datetimeFigureOut">
-              <a:t>12.12.20.</a:t>
+              <a:t>15.12.20.</a:t>
             </a:fld>
             <a:endParaRPr lang="en-US"/>
           </a:p>
@@ -1409,7 +1419,7 @@
           <a:lstStyle/>
           <a:p>
             <a:fld id="{AA5C98ED-7BB4-D342-BBB7-ECC1F285DD8D}" type="datetimeFigureOut">
-              <a:t>12.12.20.</a:t>
+              <a:t>15.12.20.</a:t>
             </a:fld>
             <a:endParaRPr lang="en-US"/>
           </a:p>
@@ -1822,7 +1832,7 @@
           <a:lstStyle/>
           <a:p>
             <a:fld id="{AA5C98ED-7BB4-D342-BBB7-ECC1F285DD8D}" type="datetimeFigureOut">
-              <a:t>12.12.20.</a:t>
+              <a:t>15.12.20.</a:t>
             </a:fld>
             <a:endParaRPr lang="en-US"/>
           </a:p>
@@ -1962,7 +1972,7 @@
           <a:lstStyle/>
           <a:p>
             <a:fld id="{AA5C98ED-7BB4-D342-BBB7-ECC1F285DD8D}" type="datetimeFigureOut">
-              <a:t>12.12.20.</a:t>
+              <a:t>15.12.20.</a:t>
             </a:fld>
             <a:endParaRPr lang="en-US"/>
           </a:p>
@@ -2073,7 +2083,7 @@
           <a:lstStyle/>
           <a:p>
             <a:fld id="{AA5C98ED-7BB4-D342-BBB7-ECC1F285DD8D}" type="datetimeFigureOut">
-              <a:t>12.12.20.</a:t>
+              <a:t>15.12.20.</a:t>
             </a:fld>
             <a:endParaRPr lang="en-US"/>
           </a:p>
@@ -2384,7 +2394,7 @@
           <a:lstStyle/>
           <a:p>
             <a:fld id="{AA5C98ED-7BB4-D342-BBB7-ECC1F285DD8D}" type="datetimeFigureOut">
-              <a:t>12.12.20.</a:t>
+              <a:t>15.12.20.</a:t>
             </a:fld>
             <a:endParaRPr lang="en-US"/>
           </a:p>
@@ -2671,7 +2681,7 @@
           <a:lstStyle/>
           <a:p>
             <a:fld id="{AA5C98ED-7BB4-D342-BBB7-ECC1F285DD8D}" type="datetimeFigureOut">
-              <a:t>12.12.20.</a:t>
+              <a:t>15.12.20.</a:t>
             </a:fld>
             <a:endParaRPr lang="en-US"/>
           </a:p>
@@ -2912,7 +2922,7 @@
           </a:lstStyle>
           <a:p>
             <a:fld id="{AA5C98ED-7BB4-D342-BBB7-ECC1F285DD8D}" type="datetimeFigureOut">
-              <a:t>12.12.20.</a:t>
+              <a:t>15.12.20.</a:t>
             </a:fld>
             <a:endParaRPr lang="en-US"/>
           </a:p>
@@ -4324,6 +4334,4360 @@
 </p:sld>
 </file>
 
+<file path=ppt/slides/slide10.xml><?xml version="1.0" encoding="utf-8"?>
+<p:sld xmlns:a="http://schemas.openxmlformats.org/drawingml/2006/main" xmlns:r="http://schemas.openxmlformats.org/officeDocument/2006/relationships" xmlns:p="http://schemas.openxmlformats.org/presentationml/2006/main">
+  <p:cSld>
+    <p:spTree>
+      <p:nvGrpSpPr>
+        <p:cNvPr id="1" name=""/>
+        <p:cNvGrpSpPr/>
+        <p:nvPr/>
+      </p:nvGrpSpPr>
+      <p:grpSpPr>
+        <a:xfrm>
+          <a:off x="0" y="0"/>
+          <a:ext cx="0" cy="0"/>
+          <a:chOff x="0" y="0"/>
+          <a:chExt cx="0" cy="0"/>
+        </a:xfrm>
+      </p:grpSpPr>
+      <p:sp>
+        <p:nvSpPr>
+          <p:cNvPr id="2" name="TextBox 1">
+            <a:extLst>
+              <a:ext uri="{FF2B5EF4-FFF2-40B4-BE49-F238E27FC236}">
+                <a16:creationId xmlns:a16="http://schemas.microsoft.com/office/drawing/2014/main" id="{3644231C-430A-C34A-AD93-86C7C8CA184D}"/>
+              </a:ext>
+            </a:extLst>
+          </p:cNvPr>
+          <p:cNvSpPr txBox="1"/>
+          <p:nvPr/>
+        </p:nvSpPr>
+        <p:spPr>
+          <a:xfrm>
+            <a:off x="0" y="0"/>
+            <a:ext cx="12192000" cy="646331"/>
+          </a:xfrm>
+          <a:prstGeom prst="rect">
+            <a:avLst/>
+          </a:prstGeom>
+          <a:solidFill>
+            <a:schemeClr val="accent1">
+              <a:lumMod val="75000"/>
+            </a:schemeClr>
+          </a:solidFill>
+          <a:ln>
+            <a:solidFill>
+              <a:schemeClr val="accent1">
+                <a:lumMod val="75000"/>
+              </a:schemeClr>
+            </a:solidFill>
+          </a:ln>
+        </p:spPr>
+        <p:txBody>
+          <a:bodyPr wrap="square" rtlCol="0">
+            <a:spAutoFit/>
+          </a:bodyPr>
+          <a:lstStyle/>
+          <a:p>
+            <a:r>
+              <a:rPr lang="en-US" sz="3600" b="1">
+                <a:solidFill>
+                  <a:schemeClr val="bg1"/>
+                </a:solidFill>
+                <a:latin typeface="Myriad Pro Light" panose="020B0403030403020204" pitchFamily="34" charset="0"/>
+              </a:rPr>
+              <a:t>Optimističko zaključavanje</a:t>
+            </a:r>
+          </a:p>
+        </p:txBody>
+      </p:sp>
+      <p:pic>
+        <p:nvPicPr>
+          <p:cNvPr id="4" name="Graphic 3">
+            <a:extLst>
+              <a:ext uri="{FF2B5EF4-FFF2-40B4-BE49-F238E27FC236}">
+                <a16:creationId xmlns:a16="http://schemas.microsoft.com/office/drawing/2014/main" id="{F40467E2-ACB0-DA49-B112-FE6F8092DAF2}"/>
+              </a:ext>
+            </a:extLst>
+          </p:cNvPr>
+          <p:cNvPicPr>
+            <a:picLocks noChangeAspect="1"/>
+          </p:cNvPicPr>
+          <p:nvPr/>
+        </p:nvPicPr>
+        <p:blipFill>
+          <a:blip r:embed="rId2">
+            <a:extLst>
+              <a:ext uri="{96DAC541-7B7A-43D3-8B79-37D633B846F1}">
+                <asvg:svgBlip xmlns:asvg="http://schemas.microsoft.com/office/drawing/2016/SVG/main" r:embed="rId3"/>
+              </a:ext>
+            </a:extLst>
+          </a:blip>
+          <a:stretch>
+            <a:fillRect/>
+          </a:stretch>
+        </p:blipFill>
+        <p:spPr>
+          <a:xfrm>
+            <a:off x="2648896" y="2507632"/>
+            <a:ext cx="2467853" cy="1842736"/>
+          </a:xfrm>
+          <a:prstGeom prst="rect">
+            <a:avLst/>
+          </a:prstGeom>
+        </p:spPr>
+      </p:pic>
+      <p:pic>
+        <p:nvPicPr>
+          <p:cNvPr id="5" name="Graphic 4">
+            <a:extLst>
+              <a:ext uri="{FF2B5EF4-FFF2-40B4-BE49-F238E27FC236}">
+                <a16:creationId xmlns:a16="http://schemas.microsoft.com/office/drawing/2014/main" id="{F3FD7091-381A-1243-B5FD-DBD8B23E8B7A}"/>
+              </a:ext>
+            </a:extLst>
+          </p:cNvPr>
+          <p:cNvPicPr>
+            <a:picLocks noChangeAspect="1"/>
+          </p:cNvPicPr>
+          <p:nvPr/>
+        </p:nvPicPr>
+        <p:blipFill>
+          <a:blip r:embed="rId2">
+            <a:extLst>
+              <a:ext uri="{96DAC541-7B7A-43D3-8B79-37D633B846F1}">
+                <asvg:svgBlip xmlns:asvg="http://schemas.microsoft.com/office/drawing/2016/SVG/main" r:embed="rId3"/>
+              </a:ext>
+            </a:extLst>
+          </a:blip>
+          <a:stretch>
+            <a:fillRect/>
+          </a:stretch>
+        </p:blipFill>
+        <p:spPr>
+          <a:xfrm>
+            <a:off x="6711815" y="2507632"/>
+            <a:ext cx="2467853" cy="1842736"/>
+          </a:xfrm>
+          <a:prstGeom prst="rect">
+            <a:avLst/>
+          </a:prstGeom>
+        </p:spPr>
+      </p:pic>
+      <p:pic>
+        <p:nvPicPr>
+          <p:cNvPr id="8" name="Graphic 7">
+            <a:extLst>
+              <a:ext uri="{FF2B5EF4-FFF2-40B4-BE49-F238E27FC236}">
+                <a16:creationId xmlns:a16="http://schemas.microsoft.com/office/drawing/2014/main" id="{D8D2772E-1512-1547-93FE-1C90748E0203}"/>
+              </a:ext>
+            </a:extLst>
+          </p:cNvPr>
+          <p:cNvPicPr>
+            <a:picLocks noChangeAspect="1"/>
+          </p:cNvPicPr>
+          <p:nvPr/>
+        </p:nvPicPr>
+        <p:blipFill>
+          <a:blip r:embed="rId4">
+            <a:extLst>
+              <a:ext uri="{96DAC541-7B7A-43D3-8B79-37D633B846F1}">
+                <asvg:svgBlip xmlns:asvg="http://schemas.microsoft.com/office/drawing/2016/SVG/main" r:embed="rId5"/>
+              </a:ext>
+            </a:extLst>
+          </a:blip>
+          <a:stretch>
+            <a:fillRect/>
+          </a:stretch>
+        </p:blipFill>
+        <p:spPr>
+          <a:xfrm>
+            <a:off x="6711814" y="2507632"/>
+            <a:ext cx="2467853" cy="2114526"/>
+          </a:xfrm>
+          <a:prstGeom prst="rect">
+            <a:avLst/>
+          </a:prstGeom>
+        </p:spPr>
+      </p:pic>
+      <p:sp>
+        <p:nvSpPr>
+          <p:cNvPr id="9" name="TextBox 8">
+            <a:extLst>
+              <a:ext uri="{FF2B5EF4-FFF2-40B4-BE49-F238E27FC236}">
+                <a16:creationId xmlns:a16="http://schemas.microsoft.com/office/drawing/2014/main" id="{2CEDA9B3-B422-E94D-98D3-4125D51615A0}"/>
+              </a:ext>
+            </a:extLst>
+          </p:cNvPr>
+          <p:cNvSpPr txBox="1"/>
+          <p:nvPr/>
+        </p:nvSpPr>
+        <p:spPr>
+          <a:xfrm>
+            <a:off x="6710631" y="4979880"/>
+            <a:ext cx="3852337" cy="1015663"/>
+          </a:xfrm>
+          <a:prstGeom prst="rect">
+            <a:avLst/>
+          </a:prstGeom>
+          <a:noFill/>
+        </p:spPr>
+        <p:txBody>
+          <a:bodyPr wrap="none" rtlCol="0">
+            <a:spAutoFit/>
+          </a:bodyPr>
+          <a:lstStyle/>
+          <a:p>
+            <a:r>
+              <a:rPr lang="en-RS" sz="2000">
+                <a:latin typeface="Consolas" panose="020B0609020204030204" pitchFamily="49" charset="0"/>
+                <a:cs typeface="Consolas" panose="020B0609020204030204" pitchFamily="49" charset="0"/>
+              </a:rPr>
+              <a:t>SELECT stanje FROM racuni</a:t>
+            </a:r>
+          </a:p>
+          <a:p>
+            <a:r>
+              <a:rPr lang="en-RS" sz="2000">
+                <a:latin typeface="Consolas" panose="020B0609020204030204" pitchFamily="49" charset="0"/>
+                <a:cs typeface="Consolas" panose="020B0609020204030204" pitchFamily="49" charset="0"/>
+              </a:rPr>
+              <a:t>  WHERE br_racuna</a:t>
+            </a:r>
+            <a:r>
+              <a:rPr lang="sr-Latn-RS" sz="2000">
+                <a:latin typeface="Consolas" panose="020B0609020204030204" pitchFamily="49" charset="0"/>
+                <a:cs typeface="Consolas" panose="020B0609020204030204" pitchFamily="49" charset="0"/>
+              </a:rPr>
+              <a:t>=1234567;</a:t>
+            </a:r>
+          </a:p>
+          <a:p>
+            <a:r>
+              <a:rPr lang="sr-Latn-RS" sz="2000">
+                <a:solidFill>
+                  <a:srgbClr val="FF0000"/>
+                </a:solidFill>
+                <a:latin typeface="Consolas" panose="020B0609020204030204" pitchFamily="49" charset="0"/>
+                <a:cs typeface="Consolas" panose="020B0609020204030204" pitchFamily="49" charset="0"/>
+              </a:rPr>
+              <a:t>---</a:t>
+            </a:r>
+            <a:r>
+              <a:rPr lang="sr-Latn-RS" sz="2000">
+                <a:solidFill>
+                  <a:srgbClr val="FF0000"/>
+                </a:solidFill>
+                <a:latin typeface="Consolas" panose="020B0609020204030204" pitchFamily="49" charset="0"/>
+                <a:cs typeface="Consolas" panose="020B0609020204030204" pitchFamily="49" charset="0"/>
+                <a:sym typeface="Wingdings" pitchFamily="2" charset="2"/>
+              </a:rPr>
+              <a:t>&gt;  1000</a:t>
+            </a:r>
+            <a:endParaRPr lang="en-RS" sz="2000">
+              <a:solidFill>
+                <a:srgbClr val="FF0000"/>
+              </a:solidFill>
+              <a:latin typeface="Consolas" panose="020B0609020204030204" pitchFamily="49" charset="0"/>
+              <a:cs typeface="Consolas" panose="020B0609020204030204" pitchFamily="49" charset="0"/>
+            </a:endParaRPr>
+          </a:p>
+        </p:txBody>
+      </p:sp>
+      <p:sp>
+        <p:nvSpPr>
+          <p:cNvPr id="10" name="Rounded Rectangular Callout 9">
+            <a:extLst>
+              <a:ext uri="{FF2B5EF4-FFF2-40B4-BE49-F238E27FC236}">
+                <a16:creationId xmlns:a16="http://schemas.microsoft.com/office/drawing/2014/main" id="{0E383C26-AB26-2B44-9725-781CF4466F2D}"/>
+              </a:ext>
+            </a:extLst>
+          </p:cNvPr>
+          <p:cNvSpPr/>
+          <p:nvPr/>
+        </p:nvSpPr>
+        <p:spPr>
+          <a:xfrm>
+            <a:off x="6014586" y="1084857"/>
+            <a:ext cx="2245242" cy="1243914"/>
+          </a:xfrm>
+          <a:prstGeom prst="wedgeRoundRectCallout">
+            <a:avLst>
+              <a:gd name="adj1" fmla="val 49771"/>
+              <a:gd name="adj2" fmla="val 65445"/>
+              <a:gd name="adj3" fmla="val 16667"/>
+            </a:avLst>
+          </a:prstGeom>
+        </p:spPr>
+        <p:style>
+          <a:lnRef idx="2">
+            <a:schemeClr val="accent1">
+              <a:shade val="50000"/>
+            </a:schemeClr>
+          </a:lnRef>
+          <a:fillRef idx="1">
+            <a:schemeClr val="accent1"/>
+          </a:fillRef>
+          <a:effectRef idx="0">
+            <a:schemeClr val="accent1"/>
+          </a:effectRef>
+          <a:fontRef idx="minor">
+            <a:schemeClr val="lt1"/>
+          </a:fontRef>
+        </p:style>
+        <p:txBody>
+          <a:bodyPr rtlCol="0" anchor="ctr"/>
+          <a:lstStyle/>
+          <a:p>
+            <a:r>
+              <a:rPr lang="sr-Latn-RS">
+                <a:latin typeface="Myriad Pro" panose="020B0503030403020204" pitchFamily="34" charset="0"/>
+              </a:rPr>
+              <a:t>stanje na Vašem računu je 1000</a:t>
+            </a:r>
+            <a:endParaRPr lang="en-RS">
+              <a:latin typeface="Myriad Pro" panose="020B0503030403020204" pitchFamily="34" charset="0"/>
+            </a:endParaRPr>
+          </a:p>
+        </p:txBody>
+      </p:sp>
+      <p:sp>
+        <p:nvSpPr>
+          <p:cNvPr id="11" name="Curved Down Arrow 10">
+            <a:extLst>
+              <a:ext uri="{FF2B5EF4-FFF2-40B4-BE49-F238E27FC236}">
+                <a16:creationId xmlns:a16="http://schemas.microsoft.com/office/drawing/2014/main" id="{AF2FBFF8-40E3-6C41-8B68-367119AA8831}"/>
+              </a:ext>
+            </a:extLst>
+          </p:cNvPr>
+          <p:cNvSpPr/>
+          <p:nvPr/>
+        </p:nvSpPr>
+        <p:spPr>
+          <a:xfrm>
+            <a:off x="5292850" y="2970408"/>
+            <a:ext cx="1242862" cy="357722"/>
+          </a:xfrm>
+          <a:prstGeom prst="curvedDownArrow">
+            <a:avLst>
+              <a:gd name="adj1" fmla="val 25000"/>
+              <a:gd name="adj2" fmla="val 59285"/>
+              <a:gd name="adj3" fmla="val 50331"/>
+            </a:avLst>
+          </a:prstGeom>
+          <a:solidFill>
+            <a:schemeClr val="accent2"/>
+          </a:solidFill>
+          <a:ln>
+            <a:solidFill>
+              <a:schemeClr val="accent2"/>
+            </a:solidFill>
+          </a:ln>
+        </p:spPr>
+        <p:style>
+          <a:lnRef idx="2">
+            <a:schemeClr val="accent1">
+              <a:shade val="50000"/>
+            </a:schemeClr>
+          </a:lnRef>
+          <a:fillRef idx="1">
+            <a:schemeClr val="accent1"/>
+          </a:fillRef>
+          <a:effectRef idx="0">
+            <a:schemeClr val="accent1"/>
+          </a:effectRef>
+          <a:fontRef idx="minor">
+            <a:schemeClr val="lt1"/>
+          </a:fontRef>
+        </p:style>
+        <p:txBody>
+          <a:bodyPr rtlCol="0" anchor="ctr"/>
+          <a:lstStyle/>
+          <a:p>
+            <a:pPr algn="ctr"/>
+            <a:endParaRPr lang="en-RS">
+              <a:solidFill>
+                <a:schemeClr val="tx1"/>
+              </a:solidFill>
+            </a:endParaRPr>
+          </a:p>
+        </p:txBody>
+      </p:sp>
+    </p:spTree>
+    <p:extLst>
+      <p:ext uri="{BB962C8B-B14F-4D97-AF65-F5344CB8AC3E}">
+        <p14:creationId xmlns:p14="http://schemas.microsoft.com/office/powerpoint/2010/main" val="242715457"/>
+      </p:ext>
+    </p:extLst>
+  </p:cSld>
+  <p:clrMapOvr>
+    <a:masterClrMapping/>
+  </p:clrMapOvr>
+</p:sld>
+</file>
+
+<file path=ppt/slides/slide11.xml><?xml version="1.0" encoding="utf-8"?>
+<p:sld xmlns:a="http://schemas.openxmlformats.org/drawingml/2006/main" xmlns:r="http://schemas.openxmlformats.org/officeDocument/2006/relationships" xmlns:p="http://schemas.openxmlformats.org/presentationml/2006/main">
+  <p:cSld>
+    <p:spTree>
+      <p:nvGrpSpPr>
+        <p:cNvPr id="1" name=""/>
+        <p:cNvGrpSpPr/>
+        <p:nvPr/>
+      </p:nvGrpSpPr>
+      <p:grpSpPr>
+        <a:xfrm>
+          <a:off x="0" y="0"/>
+          <a:ext cx="0" cy="0"/>
+          <a:chOff x="0" y="0"/>
+          <a:chExt cx="0" cy="0"/>
+        </a:xfrm>
+      </p:grpSpPr>
+      <p:sp>
+        <p:nvSpPr>
+          <p:cNvPr id="2" name="TextBox 1">
+            <a:extLst>
+              <a:ext uri="{FF2B5EF4-FFF2-40B4-BE49-F238E27FC236}">
+                <a16:creationId xmlns:a16="http://schemas.microsoft.com/office/drawing/2014/main" id="{3644231C-430A-C34A-AD93-86C7C8CA184D}"/>
+              </a:ext>
+            </a:extLst>
+          </p:cNvPr>
+          <p:cNvSpPr txBox="1"/>
+          <p:nvPr/>
+        </p:nvSpPr>
+        <p:spPr>
+          <a:xfrm>
+            <a:off x="0" y="0"/>
+            <a:ext cx="12192000" cy="646331"/>
+          </a:xfrm>
+          <a:prstGeom prst="rect">
+            <a:avLst/>
+          </a:prstGeom>
+          <a:solidFill>
+            <a:schemeClr val="accent1">
+              <a:lumMod val="75000"/>
+            </a:schemeClr>
+          </a:solidFill>
+          <a:ln>
+            <a:solidFill>
+              <a:schemeClr val="accent1">
+                <a:lumMod val="75000"/>
+              </a:schemeClr>
+            </a:solidFill>
+          </a:ln>
+        </p:spPr>
+        <p:txBody>
+          <a:bodyPr wrap="square" rtlCol="0">
+            <a:spAutoFit/>
+          </a:bodyPr>
+          <a:lstStyle/>
+          <a:p>
+            <a:r>
+              <a:rPr lang="en-US" sz="3600" b="1">
+                <a:solidFill>
+                  <a:schemeClr val="bg1"/>
+                </a:solidFill>
+                <a:latin typeface="Myriad Pro Light" panose="020B0403030403020204" pitchFamily="34" charset="0"/>
+              </a:rPr>
+              <a:t>Optimističko zaključavanje</a:t>
+            </a:r>
+          </a:p>
+        </p:txBody>
+      </p:sp>
+      <p:pic>
+        <p:nvPicPr>
+          <p:cNvPr id="4" name="Graphic 3">
+            <a:extLst>
+              <a:ext uri="{FF2B5EF4-FFF2-40B4-BE49-F238E27FC236}">
+                <a16:creationId xmlns:a16="http://schemas.microsoft.com/office/drawing/2014/main" id="{F40467E2-ACB0-DA49-B112-FE6F8092DAF2}"/>
+              </a:ext>
+            </a:extLst>
+          </p:cNvPr>
+          <p:cNvPicPr>
+            <a:picLocks noChangeAspect="1"/>
+          </p:cNvPicPr>
+          <p:nvPr/>
+        </p:nvPicPr>
+        <p:blipFill>
+          <a:blip r:embed="rId2">
+            <a:extLst>
+              <a:ext uri="{96DAC541-7B7A-43D3-8B79-37D633B846F1}">
+                <asvg:svgBlip xmlns:asvg="http://schemas.microsoft.com/office/drawing/2016/SVG/main" r:embed="rId3"/>
+              </a:ext>
+            </a:extLst>
+          </a:blip>
+          <a:stretch>
+            <a:fillRect/>
+          </a:stretch>
+        </p:blipFill>
+        <p:spPr>
+          <a:xfrm>
+            <a:off x="2648896" y="2507632"/>
+            <a:ext cx="2467853" cy="1842736"/>
+          </a:xfrm>
+          <a:prstGeom prst="rect">
+            <a:avLst/>
+          </a:prstGeom>
+        </p:spPr>
+      </p:pic>
+      <p:pic>
+        <p:nvPicPr>
+          <p:cNvPr id="5" name="Graphic 4">
+            <a:extLst>
+              <a:ext uri="{FF2B5EF4-FFF2-40B4-BE49-F238E27FC236}">
+                <a16:creationId xmlns:a16="http://schemas.microsoft.com/office/drawing/2014/main" id="{F3FD7091-381A-1243-B5FD-DBD8B23E8B7A}"/>
+              </a:ext>
+            </a:extLst>
+          </p:cNvPr>
+          <p:cNvPicPr>
+            <a:picLocks noChangeAspect="1"/>
+          </p:cNvPicPr>
+          <p:nvPr/>
+        </p:nvPicPr>
+        <p:blipFill>
+          <a:blip r:embed="rId2">
+            <a:extLst>
+              <a:ext uri="{96DAC541-7B7A-43D3-8B79-37D633B846F1}">
+                <asvg:svgBlip xmlns:asvg="http://schemas.microsoft.com/office/drawing/2016/SVG/main" r:embed="rId3"/>
+              </a:ext>
+            </a:extLst>
+          </a:blip>
+          <a:stretch>
+            <a:fillRect/>
+          </a:stretch>
+        </p:blipFill>
+        <p:spPr>
+          <a:xfrm>
+            <a:off x="6711815" y="2507632"/>
+            <a:ext cx="2467853" cy="1842736"/>
+          </a:xfrm>
+          <a:prstGeom prst="rect">
+            <a:avLst/>
+          </a:prstGeom>
+        </p:spPr>
+      </p:pic>
+      <p:pic>
+        <p:nvPicPr>
+          <p:cNvPr id="8" name="Graphic 7">
+            <a:extLst>
+              <a:ext uri="{FF2B5EF4-FFF2-40B4-BE49-F238E27FC236}">
+                <a16:creationId xmlns:a16="http://schemas.microsoft.com/office/drawing/2014/main" id="{D8D2772E-1512-1547-93FE-1C90748E0203}"/>
+              </a:ext>
+            </a:extLst>
+          </p:cNvPr>
+          <p:cNvPicPr>
+            <a:picLocks noChangeAspect="1"/>
+          </p:cNvPicPr>
+          <p:nvPr/>
+        </p:nvPicPr>
+        <p:blipFill>
+          <a:blip r:embed="rId4">
+            <a:extLst>
+              <a:ext uri="{96DAC541-7B7A-43D3-8B79-37D633B846F1}">
+                <asvg:svgBlip xmlns:asvg="http://schemas.microsoft.com/office/drawing/2016/SVG/main" r:embed="rId5"/>
+              </a:ext>
+            </a:extLst>
+          </a:blip>
+          <a:stretch>
+            <a:fillRect/>
+          </a:stretch>
+        </p:blipFill>
+        <p:spPr>
+          <a:xfrm>
+            <a:off x="2648896" y="2507632"/>
+            <a:ext cx="2467853" cy="2114526"/>
+          </a:xfrm>
+          <a:prstGeom prst="rect">
+            <a:avLst/>
+          </a:prstGeom>
+        </p:spPr>
+      </p:pic>
+      <p:sp>
+        <p:nvSpPr>
+          <p:cNvPr id="9" name="TextBox 8">
+            <a:extLst>
+              <a:ext uri="{FF2B5EF4-FFF2-40B4-BE49-F238E27FC236}">
+                <a16:creationId xmlns:a16="http://schemas.microsoft.com/office/drawing/2014/main" id="{2CEDA9B3-B422-E94D-98D3-4125D51615A0}"/>
+              </a:ext>
+            </a:extLst>
+          </p:cNvPr>
+          <p:cNvSpPr txBox="1"/>
+          <p:nvPr/>
+        </p:nvSpPr>
+        <p:spPr>
+          <a:xfrm>
+            <a:off x="1652604" y="4979880"/>
+            <a:ext cx="3852337" cy="1015663"/>
+          </a:xfrm>
+          <a:prstGeom prst="rect">
+            <a:avLst/>
+          </a:prstGeom>
+          <a:noFill/>
+        </p:spPr>
+        <p:txBody>
+          <a:bodyPr wrap="none" rtlCol="0">
+            <a:spAutoFit/>
+          </a:bodyPr>
+          <a:lstStyle/>
+          <a:p>
+            <a:r>
+              <a:rPr lang="en-RS" sz="2000">
+                <a:latin typeface="Consolas" panose="020B0609020204030204" pitchFamily="49" charset="0"/>
+                <a:cs typeface="Consolas" panose="020B0609020204030204" pitchFamily="49" charset="0"/>
+              </a:rPr>
+              <a:t>UPDATE racuni </a:t>
+            </a:r>
+          </a:p>
+          <a:p>
+            <a:r>
+              <a:rPr lang="en-RS" sz="2000">
+                <a:latin typeface="Consolas" panose="020B0609020204030204" pitchFamily="49" charset="0"/>
+                <a:cs typeface="Consolas" panose="020B0609020204030204" pitchFamily="49" charset="0"/>
+              </a:rPr>
+              <a:t>  SET stanje=stanje-1000</a:t>
+            </a:r>
+          </a:p>
+          <a:p>
+            <a:r>
+              <a:rPr lang="en-RS" sz="2000">
+                <a:latin typeface="Consolas" panose="020B0609020204030204" pitchFamily="49" charset="0"/>
+                <a:cs typeface="Consolas" panose="020B0609020204030204" pitchFamily="49" charset="0"/>
+              </a:rPr>
+              <a:t>  WHERE br_racuna</a:t>
+            </a:r>
+            <a:r>
+              <a:rPr lang="sr-Latn-RS" sz="2000">
+                <a:latin typeface="Consolas" panose="020B0609020204030204" pitchFamily="49" charset="0"/>
+                <a:cs typeface="Consolas" panose="020B0609020204030204" pitchFamily="49" charset="0"/>
+              </a:rPr>
+              <a:t>=1234567;</a:t>
+            </a:r>
+          </a:p>
+        </p:txBody>
+      </p:sp>
+      <p:sp>
+        <p:nvSpPr>
+          <p:cNvPr id="10" name="Rounded Rectangular Callout 9">
+            <a:extLst>
+              <a:ext uri="{FF2B5EF4-FFF2-40B4-BE49-F238E27FC236}">
+                <a16:creationId xmlns:a16="http://schemas.microsoft.com/office/drawing/2014/main" id="{8C1889A5-6128-9E47-8C21-98B34BB1DD90}"/>
+              </a:ext>
+            </a:extLst>
+          </p:cNvPr>
+          <p:cNvSpPr/>
+          <p:nvPr/>
+        </p:nvSpPr>
+        <p:spPr>
+          <a:xfrm>
+            <a:off x="841231" y="1186412"/>
+            <a:ext cx="2245242" cy="1243914"/>
+          </a:xfrm>
+          <a:prstGeom prst="wedgeRoundRectCallout">
+            <a:avLst>
+              <a:gd name="adj1" fmla="val 49771"/>
+              <a:gd name="adj2" fmla="val 65445"/>
+              <a:gd name="adj3" fmla="val 16667"/>
+            </a:avLst>
+          </a:prstGeom>
+        </p:spPr>
+        <p:style>
+          <a:lnRef idx="2">
+            <a:schemeClr val="accent1">
+              <a:shade val="50000"/>
+            </a:schemeClr>
+          </a:lnRef>
+          <a:fillRef idx="1">
+            <a:schemeClr val="accent1"/>
+          </a:fillRef>
+          <a:effectRef idx="0">
+            <a:schemeClr val="accent1"/>
+          </a:effectRef>
+          <a:fontRef idx="minor">
+            <a:schemeClr val="lt1"/>
+          </a:fontRef>
+        </p:style>
+        <p:txBody>
+          <a:bodyPr rtlCol="0" anchor="ctr"/>
+          <a:lstStyle/>
+          <a:p>
+            <a:r>
+              <a:rPr lang="sr-Latn-RS">
+                <a:latin typeface="Myriad Pro" panose="020B0503030403020204" pitchFamily="34" charset="0"/>
+              </a:rPr>
+              <a:t>želim da podignem 1000</a:t>
+            </a:r>
+            <a:endParaRPr lang="en-RS">
+              <a:latin typeface="Myriad Pro" panose="020B0503030403020204" pitchFamily="34" charset="0"/>
+            </a:endParaRPr>
+          </a:p>
+        </p:txBody>
+      </p:sp>
+      <p:sp>
+        <p:nvSpPr>
+          <p:cNvPr id="11" name="Curved Down Arrow 10">
+            <a:extLst>
+              <a:ext uri="{FF2B5EF4-FFF2-40B4-BE49-F238E27FC236}">
+                <a16:creationId xmlns:a16="http://schemas.microsoft.com/office/drawing/2014/main" id="{FF68D52F-B6DD-BA4E-8A53-1CB25119E706}"/>
+              </a:ext>
+            </a:extLst>
+          </p:cNvPr>
+          <p:cNvSpPr/>
+          <p:nvPr/>
+        </p:nvSpPr>
+        <p:spPr>
+          <a:xfrm flipH="1">
+            <a:off x="5292850" y="2970408"/>
+            <a:ext cx="1242862" cy="357722"/>
+          </a:xfrm>
+          <a:prstGeom prst="curvedDownArrow">
+            <a:avLst>
+              <a:gd name="adj1" fmla="val 25000"/>
+              <a:gd name="adj2" fmla="val 59285"/>
+              <a:gd name="adj3" fmla="val 50331"/>
+            </a:avLst>
+          </a:prstGeom>
+          <a:solidFill>
+            <a:schemeClr val="accent2"/>
+          </a:solidFill>
+          <a:ln>
+            <a:solidFill>
+              <a:schemeClr val="accent2"/>
+            </a:solidFill>
+          </a:ln>
+        </p:spPr>
+        <p:style>
+          <a:lnRef idx="2">
+            <a:schemeClr val="accent1">
+              <a:shade val="50000"/>
+            </a:schemeClr>
+          </a:lnRef>
+          <a:fillRef idx="1">
+            <a:schemeClr val="accent1"/>
+          </a:fillRef>
+          <a:effectRef idx="0">
+            <a:schemeClr val="accent1"/>
+          </a:effectRef>
+          <a:fontRef idx="minor">
+            <a:schemeClr val="lt1"/>
+          </a:fontRef>
+        </p:style>
+        <p:txBody>
+          <a:bodyPr rtlCol="0" anchor="ctr"/>
+          <a:lstStyle/>
+          <a:p>
+            <a:pPr algn="ctr"/>
+            <a:endParaRPr lang="en-RS">
+              <a:solidFill>
+                <a:schemeClr val="tx1"/>
+              </a:solidFill>
+            </a:endParaRPr>
+          </a:p>
+        </p:txBody>
+      </p:sp>
+    </p:spTree>
+    <p:extLst>
+      <p:ext uri="{BB962C8B-B14F-4D97-AF65-F5344CB8AC3E}">
+        <p14:creationId xmlns:p14="http://schemas.microsoft.com/office/powerpoint/2010/main" val="716701180"/>
+      </p:ext>
+    </p:extLst>
+  </p:cSld>
+  <p:clrMapOvr>
+    <a:masterClrMapping/>
+  </p:clrMapOvr>
+</p:sld>
+</file>
+
+<file path=ppt/slides/slide12.xml><?xml version="1.0" encoding="utf-8"?>
+<p:sld xmlns:a="http://schemas.openxmlformats.org/drawingml/2006/main" xmlns:r="http://schemas.openxmlformats.org/officeDocument/2006/relationships" xmlns:p="http://schemas.openxmlformats.org/presentationml/2006/main">
+  <p:cSld>
+    <p:spTree>
+      <p:nvGrpSpPr>
+        <p:cNvPr id="1" name=""/>
+        <p:cNvGrpSpPr/>
+        <p:nvPr/>
+      </p:nvGrpSpPr>
+      <p:grpSpPr>
+        <a:xfrm>
+          <a:off x="0" y="0"/>
+          <a:ext cx="0" cy="0"/>
+          <a:chOff x="0" y="0"/>
+          <a:chExt cx="0" cy="0"/>
+        </a:xfrm>
+      </p:grpSpPr>
+      <p:sp>
+        <p:nvSpPr>
+          <p:cNvPr id="2" name="TextBox 1">
+            <a:extLst>
+              <a:ext uri="{FF2B5EF4-FFF2-40B4-BE49-F238E27FC236}">
+                <a16:creationId xmlns:a16="http://schemas.microsoft.com/office/drawing/2014/main" id="{3644231C-430A-C34A-AD93-86C7C8CA184D}"/>
+              </a:ext>
+            </a:extLst>
+          </p:cNvPr>
+          <p:cNvSpPr txBox="1"/>
+          <p:nvPr/>
+        </p:nvSpPr>
+        <p:spPr>
+          <a:xfrm>
+            <a:off x="0" y="0"/>
+            <a:ext cx="12192000" cy="646331"/>
+          </a:xfrm>
+          <a:prstGeom prst="rect">
+            <a:avLst/>
+          </a:prstGeom>
+          <a:solidFill>
+            <a:schemeClr val="accent1">
+              <a:lumMod val="75000"/>
+            </a:schemeClr>
+          </a:solidFill>
+          <a:ln>
+            <a:solidFill>
+              <a:schemeClr val="accent1">
+                <a:lumMod val="75000"/>
+              </a:schemeClr>
+            </a:solidFill>
+          </a:ln>
+        </p:spPr>
+        <p:txBody>
+          <a:bodyPr wrap="square" rtlCol="0">
+            <a:spAutoFit/>
+          </a:bodyPr>
+          <a:lstStyle/>
+          <a:p>
+            <a:r>
+              <a:rPr lang="en-US" sz="3600" b="1">
+                <a:solidFill>
+                  <a:schemeClr val="bg1"/>
+                </a:solidFill>
+                <a:latin typeface="Myriad Pro Light" panose="020B0403030403020204" pitchFamily="34" charset="0"/>
+              </a:rPr>
+              <a:t>Optimističko zaključavanje</a:t>
+            </a:r>
+          </a:p>
+        </p:txBody>
+      </p:sp>
+      <p:pic>
+        <p:nvPicPr>
+          <p:cNvPr id="4" name="Graphic 3">
+            <a:extLst>
+              <a:ext uri="{FF2B5EF4-FFF2-40B4-BE49-F238E27FC236}">
+                <a16:creationId xmlns:a16="http://schemas.microsoft.com/office/drawing/2014/main" id="{F40467E2-ACB0-DA49-B112-FE6F8092DAF2}"/>
+              </a:ext>
+            </a:extLst>
+          </p:cNvPr>
+          <p:cNvPicPr>
+            <a:picLocks noChangeAspect="1"/>
+          </p:cNvPicPr>
+          <p:nvPr/>
+        </p:nvPicPr>
+        <p:blipFill>
+          <a:blip r:embed="rId2">
+            <a:extLst>
+              <a:ext uri="{96DAC541-7B7A-43D3-8B79-37D633B846F1}">
+                <asvg:svgBlip xmlns:asvg="http://schemas.microsoft.com/office/drawing/2016/SVG/main" r:embed="rId3"/>
+              </a:ext>
+            </a:extLst>
+          </a:blip>
+          <a:stretch>
+            <a:fillRect/>
+          </a:stretch>
+        </p:blipFill>
+        <p:spPr>
+          <a:xfrm>
+            <a:off x="2648896" y="2507632"/>
+            <a:ext cx="2467853" cy="1842736"/>
+          </a:xfrm>
+          <a:prstGeom prst="rect">
+            <a:avLst/>
+          </a:prstGeom>
+        </p:spPr>
+      </p:pic>
+      <p:pic>
+        <p:nvPicPr>
+          <p:cNvPr id="5" name="Graphic 4">
+            <a:extLst>
+              <a:ext uri="{FF2B5EF4-FFF2-40B4-BE49-F238E27FC236}">
+                <a16:creationId xmlns:a16="http://schemas.microsoft.com/office/drawing/2014/main" id="{F3FD7091-381A-1243-B5FD-DBD8B23E8B7A}"/>
+              </a:ext>
+            </a:extLst>
+          </p:cNvPr>
+          <p:cNvPicPr>
+            <a:picLocks noChangeAspect="1"/>
+          </p:cNvPicPr>
+          <p:nvPr/>
+        </p:nvPicPr>
+        <p:blipFill>
+          <a:blip r:embed="rId2">
+            <a:extLst>
+              <a:ext uri="{96DAC541-7B7A-43D3-8B79-37D633B846F1}">
+                <asvg:svgBlip xmlns:asvg="http://schemas.microsoft.com/office/drawing/2016/SVG/main" r:embed="rId3"/>
+              </a:ext>
+            </a:extLst>
+          </a:blip>
+          <a:stretch>
+            <a:fillRect/>
+          </a:stretch>
+        </p:blipFill>
+        <p:spPr>
+          <a:xfrm>
+            <a:off x="6711815" y="2507632"/>
+            <a:ext cx="2467853" cy="1842736"/>
+          </a:xfrm>
+          <a:prstGeom prst="rect">
+            <a:avLst/>
+          </a:prstGeom>
+        </p:spPr>
+      </p:pic>
+      <p:pic>
+        <p:nvPicPr>
+          <p:cNvPr id="8" name="Graphic 7">
+            <a:extLst>
+              <a:ext uri="{FF2B5EF4-FFF2-40B4-BE49-F238E27FC236}">
+                <a16:creationId xmlns:a16="http://schemas.microsoft.com/office/drawing/2014/main" id="{D8D2772E-1512-1547-93FE-1C90748E0203}"/>
+              </a:ext>
+            </a:extLst>
+          </p:cNvPr>
+          <p:cNvPicPr>
+            <a:picLocks noChangeAspect="1"/>
+          </p:cNvPicPr>
+          <p:nvPr/>
+        </p:nvPicPr>
+        <p:blipFill>
+          <a:blip r:embed="rId4">
+            <a:extLst>
+              <a:ext uri="{96DAC541-7B7A-43D3-8B79-37D633B846F1}">
+                <asvg:svgBlip xmlns:asvg="http://schemas.microsoft.com/office/drawing/2016/SVG/main" r:embed="rId5"/>
+              </a:ext>
+            </a:extLst>
+          </a:blip>
+          <a:stretch>
+            <a:fillRect/>
+          </a:stretch>
+        </p:blipFill>
+        <p:spPr>
+          <a:xfrm>
+            <a:off x="6711814" y="2507632"/>
+            <a:ext cx="2467853" cy="2114526"/>
+          </a:xfrm>
+          <a:prstGeom prst="rect">
+            <a:avLst/>
+          </a:prstGeom>
+        </p:spPr>
+      </p:pic>
+      <p:sp>
+        <p:nvSpPr>
+          <p:cNvPr id="11" name="Curved Down Arrow 10">
+            <a:extLst>
+              <a:ext uri="{FF2B5EF4-FFF2-40B4-BE49-F238E27FC236}">
+                <a16:creationId xmlns:a16="http://schemas.microsoft.com/office/drawing/2014/main" id="{AF2FBFF8-40E3-6C41-8B68-367119AA8831}"/>
+              </a:ext>
+            </a:extLst>
+          </p:cNvPr>
+          <p:cNvSpPr/>
+          <p:nvPr/>
+        </p:nvSpPr>
+        <p:spPr>
+          <a:xfrm>
+            <a:off x="5292850" y="2970408"/>
+            <a:ext cx="1242862" cy="357722"/>
+          </a:xfrm>
+          <a:prstGeom prst="curvedDownArrow">
+            <a:avLst>
+              <a:gd name="adj1" fmla="val 25000"/>
+              <a:gd name="adj2" fmla="val 59285"/>
+              <a:gd name="adj3" fmla="val 50331"/>
+            </a:avLst>
+          </a:prstGeom>
+          <a:solidFill>
+            <a:schemeClr val="accent2"/>
+          </a:solidFill>
+          <a:ln>
+            <a:solidFill>
+              <a:schemeClr val="accent2"/>
+            </a:solidFill>
+          </a:ln>
+        </p:spPr>
+        <p:style>
+          <a:lnRef idx="2">
+            <a:schemeClr val="accent1">
+              <a:shade val="50000"/>
+            </a:schemeClr>
+          </a:lnRef>
+          <a:fillRef idx="1">
+            <a:schemeClr val="accent1"/>
+          </a:fillRef>
+          <a:effectRef idx="0">
+            <a:schemeClr val="accent1"/>
+          </a:effectRef>
+          <a:fontRef idx="minor">
+            <a:schemeClr val="lt1"/>
+          </a:fontRef>
+        </p:style>
+        <p:txBody>
+          <a:bodyPr rtlCol="0" anchor="ctr"/>
+          <a:lstStyle/>
+          <a:p>
+            <a:pPr algn="ctr"/>
+            <a:endParaRPr lang="en-RS">
+              <a:solidFill>
+                <a:schemeClr val="tx1"/>
+              </a:solidFill>
+            </a:endParaRPr>
+          </a:p>
+        </p:txBody>
+      </p:sp>
+      <p:sp>
+        <p:nvSpPr>
+          <p:cNvPr id="12" name="Rounded Rectangular Callout 11">
+            <a:extLst>
+              <a:ext uri="{FF2B5EF4-FFF2-40B4-BE49-F238E27FC236}">
+                <a16:creationId xmlns:a16="http://schemas.microsoft.com/office/drawing/2014/main" id="{A757E99A-61A3-5A44-8D07-BF4140014DD8}"/>
+              </a:ext>
+            </a:extLst>
+          </p:cNvPr>
+          <p:cNvSpPr/>
+          <p:nvPr/>
+        </p:nvSpPr>
+        <p:spPr>
+          <a:xfrm>
+            <a:off x="4910724" y="1186412"/>
+            <a:ext cx="2245242" cy="1243914"/>
+          </a:xfrm>
+          <a:prstGeom prst="wedgeRoundRectCallout">
+            <a:avLst>
+              <a:gd name="adj1" fmla="val 49771"/>
+              <a:gd name="adj2" fmla="val 65445"/>
+              <a:gd name="adj3" fmla="val 16667"/>
+            </a:avLst>
+          </a:prstGeom>
+        </p:spPr>
+        <p:style>
+          <a:lnRef idx="2">
+            <a:schemeClr val="accent1">
+              <a:shade val="50000"/>
+            </a:schemeClr>
+          </a:lnRef>
+          <a:fillRef idx="1">
+            <a:schemeClr val="accent1"/>
+          </a:fillRef>
+          <a:effectRef idx="0">
+            <a:schemeClr val="accent1"/>
+          </a:effectRef>
+          <a:fontRef idx="minor">
+            <a:schemeClr val="lt1"/>
+          </a:fontRef>
+        </p:style>
+        <p:txBody>
+          <a:bodyPr rtlCol="0" anchor="ctr"/>
+          <a:lstStyle/>
+          <a:p>
+            <a:r>
+              <a:rPr lang="sr-Latn-RS">
+                <a:latin typeface="Myriad Pro" panose="020B0503030403020204" pitchFamily="34" charset="0"/>
+              </a:rPr>
+              <a:t>želim da podignem 1000</a:t>
+            </a:r>
+            <a:endParaRPr lang="en-RS">
+              <a:latin typeface="Myriad Pro" panose="020B0503030403020204" pitchFamily="34" charset="0"/>
+            </a:endParaRPr>
+          </a:p>
+        </p:txBody>
+      </p:sp>
+      <p:sp>
+        <p:nvSpPr>
+          <p:cNvPr id="13" name="TextBox 12">
+            <a:extLst>
+              <a:ext uri="{FF2B5EF4-FFF2-40B4-BE49-F238E27FC236}">
+                <a16:creationId xmlns:a16="http://schemas.microsoft.com/office/drawing/2014/main" id="{29CD09DF-7DAC-2346-AEE6-279371C76383}"/>
+              </a:ext>
+            </a:extLst>
+          </p:cNvPr>
+          <p:cNvSpPr txBox="1"/>
+          <p:nvPr/>
+        </p:nvSpPr>
+        <p:spPr>
+          <a:xfrm>
+            <a:off x="6727098" y="4979880"/>
+            <a:ext cx="3852337" cy="1015663"/>
+          </a:xfrm>
+          <a:prstGeom prst="rect">
+            <a:avLst/>
+          </a:prstGeom>
+          <a:noFill/>
+        </p:spPr>
+        <p:txBody>
+          <a:bodyPr wrap="none" rtlCol="0">
+            <a:spAutoFit/>
+          </a:bodyPr>
+          <a:lstStyle/>
+          <a:p>
+            <a:r>
+              <a:rPr lang="en-RS" sz="2000">
+                <a:latin typeface="Consolas" panose="020B0609020204030204" pitchFamily="49" charset="0"/>
+                <a:cs typeface="Consolas" panose="020B0609020204030204" pitchFamily="49" charset="0"/>
+              </a:rPr>
+              <a:t>UPDATE racuni </a:t>
+            </a:r>
+          </a:p>
+          <a:p>
+            <a:r>
+              <a:rPr lang="en-RS" sz="2000">
+                <a:latin typeface="Consolas" panose="020B0609020204030204" pitchFamily="49" charset="0"/>
+                <a:cs typeface="Consolas" panose="020B0609020204030204" pitchFamily="49" charset="0"/>
+              </a:rPr>
+              <a:t>  SET stanje=stanje-1000</a:t>
+            </a:r>
+          </a:p>
+          <a:p>
+            <a:r>
+              <a:rPr lang="en-RS" sz="2000">
+                <a:latin typeface="Consolas" panose="020B0609020204030204" pitchFamily="49" charset="0"/>
+                <a:cs typeface="Consolas" panose="020B0609020204030204" pitchFamily="49" charset="0"/>
+              </a:rPr>
+              <a:t>  WHERE br_racuna</a:t>
+            </a:r>
+            <a:r>
+              <a:rPr lang="sr-Latn-RS" sz="2000">
+                <a:latin typeface="Consolas" panose="020B0609020204030204" pitchFamily="49" charset="0"/>
+                <a:cs typeface="Consolas" panose="020B0609020204030204" pitchFamily="49" charset="0"/>
+              </a:rPr>
+              <a:t>=1234567;</a:t>
+            </a:r>
+          </a:p>
+        </p:txBody>
+      </p:sp>
+    </p:spTree>
+    <p:extLst>
+      <p:ext uri="{BB962C8B-B14F-4D97-AF65-F5344CB8AC3E}">
+        <p14:creationId xmlns:p14="http://schemas.microsoft.com/office/powerpoint/2010/main" val="894989955"/>
+      </p:ext>
+    </p:extLst>
+  </p:cSld>
+  <p:clrMapOvr>
+    <a:masterClrMapping/>
+  </p:clrMapOvr>
+</p:sld>
+</file>
+
+<file path=ppt/slides/slide13.xml><?xml version="1.0" encoding="utf-8"?>
+<p:sld xmlns:a="http://schemas.openxmlformats.org/drawingml/2006/main" xmlns:r="http://schemas.openxmlformats.org/officeDocument/2006/relationships" xmlns:p="http://schemas.openxmlformats.org/presentationml/2006/main">
+  <p:cSld>
+    <p:spTree>
+      <p:nvGrpSpPr>
+        <p:cNvPr id="1" name=""/>
+        <p:cNvGrpSpPr/>
+        <p:nvPr/>
+      </p:nvGrpSpPr>
+      <p:grpSpPr>
+        <a:xfrm>
+          <a:off x="0" y="0"/>
+          <a:ext cx="0" cy="0"/>
+          <a:chOff x="0" y="0"/>
+          <a:chExt cx="0" cy="0"/>
+        </a:xfrm>
+      </p:grpSpPr>
+      <p:sp>
+        <p:nvSpPr>
+          <p:cNvPr id="2" name="TextBox 1">
+            <a:extLst>
+              <a:ext uri="{FF2B5EF4-FFF2-40B4-BE49-F238E27FC236}">
+                <a16:creationId xmlns:a16="http://schemas.microsoft.com/office/drawing/2014/main" id="{3644231C-430A-C34A-AD93-86C7C8CA184D}"/>
+              </a:ext>
+            </a:extLst>
+          </p:cNvPr>
+          <p:cNvSpPr txBox="1"/>
+          <p:nvPr/>
+        </p:nvSpPr>
+        <p:spPr>
+          <a:xfrm>
+            <a:off x="0" y="0"/>
+            <a:ext cx="12192000" cy="646331"/>
+          </a:xfrm>
+          <a:prstGeom prst="rect">
+            <a:avLst/>
+          </a:prstGeom>
+          <a:solidFill>
+            <a:schemeClr val="accent1">
+              <a:lumMod val="75000"/>
+            </a:schemeClr>
+          </a:solidFill>
+          <a:ln>
+            <a:solidFill>
+              <a:schemeClr val="accent1">
+                <a:lumMod val="75000"/>
+              </a:schemeClr>
+            </a:solidFill>
+          </a:ln>
+        </p:spPr>
+        <p:txBody>
+          <a:bodyPr wrap="square" rtlCol="0">
+            <a:spAutoFit/>
+          </a:bodyPr>
+          <a:lstStyle/>
+          <a:p>
+            <a:r>
+              <a:rPr lang="en-US" sz="3600" b="1">
+                <a:solidFill>
+                  <a:schemeClr val="bg1"/>
+                </a:solidFill>
+                <a:latin typeface="Myriad Pro Light" panose="020B0403030403020204" pitchFamily="34" charset="0"/>
+              </a:rPr>
+              <a:t>Optimističko zaključavanje</a:t>
+            </a:r>
+          </a:p>
+        </p:txBody>
+      </p:sp>
+      <p:pic>
+        <p:nvPicPr>
+          <p:cNvPr id="4" name="Graphic 3">
+            <a:extLst>
+              <a:ext uri="{FF2B5EF4-FFF2-40B4-BE49-F238E27FC236}">
+                <a16:creationId xmlns:a16="http://schemas.microsoft.com/office/drawing/2014/main" id="{F40467E2-ACB0-DA49-B112-FE6F8092DAF2}"/>
+              </a:ext>
+            </a:extLst>
+          </p:cNvPr>
+          <p:cNvPicPr>
+            <a:picLocks noChangeAspect="1"/>
+          </p:cNvPicPr>
+          <p:nvPr/>
+        </p:nvPicPr>
+        <p:blipFill>
+          <a:blip r:embed="rId2">
+            <a:extLst>
+              <a:ext uri="{96DAC541-7B7A-43D3-8B79-37D633B846F1}">
+                <asvg:svgBlip xmlns:asvg="http://schemas.microsoft.com/office/drawing/2016/SVG/main" r:embed="rId3"/>
+              </a:ext>
+            </a:extLst>
+          </a:blip>
+          <a:stretch>
+            <a:fillRect/>
+          </a:stretch>
+        </p:blipFill>
+        <p:spPr>
+          <a:xfrm>
+            <a:off x="2648896" y="2507632"/>
+            <a:ext cx="2467853" cy="1842736"/>
+          </a:xfrm>
+          <a:prstGeom prst="rect">
+            <a:avLst/>
+          </a:prstGeom>
+        </p:spPr>
+      </p:pic>
+      <p:pic>
+        <p:nvPicPr>
+          <p:cNvPr id="5" name="Graphic 4">
+            <a:extLst>
+              <a:ext uri="{FF2B5EF4-FFF2-40B4-BE49-F238E27FC236}">
+                <a16:creationId xmlns:a16="http://schemas.microsoft.com/office/drawing/2014/main" id="{F3FD7091-381A-1243-B5FD-DBD8B23E8B7A}"/>
+              </a:ext>
+            </a:extLst>
+          </p:cNvPr>
+          <p:cNvPicPr>
+            <a:picLocks noChangeAspect="1"/>
+          </p:cNvPicPr>
+          <p:nvPr/>
+        </p:nvPicPr>
+        <p:blipFill>
+          <a:blip r:embed="rId2">
+            <a:extLst>
+              <a:ext uri="{96DAC541-7B7A-43D3-8B79-37D633B846F1}">
+                <asvg:svgBlip xmlns:asvg="http://schemas.microsoft.com/office/drawing/2016/SVG/main" r:embed="rId3"/>
+              </a:ext>
+            </a:extLst>
+          </a:blip>
+          <a:stretch>
+            <a:fillRect/>
+          </a:stretch>
+        </p:blipFill>
+        <p:spPr>
+          <a:xfrm>
+            <a:off x="6711815" y="2507632"/>
+            <a:ext cx="2467853" cy="1842736"/>
+          </a:xfrm>
+          <a:prstGeom prst="rect">
+            <a:avLst/>
+          </a:prstGeom>
+        </p:spPr>
+      </p:pic>
+      <p:pic>
+        <p:nvPicPr>
+          <p:cNvPr id="8" name="Graphic 7">
+            <a:extLst>
+              <a:ext uri="{FF2B5EF4-FFF2-40B4-BE49-F238E27FC236}">
+                <a16:creationId xmlns:a16="http://schemas.microsoft.com/office/drawing/2014/main" id="{D8D2772E-1512-1547-93FE-1C90748E0203}"/>
+              </a:ext>
+            </a:extLst>
+          </p:cNvPr>
+          <p:cNvPicPr>
+            <a:picLocks noChangeAspect="1"/>
+          </p:cNvPicPr>
+          <p:nvPr/>
+        </p:nvPicPr>
+        <p:blipFill>
+          <a:blip r:embed="rId4">
+            <a:extLst>
+              <a:ext uri="{96DAC541-7B7A-43D3-8B79-37D633B846F1}">
+                <asvg:svgBlip xmlns:asvg="http://schemas.microsoft.com/office/drawing/2016/SVG/main" r:embed="rId5"/>
+              </a:ext>
+            </a:extLst>
+          </a:blip>
+          <a:stretch>
+            <a:fillRect/>
+          </a:stretch>
+        </p:blipFill>
+        <p:spPr>
+          <a:xfrm>
+            <a:off x="2648896" y="2507632"/>
+            <a:ext cx="2467853" cy="2114526"/>
+          </a:xfrm>
+          <a:prstGeom prst="rect">
+            <a:avLst/>
+          </a:prstGeom>
+        </p:spPr>
+      </p:pic>
+      <p:sp>
+        <p:nvSpPr>
+          <p:cNvPr id="9" name="TextBox 8">
+            <a:extLst>
+              <a:ext uri="{FF2B5EF4-FFF2-40B4-BE49-F238E27FC236}">
+                <a16:creationId xmlns:a16="http://schemas.microsoft.com/office/drawing/2014/main" id="{2CEDA9B3-B422-E94D-98D3-4125D51615A0}"/>
+              </a:ext>
+            </a:extLst>
+          </p:cNvPr>
+          <p:cNvSpPr txBox="1"/>
+          <p:nvPr/>
+        </p:nvSpPr>
+        <p:spPr>
+          <a:xfrm>
+            <a:off x="1652604" y="4979880"/>
+            <a:ext cx="3852337" cy="1323439"/>
+          </a:xfrm>
+          <a:prstGeom prst="rect">
+            <a:avLst/>
+          </a:prstGeom>
+          <a:noFill/>
+        </p:spPr>
+        <p:txBody>
+          <a:bodyPr wrap="none" rtlCol="0">
+            <a:spAutoFit/>
+          </a:bodyPr>
+          <a:lstStyle/>
+          <a:p>
+            <a:r>
+              <a:rPr lang="en-RS" sz="2000">
+                <a:latin typeface="Consolas" panose="020B0609020204030204" pitchFamily="49" charset="0"/>
+                <a:cs typeface="Consolas" panose="020B0609020204030204" pitchFamily="49" charset="0"/>
+              </a:rPr>
+              <a:t>UPDATE racuni </a:t>
+            </a:r>
+          </a:p>
+          <a:p>
+            <a:r>
+              <a:rPr lang="en-RS" sz="2000">
+                <a:latin typeface="Consolas" panose="020B0609020204030204" pitchFamily="49" charset="0"/>
+                <a:cs typeface="Consolas" panose="020B0609020204030204" pitchFamily="49" charset="0"/>
+              </a:rPr>
+              <a:t>  SET stanje=stanje-1000</a:t>
+            </a:r>
+          </a:p>
+          <a:p>
+            <a:r>
+              <a:rPr lang="en-RS" sz="2000">
+                <a:latin typeface="Consolas" panose="020B0609020204030204" pitchFamily="49" charset="0"/>
+                <a:cs typeface="Consolas" panose="020B0609020204030204" pitchFamily="49" charset="0"/>
+              </a:rPr>
+              <a:t>  WHERE br_racuna</a:t>
+            </a:r>
+            <a:r>
+              <a:rPr lang="sr-Latn-RS" sz="2000">
+                <a:latin typeface="Consolas" panose="020B0609020204030204" pitchFamily="49" charset="0"/>
+                <a:cs typeface="Consolas" panose="020B0609020204030204" pitchFamily="49" charset="0"/>
+              </a:rPr>
+              <a:t>=1234567;</a:t>
+            </a:r>
+          </a:p>
+          <a:p>
+            <a:r>
+              <a:rPr lang="sr-Latn-RS" sz="2000">
+                <a:solidFill>
+                  <a:srgbClr val="FF0000"/>
+                </a:solidFill>
+                <a:latin typeface="Consolas" panose="020B0609020204030204" pitchFamily="49" charset="0"/>
+                <a:cs typeface="Consolas" panose="020B0609020204030204" pitchFamily="49" charset="0"/>
+              </a:rPr>
+              <a:t>COMMIT;</a:t>
+            </a:r>
+          </a:p>
+        </p:txBody>
+      </p:sp>
+      <p:sp>
+        <p:nvSpPr>
+          <p:cNvPr id="10" name="Rounded Rectangular Callout 9">
+            <a:extLst>
+              <a:ext uri="{FF2B5EF4-FFF2-40B4-BE49-F238E27FC236}">
+                <a16:creationId xmlns:a16="http://schemas.microsoft.com/office/drawing/2014/main" id="{8C1889A5-6128-9E47-8C21-98B34BB1DD90}"/>
+              </a:ext>
+            </a:extLst>
+          </p:cNvPr>
+          <p:cNvSpPr/>
+          <p:nvPr/>
+        </p:nvSpPr>
+        <p:spPr>
+          <a:xfrm>
+            <a:off x="2019242" y="1084857"/>
+            <a:ext cx="2245242" cy="1243914"/>
+          </a:xfrm>
+          <a:prstGeom prst="wedgeRoundRectCallout">
+            <a:avLst>
+              <a:gd name="adj1" fmla="val 49771"/>
+              <a:gd name="adj2" fmla="val 65445"/>
+              <a:gd name="adj3" fmla="val 16667"/>
+            </a:avLst>
+          </a:prstGeom>
+        </p:spPr>
+        <p:style>
+          <a:lnRef idx="2">
+            <a:schemeClr val="accent1">
+              <a:shade val="50000"/>
+            </a:schemeClr>
+          </a:lnRef>
+          <a:fillRef idx="1">
+            <a:schemeClr val="accent1"/>
+          </a:fillRef>
+          <a:effectRef idx="0">
+            <a:schemeClr val="accent1"/>
+          </a:effectRef>
+          <a:fontRef idx="minor">
+            <a:schemeClr val="lt1"/>
+          </a:fontRef>
+        </p:style>
+        <p:txBody>
+          <a:bodyPr rtlCol="0" anchor="ctr"/>
+          <a:lstStyle/>
+          <a:p>
+            <a:r>
+              <a:rPr lang="sr-Latn-RS">
+                <a:latin typeface="Myriad Pro" panose="020B0503030403020204" pitchFamily="34" charset="0"/>
+              </a:rPr>
+              <a:t>izvolite 1000</a:t>
+            </a:r>
+            <a:endParaRPr lang="en-RS">
+              <a:latin typeface="Myriad Pro" panose="020B0503030403020204" pitchFamily="34" charset="0"/>
+            </a:endParaRPr>
+          </a:p>
+        </p:txBody>
+      </p:sp>
+      <p:sp>
+        <p:nvSpPr>
+          <p:cNvPr id="11" name="Curved Down Arrow 10">
+            <a:extLst>
+              <a:ext uri="{FF2B5EF4-FFF2-40B4-BE49-F238E27FC236}">
+                <a16:creationId xmlns:a16="http://schemas.microsoft.com/office/drawing/2014/main" id="{FF68D52F-B6DD-BA4E-8A53-1CB25119E706}"/>
+              </a:ext>
+            </a:extLst>
+          </p:cNvPr>
+          <p:cNvSpPr/>
+          <p:nvPr/>
+        </p:nvSpPr>
+        <p:spPr>
+          <a:xfrm flipH="1">
+            <a:off x="5292850" y="2970408"/>
+            <a:ext cx="1242862" cy="357722"/>
+          </a:xfrm>
+          <a:prstGeom prst="curvedDownArrow">
+            <a:avLst>
+              <a:gd name="adj1" fmla="val 25000"/>
+              <a:gd name="adj2" fmla="val 59285"/>
+              <a:gd name="adj3" fmla="val 50331"/>
+            </a:avLst>
+          </a:prstGeom>
+          <a:solidFill>
+            <a:schemeClr val="accent2"/>
+          </a:solidFill>
+          <a:ln>
+            <a:solidFill>
+              <a:schemeClr val="accent2"/>
+            </a:solidFill>
+          </a:ln>
+        </p:spPr>
+        <p:style>
+          <a:lnRef idx="2">
+            <a:schemeClr val="accent1">
+              <a:shade val="50000"/>
+            </a:schemeClr>
+          </a:lnRef>
+          <a:fillRef idx="1">
+            <a:schemeClr val="accent1"/>
+          </a:fillRef>
+          <a:effectRef idx="0">
+            <a:schemeClr val="accent1"/>
+          </a:effectRef>
+          <a:fontRef idx="minor">
+            <a:schemeClr val="lt1"/>
+          </a:fontRef>
+        </p:style>
+        <p:txBody>
+          <a:bodyPr rtlCol="0" anchor="ctr"/>
+          <a:lstStyle/>
+          <a:p>
+            <a:pPr algn="ctr"/>
+            <a:endParaRPr lang="en-RS">
+              <a:solidFill>
+                <a:schemeClr val="tx1"/>
+              </a:solidFill>
+            </a:endParaRPr>
+          </a:p>
+        </p:txBody>
+      </p:sp>
+    </p:spTree>
+    <p:extLst>
+      <p:ext uri="{BB962C8B-B14F-4D97-AF65-F5344CB8AC3E}">
+        <p14:creationId xmlns:p14="http://schemas.microsoft.com/office/powerpoint/2010/main" val="808317463"/>
+      </p:ext>
+    </p:extLst>
+  </p:cSld>
+  <p:clrMapOvr>
+    <a:masterClrMapping/>
+  </p:clrMapOvr>
+</p:sld>
+</file>
+
+<file path=ppt/slides/slide14.xml><?xml version="1.0" encoding="utf-8"?>
+<p:sld xmlns:a="http://schemas.openxmlformats.org/drawingml/2006/main" xmlns:r="http://schemas.openxmlformats.org/officeDocument/2006/relationships" xmlns:p="http://schemas.openxmlformats.org/presentationml/2006/main">
+  <p:cSld>
+    <p:spTree>
+      <p:nvGrpSpPr>
+        <p:cNvPr id="1" name=""/>
+        <p:cNvGrpSpPr/>
+        <p:nvPr/>
+      </p:nvGrpSpPr>
+      <p:grpSpPr>
+        <a:xfrm>
+          <a:off x="0" y="0"/>
+          <a:ext cx="0" cy="0"/>
+          <a:chOff x="0" y="0"/>
+          <a:chExt cx="0" cy="0"/>
+        </a:xfrm>
+      </p:grpSpPr>
+      <p:sp>
+        <p:nvSpPr>
+          <p:cNvPr id="2" name="TextBox 1">
+            <a:extLst>
+              <a:ext uri="{FF2B5EF4-FFF2-40B4-BE49-F238E27FC236}">
+                <a16:creationId xmlns:a16="http://schemas.microsoft.com/office/drawing/2014/main" id="{3644231C-430A-C34A-AD93-86C7C8CA184D}"/>
+              </a:ext>
+            </a:extLst>
+          </p:cNvPr>
+          <p:cNvSpPr txBox="1"/>
+          <p:nvPr/>
+        </p:nvSpPr>
+        <p:spPr>
+          <a:xfrm>
+            <a:off x="0" y="0"/>
+            <a:ext cx="12192000" cy="646331"/>
+          </a:xfrm>
+          <a:prstGeom prst="rect">
+            <a:avLst/>
+          </a:prstGeom>
+          <a:solidFill>
+            <a:schemeClr val="accent1">
+              <a:lumMod val="75000"/>
+            </a:schemeClr>
+          </a:solidFill>
+          <a:ln>
+            <a:solidFill>
+              <a:schemeClr val="accent1">
+                <a:lumMod val="75000"/>
+              </a:schemeClr>
+            </a:solidFill>
+          </a:ln>
+        </p:spPr>
+        <p:txBody>
+          <a:bodyPr wrap="square" rtlCol="0">
+            <a:spAutoFit/>
+          </a:bodyPr>
+          <a:lstStyle/>
+          <a:p>
+            <a:r>
+              <a:rPr lang="en-US" sz="3600" b="1">
+                <a:solidFill>
+                  <a:schemeClr val="bg1"/>
+                </a:solidFill>
+                <a:latin typeface="Myriad Pro Light" panose="020B0403030403020204" pitchFamily="34" charset="0"/>
+              </a:rPr>
+              <a:t>Optimističko zaključavanje</a:t>
+            </a:r>
+          </a:p>
+        </p:txBody>
+      </p:sp>
+      <p:pic>
+        <p:nvPicPr>
+          <p:cNvPr id="4" name="Graphic 3">
+            <a:extLst>
+              <a:ext uri="{FF2B5EF4-FFF2-40B4-BE49-F238E27FC236}">
+                <a16:creationId xmlns:a16="http://schemas.microsoft.com/office/drawing/2014/main" id="{F40467E2-ACB0-DA49-B112-FE6F8092DAF2}"/>
+              </a:ext>
+            </a:extLst>
+          </p:cNvPr>
+          <p:cNvPicPr>
+            <a:picLocks noChangeAspect="1"/>
+          </p:cNvPicPr>
+          <p:nvPr/>
+        </p:nvPicPr>
+        <p:blipFill>
+          <a:blip r:embed="rId2">
+            <a:extLst>
+              <a:ext uri="{96DAC541-7B7A-43D3-8B79-37D633B846F1}">
+                <asvg:svgBlip xmlns:asvg="http://schemas.microsoft.com/office/drawing/2016/SVG/main" r:embed="rId3"/>
+              </a:ext>
+            </a:extLst>
+          </a:blip>
+          <a:stretch>
+            <a:fillRect/>
+          </a:stretch>
+        </p:blipFill>
+        <p:spPr>
+          <a:xfrm>
+            <a:off x="2648896" y="2507632"/>
+            <a:ext cx="2467853" cy="1842736"/>
+          </a:xfrm>
+          <a:prstGeom prst="rect">
+            <a:avLst/>
+          </a:prstGeom>
+        </p:spPr>
+      </p:pic>
+      <p:pic>
+        <p:nvPicPr>
+          <p:cNvPr id="5" name="Graphic 4">
+            <a:extLst>
+              <a:ext uri="{FF2B5EF4-FFF2-40B4-BE49-F238E27FC236}">
+                <a16:creationId xmlns:a16="http://schemas.microsoft.com/office/drawing/2014/main" id="{F3FD7091-381A-1243-B5FD-DBD8B23E8B7A}"/>
+              </a:ext>
+            </a:extLst>
+          </p:cNvPr>
+          <p:cNvPicPr>
+            <a:picLocks noChangeAspect="1"/>
+          </p:cNvPicPr>
+          <p:nvPr/>
+        </p:nvPicPr>
+        <p:blipFill>
+          <a:blip r:embed="rId2">
+            <a:extLst>
+              <a:ext uri="{96DAC541-7B7A-43D3-8B79-37D633B846F1}">
+                <asvg:svgBlip xmlns:asvg="http://schemas.microsoft.com/office/drawing/2016/SVG/main" r:embed="rId3"/>
+              </a:ext>
+            </a:extLst>
+          </a:blip>
+          <a:stretch>
+            <a:fillRect/>
+          </a:stretch>
+        </p:blipFill>
+        <p:spPr>
+          <a:xfrm>
+            <a:off x="6711815" y="2507632"/>
+            <a:ext cx="2467853" cy="1842736"/>
+          </a:xfrm>
+          <a:prstGeom prst="rect">
+            <a:avLst/>
+          </a:prstGeom>
+        </p:spPr>
+      </p:pic>
+      <p:pic>
+        <p:nvPicPr>
+          <p:cNvPr id="8" name="Graphic 7">
+            <a:extLst>
+              <a:ext uri="{FF2B5EF4-FFF2-40B4-BE49-F238E27FC236}">
+                <a16:creationId xmlns:a16="http://schemas.microsoft.com/office/drawing/2014/main" id="{D8D2772E-1512-1547-93FE-1C90748E0203}"/>
+              </a:ext>
+            </a:extLst>
+          </p:cNvPr>
+          <p:cNvPicPr>
+            <a:picLocks noChangeAspect="1"/>
+          </p:cNvPicPr>
+          <p:nvPr/>
+        </p:nvPicPr>
+        <p:blipFill>
+          <a:blip r:embed="rId4">
+            <a:extLst>
+              <a:ext uri="{96DAC541-7B7A-43D3-8B79-37D633B846F1}">
+                <asvg:svgBlip xmlns:asvg="http://schemas.microsoft.com/office/drawing/2016/SVG/main" r:embed="rId5"/>
+              </a:ext>
+            </a:extLst>
+          </a:blip>
+          <a:stretch>
+            <a:fillRect/>
+          </a:stretch>
+        </p:blipFill>
+        <p:spPr>
+          <a:xfrm>
+            <a:off x="6711814" y="2507632"/>
+            <a:ext cx="2467853" cy="2114526"/>
+          </a:xfrm>
+          <a:prstGeom prst="rect">
+            <a:avLst/>
+          </a:prstGeom>
+        </p:spPr>
+      </p:pic>
+      <p:sp>
+        <p:nvSpPr>
+          <p:cNvPr id="11" name="Curved Down Arrow 10">
+            <a:extLst>
+              <a:ext uri="{FF2B5EF4-FFF2-40B4-BE49-F238E27FC236}">
+                <a16:creationId xmlns:a16="http://schemas.microsoft.com/office/drawing/2014/main" id="{AF2FBFF8-40E3-6C41-8B68-367119AA8831}"/>
+              </a:ext>
+            </a:extLst>
+          </p:cNvPr>
+          <p:cNvSpPr/>
+          <p:nvPr/>
+        </p:nvSpPr>
+        <p:spPr>
+          <a:xfrm>
+            <a:off x="5292850" y="2970408"/>
+            <a:ext cx="1242862" cy="357722"/>
+          </a:xfrm>
+          <a:prstGeom prst="curvedDownArrow">
+            <a:avLst>
+              <a:gd name="adj1" fmla="val 25000"/>
+              <a:gd name="adj2" fmla="val 59285"/>
+              <a:gd name="adj3" fmla="val 50331"/>
+            </a:avLst>
+          </a:prstGeom>
+          <a:solidFill>
+            <a:schemeClr val="accent2"/>
+          </a:solidFill>
+          <a:ln>
+            <a:solidFill>
+              <a:schemeClr val="accent2"/>
+            </a:solidFill>
+          </a:ln>
+        </p:spPr>
+        <p:style>
+          <a:lnRef idx="2">
+            <a:schemeClr val="accent1">
+              <a:shade val="50000"/>
+            </a:schemeClr>
+          </a:lnRef>
+          <a:fillRef idx="1">
+            <a:schemeClr val="accent1"/>
+          </a:fillRef>
+          <a:effectRef idx="0">
+            <a:schemeClr val="accent1"/>
+          </a:effectRef>
+          <a:fontRef idx="minor">
+            <a:schemeClr val="lt1"/>
+          </a:fontRef>
+        </p:style>
+        <p:txBody>
+          <a:bodyPr rtlCol="0" anchor="ctr"/>
+          <a:lstStyle/>
+          <a:p>
+            <a:pPr algn="ctr"/>
+            <a:endParaRPr lang="en-RS">
+              <a:solidFill>
+                <a:schemeClr val="tx1"/>
+              </a:solidFill>
+            </a:endParaRPr>
+          </a:p>
+        </p:txBody>
+      </p:sp>
+      <p:sp>
+        <p:nvSpPr>
+          <p:cNvPr id="12" name="Rounded Rectangular Callout 11">
+            <a:extLst>
+              <a:ext uri="{FF2B5EF4-FFF2-40B4-BE49-F238E27FC236}">
+                <a16:creationId xmlns:a16="http://schemas.microsoft.com/office/drawing/2014/main" id="{A757E99A-61A3-5A44-8D07-BF4140014DD8}"/>
+              </a:ext>
+            </a:extLst>
+          </p:cNvPr>
+          <p:cNvSpPr/>
+          <p:nvPr/>
+        </p:nvSpPr>
+        <p:spPr>
+          <a:xfrm>
+            <a:off x="6096000" y="1084857"/>
+            <a:ext cx="2245242" cy="1243914"/>
+          </a:xfrm>
+          <a:prstGeom prst="wedgeRoundRectCallout">
+            <a:avLst>
+              <a:gd name="adj1" fmla="val 49771"/>
+              <a:gd name="adj2" fmla="val 65445"/>
+              <a:gd name="adj3" fmla="val 16667"/>
+            </a:avLst>
+          </a:prstGeom>
+        </p:spPr>
+        <p:style>
+          <a:lnRef idx="2">
+            <a:schemeClr val="accent1">
+              <a:shade val="50000"/>
+            </a:schemeClr>
+          </a:lnRef>
+          <a:fillRef idx="1">
+            <a:schemeClr val="accent1"/>
+          </a:fillRef>
+          <a:effectRef idx="0">
+            <a:schemeClr val="accent1"/>
+          </a:effectRef>
+          <a:fontRef idx="minor">
+            <a:schemeClr val="lt1"/>
+          </a:fontRef>
+        </p:style>
+        <p:txBody>
+          <a:bodyPr rtlCol="0" anchor="ctr"/>
+          <a:lstStyle/>
+          <a:p>
+            <a:r>
+              <a:rPr lang="sr-Latn-RS">
+                <a:latin typeface="Myriad Pro" panose="020B0503030403020204" pitchFamily="34" charset="0"/>
+              </a:rPr>
+              <a:t>izvolite 1000</a:t>
+            </a:r>
+            <a:endParaRPr lang="en-RS">
+              <a:latin typeface="Myriad Pro" panose="020B0503030403020204" pitchFamily="34" charset="0"/>
+            </a:endParaRPr>
+          </a:p>
+        </p:txBody>
+      </p:sp>
+      <p:sp>
+        <p:nvSpPr>
+          <p:cNvPr id="13" name="TextBox 12">
+            <a:extLst>
+              <a:ext uri="{FF2B5EF4-FFF2-40B4-BE49-F238E27FC236}">
+                <a16:creationId xmlns:a16="http://schemas.microsoft.com/office/drawing/2014/main" id="{29CD09DF-7DAC-2346-AEE6-279371C76383}"/>
+              </a:ext>
+            </a:extLst>
+          </p:cNvPr>
+          <p:cNvSpPr txBox="1"/>
+          <p:nvPr/>
+        </p:nvSpPr>
+        <p:spPr>
+          <a:xfrm>
+            <a:off x="6727098" y="4979880"/>
+            <a:ext cx="3852337" cy="1323439"/>
+          </a:xfrm>
+          <a:prstGeom prst="rect">
+            <a:avLst/>
+          </a:prstGeom>
+          <a:noFill/>
+        </p:spPr>
+        <p:txBody>
+          <a:bodyPr wrap="none" rtlCol="0">
+            <a:spAutoFit/>
+          </a:bodyPr>
+          <a:lstStyle/>
+          <a:p>
+            <a:r>
+              <a:rPr lang="en-RS" sz="2000">
+                <a:latin typeface="Consolas" panose="020B0609020204030204" pitchFamily="49" charset="0"/>
+                <a:cs typeface="Consolas" panose="020B0609020204030204" pitchFamily="49" charset="0"/>
+              </a:rPr>
+              <a:t>UPDATE racuni </a:t>
+            </a:r>
+          </a:p>
+          <a:p>
+            <a:r>
+              <a:rPr lang="en-RS" sz="2000">
+                <a:latin typeface="Consolas" panose="020B0609020204030204" pitchFamily="49" charset="0"/>
+                <a:cs typeface="Consolas" panose="020B0609020204030204" pitchFamily="49" charset="0"/>
+              </a:rPr>
+              <a:t>  SET stanje=stanje-1000</a:t>
+            </a:r>
+          </a:p>
+          <a:p>
+            <a:r>
+              <a:rPr lang="en-RS" sz="2000">
+                <a:latin typeface="Consolas" panose="020B0609020204030204" pitchFamily="49" charset="0"/>
+                <a:cs typeface="Consolas" panose="020B0609020204030204" pitchFamily="49" charset="0"/>
+              </a:rPr>
+              <a:t>  WHERE br_racuna</a:t>
+            </a:r>
+            <a:r>
+              <a:rPr lang="sr-Latn-RS" sz="2000">
+                <a:latin typeface="Consolas" panose="020B0609020204030204" pitchFamily="49" charset="0"/>
+                <a:cs typeface="Consolas" panose="020B0609020204030204" pitchFamily="49" charset="0"/>
+              </a:rPr>
+              <a:t>=1234567;</a:t>
+            </a:r>
+          </a:p>
+          <a:p>
+            <a:r>
+              <a:rPr lang="sr-Latn-RS" sz="2000">
+                <a:solidFill>
+                  <a:srgbClr val="FF0000"/>
+                </a:solidFill>
+                <a:latin typeface="Consolas" panose="020B0609020204030204" pitchFamily="49" charset="0"/>
+                <a:cs typeface="Consolas" panose="020B0609020204030204" pitchFamily="49" charset="0"/>
+              </a:rPr>
+              <a:t>COMMIT;</a:t>
+            </a:r>
+          </a:p>
+        </p:txBody>
+      </p:sp>
+    </p:spTree>
+    <p:extLst>
+      <p:ext uri="{BB962C8B-B14F-4D97-AF65-F5344CB8AC3E}">
+        <p14:creationId xmlns:p14="http://schemas.microsoft.com/office/powerpoint/2010/main" val="4010838836"/>
+      </p:ext>
+    </p:extLst>
+  </p:cSld>
+  <p:clrMapOvr>
+    <a:masterClrMapping/>
+  </p:clrMapOvr>
+</p:sld>
+</file>
+
+<file path=ppt/slides/slide15.xml><?xml version="1.0" encoding="utf-8"?>
+<p:sld xmlns:a="http://schemas.openxmlformats.org/drawingml/2006/main" xmlns:r="http://schemas.openxmlformats.org/officeDocument/2006/relationships" xmlns:p="http://schemas.openxmlformats.org/presentationml/2006/main">
+  <p:cSld>
+    <p:spTree>
+      <p:nvGrpSpPr>
+        <p:cNvPr id="1" name=""/>
+        <p:cNvGrpSpPr/>
+        <p:nvPr/>
+      </p:nvGrpSpPr>
+      <p:grpSpPr>
+        <a:xfrm>
+          <a:off x="0" y="0"/>
+          <a:ext cx="0" cy="0"/>
+          <a:chOff x="0" y="0"/>
+          <a:chExt cx="0" cy="0"/>
+        </a:xfrm>
+      </p:grpSpPr>
+      <p:sp>
+        <p:nvSpPr>
+          <p:cNvPr id="2" name="TextBox 1">
+            <a:extLst>
+              <a:ext uri="{FF2B5EF4-FFF2-40B4-BE49-F238E27FC236}">
+                <a16:creationId xmlns:a16="http://schemas.microsoft.com/office/drawing/2014/main" id="{3644231C-430A-C34A-AD93-86C7C8CA184D}"/>
+              </a:ext>
+            </a:extLst>
+          </p:cNvPr>
+          <p:cNvSpPr txBox="1"/>
+          <p:nvPr/>
+        </p:nvSpPr>
+        <p:spPr>
+          <a:xfrm>
+            <a:off x="0" y="0"/>
+            <a:ext cx="12192000" cy="646331"/>
+          </a:xfrm>
+          <a:prstGeom prst="rect">
+            <a:avLst/>
+          </a:prstGeom>
+          <a:solidFill>
+            <a:schemeClr val="accent1">
+              <a:lumMod val="75000"/>
+            </a:schemeClr>
+          </a:solidFill>
+          <a:ln>
+            <a:solidFill>
+              <a:schemeClr val="accent1">
+                <a:lumMod val="75000"/>
+              </a:schemeClr>
+            </a:solidFill>
+          </a:ln>
+        </p:spPr>
+        <p:txBody>
+          <a:bodyPr wrap="square" rtlCol="0">
+            <a:spAutoFit/>
+          </a:bodyPr>
+          <a:lstStyle/>
+          <a:p>
+            <a:r>
+              <a:rPr lang="en-US" sz="3600" b="1">
+                <a:solidFill>
+                  <a:schemeClr val="bg1"/>
+                </a:solidFill>
+                <a:latin typeface="Myriad Pro Light" panose="020B0403030403020204" pitchFamily="34" charset="0"/>
+              </a:rPr>
+              <a:t>Optimističko zaključavanje</a:t>
+            </a:r>
+          </a:p>
+        </p:txBody>
+      </p:sp>
+      <p:pic>
+        <p:nvPicPr>
+          <p:cNvPr id="4" name="Graphic 3">
+            <a:extLst>
+              <a:ext uri="{FF2B5EF4-FFF2-40B4-BE49-F238E27FC236}">
+                <a16:creationId xmlns:a16="http://schemas.microsoft.com/office/drawing/2014/main" id="{F40467E2-ACB0-DA49-B112-FE6F8092DAF2}"/>
+              </a:ext>
+            </a:extLst>
+          </p:cNvPr>
+          <p:cNvPicPr>
+            <a:picLocks noChangeAspect="1"/>
+          </p:cNvPicPr>
+          <p:nvPr/>
+        </p:nvPicPr>
+        <p:blipFill>
+          <a:blip r:embed="rId2">
+            <a:extLst>
+              <a:ext uri="{96DAC541-7B7A-43D3-8B79-37D633B846F1}">
+                <asvg:svgBlip xmlns:asvg="http://schemas.microsoft.com/office/drawing/2016/SVG/main" r:embed="rId3"/>
+              </a:ext>
+            </a:extLst>
+          </a:blip>
+          <a:stretch>
+            <a:fillRect/>
+          </a:stretch>
+        </p:blipFill>
+        <p:spPr>
+          <a:xfrm>
+            <a:off x="2648896" y="2507632"/>
+            <a:ext cx="2467853" cy="1842736"/>
+          </a:xfrm>
+          <a:prstGeom prst="rect">
+            <a:avLst/>
+          </a:prstGeom>
+        </p:spPr>
+      </p:pic>
+      <p:pic>
+        <p:nvPicPr>
+          <p:cNvPr id="5" name="Graphic 4">
+            <a:extLst>
+              <a:ext uri="{FF2B5EF4-FFF2-40B4-BE49-F238E27FC236}">
+                <a16:creationId xmlns:a16="http://schemas.microsoft.com/office/drawing/2014/main" id="{F3FD7091-381A-1243-B5FD-DBD8B23E8B7A}"/>
+              </a:ext>
+            </a:extLst>
+          </p:cNvPr>
+          <p:cNvPicPr>
+            <a:picLocks noChangeAspect="1"/>
+          </p:cNvPicPr>
+          <p:nvPr/>
+        </p:nvPicPr>
+        <p:blipFill>
+          <a:blip r:embed="rId2">
+            <a:extLst>
+              <a:ext uri="{96DAC541-7B7A-43D3-8B79-37D633B846F1}">
+                <asvg:svgBlip xmlns:asvg="http://schemas.microsoft.com/office/drawing/2016/SVG/main" r:embed="rId3"/>
+              </a:ext>
+            </a:extLst>
+          </a:blip>
+          <a:stretch>
+            <a:fillRect/>
+          </a:stretch>
+        </p:blipFill>
+        <p:spPr>
+          <a:xfrm>
+            <a:off x="6711815" y="2507632"/>
+            <a:ext cx="2467853" cy="1842736"/>
+          </a:xfrm>
+          <a:prstGeom prst="rect">
+            <a:avLst/>
+          </a:prstGeom>
+        </p:spPr>
+      </p:pic>
+      <p:sp>
+        <p:nvSpPr>
+          <p:cNvPr id="7" name="TextBox 6">
+            <a:extLst>
+              <a:ext uri="{FF2B5EF4-FFF2-40B4-BE49-F238E27FC236}">
+                <a16:creationId xmlns:a16="http://schemas.microsoft.com/office/drawing/2014/main" id="{FF99003B-94C0-D745-AD33-95D8F6470E89}"/>
+              </a:ext>
+            </a:extLst>
+          </p:cNvPr>
+          <p:cNvSpPr txBox="1"/>
+          <p:nvPr/>
+        </p:nvSpPr>
+        <p:spPr>
+          <a:xfrm>
+            <a:off x="6711815" y="4460896"/>
+            <a:ext cx="3288080" cy="707886"/>
+          </a:xfrm>
+          <a:prstGeom prst="rect">
+            <a:avLst/>
+          </a:prstGeom>
+          <a:noFill/>
+        </p:spPr>
+        <p:txBody>
+          <a:bodyPr wrap="none" rtlCol="0">
+            <a:spAutoFit/>
+          </a:bodyPr>
+          <a:lstStyle/>
+          <a:p>
+            <a:r>
+              <a:rPr lang="sr-Latn-RS" sz="2000">
+                <a:latin typeface="Consolas" panose="020B0609020204030204" pitchFamily="49" charset="0"/>
+                <a:cs typeface="Consolas" panose="020B0609020204030204" pitchFamily="49" charset="0"/>
+              </a:rPr>
+              <a:t>prethodno stanje: 1000</a:t>
+            </a:r>
+          </a:p>
+          <a:p>
+            <a:r>
+              <a:rPr lang="sr-Latn-RS" sz="2000">
+                <a:latin typeface="Consolas" panose="020B0609020204030204" pitchFamily="49" charset="0"/>
+                <a:cs typeface="Consolas" panose="020B0609020204030204" pitchFamily="49" charset="0"/>
+              </a:rPr>
+              <a:t>novo stanje:         0</a:t>
+            </a:r>
+          </a:p>
+        </p:txBody>
+      </p:sp>
+      <p:sp>
+        <p:nvSpPr>
+          <p:cNvPr id="8" name="TextBox 7">
+            <a:extLst>
+              <a:ext uri="{FF2B5EF4-FFF2-40B4-BE49-F238E27FC236}">
+                <a16:creationId xmlns:a16="http://schemas.microsoft.com/office/drawing/2014/main" id="{C7C2809E-18FD-D047-8705-3931B2F64DEF}"/>
+              </a:ext>
+            </a:extLst>
+          </p:cNvPr>
+          <p:cNvSpPr txBox="1"/>
+          <p:nvPr/>
+        </p:nvSpPr>
+        <p:spPr>
+          <a:xfrm>
+            <a:off x="2648896" y="4460896"/>
+            <a:ext cx="3288080" cy="707886"/>
+          </a:xfrm>
+          <a:prstGeom prst="rect">
+            <a:avLst/>
+          </a:prstGeom>
+          <a:noFill/>
+        </p:spPr>
+        <p:txBody>
+          <a:bodyPr wrap="none" rtlCol="0">
+            <a:spAutoFit/>
+          </a:bodyPr>
+          <a:lstStyle/>
+          <a:p>
+            <a:r>
+              <a:rPr lang="sr-Latn-RS" sz="2000">
+                <a:latin typeface="Consolas" panose="020B0609020204030204" pitchFamily="49" charset="0"/>
+                <a:cs typeface="Consolas" panose="020B0609020204030204" pitchFamily="49" charset="0"/>
+              </a:rPr>
+              <a:t>prethodno stanje: 1000</a:t>
+            </a:r>
+          </a:p>
+          <a:p>
+            <a:r>
+              <a:rPr lang="sr-Latn-RS" sz="2000">
+                <a:latin typeface="Consolas" panose="020B0609020204030204" pitchFamily="49" charset="0"/>
+                <a:cs typeface="Consolas" panose="020B0609020204030204" pitchFamily="49" charset="0"/>
+              </a:rPr>
+              <a:t>novo stanje:         0</a:t>
+            </a:r>
+          </a:p>
+        </p:txBody>
+      </p:sp>
+      <p:sp>
+        <p:nvSpPr>
+          <p:cNvPr id="3" name="TextBox 2">
+            <a:extLst>
+              <a:ext uri="{FF2B5EF4-FFF2-40B4-BE49-F238E27FC236}">
+                <a16:creationId xmlns:a16="http://schemas.microsoft.com/office/drawing/2014/main" id="{63B857AC-82D2-F24D-8333-F00C120EDB45}"/>
+              </a:ext>
+            </a:extLst>
+          </p:cNvPr>
+          <p:cNvSpPr txBox="1"/>
+          <p:nvPr/>
+        </p:nvSpPr>
+        <p:spPr>
+          <a:xfrm>
+            <a:off x="1293283" y="5715558"/>
+            <a:ext cx="4540025" cy="646331"/>
+          </a:xfrm>
+          <a:prstGeom prst="rect">
+            <a:avLst/>
+          </a:prstGeom>
+          <a:noFill/>
+        </p:spPr>
+        <p:txBody>
+          <a:bodyPr wrap="none" rtlCol="0">
+            <a:spAutoFit/>
+          </a:bodyPr>
+          <a:lstStyle/>
+          <a:p>
+            <a:r>
+              <a:rPr lang="en-RS" sz="3600" b="1">
+                <a:solidFill>
+                  <a:srgbClr val="FF0000"/>
+                </a:solidFill>
+                <a:latin typeface="Myriad Pro Light" panose="020B0403030403020204" pitchFamily="34" charset="0"/>
+              </a:rPr>
+              <a:t>Klijent izašao sa: 2000</a:t>
+            </a:r>
+          </a:p>
+        </p:txBody>
+      </p:sp>
+      <p:pic>
+        <p:nvPicPr>
+          <p:cNvPr id="10" name="Picture 9" descr="A picture containing graphical user interface&#10;&#10;Description automatically generated">
+            <a:extLst>
+              <a:ext uri="{FF2B5EF4-FFF2-40B4-BE49-F238E27FC236}">
+                <a16:creationId xmlns:a16="http://schemas.microsoft.com/office/drawing/2014/main" id="{87DA5FE0-180B-4444-8539-0CDEBD65E237}"/>
+              </a:ext>
+            </a:extLst>
+          </p:cNvPr>
+          <p:cNvPicPr>
+            <a:picLocks noChangeAspect="1"/>
+          </p:cNvPicPr>
+          <p:nvPr/>
+        </p:nvPicPr>
+        <p:blipFill>
+          <a:blip r:embed="rId4">
+            <a:extLst>
+              <a:ext uri="{837473B0-CC2E-450A-ABE3-18F120FF3D39}">
+                <a1611:picAttrSrcUrl xmlns:a1611="http://schemas.microsoft.com/office/drawing/2016/11/main" r:id="rId5"/>
+              </a:ext>
+            </a:extLst>
+          </a:blip>
+          <a:stretch>
+            <a:fillRect/>
+          </a:stretch>
+        </p:blipFill>
+        <p:spPr>
+          <a:xfrm>
+            <a:off x="705170" y="6426967"/>
+            <a:ext cx="1176225" cy="235245"/>
+          </a:xfrm>
+          <a:prstGeom prst="rect">
+            <a:avLst/>
+          </a:prstGeom>
+        </p:spPr>
+      </p:pic>
+    </p:spTree>
+    <p:extLst>
+      <p:ext uri="{BB962C8B-B14F-4D97-AF65-F5344CB8AC3E}">
+        <p14:creationId xmlns:p14="http://schemas.microsoft.com/office/powerpoint/2010/main" val="618119986"/>
+      </p:ext>
+    </p:extLst>
+  </p:cSld>
+  <p:clrMapOvr>
+    <a:masterClrMapping/>
+  </p:clrMapOvr>
+</p:sld>
+</file>
+
+<file path=ppt/slides/slide16.xml><?xml version="1.0" encoding="utf-8"?>
+<p:sld xmlns:a="http://schemas.openxmlformats.org/drawingml/2006/main" xmlns:r="http://schemas.openxmlformats.org/officeDocument/2006/relationships" xmlns:p="http://schemas.openxmlformats.org/presentationml/2006/main">
+  <p:cSld>
+    <p:spTree>
+      <p:nvGrpSpPr>
+        <p:cNvPr id="1" name=""/>
+        <p:cNvGrpSpPr/>
+        <p:nvPr/>
+      </p:nvGrpSpPr>
+      <p:grpSpPr>
+        <a:xfrm>
+          <a:off x="0" y="0"/>
+          <a:ext cx="0" cy="0"/>
+          <a:chOff x="0" y="0"/>
+          <a:chExt cx="0" cy="0"/>
+        </a:xfrm>
+      </p:grpSpPr>
+      <p:sp>
+        <p:nvSpPr>
+          <p:cNvPr id="4" name="TextBox 3">
+            <a:extLst>
+              <a:ext uri="{FF2B5EF4-FFF2-40B4-BE49-F238E27FC236}">
+                <a16:creationId xmlns:a16="http://schemas.microsoft.com/office/drawing/2014/main" id="{907B1718-8761-7240-B7EB-B2CFF277E6A3}"/>
+              </a:ext>
+            </a:extLst>
+          </p:cNvPr>
+          <p:cNvSpPr txBox="1"/>
+          <p:nvPr/>
+        </p:nvSpPr>
+        <p:spPr>
+          <a:xfrm>
+            <a:off x="0" y="0"/>
+            <a:ext cx="12192000" cy="646331"/>
+          </a:xfrm>
+          <a:prstGeom prst="rect">
+            <a:avLst/>
+          </a:prstGeom>
+          <a:solidFill>
+            <a:schemeClr val="accent1">
+              <a:lumMod val="75000"/>
+            </a:schemeClr>
+          </a:solidFill>
+          <a:ln>
+            <a:solidFill>
+              <a:schemeClr val="accent1">
+                <a:lumMod val="75000"/>
+              </a:schemeClr>
+            </a:solidFill>
+          </a:ln>
+        </p:spPr>
+        <p:txBody>
+          <a:bodyPr wrap="square" rtlCol="0">
+            <a:spAutoFit/>
+          </a:bodyPr>
+          <a:lstStyle/>
+          <a:p>
+            <a:r>
+              <a:rPr lang="en-US" sz="3600" b="1">
+                <a:solidFill>
+                  <a:schemeClr val="bg1"/>
+                </a:solidFill>
+                <a:latin typeface="Myriad Pro Light" panose="020B0403030403020204" pitchFamily="34" charset="0"/>
+              </a:rPr>
+              <a:t>Optimističko zaključavanje</a:t>
+            </a:r>
+          </a:p>
+        </p:txBody>
+      </p:sp>
+      <p:cxnSp>
+        <p:nvCxnSpPr>
+          <p:cNvPr id="3" name="Straight Arrow Connector 2">
+            <a:extLst>
+              <a:ext uri="{FF2B5EF4-FFF2-40B4-BE49-F238E27FC236}">
+                <a16:creationId xmlns:a16="http://schemas.microsoft.com/office/drawing/2014/main" id="{DAE367D8-F979-CE4E-BED0-815E4A65B59C}"/>
+              </a:ext>
+            </a:extLst>
+          </p:cNvPr>
+          <p:cNvCxnSpPr>
+            <a:cxnSpLocks/>
+          </p:cNvCxnSpPr>
+          <p:nvPr/>
+        </p:nvCxnSpPr>
+        <p:spPr>
+          <a:xfrm>
+            <a:off x="1214082" y="1337617"/>
+            <a:ext cx="9261431" cy="0"/>
+          </a:xfrm>
+          <a:prstGeom prst="straightConnector1">
+            <a:avLst/>
+          </a:prstGeom>
+          <a:ln w="38100">
+            <a:solidFill>
+              <a:schemeClr val="accent1">
+                <a:lumMod val="75000"/>
+              </a:schemeClr>
+            </a:solidFill>
+            <a:tailEnd type="triangle" w="lg" len="lg"/>
+          </a:ln>
+        </p:spPr>
+        <p:style>
+          <a:lnRef idx="1">
+            <a:schemeClr val="accent1"/>
+          </a:lnRef>
+          <a:fillRef idx="0">
+            <a:schemeClr val="accent1"/>
+          </a:fillRef>
+          <a:effectRef idx="0">
+            <a:schemeClr val="accent1"/>
+          </a:effectRef>
+          <a:fontRef idx="minor">
+            <a:schemeClr val="tx1"/>
+          </a:fontRef>
+        </p:style>
+      </p:cxnSp>
+      <p:sp>
+        <p:nvSpPr>
+          <p:cNvPr id="6" name="TextBox 5">
+            <a:extLst>
+              <a:ext uri="{FF2B5EF4-FFF2-40B4-BE49-F238E27FC236}">
+                <a16:creationId xmlns:a16="http://schemas.microsoft.com/office/drawing/2014/main" id="{0D5CA038-C564-384E-992F-8BE26843C162}"/>
+              </a:ext>
+            </a:extLst>
+          </p:cNvPr>
+          <p:cNvSpPr txBox="1"/>
+          <p:nvPr/>
+        </p:nvSpPr>
+        <p:spPr>
+          <a:xfrm>
+            <a:off x="5559635" y="691286"/>
+            <a:ext cx="1552028" cy="584775"/>
+          </a:xfrm>
+          <a:prstGeom prst="rect">
+            <a:avLst/>
+          </a:prstGeom>
+          <a:noFill/>
+        </p:spPr>
+        <p:txBody>
+          <a:bodyPr wrap="none" rtlCol="0">
+            <a:spAutoFit/>
+          </a:bodyPr>
+          <a:lstStyle/>
+          <a:p>
+            <a:r>
+              <a:rPr lang="en-RS" sz="3200" b="1">
+                <a:solidFill>
+                  <a:schemeClr val="accent1">
+                    <a:lumMod val="75000"/>
+                  </a:schemeClr>
+                </a:solidFill>
+                <a:latin typeface="Myriad Pro Light" panose="020B0403030403020204" pitchFamily="34" charset="0"/>
+              </a:rPr>
+              <a:t>Sesija A</a:t>
+            </a:r>
+          </a:p>
+        </p:txBody>
+      </p:sp>
+      <p:cxnSp>
+        <p:nvCxnSpPr>
+          <p:cNvPr id="7" name="Straight Arrow Connector 6">
+            <a:extLst>
+              <a:ext uri="{FF2B5EF4-FFF2-40B4-BE49-F238E27FC236}">
+                <a16:creationId xmlns:a16="http://schemas.microsoft.com/office/drawing/2014/main" id="{F9AC25A1-09F4-4340-8469-9191DAC63AE4}"/>
+              </a:ext>
+            </a:extLst>
+          </p:cNvPr>
+          <p:cNvCxnSpPr>
+            <a:cxnSpLocks/>
+          </p:cNvCxnSpPr>
+          <p:nvPr/>
+        </p:nvCxnSpPr>
+        <p:spPr>
+          <a:xfrm>
+            <a:off x="1194361" y="6280659"/>
+            <a:ext cx="9275445" cy="0"/>
+          </a:xfrm>
+          <a:prstGeom prst="straightConnector1">
+            <a:avLst/>
+          </a:prstGeom>
+          <a:ln w="38100">
+            <a:solidFill>
+              <a:schemeClr val="accent1">
+                <a:lumMod val="75000"/>
+              </a:schemeClr>
+            </a:solidFill>
+            <a:tailEnd type="triangle" w="lg" len="lg"/>
+          </a:ln>
+        </p:spPr>
+        <p:style>
+          <a:lnRef idx="1">
+            <a:schemeClr val="accent1"/>
+          </a:lnRef>
+          <a:fillRef idx="0">
+            <a:schemeClr val="accent1"/>
+          </a:fillRef>
+          <a:effectRef idx="0">
+            <a:schemeClr val="accent1"/>
+          </a:effectRef>
+          <a:fontRef idx="minor">
+            <a:schemeClr val="tx1"/>
+          </a:fontRef>
+        </p:style>
+      </p:cxnSp>
+      <p:sp>
+        <p:nvSpPr>
+          <p:cNvPr id="8" name="TextBox 7">
+            <a:extLst>
+              <a:ext uri="{FF2B5EF4-FFF2-40B4-BE49-F238E27FC236}">
+                <a16:creationId xmlns:a16="http://schemas.microsoft.com/office/drawing/2014/main" id="{889DF298-CA37-C443-BD10-316450C059B6}"/>
+              </a:ext>
+            </a:extLst>
+          </p:cNvPr>
+          <p:cNvSpPr txBox="1"/>
+          <p:nvPr/>
+        </p:nvSpPr>
+        <p:spPr>
+          <a:xfrm>
+            <a:off x="5559635" y="6278203"/>
+            <a:ext cx="1526380" cy="584775"/>
+          </a:xfrm>
+          <a:prstGeom prst="rect">
+            <a:avLst/>
+          </a:prstGeom>
+          <a:noFill/>
+        </p:spPr>
+        <p:txBody>
+          <a:bodyPr wrap="none" rtlCol="0">
+            <a:spAutoFit/>
+          </a:bodyPr>
+          <a:lstStyle/>
+          <a:p>
+            <a:r>
+              <a:rPr lang="en-RS" sz="3200" b="1">
+                <a:solidFill>
+                  <a:schemeClr val="accent1">
+                    <a:lumMod val="75000"/>
+                  </a:schemeClr>
+                </a:solidFill>
+                <a:latin typeface="Myriad Pro Light" panose="020B0403030403020204" pitchFamily="34" charset="0"/>
+              </a:rPr>
+              <a:t>Sesija B</a:t>
+            </a:r>
+          </a:p>
+        </p:txBody>
+      </p:sp>
+      <p:sp>
+        <p:nvSpPr>
+          <p:cNvPr id="15" name="Rectangle 14">
+            <a:extLst>
+              <a:ext uri="{FF2B5EF4-FFF2-40B4-BE49-F238E27FC236}">
+                <a16:creationId xmlns:a16="http://schemas.microsoft.com/office/drawing/2014/main" id="{269D0B31-08FC-AE46-9FD4-DE17EB32D886}"/>
+              </a:ext>
+            </a:extLst>
+          </p:cNvPr>
+          <p:cNvSpPr/>
+          <p:nvPr/>
+        </p:nvSpPr>
+        <p:spPr>
+          <a:xfrm>
+            <a:off x="5759589" y="2328265"/>
+            <a:ext cx="1457750" cy="391684"/>
+          </a:xfrm>
+          <a:prstGeom prst="rect">
+            <a:avLst/>
+          </a:prstGeom>
+        </p:spPr>
+        <p:style>
+          <a:lnRef idx="2">
+            <a:schemeClr val="accent1">
+              <a:shade val="50000"/>
+            </a:schemeClr>
+          </a:lnRef>
+          <a:fillRef idx="1">
+            <a:schemeClr val="accent1"/>
+          </a:fillRef>
+          <a:effectRef idx="0">
+            <a:schemeClr val="accent1"/>
+          </a:effectRef>
+          <a:fontRef idx="minor">
+            <a:schemeClr val="lt1"/>
+          </a:fontRef>
+        </p:style>
+        <p:txBody>
+          <a:bodyPr rtlCol="0" anchor="ctr"/>
+          <a:lstStyle/>
+          <a:p>
+            <a:pPr algn="ctr"/>
+            <a:r>
+              <a:rPr lang="en-RS" b="1">
+                <a:latin typeface="Myriad Pro Light" panose="020B0403030403020204" pitchFamily="34" charset="0"/>
+              </a:rPr>
+              <a:t>COMMIT</a:t>
+            </a:r>
+          </a:p>
+        </p:txBody>
+      </p:sp>
+      <p:sp>
+        <p:nvSpPr>
+          <p:cNvPr id="16" name="TextBox 15">
+            <a:extLst>
+              <a:ext uri="{FF2B5EF4-FFF2-40B4-BE49-F238E27FC236}">
+                <a16:creationId xmlns:a16="http://schemas.microsoft.com/office/drawing/2014/main" id="{7594550B-0930-A74D-BFB0-EA1888B64B5A}"/>
+              </a:ext>
+            </a:extLst>
+          </p:cNvPr>
+          <p:cNvSpPr txBox="1"/>
+          <p:nvPr/>
+        </p:nvSpPr>
+        <p:spPr>
+          <a:xfrm>
+            <a:off x="6065304" y="1872932"/>
+            <a:ext cx="377026" cy="523220"/>
+          </a:xfrm>
+          <a:prstGeom prst="rect">
+            <a:avLst/>
+          </a:prstGeom>
+          <a:noFill/>
+        </p:spPr>
+        <p:txBody>
+          <a:bodyPr wrap="none" rtlCol="0">
+            <a:spAutoFit/>
+          </a:bodyPr>
+          <a:lstStyle/>
+          <a:p>
+            <a:r>
+              <a:rPr lang="en-RS" sz="2800" b="1">
+                <a:solidFill>
+                  <a:srgbClr val="C00000"/>
+                </a:solidFill>
+                <a:latin typeface="Myriad Pro Light" panose="020B0403030403020204" pitchFamily="34" charset="0"/>
+              </a:rPr>
+              <a:t>4</a:t>
+            </a:r>
+          </a:p>
+        </p:txBody>
+      </p:sp>
+      <p:cxnSp>
+        <p:nvCxnSpPr>
+          <p:cNvPr id="18" name="Straight Connector 17">
+            <a:extLst>
+              <a:ext uri="{FF2B5EF4-FFF2-40B4-BE49-F238E27FC236}">
+                <a16:creationId xmlns:a16="http://schemas.microsoft.com/office/drawing/2014/main" id="{B367081D-D3F3-1740-8057-463E3BA51DD4}"/>
+              </a:ext>
+            </a:extLst>
+          </p:cNvPr>
+          <p:cNvCxnSpPr/>
+          <p:nvPr/>
+        </p:nvCxnSpPr>
+        <p:spPr>
+          <a:xfrm>
+            <a:off x="1214082" y="1122100"/>
+            <a:ext cx="0" cy="437939"/>
+          </a:xfrm>
+          <a:prstGeom prst="line">
+            <a:avLst/>
+          </a:prstGeom>
+          <a:ln w="38100">
+            <a:solidFill>
+              <a:schemeClr val="accent1">
+                <a:lumMod val="75000"/>
+              </a:schemeClr>
+            </a:solidFill>
+          </a:ln>
+        </p:spPr>
+        <p:style>
+          <a:lnRef idx="1">
+            <a:schemeClr val="accent1"/>
+          </a:lnRef>
+          <a:fillRef idx="0">
+            <a:schemeClr val="accent1"/>
+          </a:fillRef>
+          <a:effectRef idx="0">
+            <a:schemeClr val="accent1"/>
+          </a:effectRef>
+          <a:fontRef idx="minor">
+            <a:schemeClr val="tx1"/>
+          </a:fontRef>
+        </p:style>
+      </p:cxnSp>
+      <p:cxnSp>
+        <p:nvCxnSpPr>
+          <p:cNvPr id="19" name="Straight Connector 18">
+            <a:extLst>
+              <a:ext uri="{FF2B5EF4-FFF2-40B4-BE49-F238E27FC236}">
+                <a16:creationId xmlns:a16="http://schemas.microsoft.com/office/drawing/2014/main" id="{C3EFF11A-F124-E142-9B09-B9C01A7D564A}"/>
+              </a:ext>
+            </a:extLst>
+          </p:cNvPr>
+          <p:cNvCxnSpPr/>
+          <p:nvPr/>
+        </p:nvCxnSpPr>
+        <p:spPr>
+          <a:xfrm>
+            <a:off x="1185124" y="6059234"/>
+            <a:ext cx="0" cy="437939"/>
+          </a:xfrm>
+          <a:prstGeom prst="line">
+            <a:avLst/>
+          </a:prstGeom>
+          <a:ln w="38100">
+            <a:solidFill>
+              <a:schemeClr val="accent1">
+                <a:lumMod val="75000"/>
+              </a:schemeClr>
+            </a:solidFill>
+          </a:ln>
+        </p:spPr>
+        <p:style>
+          <a:lnRef idx="1">
+            <a:schemeClr val="accent1"/>
+          </a:lnRef>
+          <a:fillRef idx="0">
+            <a:schemeClr val="accent1"/>
+          </a:fillRef>
+          <a:effectRef idx="0">
+            <a:schemeClr val="accent1"/>
+          </a:effectRef>
+          <a:fontRef idx="minor">
+            <a:schemeClr val="tx1"/>
+          </a:fontRef>
+        </p:style>
+      </p:cxnSp>
+      <p:cxnSp>
+        <p:nvCxnSpPr>
+          <p:cNvPr id="20" name="Straight Connector 19">
+            <a:extLst>
+              <a:ext uri="{FF2B5EF4-FFF2-40B4-BE49-F238E27FC236}">
+                <a16:creationId xmlns:a16="http://schemas.microsoft.com/office/drawing/2014/main" id="{5F3CC795-87BA-F547-9E61-8D2239EE5F17}"/>
+              </a:ext>
+            </a:extLst>
+          </p:cNvPr>
+          <p:cNvCxnSpPr/>
+          <p:nvPr/>
+        </p:nvCxnSpPr>
+        <p:spPr>
+          <a:xfrm>
+            <a:off x="10486445" y="1118647"/>
+            <a:ext cx="0" cy="437939"/>
+          </a:xfrm>
+          <a:prstGeom prst="line">
+            <a:avLst/>
+          </a:prstGeom>
+          <a:ln w="38100">
+            <a:solidFill>
+              <a:schemeClr val="accent1">
+                <a:lumMod val="75000"/>
+              </a:schemeClr>
+            </a:solidFill>
+          </a:ln>
+        </p:spPr>
+        <p:style>
+          <a:lnRef idx="1">
+            <a:schemeClr val="accent1"/>
+          </a:lnRef>
+          <a:fillRef idx="0">
+            <a:schemeClr val="accent1"/>
+          </a:fillRef>
+          <a:effectRef idx="0">
+            <a:schemeClr val="accent1"/>
+          </a:effectRef>
+          <a:fontRef idx="minor">
+            <a:schemeClr val="tx1"/>
+          </a:fontRef>
+        </p:style>
+      </p:cxnSp>
+      <p:sp>
+        <p:nvSpPr>
+          <p:cNvPr id="25" name="Rectangle 24">
+            <a:extLst>
+              <a:ext uri="{FF2B5EF4-FFF2-40B4-BE49-F238E27FC236}">
+                <a16:creationId xmlns:a16="http://schemas.microsoft.com/office/drawing/2014/main" id="{AFD971F6-3E09-C54B-A51D-C459E493293B}"/>
+              </a:ext>
+            </a:extLst>
+          </p:cNvPr>
+          <p:cNvSpPr/>
+          <p:nvPr/>
+        </p:nvSpPr>
+        <p:spPr>
+          <a:xfrm>
+            <a:off x="9576563" y="4922854"/>
+            <a:ext cx="1457750" cy="391684"/>
+          </a:xfrm>
+          <a:prstGeom prst="rect">
+            <a:avLst/>
+          </a:prstGeom>
+        </p:spPr>
+        <p:style>
+          <a:lnRef idx="2">
+            <a:schemeClr val="accent1">
+              <a:shade val="50000"/>
+            </a:schemeClr>
+          </a:lnRef>
+          <a:fillRef idx="1">
+            <a:schemeClr val="accent1"/>
+          </a:fillRef>
+          <a:effectRef idx="0">
+            <a:schemeClr val="accent1"/>
+          </a:effectRef>
+          <a:fontRef idx="minor">
+            <a:schemeClr val="lt1"/>
+          </a:fontRef>
+        </p:style>
+        <p:txBody>
+          <a:bodyPr rtlCol="0" anchor="ctr"/>
+          <a:lstStyle/>
+          <a:p>
+            <a:pPr algn="ctr"/>
+            <a:r>
+              <a:rPr lang="en-RS" b="1">
+                <a:latin typeface="Myriad Pro Light" panose="020B0403030403020204" pitchFamily="34" charset="0"/>
+              </a:rPr>
+              <a:t>COMMIT</a:t>
+            </a:r>
+          </a:p>
+        </p:txBody>
+      </p:sp>
+      <p:sp>
+        <p:nvSpPr>
+          <p:cNvPr id="26" name="TextBox 25">
+            <a:extLst>
+              <a:ext uri="{FF2B5EF4-FFF2-40B4-BE49-F238E27FC236}">
+                <a16:creationId xmlns:a16="http://schemas.microsoft.com/office/drawing/2014/main" id="{DFBB1786-9648-1448-BD10-6C3E8C9993F7}"/>
+              </a:ext>
+            </a:extLst>
+          </p:cNvPr>
+          <p:cNvSpPr txBox="1"/>
+          <p:nvPr/>
+        </p:nvSpPr>
+        <p:spPr>
+          <a:xfrm>
+            <a:off x="9882278" y="4477681"/>
+            <a:ext cx="377026" cy="523220"/>
+          </a:xfrm>
+          <a:prstGeom prst="rect">
+            <a:avLst/>
+          </a:prstGeom>
+          <a:noFill/>
+        </p:spPr>
+        <p:txBody>
+          <a:bodyPr wrap="none" rtlCol="0">
+            <a:spAutoFit/>
+          </a:bodyPr>
+          <a:lstStyle/>
+          <a:p>
+            <a:r>
+              <a:rPr lang="en-RS" sz="2800" b="1">
+                <a:solidFill>
+                  <a:srgbClr val="C00000"/>
+                </a:solidFill>
+                <a:latin typeface="Myriad Pro Light" panose="020B0403030403020204" pitchFamily="34" charset="0"/>
+              </a:rPr>
+              <a:t>6</a:t>
+            </a:r>
+          </a:p>
+        </p:txBody>
+      </p:sp>
+      <p:sp>
+        <p:nvSpPr>
+          <p:cNvPr id="28" name="Rectangle 27">
+            <a:extLst>
+              <a:ext uri="{FF2B5EF4-FFF2-40B4-BE49-F238E27FC236}">
+                <a16:creationId xmlns:a16="http://schemas.microsoft.com/office/drawing/2014/main" id="{D0252FA8-BC4E-2143-B620-77F75C36870E}"/>
+              </a:ext>
+            </a:extLst>
+          </p:cNvPr>
+          <p:cNvSpPr/>
+          <p:nvPr/>
+        </p:nvSpPr>
+        <p:spPr>
+          <a:xfrm>
+            <a:off x="2433877" y="3302073"/>
+            <a:ext cx="700894" cy="700894"/>
+          </a:xfrm>
+          <a:prstGeom prst="rect">
+            <a:avLst/>
+          </a:prstGeom>
+          <a:noFill/>
+          <a:ln w="38100"/>
+        </p:spPr>
+        <p:style>
+          <a:lnRef idx="2">
+            <a:schemeClr val="accent1">
+              <a:shade val="50000"/>
+            </a:schemeClr>
+          </a:lnRef>
+          <a:fillRef idx="1">
+            <a:schemeClr val="accent1"/>
+          </a:fillRef>
+          <a:effectRef idx="0">
+            <a:schemeClr val="accent1"/>
+          </a:effectRef>
+          <a:fontRef idx="minor">
+            <a:schemeClr val="lt1"/>
+          </a:fontRef>
+        </p:style>
+        <p:txBody>
+          <a:bodyPr rtlCol="0" anchor="ctr"/>
+          <a:lstStyle/>
+          <a:p>
+            <a:pPr algn="ctr"/>
+            <a:r>
+              <a:rPr lang="en-RS" b="1">
+                <a:ln>
+                  <a:solidFill>
+                    <a:schemeClr val="accent1">
+                      <a:lumMod val="75000"/>
+                    </a:schemeClr>
+                  </a:solidFill>
+                </a:ln>
+                <a:solidFill>
+                  <a:schemeClr val="accent1">
+                    <a:lumMod val="75000"/>
+                  </a:schemeClr>
+                </a:solidFill>
+                <a:latin typeface="Myriad Pro Light" panose="020B0403030403020204" pitchFamily="34" charset="0"/>
+              </a:rPr>
+              <a:t>D1</a:t>
+            </a:r>
+          </a:p>
+        </p:txBody>
+      </p:sp>
+      <p:cxnSp>
+        <p:nvCxnSpPr>
+          <p:cNvPr id="29" name="Straight Arrow Connector 28">
+            <a:extLst>
+              <a:ext uri="{FF2B5EF4-FFF2-40B4-BE49-F238E27FC236}">
+                <a16:creationId xmlns:a16="http://schemas.microsoft.com/office/drawing/2014/main" id="{4D750665-DBB6-0840-B7FB-CEA7AB4D4915}"/>
+              </a:ext>
+            </a:extLst>
+          </p:cNvPr>
+          <p:cNvCxnSpPr>
+            <a:cxnSpLocks/>
+          </p:cNvCxnSpPr>
+          <p:nvPr/>
+        </p:nvCxnSpPr>
+        <p:spPr>
+          <a:xfrm flipV="1">
+            <a:off x="2784324" y="4155440"/>
+            <a:ext cx="0" cy="1633816"/>
+          </a:xfrm>
+          <a:prstGeom prst="straightConnector1">
+            <a:avLst/>
+          </a:prstGeom>
+          <a:ln w="38100">
+            <a:solidFill>
+              <a:schemeClr val="accent1">
+                <a:lumMod val="75000"/>
+              </a:schemeClr>
+            </a:solidFill>
+            <a:tailEnd type="triangle"/>
+          </a:ln>
+        </p:spPr>
+        <p:style>
+          <a:lnRef idx="1">
+            <a:schemeClr val="accent1"/>
+          </a:lnRef>
+          <a:fillRef idx="0">
+            <a:schemeClr val="accent1"/>
+          </a:fillRef>
+          <a:effectRef idx="0">
+            <a:schemeClr val="accent1"/>
+          </a:effectRef>
+          <a:fontRef idx="minor">
+            <a:schemeClr val="tx1"/>
+          </a:fontRef>
+        </p:style>
+      </p:cxnSp>
+      <p:sp>
+        <p:nvSpPr>
+          <p:cNvPr id="30" name="Rectangle 29">
+            <a:extLst>
+              <a:ext uri="{FF2B5EF4-FFF2-40B4-BE49-F238E27FC236}">
+                <a16:creationId xmlns:a16="http://schemas.microsoft.com/office/drawing/2014/main" id="{7FBF86B7-2145-D44A-AE98-59E70378AEE4}"/>
+              </a:ext>
+            </a:extLst>
+          </p:cNvPr>
+          <p:cNvSpPr/>
+          <p:nvPr/>
+        </p:nvSpPr>
+        <p:spPr>
+          <a:xfrm>
+            <a:off x="2101583" y="4929225"/>
+            <a:ext cx="1457750" cy="391684"/>
+          </a:xfrm>
+          <a:prstGeom prst="rect">
+            <a:avLst/>
+          </a:prstGeom>
+        </p:spPr>
+        <p:style>
+          <a:lnRef idx="2">
+            <a:schemeClr val="accent1">
+              <a:shade val="50000"/>
+            </a:schemeClr>
+          </a:lnRef>
+          <a:fillRef idx="1">
+            <a:schemeClr val="accent1"/>
+          </a:fillRef>
+          <a:effectRef idx="0">
+            <a:schemeClr val="accent1"/>
+          </a:effectRef>
+          <a:fontRef idx="minor">
+            <a:schemeClr val="lt1"/>
+          </a:fontRef>
+        </p:style>
+        <p:txBody>
+          <a:bodyPr rtlCol="0" anchor="ctr"/>
+          <a:lstStyle/>
+          <a:p>
+            <a:pPr algn="ctr"/>
+            <a:r>
+              <a:rPr lang="en-RS" b="1">
+                <a:latin typeface="Myriad Pro Light" panose="020B0403030403020204" pitchFamily="34" charset="0"/>
+              </a:rPr>
+              <a:t>SELECT</a:t>
+            </a:r>
+          </a:p>
+        </p:txBody>
+      </p:sp>
+      <p:sp>
+        <p:nvSpPr>
+          <p:cNvPr id="31" name="TextBox 30">
+            <a:extLst>
+              <a:ext uri="{FF2B5EF4-FFF2-40B4-BE49-F238E27FC236}">
+                <a16:creationId xmlns:a16="http://schemas.microsoft.com/office/drawing/2014/main" id="{37D4CD11-B00A-9C48-A021-15444038893C}"/>
+              </a:ext>
+            </a:extLst>
+          </p:cNvPr>
+          <p:cNvSpPr txBox="1"/>
+          <p:nvPr/>
+        </p:nvSpPr>
+        <p:spPr>
+          <a:xfrm>
+            <a:off x="2407298" y="4473892"/>
+            <a:ext cx="377026" cy="523220"/>
+          </a:xfrm>
+          <a:prstGeom prst="rect">
+            <a:avLst/>
+          </a:prstGeom>
+          <a:noFill/>
+        </p:spPr>
+        <p:txBody>
+          <a:bodyPr wrap="none" rtlCol="0">
+            <a:spAutoFit/>
+          </a:bodyPr>
+          <a:lstStyle/>
+          <a:p>
+            <a:r>
+              <a:rPr lang="en-RS" sz="2800" b="1">
+                <a:solidFill>
+                  <a:srgbClr val="C00000"/>
+                </a:solidFill>
+                <a:latin typeface="Myriad Pro Light" panose="020B0403030403020204" pitchFamily="34" charset="0"/>
+              </a:rPr>
+              <a:t>2</a:t>
+            </a:r>
+          </a:p>
+        </p:txBody>
+      </p:sp>
+      <p:cxnSp>
+        <p:nvCxnSpPr>
+          <p:cNvPr id="35" name="Straight Connector 34">
+            <a:extLst>
+              <a:ext uri="{FF2B5EF4-FFF2-40B4-BE49-F238E27FC236}">
+                <a16:creationId xmlns:a16="http://schemas.microsoft.com/office/drawing/2014/main" id="{F20B565E-F1A4-8F40-AB41-C57996A785B6}"/>
+              </a:ext>
+            </a:extLst>
+          </p:cNvPr>
+          <p:cNvCxnSpPr/>
+          <p:nvPr/>
+        </p:nvCxnSpPr>
+        <p:spPr>
+          <a:xfrm>
+            <a:off x="10493487" y="6061689"/>
+            <a:ext cx="0" cy="437939"/>
+          </a:xfrm>
+          <a:prstGeom prst="line">
+            <a:avLst/>
+          </a:prstGeom>
+          <a:ln w="38100">
+            <a:solidFill>
+              <a:schemeClr val="accent1">
+                <a:lumMod val="75000"/>
+              </a:schemeClr>
+            </a:solidFill>
+          </a:ln>
+        </p:spPr>
+        <p:style>
+          <a:lnRef idx="1">
+            <a:schemeClr val="accent1"/>
+          </a:lnRef>
+          <a:fillRef idx="0">
+            <a:schemeClr val="accent1"/>
+          </a:fillRef>
+          <a:effectRef idx="0">
+            <a:schemeClr val="accent1"/>
+          </a:effectRef>
+          <a:fontRef idx="minor">
+            <a:schemeClr val="tx1"/>
+          </a:fontRef>
+        </p:style>
+      </p:cxnSp>
+      <p:sp>
+        <p:nvSpPr>
+          <p:cNvPr id="27" name="Rectangle 26">
+            <a:extLst>
+              <a:ext uri="{FF2B5EF4-FFF2-40B4-BE49-F238E27FC236}">
+                <a16:creationId xmlns:a16="http://schemas.microsoft.com/office/drawing/2014/main" id="{FD403F15-1690-574A-9D4B-ABBE9A237230}"/>
+              </a:ext>
+            </a:extLst>
+          </p:cNvPr>
+          <p:cNvSpPr/>
+          <p:nvPr/>
+        </p:nvSpPr>
+        <p:spPr>
+          <a:xfrm>
+            <a:off x="1665369" y="3302073"/>
+            <a:ext cx="700894" cy="700894"/>
+          </a:xfrm>
+          <a:prstGeom prst="rect">
+            <a:avLst/>
+          </a:prstGeom>
+          <a:noFill/>
+          <a:ln w="38100"/>
+        </p:spPr>
+        <p:style>
+          <a:lnRef idx="2">
+            <a:schemeClr val="accent1">
+              <a:shade val="50000"/>
+            </a:schemeClr>
+          </a:lnRef>
+          <a:fillRef idx="1">
+            <a:schemeClr val="accent1"/>
+          </a:fillRef>
+          <a:effectRef idx="0">
+            <a:schemeClr val="accent1"/>
+          </a:effectRef>
+          <a:fontRef idx="minor">
+            <a:schemeClr val="lt1"/>
+          </a:fontRef>
+        </p:style>
+        <p:txBody>
+          <a:bodyPr rtlCol="0" anchor="ctr"/>
+          <a:lstStyle/>
+          <a:p>
+            <a:pPr algn="ctr"/>
+            <a:r>
+              <a:rPr lang="en-RS" b="1">
+                <a:ln>
+                  <a:solidFill>
+                    <a:schemeClr val="accent1">
+                      <a:lumMod val="75000"/>
+                    </a:schemeClr>
+                  </a:solidFill>
+                </a:ln>
+                <a:solidFill>
+                  <a:schemeClr val="accent1">
+                    <a:lumMod val="75000"/>
+                  </a:schemeClr>
+                </a:solidFill>
+                <a:latin typeface="Myriad Pro Light" panose="020B0403030403020204" pitchFamily="34" charset="0"/>
+              </a:rPr>
+              <a:t>D1</a:t>
+            </a:r>
+          </a:p>
+        </p:txBody>
+      </p:sp>
+      <p:cxnSp>
+        <p:nvCxnSpPr>
+          <p:cNvPr id="32" name="Straight Arrow Connector 31">
+            <a:extLst>
+              <a:ext uri="{FF2B5EF4-FFF2-40B4-BE49-F238E27FC236}">
+                <a16:creationId xmlns:a16="http://schemas.microsoft.com/office/drawing/2014/main" id="{000C4DFA-0C61-7D42-A02B-22FA5CDDB492}"/>
+              </a:ext>
+            </a:extLst>
+          </p:cNvPr>
+          <p:cNvCxnSpPr>
+            <a:cxnSpLocks/>
+          </p:cNvCxnSpPr>
+          <p:nvPr/>
+        </p:nvCxnSpPr>
+        <p:spPr>
+          <a:xfrm>
+            <a:off x="2015817" y="1852626"/>
+            <a:ext cx="0" cy="1317294"/>
+          </a:xfrm>
+          <a:prstGeom prst="straightConnector1">
+            <a:avLst/>
+          </a:prstGeom>
+          <a:ln w="38100">
+            <a:solidFill>
+              <a:schemeClr val="accent1">
+                <a:lumMod val="75000"/>
+              </a:schemeClr>
+            </a:solidFill>
+            <a:tailEnd type="triangle"/>
+          </a:ln>
+        </p:spPr>
+        <p:style>
+          <a:lnRef idx="1">
+            <a:schemeClr val="accent1"/>
+          </a:lnRef>
+          <a:fillRef idx="0">
+            <a:schemeClr val="accent1"/>
+          </a:fillRef>
+          <a:effectRef idx="0">
+            <a:schemeClr val="accent1"/>
+          </a:effectRef>
+          <a:fontRef idx="minor">
+            <a:schemeClr val="tx1"/>
+          </a:fontRef>
+        </p:style>
+      </p:cxnSp>
+      <p:sp>
+        <p:nvSpPr>
+          <p:cNvPr id="33" name="Rectangle 32">
+            <a:extLst>
+              <a:ext uri="{FF2B5EF4-FFF2-40B4-BE49-F238E27FC236}">
+                <a16:creationId xmlns:a16="http://schemas.microsoft.com/office/drawing/2014/main" id="{B63DA8F4-B1FE-CC49-9905-B5A91EA9F9A5}"/>
+              </a:ext>
+            </a:extLst>
+          </p:cNvPr>
+          <p:cNvSpPr/>
+          <p:nvPr/>
+        </p:nvSpPr>
+        <p:spPr>
+          <a:xfrm>
+            <a:off x="1333075" y="2328265"/>
+            <a:ext cx="1457750" cy="391684"/>
+          </a:xfrm>
+          <a:prstGeom prst="rect">
+            <a:avLst/>
+          </a:prstGeom>
+        </p:spPr>
+        <p:style>
+          <a:lnRef idx="2">
+            <a:schemeClr val="accent1">
+              <a:shade val="50000"/>
+            </a:schemeClr>
+          </a:lnRef>
+          <a:fillRef idx="1">
+            <a:schemeClr val="accent1"/>
+          </a:fillRef>
+          <a:effectRef idx="0">
+            <a:schemeClr val="accent1"/>
+          </a:effectRef>
+          <a:fontRef idx="minor">
+            <a:schemeClr val="lt1"/>
+          </a:fontRef>
+        </p:style>
+        <p:txBody>
+          <a:bodyPr rtlCol="0" anchor="ctr"/>
+          <a:lstStyle/>
+          <a:p>
+            <a:pPr algn="ctr"/>
+            <a:r>
+              <a:rPr lang="en-RS" b="1">
+                <a:latin typeface="Myriad Pro Light" panose="020B0403030403020204" pitchFamily="34" charset="0"/>
+              </a:rPr>
+              <a:t>SELECT</a:t>
+            </a:r>
+          </a:p>
+        </p:txBody>
+      </p:sp>
+      <p:sp>
+        <p:nvSpPr>
+          <p:cNvPr id="34" name="TextBox 33">
+            <a:extLst>
+              <a:ext uri="{FF2B5EF4-FFF2-40B4-BE49-F238E27FC236}">
+                <a16:creationId xmlns:a16="http://schemas.microsoft.com/office/drawing/2014/main" id="{C5E9034D-0975-B44C-9A0B-6B0095E202C8}"/>
+              </a:ext>
+            </a:extLst>
+          </p:cNvPr>
+          <p:cNvSpPr txBox="1"/>
+          <p:nvPr/>
+        </p:nvSpPr>
+        <p:spPr>
+          <a:xfrm>
+            <a:off x="1638790" y="1872932"/>
+            <a:ext cx="377026" cy="523220"/>
+          </a:xfrm>
+          <a:prstGeom prst="rect">
+            <a:avLst/>
+          </a:prstGeom>
+          <a:noFill/>
+        </p:spPr>
+        <p:txBody>
+          <a:bodyPr wrap="none" rtlCol="0">
+            <a:spAutoFit/>
+          </a:bodyPr>
+          <a:lstStyle/>
+          <a:p>
+            <a:r>
+              <a:rPr lang="en-RS" sz="2800" b="1">
+                <a:solidFill>
+                  <a:srgbClr val="C00000"/>
+                </a:solidFill>
+                <a:latin typeface="Myriad Pro Light" panose="020B0403030403020204" pitchFamily="34" charset="0"/>
+              </a:rPr>
+              <a:t>1</a:t>
+            </a:r>
+          </a:p>
+        </p:txBody>
+      </p:sp>
+      <p:cxnSp>
+        <p:nvCxnSpPr>
+          <p:cNvPr id="36" name="Straight Arrow Connector 35">
+            <a:extLst>
+              <a:ext uri="{FF2B5EF4-FFF2-40B4-BE49-F238E27FC236}">
+                <a16:creationId xmlns:a16="http://schemas.microsoft.com/office/drawing/2014/main" id="{E39D2202-13B2-924E-8566-F92B359468CB}"/>
+              </a:ext>
+            </a:extLst>
+          </p:cNvPr>
+          <p:cNvCxnSpPr>
+            <a:cxnSpLocks/>
+          </p:cNvCxnSpPr>
+          <p:nvPr/>
+        </p:nvCxnSpPr>
+        <p:spPr>
+          <a:xfrm>
+            <a:off x="1366482" y="1716832"/>
+            <a:ext cx="1681518" cy="0"/>
+          </a:xfrm>
+          <a:prstGeom prst="straightConnector1">
+            <a:avLst/>
+          </a:prstGeom>
+          <a:ln w="38100">
+            <a:solidFill>
+              <a:schemeClr val="accent6">
+                <a:lumMod val="75000"/>
+              </a:schemeClr>
+            </a:solidFill>
+            <a:tailEnd type="triangle" w="lg" len="lg"/>
+          </a:ln>
+        </p:spPr>
+        <p:style>
+          <a:lnRef idx="1">
+            <a:schemeClr val="accent1"/>
+          </a:lnRef>
+          <a:fillRef idx="0">
+            <a:schemeClr val="accent1"/>
+          </a:fillRef>
+          <a:effectRef idx="0">
+            <a:schemeClr val="accent1"/>
+          </a:effectRef>
+          <a:fontRef idx="minor">
+            <a:schemeClr val="tx1"/>
+          </a:fontRef>
+        </p:style>
+      </p:cxnSp>
+      <p:cxnSp>
+        <p:nvCxnSpPr>
+          <p:cNvPr id="37" name="Straight Connector 36">
+            <a:extLst>
+              <a:ext uri="{FF2B5EF4-FFF2-40B4-BE49-F238E27FC236}">
+                <a16:creationId xmlns:a16="http://schemas.microsoft.com/office/drawing/2014/main" id="{78A51126-921E-624E-91D7-1A1512153453}"/>
+              </a:ext>
+            </a:extLst>
+          </p:cNvPr>
+          <p:cNvCxnSpPr>
+            <a:cxnSpLocks/>
+          </p:cNvCxnSpPr>
+          <p:nvPr/>
+        </p:nvCxnSpPr>
+        <p:spPr>
+          <a:xfrm>
+            <a:off x="1366482" y="1589146"/>
+            <a:ext cx="0" cy="255373"/>
+          </a:xfrm>
+          <a:prstGeom prst="line">
+            <a:avLst/>
+          </a:prstGeom>
+          <a:ln w="38100">
+            <a:solidFill>
+              <a:schemeClr val="accent6">
+                <a:lumMod val="75000"/>
+              </a:schemeClr>
+            </a:solidFill>
+          </a:ln>
+        </p:spPr>
+        <p:style>
+          <a:lnRef idx="1">
+            <a:schemeClr val="accent1"/>
+          </a:lnRef>
+          <a:fillRef idx="0">
+            <a:schemeClr val="accent1"/>
+          </a:fillRef>
+          <a:effectRef idx="0">
+            <a:schemeClr val="accent1"/>
+          </a:effectRef>
+          <a:fontRef idx="minor">
+            <a:schemeClr val="tx1"/>
+          </a:fontRef>
+        </p:style>
+      </p:cxnSp>
+      <p:cxnSp>
+        <p:nvCxnSpPr>
+          <p:cNvPr id="39" name="Straight Connector 38">
+            <a:extLst>
+              <a:ext uri="{FF2B5EF4-FFF2-40B4-BE49-F238E27FC236}">
+                <a16:creationId xmlns:a16="http://schemas.microsoft.com/office/drawing/2014/main" id="{5CA64291-3DD4-8841-B018-EFDC3F45E4FB}"/>
+              </a:ext>
+            </a:extLst>
+          </p:cNvPr>
+          <p:cNvCxnSpPr>
+            <a:cxnSpLocks/>
+          </p:cNvCxnSpPr>
+          <p:nvPr/>
+        </p:nvCxnSpPr>
+        <p:spPr>
+          <a:xfrm>
+            <a:off x="3048000" y="1601378"/>
+            <a:ext cx="0" cy="255373"/>
+          </a:xfrm>
+          <a:prstGeom prst="line">
+            <a:avLst/>
+          </a:prstGeom>
+          <a:ln w="38100">
+            <a:solidFill>
+              <a:schemeClr val="accent6">
+                <a:lumMod val="75000"/>
+              </a:schemeClr>
+            </a:solidFill>
+          </a:ln>
+        </p:spPr>
+        <p:style>
+          <a:lnRef idx="1">
+            <a:schemeClr val="accent1"/>
+          </a:lnRef>
+          <a:fillRef idx="0">
+            <a:schemeClr val="accent1"/>
+          </a:fillRef>
+          <a:effectRef idx="0">
+            <a:schemeClr val="accent1"/>
+          </a:effectRef>
+          <a:fontRef idx="minor">
+            <a:schemeClr val="tx1"/>
+          </a:fontRef>
+        </p:style>
+      </p:cxnSp>
+      <p:sp>
+        <p:nvSpPr>
+          <p:cNvPr id="40" name="TextBox 39">
+            <a:extLst>
+              <a:ext uri="{FF2B5EF4-FFF2-40B4-BE49-F238E27FC236}">
+                <a16:creationId xmlns:a16="http://schemas.microsoft.com/office/drawing/2014/main" id="{0A2FF21A-AD2E-B84E-A6D8-6B44A945A8E4}"/>
+              </a:ext>
+            </a:extLst>
+          </p:cNvPr>
+          <p:cNvSpPr txBox="1"/>
+          <p:nvPr/>
+        </p:nvSpPr>
+        <p:spPr>
+          <a:xfrm>
+            <a:off x="1904333" y="1394444"/>
+            <a:ext cx="420308" cy="369332"/>
+          </a:xfrm>
+          <a:prstGeom prst="rect">
+            <a:avLst/>
+          </a:prstGeom>
+          <a:noFill/>
+        </p:spPr>
+        <p:txBody>
+          <a:bodyPr wrap="none" rtlCol="0">
+            <a:spAutoFit/>
+          </a:bodyPr>
+          <a:lstStyle/>
+          <a:p>
+            <a:r>
+              <a:rPr lang="en-RS" b="1">
+                <a:solidFill>
+                  <a:schemeClr val="accent6">
+                    <a:lumMod val="75000"/>
+                  </a:schemeClr>
+                </a:solidFill>
+                <a:latin typeface="Myriad Pro Light" panose="020B0403030403020204" pitchFamily="34" charset="0"/>
+              </a:rPr>
+              <a:t>Tx</a:t>
+            </a:r>
+          </a:p>
+        </p:txBody>
+      </p:sp>
+      <p:cxnSp>
+        <p:nvCxnSpPr>
+          <p:cNvPr id="41" name="Straight Arrow Connector 40">
+            <a:extLst>
+              <a:ext uri="{FF2B5EF4-FFF2-40B4-BE49-F238E27FC236}">
+                <a16:creationId xmlns:a16="http://schemas.microsoft.com/office/drawing/2014/main" id="{CB15FFEE-9854-D24A-8237-DABAF344A9A3}"/>
+              </a:ext>
+            </a:extLst>
+          </p:cNvPr>
+          <p:cNvCxnSpPr>
+            <a:cxnSpLocks/>
+          </p:cNvCxnSpPr>
+          <p:nvPr/>
+        </p:nvCxnSpPr>
+        <p:spPr>
+          <a:xfrm>
+            <a:off x="2015816" y="6056464"/>
+            <a:ext cx="1681518" cy="0"/>
+          </a:xfrm>
+          <a:prstGeom prst="straightConnector1">
+            <a:avLst/>
+          </a:prstGeom>
+          <a:ln w="38100">
+            <a:solidFill>
+              <a:schemeClr val="accent6">
+                <a:lumMod val="75000"/>
+              </a:schemeClr>
+            </a:solidFill>
+            <a:tailEnd type="triangle" w="lg" len="lg"/>
+          </a:ln>
+        </p:spPr>
+        <p:style>
+          <a:lnRef idx="1">
+            <a:schemeClr val="accent1"/>
+          </a:lnRef>
+          <a:fillRef idx="0">
+            <a:schemeClr val="accent1"/>
+          </a:fillRef>
+          <a:effectRef idx="0">
+            <a:schemeClr val="accent1"/>
+          </a:effectRef>
+          <a:fontRef idx="minor">
+            <a:schemeClr val="tx1"/>
+          </a:fontRef>
+        </p:style>
+      </p:cxnSp>
+      <p:cxnSp>
+        <p:nvCxnSpPr>
+          <p:cNvPr id="42" name="Straight Connector 41">
+            <a:extLst>
+              <a:ext uri="{FF2B5EF4-FFF2-40B4-BE49-F238E27FC236}">
+                <a16:creationId xmlns:a16="http://schemas.microsoft.com/office/drawing/2014/main" id="{A44FDB79-5AA4-CD4B-9B45-630EA4EFE59E}"/>
+              </a:ext>
+            </a:extLst>
+          </p:cNvPr>
+          <p:cNvCxnSpPr>
+            <a:cxnSpLocks/>
+          </p:cNvCxnSpPr>
+          <p:nvPr/>
+        </p:nvCxnSpPr>
+        <p:spPr>
+          <a:xfrm>
+            <a:off x="2015816" y="5928778"/>
+            <a:ext cx="0" cy="255373"/>
+          </a:xfrm>
+          <a:prstGeom prst="line">
+            <a:avLst/>
+          </a:prstGeom>
+          <a:ln w="38100">
+            <a:solidFill>
+              <a:schemeClr val="accent6">
+                <a:lumMod val="75000"/>
+              </a:schemeClr>
+            </a:solidFill>
+          </a:ln>
+        </p:spPr>
+        <p:style>
+          <a:lnRef idx="1">
+            <a:schemeClr val="accent1"/>
+          </a:lnRef>
+          <a:fillRef idx="0">
+            <a:schemeClr val="accent1"/>
+          </a:fillRef>
+          <a:effectRef idx="0">
+            <a:schemeClr val="accent1"/>
+          </a:effectRef>
+          <a:fontRef idx="minor">
+            <a:schemeClr val="tx1"/>
+          </a:fontRef>
+        </p:style>
+      </p:cxnSp>
+      <p:cxnSp>
+        <p:nvCxnSpPr>
+          <p:cNvPr id="43" name="Straight Connector 42">
+            <a:extLst>
+              <a:ext uri="{FF2B5EF4-FFF2-40B4-BE49-F238E27FC236}">
+                <a16:creationId xmlns:a16="http://schemas.microsoft.com/office/drawing/2014/main" id="{E10DD427-558B-CB44-B7A9-E5B8DDCF0D39}"/>
+              </a:ext>
+            </a:extLst>
+          </p:cNvPr>
+          <p:cNvCxnSpPr>
+            <a:cxnSpLocks/>
+          </p:cNvCxnSpPr>
+          <p:nvPr/>
+        </p:nvCxnSpPr>
+        <p:spPr>
+          <a:xfrm>
+            <a:off x="3697334" y="5941010"/>
+            <a:ext cx="0" cy="255373"/>
+          </a:xfrm>
+          <a:prstGeom prst="line">
+            <a:avLst/>
+          </a:prstGeom>
+          <a:ln w="38100">
+            <a:solidFill>
+              <a:schemeClr val="accent6">
+                <a:lumMod val="75000"/>
+              </a:schemeClr>
+            </a:solidFill>
+          </a:ln>
+        </p:spPr>
+        <p:style>
+          <a:lnRef idx="1">
+            <a:schemeClr val="accent1"/>
+          </a:lnRef>
+          <a:fillRef idx="0">
+            <a:schemeClr val="accent1"/>
+          </a:fillRef>
+          <a:effectRef idx="0">
+            <a:schemeClr val="accent1"/>
+          </a:effectRef>
+          <a:fontRef idx="minor">
+            <a:schemeClr val="tx1"/>
+          </a:fontRef>
+        </p:style>
+      </p:cxnSp>
+      <p:sp>
+        <p:nvSpPr>
+          <p:cNvPr id="44" name="TextBox 43">
+            <a:extLst>
+              <a:ext uri="{FF2B5EF4-FFF2-40B4-BE49-F238E27FC236}">
+                <a16:creationId xmlns:a16="http://schemas.microsoft.com/office/drawing/2014/main" id="{6DAAF60F-FA93-2B4F-8E27-02A0CB1CA890}"/>
+              </a:ext>
+            </a:extLst>
+          </p:cNvPr>
+          <p:cNvSpPr txBox="1"/>
+          <p:nvPr/>
+        </p:nvSpPr>
+        <p:spPr>
+          <a:xfrm>
+            <a:off x="2553667" y="5734076"/>
+            <a:ext cx="420308" cy="369332"/>
+          </a:xfrm>
+          <a:prstGeom prst="rect">
+            <a:avLst/>
+          </a:prstGeom>
+          <a:noFill/>
+        </p:spPr>
+        <p:txBody>
+          <a:bodyPr wrap="none" rtlCol="0">
+            <a:spAutoFit/>
+          </a:bodyPr>
+          <a:lstStyle/>
+          <a:p>
+            <a:r>
+              <a:rPr lang="en-RS" b="1">
+                <a:solidFill>
+                  <a:schemeClr val="accent6">
+                    <a:lumMod val="75000"/>
+                  </a:schemeClr>
+                </a:solidFill>
+                <a:latin typeface="Myriad Pro Light" panose="020B0403030403020204" pitchFamily="34" charset="0"/>
+              </a:rPr>
+              <a:t>Tx</a:t>
+            </a:r>
+          </a:p>
+        </p:txBody>
+      </p:sp>
+      <p:sp>
+        <p:nvSpPr>
+          <p:cNvPr id="45" name="Rectangle 44">
+            <a:extLst>
+              <a:ext uri="{FF2B5EF4-FFF2-40B4-BE49-F238E27FC236}">
+                <a16:creationId xmlns:a16="http://schemas.microsoft.com/office/drawing/2014/main" id="{90040359-E3B2-6445-A312-014AD4D36129}"/>
+              </a:ext>
+            </a:extLst>
+          </p:cNvPr>
+          <p:cNvSpPr/>
+          <p:nvPr/>
+        </p:nvSpPr>
+        <p:spPr>
+          <a:xfrm>
+            <a:off x="4572226" y="3302073"/>
+            <a:ext cx="700894" cy="700894"/>
+          </a:xfrm>
+          <a:prstGeom prst="rect">
+            <a:avLst/>
+          </a:prstGeom>
+          <a:noFill/>
+          <a:ln w="38100"/>
+        </p:spPr>
+        <p:style>
+          <a:lnRef idx="2">
+            <a:schemeClr val="accent1">
+              <a:shade val="50000"/>
+            </a:schemeClr>
+          </a:lnRef>
+          <a:fillRef idx="1">
+            <a:schemeClr val="accent1"/>
+          </a:fillRef>
+          <a:effectRef idx="0">
+            <a:schemeClr val="accent1"/>
+          </a:effectRef>
+          <a:fontRef idx="minor">
+            <a:schemeClr val="lt1"/>
+          </a:fontRef>
+        </p:style>
+        <p:txBody>
+          <a:bodyPr rtlCol="0" anchor="ctr"/>
+          <a:lstStyle/>
+          <a:p>
+            <a:pPr algn="ctr"/>
+            <a:r>
+              <a:rPr lang="en-RS" b="1">
+                <a:ln>
+                  <a:solidFill>
+                    <a:schemeClr val="accent1">
+                      <a:lumMod val="75000"/>
+                    </a:schemeClr>
+                  </a:solidFill>
+                </a:ln>
+                <a:solidFill>
+                  <a:schemeClr val="accent1">
+                    <a:lumMod val="75000"/>
+                  </a:schemeClr>
+                </a:solidFill>
+                <a:latin typeface="Myriad Pro Light" panose="020B0403030403020204" pitchFamily="34" charset="0"/>
+              </a:rPr>
+              <a:t>D1</a:t>
+            </a:r>
+          </a:p>
+        </p:txBody>
+      </p:sp>
+      <p:cxnSp>
+        <p:nvCxnSpPr>
+          <p:cNvPr id="46" name="Straight Arrow Connector 45">
+            <a:extLst>
+              <a:ext uri="{FF2B5EF4-FFF2-40B4-BE49-F238E27FC236}">
+                <a16:creationId xmlns:a16="http://schemas.microsoft.com/office/drawing/2014/main" id="{D74574F1-EB13-3A4C-9CCD-57419403AF62}"/>
+              </a:ext>
+            </a:extLst>
+          </p:cNvPr>
+          <p:cNvCxnSpPr>
+            <a:cxnSpLocks/>
+          </p:cNvCxnSpPr>
+          <p:nvPr/>
+        </p:nvCxnSpPr>
+        <p:spPr>
+          <a:xfrm>
+            <a:off x="4922674" y="1852626"/>
+            <a:ext cx="0" cy="1317294"/>
+          </a:xfrm>
+          <a:prstGeom prst="straightConnector1">
+            <a:avLst/>
+          </a:prstGeom>
+          <a:ln w="38100">
+            <a:solidFill>
+              <a:schemeClr val="accent1">
+                <a:lumMod val="75000"/>
+              </a:schemeClr>
+            </a:solidFill>
+            <a:tailEnd type="triangle"/>
+          </a:ln>
+        </p:spPr>
+        <p:style>
+          <a:lnRef idx="1">
+            <a:schemeClr val="accent1"/>
+          </a:lnRef>
+          <a:fillRef idx="0">
+            <a:schemeClr val="accent1"/>
+          </a:fillRef>
+          <a:effectRef idx="0">
+            <a:schemeClr val="accent1"/>
+          </a:effectRef>
+          <a:fontRef idx="minor">
+            <a:schemeClr val="tx1"/>
+          </a:fontRef>
+        </p:style>
+      </p:cxnSp>
+      <p:sp>
+        <p:nvSpPr>
+          <p:cNvPr id="47" name="Rectangle 46">
+            <a:extLst>
+              <a:ext uri="{FF2B5EF4-FFF2-40B4-BE49-F238E27FC236}">
+                <a16:creationId xmlns:a16="http://schemas.microsoft.com/office/drawing/2014/main" id="{9AD60722-8873-544B-A674-DA8131C7E393}"/>
+              </a:ext>
+            </a:extLst>
+          </p:cNvPr>
+          <p:cNvSpPr/>
+          <p:nvPr/>
+        </p:nvSpPr>
+        <p:spPr>
+          <a:xfrm>
+            <a:off x="4239932" y="2328265"/>
+            <a:ext cx="1457750" cy="391684"/>
+          </a:xfrm>
+          <a:prstGeom prst="rect">
+            <a:avLst/>
+          </a:prstGeom>
+        </p:spPr>
+        <p:style>
+          <a:lnRef idx="2">
+            <a:schemeClr val="accent1">
+              <a:shade val="50000"/>
+            </a:schemeClr>
+          </a:lnRef>
+          <a:fillRef idx="1">
+            <a:schemeClr val="accent1"/>
+          </a:fillRef>
+          <a:effectRef idx="0">
+            <a:schemeClr val="accent1"/>
+          </a:effectRef>
+          <a:fontRef idx="minor">
+            <a:schemeClr val="lt1"/>
+          </a:fontRef>
+        </p:style>
+        <p:txBody>
+          <a:bodyPr rtlCol="0" anchor="ctr"/>
+          <a:lstStyle/>
+          <a:p>
+            <a:pPr algn="ctr"/>
+            <a:r>
+              <a:rPr lang="en-RS" b="1">
+                <a:latin typeface="Myriad Pro Light" panose="020B0403030403020204" pitchFamily="34" charset="0"/>
+              </a:rPr>
+              <a:t>SELECT</a:t>
+            </a:r>
+          </a:p>
+        </p:txBody>
+      </p:sp>
+      <p:sp>
+        <p:nvSpPr>
+          <p:cNvPr id="48" name="TextBox 47">
+            <a:extLst>
+              <a:ext uri="{FF2B5EF4-FFF2-40B4-BE49-F238E27FC236}">
+                <a16:creationId xmlns:a16="http://schemas.microsoft.com/office/drawing/2014/main" id="{F93CA9BA-7B2B-0C41-8118-17A34DA18B09}"/>
+              </a:ext>
+            </a:extLst>
+          </p:cNvPr>
+          <p:cNvSpPr txBox="1"/>
+          <p:nvPr/>
+        </p:nvSpPr>
+        <p:spPr>
+          <a:xfrm>
+            <a:off x="4545647" y="1872932"/>
+            <a:ext cx="377026" cy="523220"/>
+          </a:xfrm>
+          <a:prstGeom prst="rect">
+            <a:avLst/>
+          </a:prstGeom>
+          <a:noFill/>
+        </p:spPr>
+        <p:txBody>
+          <a:bodyPr wrap="none" rtlCol="0">
+            <a:spAutoFit/>
+          </a:bodyPr>
+          <a:lstStyle/>
+          <a:p>
+            <a:r>
+              <a:rPr lang="en-RS" sz="2800" b="1">
+                <a:solidFill>
+                  <a:srgbClr val="C00000"/>
+                </a:solidFill>
+                <a:latin typeface="Myriad Pro Light" panose="020B0403030403020204" pitchFamily="34" charset="0"/>
+              </a:rPr>
+              <a:t>3</a:t>
+            </a:r>
+          </a:p>
+        </p:txBody>
+      </p:sp>
+      <p:cxnSp>
+        <p:nvCxnSpPr>
+          <p:cNvPr id="49" name="Straight Arrow Connector 48">
+            <a:extLst>
+              <a:ext uri="{FF2B5EF4-FFF2-40B4-BE49-F238E27FC236}">
+                <a16:creationId xmlns:a16="http://schemas.microsoft.com/office/drawing/2014/main" id="{D50A4ADA-7D61-5A40-8484-85F7257DCA5D}"/>
+              </a:ext>
+            </a:extLst>
+          </p:cNvPr>
+          <p:cNvCxnSpPr>
+            <a:cxnSpLocks/>
+          </p:cNvCxnSpPr>
+          <p:nvPr/>
+        </p:nvCxnSpPr>
+        <p:spPr>
+          <a:xfrm>
+            <a:off x="4273339" y="1716832"/>
+            <a:ext cx="1681518" cy="0"/>
+          </a:xfrm>
+          <a:prstGeom prst="straightConnector1">
+            <a:avLst/>
+          </a:prstGeom>
+          <a:ln w="38100">
+            <a:solidFill>
+              <a:schemeClr val="accent6">
+                <a:lumMod val="75000"/>
+              </a:schemeClr>
+            </a:solidFill>
+            <a:tailEnd type="triangle" w="lg" len="lg"/>
+          </a:ln>
+        </p:spPr>
+        <p:style>
+          <a:lnRef idx="1">
+            <a:schemeClr val="accent1"/>
+          </a:lnRef>
+          <a:fillRef idx="0">
+            <a:schemeClr val="accent1"/>
+          </a:fillRef>
+          <a:effectRef idx="0">
+            <a:schemeClr val="accent1"/>
+          </a:effectRef>
+          <a:fontRef idx="minor">
+            <a:schemeClr val="tx1"/>
+          </a:fontRef>
+        </p:style>
+      </p:cxnSp>
+      <p:cxnSp>
+        <p:nvCxnSpPr>
+          <p:cNvPr id="50" name="Straight Connector 49">
+            <a:extLst>
+              <a:ext uri="{FF2B5EF4-FFF2-40B4-BE49-F238E27FC236}">
+                <a16:creationId xmlns:a16="http://schemas.microsoft.com/office/drawing/2014/main" id="{D472A76C-D922-FC44-9AC6-2366296CADC8}"/>
+              </a:ext>
+            </a:extLst>
+          </p:cNvPr>
+          <p:cNvCxnSpPr>
+            <a:cxnSpLocks/>
+          </p:cNvCxnSpPr>
+          <p:nvPr/>
+        </p:nvCxnSpPr>
+        <p:spPr>
+          <a:xfrm>
+            <a:off x="4273339" y="1589146"/>
+            <a:ext cx="0" cy="255373"/>
+          </a:xfrm>
+          <a:prstGeom prst="line">
+            <a:avLst/>
+          </a:prstGeom>
+          <a:ln w="38100">
+            <a:solidFill>
+              <a:schemeClr val="accent6">
+                <a:lumMod val="75000"/>
+              </a:schemeClr>
+            </a:solidFill>
+          </a:ln>
+        </p:spPr>
+        <p:style>
+          <a:lnRef idx="1">
+            <a:schemeClr val="accent1"/>
+          </a:lnRef>
+          <a:fillRef idx="0">
+            <a:schemeClr val="accent1"/>
+          </a:fillRef>
+          <a:effectRef idx="0">
+            <a:schemeClr val="accent1"/>
+          </a:effectRef>
+          <a:fontRef idx="minor">
+            <a:schemeClr val="tx1"/>
+          </a:fontRef>
+        </p:style>
+      </p:cxnSp>
+      <p:cxnSp>
+        <p:nvCxnSpPr>
+          <p:cNvPr id="51" name="Straight Connector 50">
+            <a:extLst>
+              <a:ext uri="{FF2B5EF4-FFF2-40B4-BE49-F238E27FC236}">
+                <a16:creationId xmlns:a16="http://schemas.microsoft.com/office/drawing/2014/main" id="{65CC7A7C-7BAA-0B41-A0BB-C7AC7E09CF23}"/>
+              </a:ext>
+            </a:extLst>
+          </p:cNvPr>
+          <p:cNvCxnSpPr>
+            <a:cxnSpLocks/>
+          </p:cNvCxnSpPr>
+          <p:nvPr/>
+        </p:nvCxnSpPr>
+        <p:spPr>
+          <a:xfrm>
+            <a:off x="5954857" y="1601378"/>
+            <a:ext cx="0" cy="255373"/>
+          </a:xfrm>
+          <a:prstGeom prst="line">
+            <a:avLst/>
+          </a:prstGeom>
+          <a:ln w="38100">
+            <a:solidFill>
+              <a:schemeClr val="accent6">
+                <a:lumMod val="75000"/>
+              </a:schemeClr>
+            </a:solidFill>
+          </a:ln>
+        </p:spPr>
+        <p:style>
+          <a:lnRef idx="1">
+            <a:schemeClr val="accent1"/>
+          </a:lnRef>
+          <a:fillRef idx="0">
+            <a:schemeClr val="accent1"/>
+          </a:fillRef>
+          <a:effectRef idx="0">
+            <a:schemeClr val="accent1"/>
+          </a:effectRef>
+          <a:fontRef idx="minor">
+            <a:schemeClr val="tx1"/>
+          </a:fontRef>
+        </p:style>
+      </p:cxnSp>
+      <p:sp>
+        <p:nvSpPr>
+          <p:cNvPr id="52" name="TextBox 51">
+            <a:extLst>
+              <a:ext uri="{FF2B5EF4-FFF2-40B4-BE49-F238E27FC236}">
+                <a16:creationId xmlns:a16="http://schemas.microsoft.com/office/drawing/2014/main" id="{C4695658-EBA5-3B40-B714-30FE5CCFEECF}"/>
+              </a:ext>
+            </a:extLst>
+          </p:cNvPr>
+          <p:cNvSpPr txBox="1"/>
+          <p:nvPr/>
+        </p:nvSpPr>
+        <p:spPr>
+          <a:xfrm>
+            <a:off x="4811190" y="1394444"/>
+            <a:ext cx="420308" cy="369332"/>
+          </a:xfrm>
+          <a:prstGeom prst="rect">
+            <a:avLst/>
+          </a:prstGeom>
+          <a:noFill/>
+        </p:spPr>
+        <p:txBody>
+          <a:bodyPr wrap="none" rtlCol="0">
+            <a:spAutoFit/>
+          </a:bodyPr>
+          <a:lstStyle/>
+          <a:p>
+            <a:r>
+              <a:rPr lang="en-RS" b="1">
+                <a:solidFill>
+                  <a:schemeClr val="accent6">
+                    <a:lumMod val="75000"/>
+                  </a:schemeClr>
+                </a:solidFill>
+                <a:latin typeface="Myriad Pro Light" panose="020B0403030403020204" pitchFamily="34" charset="0"/>
+              </a:rPr>
+              <a:t>Tx</a:t>
+            </a:r>
+          </a:p>
+        </p:txBody>
+      </p:sp>
+      <p:sp>
+        <p:nvSpPr>
+          <p:cNvPr id="53" name="Rectangle 52">
+            <a:extLst>
+              <a:ext uri="{FF2B5EF4-FFF2-40B4-BE49-F238E27FC236}">
+                <a16:creationId xmlns:a16="http://schemas.microsoft.com/office/drawing/2014/main" id="{3366DD6C-1AC1-AF4D-AEFA-02B42892C92E}"/>
+              </a:ext>
+            </a:extLst>
+          </p:cNvPr>
+          <p:cNvSpPr/>
+          <p:nvPr/>
+        </p:nvSpPr>
+        <p:spPr>
+          <a:xfrm>
+            <a:off x="8387637" y="3302073"/>
+            <a:ext cx="700894" cy="700894"/>
+          </a:xfrm>
+          <a:prstGeom prst="rect">
+            <a:avLst/>
+          </a:prstGeom>
+          <a:noFill/>
+          <a:ln w="38100"/>
+        </p:spPr>
+        <p:style>
+          <a:lnRef idx="2">
+            <a:schemeClr val="accent1">
+              <a:shade val="50000"/>
+            </a:schemeClr>
+          </a:lnRef>
+          <a:fillRef idx="1">
+            <a:schemeClr val="accent1"/>
+          </a:fillRef>
+          <a:effectRef idx="0">
+            <a:schemeClr val="accent1"/>
+          </a:effectRef>
+          <a:fontRef idx="minor">
+            <a:schemeClr val="lt1"/>
+          </a:fontRef>
+        </p:style>
+        <p:txBody>
+          <a:bodyPr rtlCol="0" anchor="ctr"/>
+          <a:lstStyle/>
+          <a:p>
+            <a:pPr algn="ctr"/>
+            <a:r>
+              <a:rPr lang="en-RS" b="1">
+                <a:ln>
+                  <a:solidFill>
+                    <a:schemeClr val="accent1">
+                      <a:lumMod val="75000"/>
+                    </a:schemeClr>
+                  </a:solidFill>
+                </a:ln>
+                <a:solidFill>
+                  <a:schemeClr val="accent1">
+                    <a:lumMod val="75000"/>
+                  </a:schemeClr>
+                </a:solidFill>
+                <a:latin typeface="Myriad Pro Light" panose="020B0403030403020204" pitchFamily="34" charset="0"/>
+              </a:rPr>
+              <a:t>D1</a:t>
+            </a:r>
+          </a:p>
+        </p:txBody>
+      </p:sp>
+      <p:cxnSp>
+        <p:nvCxnSpPr>
+          <p:cNvPr id="54" name="Straight Arrow Connector 53">
+            <a:extLst>
+              <a:ext uri="{FF2B5EF4-FFF2-40B4-BE49-F238E27FC236}">
+                <a16:creationId xmlns:a16="http://schemas.microsoft.com/office/drawing/2014/main" id="{EBDFBD49-0780-5945-B485-7111D9D613AC}"/>
+              </a:ext>
+            </a:extLst>
+          </p:cNvPr>
+          <p:cNvCxnSpPr>
+            <a:cxnSpLocks/>
+          </p:cNvCxnSpPr>
+          <p:nvPr/>
+        </p:nvCxnSpPr>
+        <p:spPr>
+          <a:xfrm flipV="1">
+            <a:off x="8738084" y="4155440"/>
+            <a:ext cx="0" cy="1633816"/>
+          </a:xfrm>
+          <a:prstGeom prst="straightConnector1">
+            <a:avLst/>
+          </a:prstGeom>
+          <a:ln w="38100">
+            <a:solidFill>
+              <a:schemeClr val="accent1">
+                <a:lumMod val="75000"/>
+              </a:schemeClr>
+            </a:solidFill>
+            <a:tailEnd type="triangle"/>
+          </a:ln>
+        </p:spPr>
+        <p:style>
+          <a:lnRef idx="1">
+            <a:schemeClr val="accent1"/>
+          </a:lnRef>
+          <a:fillRef idx="0">
+            <a:schemeClr val="accent1"/>
+          </a:fillRef>
+          <a:effectRef idx="0">
+            <a:schemeClr val="accent1"/>
+          </a:effectRef>
+          <a:fontRef idx="minor">
+            <a:schemeClr val="tx1"/>
+          </a:fontRef>
+        </p:style>
+      </p:cxnSp>
+      <p:sp>
+        <p:nvSpPr>
+          <p:cNvPr id="55" name="Rectangle 54">
+            <a:extLst>
+              <a:ext uri="{FF2B5EF4-FFF2-40B4-BE49-F238E27FC236}">
+                <a16:creationId xmlns:a16="http://schemas.microsoft.com/office/drawing/2014/main" id="{9DC02469-401B-9B4A-8B16-CEBC9801480C}"/>
+              </a:ext>
+            </a:extLst>
+          </p:cNvPr>
+          <p:cNvSpPr/>
+          <p:nvPr/>
+        </p:nvSpPr>
+        <p:spPr>
+          <a:xfrm>
+            <a:off x="8055343" y="4929225"/>
+            <a:ext cx="1457750" cy="391684"/>
+          </a:xfrm>
+          <a:prstGeom prst="rect">
+            <a:avLst/>
+          </a:prstGeom>
+        </p:spPr>
+        <p:style>
+          <a:lnRef idx="2">
+            <a:schemeClr val="accent1">
+              <a:shade val="50000"/>
+            </a:schemeClr>
+          </a:lnRef>
+          <a:fillRef idx="1">
+            <a:schemeClr val="accent1"/>
+          </a:fillRef>
+          <a:effectRef idx="0">
+            <a:schemeClr val="accent1"/>
+          </a:effectRef>
+          <a:fontRef idx="minor">
+            <a:schemeClr val="lt1"/>
+          </a:fontRef>
+        </p:style>
+        <p:txBody>
+          <a:bodyPr rtlCol="0" anchor="ctr"/>
+          <a:lstStyle/>
+          <a:p>
+            <a:pPr algn="ctr"/>
+            <a:r>
+              <a:rPr lang="en-RS" b="1">
+                <a:latin typeface="Myriad Pro Light" panose="020B0403030403020204" pitchFamily="34" charset="0"/>
+              </a:rPr>
+              <a:t>UPDATE</a:t>
+            </a:r>
+          </a:p>
+        </p:txBody>
+      </p:sp>
+      <p:sp>
+        <p:nvSpPr>
+          <p:cNvPr id="56" name="TextBox 55">
+            <a:extLst>
+              <a:ext uri="{FF2B5EF4-FFF2-40B4-BE49-F238E27FC236}">
+                <a16:creationId xmlns:a16="http://schemas.microsoft.com/office/drawing/2014/main" id="{676D5632-382A-EA44-B2E0-67E2A714B966}"/>
+              </a:ext>
+            </a:extLst>
+          </p:cNvPr>
+          <p:cNvSpPr txBox="1"/>
+          <p:nvPr/>
+        </p:nvSpPr>
+        <p:spPr>
+          <a:xfrm>
+            <a:off x="8361058" y="4473892"/>
+            <a:ext cx="377026" cy="523220"/>
+          </a:xfrm>
+          <a:prstGeom prst="rect">
+            <a:avLst/>
+          </a:prstGeom>
+          <a:noFill/>
+        </p:spPr>
+        <p:txBody>
+          <a:bodyPr wrap="none" rtlCol="0">
+            <a:spAutoFit/>
+          </a:bodyPr>
+          <a:lstStyle/>
+          <a:p>
+            <a:r>
+              <a:rPr lang="en-RS" sz="2800" b="1">
+                <a:solidFill>
+                  <a:srgbClr val="C00000"/>
+                </a:solidFill>
+                <a:latin typeface="Myriad Pro Light" panose="020B0403030403020204" pitchFamily="34" charset="0"/>
+              </a:rPr>
+              <a:t>5</a:t>
+            </a:r>
+          </a:p>
+        </p:txBody>
+      </p:sp>
+      <p:cxnSp>
+        <p:nvCxnSpPr>
+          <p:cNvPr id="57" name="Straight Arrow Connector 56">
+            <a:extLst>
+              <a:ext uri="{FF2B5EF4-FFF2-40B4-BE49-F238E27FC236}">
+                <a16:creationId xmlns:a16="http://schemas.microsoft.com/office/drawing/2014/main" id="{6833D3C9-BF3A-AF47-A62D-9384CD6FC34E}"/>
+              </a:ext>
+            </a:extLst>
+          </p:cNvPr>
+          <p:cNvCxnSpPr>
+            <a:cxnSpLocks/>
+          </p:cNvCxnSpPr>
+          <p:nvPr/>
+        </p:nvCxnSpPr>
+        <p:spPr>
+          <a:xfrm>
+            <a:off x="7969576" y="6056464"/>
+            <a:ext cx="1681518" cy="0"/>
+          </a:xfrm>
+          <a:prstGeom prst="straightConnector1">
+            <a:avLst/>
+          </a:prstGeom>
+          <a:ln w="38100">
+            <a:solidFill>
+              <a:schemeClr val="accent6">
+                <a:lumMod val="75000"/>
+              </a:schemeClr>
+            </a:solidFill>
+            <a:tailEnd type="triangle" w="lg" len="lg"/>
+          </a:ln>
+        </p:spPr>
+        <p:style>
+          <a:lnRef idx="1">
+            <a:schemeClr val="accent1"/>
+          </a:lnRef>
+          <a:fillRef idx="0">
+            <a:schemeClr val="accent1"/>
+          </a:fillRef>
+          <a:effectRef idx="0">
+            <a:schemeClr val="accent1"/>
+          </a:effectRef>
+          <a:fontRef idx="minor">
+            <a:schemeClr val="tx1"/>
+          </a:fontRef>
+        </p:style>
+      </p:cxnSp>
+      <p:cxnSp>
+        <p:nvCxnSpPr>
+          <p:cNvPr id="58" name="Straight Connector 57">
+            <a:extLst>
+              <a:ext uri="{FF2B5EF4-FFF2-40B4-BE49-F238E27FC236}">
+                <a16:creationId xmlns:a16="http://schemas.microsoft.com/office/drawing/2014/main" id="{87FFD686-E349-E048-9650-3EBEB567A3D4}"/>
+              </a:ext>
+            </a:extLst>
+          </p:cNvPr>
+          <p:cNvCxnSpPr>
+            <a:cxnSpLocks/>
+          </p:cNvCxnSpPr>
+          <p:nvPr/>
+        </p:nvCxnSpPr>
+        <p:spPr>
+          <a:xfrm>
+            <a:off x="7969576" y="5928778"/>
+            <a:ext cx="0" cy="255373"/>
+          </a:xfrm>
+          <a:prstGeom prst="line">
+            <a:avLst/>
+          </a:prstGeom>
+          <a:ln w="38100">
+            <a:solidFill>
+              <a:schemeClr val="accent6">
+                <a:lumMod val="75000"/>
+              </a:schemeClr>
+            </a:solidFill>
+          </a:ln>
+        </p:spPr>
+        <p:style>
+          <a:lnRef idx="1">
+            <a:schemeClr val="accent1"/>
+          </a:lnRef>
+          <a:fillRef idx="0">
+            <a:schemeClr val="accent1"/>
+          </a:fillRef>
+          <a:effectRef idx="0">
+            <a:schemeClr val="accent1"/>
+          </a:effectRef>
+          <a:fontRef idx="minor">
+            <a:schemeClr val="tx1"/>
+          </a:fontRef>
+        </p:style>
+      </p:cxnSp>
+      <p:cxnSp>
+        <p:nvCxnSpPr>
+          <p:cNvPr id="59" name="Straight Connector 58">
+            <a:extLst>
+              <a:ext uri="{FF2B5EF4-FFF2-40B4-BE49-F238E27FC236}">
+                <a16:creationId xmlns:a16="http://schemas.microsoft.com/office/drawing/2014/main" id="{60B45EFA-D2EF-2D46-BAA1-8CAC22C8FB03}"/>
+              </a:ext>
+            </a:extLst>
+          </p:cNvPr>
+          <p:cNvCxnSpPr>
+            <a:cxnSpLocks/>
+          </p:cNvCxnSpPr>
+          <p:nvPr/>
+        </p:nvCxnSpPr>
+        <p:spPr>
+          <a:xfrm>
+            <a:off x="9651094" y="5941010"/>
+            <a:ext cx="0" cy="255373"/>
+          </a:xfrm>
+          <a:prstGeom prst="line">
+            <a:avLst/>
+          </a:prstGeom>
+          <a:ln w="38100">
+            <a:solidFill>
+              <a:schemeClr val="accent6">
+                <a:lumMod val="75000"/>
+              </a:schemeClr>
+            </a:solidFill>
+          </a:ln>
+        </p:spPr>
+        <p:style>
+          <a:lnRef idx="1">
+            <a:schemeClr val="accent1"/>
+          </a:lnRef>
+          <a:fillRef idx="0">
+            <a:schemeClr val="accent1"/>
+          </a:fillRef>
+          <a:effectRef idx="0">
+            <a:schemeClr val="accent1"/>
+          </a:effectRef>
+          <a:fontRef idx="minor">
+            <a:schemeClr val="tx1"/>
+          </a:fontRef>
+        </p:style>
+      </p:cxnSp>
+      <p:sp>
+        <p:nvSpPr>
+          <p:cNvPr id="60" name="TextBox 59">
+            <a:extLst>
+              <a:ext uri="{FF2B5EF4-FFF2-40B4-BE49-F238E27FC236}">
+                <a16:creationId xmlns:a16="http://schemas.microsoft.com/office/drawing/2014/main" id="{51EFB39C-70BF-3347-8064-53C0D236A2AF}"/>
+              </a:ext>
+            </a:extLst>
+          </p:cNvPr>
+          <p:cNvSpPr txBox="1"/>
+          <p:nvPr/>
+        </p:nvSpPr>
+        <p:spPr>
+          <a:xfrm>
+            <a:off x="8507427" y="5734076"/>
+            <a:ext cx="420308" cy="369332"/>
+          </a:xfrm>
+          <a:prstGeom prst="rect">
+            <a:avLst/>
+          </a:prstGeom>
+          <a:noFill/>
+        </p:spPr>
+        <p:txBody>
+          <a:bodyPr wrap="none" rtlCol="0">
+            <a:spAutoFit/>
+          </a:bodyPr>
+          <a:lstStyle/>
+          <a:p>
+            <a:r>
+              <a:rPr lang="en-RS" b="1">
+                <a:solidFill>
+                  <a:schemeClr val="accent6">
+                    <a:lumMod val="75000"/>
+                  </a:schemeClr>
+                </a:solidFill>
+                <a:latin typeface="Myriad Pro Light" panose="020B0403030403020204" pitchFamily="34" charset="0"/>
+              </a:rPr>
+              <a:t>Tx</a:t>
+            </a:r>
+          </a:p>
+        </p:txBody>
+      </p:sp>
+    </p:spTree>
+    <p:extLst>
+      <p:ext uri="{BB962C8B-B14F-4D97-AF65-F5344CB8AC3E}">
+        <p14:creationId xmlns:p14="http://schemas.microsoft.com/office/powerpoint/2010/main" val="3311530147"/>
+      </p:ext>
+    </p:extLst>
+  </p:cSld>
+  <p:clrMapOvr>
+    <a:masterClrMapping/>
+  </p:clrMapOvr>
+</p:sld>
+</file>
+
 <file path=ppt/slides/slide2.xml><?xml version="1.0" encoding="utf-8"?>
 <p:sld xmlns:a="http://schemas.openxmlformats.org/drawingml/2006/main" xmlns:r="http://schemas.openxmlformats.org/officeDocument/2006/relationships" xmlns:p="http://schemas.openxmlformats.org/presentationml/2006/main">
   <p:cSld>
@@ -8146,10 +12510,10 @@
       </p:grpSpPr>
       <p:sp>
         <p:nvSpPr>
-          <p:cNvPr id="4" name="TextBox 3">
-            <a:extLst>
-              <a:ext uri="{FF2B5EF4-FFF2-40B4-BE49-F238E27FC236}">
-                <a16:creationId xmlns:a16="http://schemas.microsoft.com/office/drawing/2014/main" id="{907B1718-8761-7240-B7EB-B2CFF277E6A3}"/>
+          <p:cNvPr id="2" name="TextBox 1">
+            <a:extLst>
+              <a:ext uri="{FF2B5EF4-FFF2-40B4-BE49-F238E27FC236}">
+                <a16:creationId xmlns:a16="http://schemas.microsoft.com/office/drawing/2014/main" id="{3644231C-430A-C34A-AD93-86C7C8CA184D}"/>
               </a:ext>
             </a:extLst>
           </p:cNvPr>
@@ -8195,58 +12559,319 @@
           </a:p>
         </p:txBody>
       </p:sp>
-      <p:cxnSp>
-        <p:nvCxnSpPr>
-          <p:cNvPr id="3" name="Straight Arrow Connector 2">
-            <a:extLst>
-              <a:ext uri="{FF2B5EF4-FFF2-40B4-BE49-F238E27FC236}">
-                <a16:creationId xmlns:a16="http://schemas.microsoft.com/office/drawing/2014/main" id="{DAE367D8-F979-CE4E-BED0-815E4A65B59C}"/>
-              </a:ext>
-            </a:extLst>
-          </p:cNvPr>
-          <p:cNvCxnSpPr>
-            <a:cxnSpLocks/>
-          </p:cNvCxnSpPr>
-          <p:nvPr/>
-        </p:nvCxnSpPr>
-        <p:spPr>
-          <a:xfrm>
-            <a:off x="1214082" y="1337617"/>
-            <a:ext cx="9261431" cy="0"/>
-          </a:xfrm>
-          <a:prstGeom prst="straightConnector1">
-            <a:avLst/>
-          </a:prstGeom>
-          <a:ln w="38100">
+      <p:pic>
+        <p:nvPicPr>
+          <p:cNvPr id="4" name="Graphic 3">
+            <a:extLst>
+              <a:ext uri="{FF2B5EF4-FFF2-40B4-BE49-F238E27FC236}">
+                <a16:creationId xmlns:a16="http://schemas.microsoft.com/office/drawing/2014/main" id="{F40467E2-ACB0-DA49-B112-FE6F8092DAF2}"/>
+              </a:ext>
+            </a:extLst>
+          </p:cNvPr>
+          <p:cNvPicPr>
+            <a:picLocks noChangeAspect="1"/>
+          </p:cNvPicPr>
+          <p:nvPr/>
+        </p:nvPicPr>
+        <p:blipFill>
+          <a:blip r:embed="rId2">
+            <a:extLst>
+              <a:ext uri="{96DAC541-7B7A-43D3-8B79-37D633B846F1}">
+                <asvg:svgBlip xmlns:asvg="http://schemas.microsoft.com/office/drawing/2016/SVG/main" r:embed="rId3"/>
+              </a:ext>
+            </a:extLst>
+          </a:blip>
+          <a:stretch>
+            <a:fillRect/>
+          </a:stretch>
+        </p:blipFill>
+        <p:spPr>
+          <a:xfrm>
+            <a:off x="2648896" y="2507632"/>
+            <a:ext cx="2467853" cy="1842736"/>
+          </a:xfrm>
+          <a:prstGeom prst="rect">
+            <a:avLst/>
+          </a:prstGeom>
+        </p:spPr>
+      </p:pic>
+      <p:pic>
+        <p:nvPicPr>
+          <p:cNvPr id="5" name="Graphic 4">
+            <a:extLst>
+              <a:ext uri="{FF2B5EF4-FFF2-40B4-BE49-F238E27FC236}">
+                <a16:creationId xmlns:a16="http://schemas.microsoft.com/office/drawing/2014/main" id="{F3FD7091-381A-1243-B5FD-DBD8B23E8B7A}"/>
+              </a:ext>
+            </a:extLst>
+          </p:cNvPr>
+          <p:cNvPicPr>
+            <a:picLocks noChangeAspect="1"/>
+          </p:cNvPicPr>
+          <p:nvPr/>
+        </p:nvPicPr>
+        <p:blipFill>
+          <a:blip r:embed="rId2">
+            <a:extLst>
+              <a:ext uri="{96DAC541-7B7A-43D3-8B79-37D633B846F1}">
+                <asvg:svgBlip xmlns:asvg="http://schemas.microsoft.com/office/drawing/2016/SVG/main" r:embed="rId3"/>
+              </a:ext>
+            </a:extLst>
+          </a:blip>
+          <a:stretch>
+            <a:fillRect/>
+          </a:stretch>
+        </p:blipFill>
+        <p:spPr>
+          <a:xfrm>
+            <a:off x="6711815" y="2507632"/>
+            <a:ext cx="2467853" cy="1842736"/>
+          </a:xfrm>
+          <a:prstGeom prst="rect">
+            <a:avLst/>
+          </a:prstGeom>
+        </p:spPr>
+      </p:pic>
+      <p:sp>
+        <p:nvSpPr>
+          <p:cNvPr id="6" name="TextBox 5">
+            <a:extLst>
+              <a:ext uri="{FF2B5EF4-FFF2-40B4-BE49-F238E27FC236}">
+                <a16:creationId xmlns:a16="http://schemas.microsoft.com/office/drawing/2014/main" id="{DBBC81C8-91D8-4942-B706-6D413C4D4FFC}"/>
+              </a:ext>
+            </a:extLst>
+          </p:cNvPr>
+          <p:cNvSpPr txBox="1"/>
+          <p:nvPr/>
+        </p:nvSpPr>
+        <p:spPr>
+          <a:xfrm>
+            <a:off x="204281" y="924127"/>
+            <a:ext cx="7119257" cy="369332"/>
+          </a:xfrm>
+          <a:prstGeom prst="rect">
+            <a:avLst/>
+          </a:prstGeom>
+          <a:noFill/>
+        </p:spPr>
+        <p:txBody>
+          <a:bodyPr wrap="none" rtlCol="0">
+            <a:spAutoFit/>
+          </a:bodyPr>
+          <a:lstStyle/>
+          <a:p>
+            <a:r>
+              <a:rPr lang="en-RS">
+                <a:latin typeface="Myriad Pro" panose="020B0503030403020204" pitchFamily="34" charset="0"/>
+              </a:rPr>
+              <a:t>Situacija u banci: dva </a:t>
+            </a:r>
+            <a:r>
+              <a:rPr lang="sr-Latn-RS">
+                <a:latin typeface="Myriad Pro" panose="020B0503030403020204" pitchFamily="34" charset="0"/>
+              </a:rPr>
+              <a:t>istovremeno dostupna šaltera, dolazi jedan klijent...</a:t>
+            </a:r>
+            <a:endParaRPr lang="en-RS">
+              <a:latin typeface="Myriad Pro" panose="020B0503030403020204" pitchFamily="34" charset="0"/>
+            </a:endParaRPr>
+          </a:p>
+        </p:txBody>
+      </p:sp>
+    </p:spTree>
+    <p:extLst>
+      <p:ext uri="{BB962C8B-B14F-4D97-AF65-F5344CB8AC3E}">
+        <p14:creationId xmlns:p14="http://schemas.microsoft.com/office/powerpoint/2010/main" val="3390119349"/>
+      </p:ext>
+    </p:extLst>
+  </p:cSld>
+  <p:clrMapOvr>
+    <a:masterClrMapping/>
+  </p:clrMapOvr>
+</p:sld>
+</file>
+
+<file path=ppt/slides/slide7.xml><?xml version="1.0" encoding="utf-8"?>
+<p:sld xmlns:a="http://schemas.openxmlformats.org/drawingml/2006/main" xmlns:r="http://schemas.openxmlformats.org/officeDocument/2006/relationships" xmlns:p="http://schemas.openxmlformats.org/presentationml/2006/main">
+  <p:cSld>
+    <p:spTree>
+      <p:nvGrpSpPr>
+        <p:cNvPr id="1" name=""/>
+        <p:cNvGrpSpPr/>
+        <p:nvPr/>
+      </p:nvGrpSpPr>
+      <p:grpSpPr>
+        <a:xfrm>
+          <a:off x="0" y="0"/>
+          <a:ext cx="0" cy="0"/>
+          <a:chOff x="0" y="0"/>
+          <a:chExt cx="0" cy="0"/>
+        </a:xfrm>
+      </p:grpSpPr>
+      <p:sp>
+        <p:nvSpPr>
+          <p:cNvPr id="2" name="TextBox 1">
+            <a:extLst>
+              <a:ext uri="{FF2B5EF4-FFF2-40B4-BE49-F238E27FC236}">
+                <a16:creationId xmlns:a16="http://schemas.microsoft.com/office/drawing/2014/main" id="{3644231C-430A-C34A-AD93-86C7C8CA184D}"/>
+              </a:ext>
+            </a:extLst>
+          </p:cNvPr>
+          <p:cNvSpPr txBox="1"/>
+          <p:nvPr/>
+        </p:nvSpPr>
+        <p:spPr>
+          <a:xfrm>
+            <a:off x="0" y="0"/>
+            <a:ext cx="12192000" cy="646331"/>
+          </a:xfrm>
+          <a:prstGeom prst="rect">
+            <a:avLst/>
+          </a:prstGeom>
+          <a:solidFill>
+            <a:schemeClr val="accent1">
+              <a:lumMod val="75000"/>
+            </a:schemeClr>
+          </a:solidFill>
+          <a:ln>
             <a:solidFill>
               <a:schemeClr val="accent1">
                 <a:lumMod val="75000"/>
               </a:schemeClr>
             </a:solidFill>
-            <a:tailEnd type="triangle" w="lg" len="lg"/>
           </a:ln>
         </p:spPr>
-        <p:style>
-          <a:lnRef idx="1">
-            <a:schemeClr val="accent1"/>
-          </a:lnRef>
-          <a:fillRef idx="0">
-            <a:schemeClr val="accent1"/>
-          </a:fillRef>
-          <a:effectRef idx="0">
-            <a:schemeClr val="accent1"/>
-          </a:effectRef>
-          <a:fontRef idx="minor">
-            <a:schemeClr val="tx1"/>
-          </a:fontRef>
-        </p:style>
-      </p:cxnSp>
-      <p:sp>
-        <p:nvSpPr>
-          <p:cNvPr id="6" name="TextBox 5">
-            <a:extLst>
-              <a:ext uri="{FF2B5EF4-FFF2-40B4-BE49-F238E27FC236}">
-                <a16:creationId xmlns:a16="http://schemas.microsoft.com/office/drawing/2014/main" id="{0D5CA038-C564-384E-992F-8BE26843C162}"/>
+        <p:txBody>
+          <a:bodyPr wrap="square" rtlCol="0">
+            <a:spAutoFit/>
+          </a:bodyPr>
+          <a:lstStyle/>
+          <a:p>
+            <a:r>
+              <a:rPr lang="en-US" sz="3600" b="1">
+                <a:solidFill>
+                  <a:schemeClr val="bg1"/>
+                </a:solidFill>
+                <a:latin typeface="Myriad Pro Light" panose="020B0403030403020204" pitchFamily="34" charset="0"/>
+              </a:rPr>
+              <a:t>Optimističko zaključavanje</a:t>
+            </a:r>
+          </a:p>
+        </p:txBody>
+      </p:sp>
+      <p:pic>
+        <p:nvPicPr>
+          <p:cNvPr id="4" name="Graphic 3">
+            <a:extLst>
+              <a:ext uri="{FF2B5EF4-FFF2-40B4-BE49-F238E27FC236}">
+                <a16:creationId xmlns:a16="http://schemas.microsoft.com/office/drawing/2014/main" id="{F40467E2-ACB0-DA49-B112-FE6F8092DAF2}"/>
+              </a:ext>
+            </a:extLst>
+          </p:cNvPr>
+          <p:cNvPicPr>
+            <a:picLocks noChangeAspect="1"/>
+          </p:cNvPicPr>
+          <p:nvPr/>
+        </p:nvPicPr>
+        <p:blipFill>
+          <a:blip r:embed="rId2">
+            <a:extLst>
+              <a:ext uri="{96DAC541-7B7A-43D3-8B79-37D633B846F1}">
+                <asvg:svgBlip xmlns:asvg="http://schemas.microsoft.com/office/drawing/2016/SVG/main" r:embed="rId3"/>
+              </a:ext>
+            </a:extLst>
+          </a:blip>
+          <a:stretch>
+            <a:fillRect/>
+          </a:stretch>
+        </p:blipFill>
+        <p:spPr>
+          <a:xfrm>
+            <a:off x="2648896" y="2507632"/>
+            <a:ext cx="2467853" cy="1842736"/>
+          </a:xfrm>
+          <a:prstGeom prst="rect">
+            <a:avLst/>
+          </a:prstGeom>
+        </p:spPr>
+      </p:pic>
+      <p:pic>
+        <p:nvPicPr>
+          <p:cNvPr id="5" name="Graphic 4">
+            <a:extLst>
+              <a:ext uri="{FF2B5EF4-FFF2-40B4-BE49-F238E27FC236}">
+                <a16:creationId xmlns:a16="http://schemas.microsoft.com/office/drawing/2014/main" id="{F3FD7091-381A-1243-B5FD-DBD8B23E8B7A}"/>
+              </a:ext>
+            </a:extLst>
+          </p:cNvPr>
+          <p:cNvPicPr>
+            <a:picLocks noChangeAspect="1"/>
+          </p:cNvPicPr>
+          <p:nvPr/>
+        </p:nvPicPr>
+        <p:blipFill>
+          <a:blip r:embed="rId2">
+            <a:extLst>
+              <a:ext uri="{96DAC541-7B7A-43D3-8B79-37D633B846F1}">
+                <asvg:svgBlip xmlns:asvg="http://schemas.microsoft.com/office/drawing/2016/SVG/main" r:embed="rId3"/>
+              </a:ext>
+            </a:extLst>
+          </a:blip>
+          <a:stretch>
+            <a:fillRect/>
+          </a:stretch>
+        </p:blipFill>
+        <p:spPr>
+          <a:xfrm>
+            <a:off x="6711815" y="2507632"/>
+            <a:ext cx="2467853" cy="1842736"/>
+          </a:xfrm>
+          <a:prstGeom prst="rect">
+            <a:avLst/>
+          </a:prstGeom>
+        </p:spPr>
+      </p:pic>
+      <p:pic>
+        <p:nvPicPr>
+          <p:cNvPr id="8" name="Graphic 7">
+            <a:extLst>
+              <a:ext uri="{FF2B5EF4-FFF2-40B4-BE49-F238E27FC236}">
+                <a16:creationId xmlns:a16="http://schemas.microsoft.com/office/drawing/2014/main" id="{D8D2772E-1512-1547-93FE-1C90748E0203}"/>
+              </a:ext>
+            </a:extLst>
+          </p:cNvPr>
+          <p:cNvPicPr>
+            <a:picLocks noChangeAspect="1"/>
+          </p:cNvPicPr>
+          <p:nvPr/>
+        </p:nvPicPr>
+        <p:blipFill>
+          <a:blip r:embed="rId4">
+            <a:extLst>
+              <a:ext uri="{96DAC541-7B7A-43D3-8B79-37D633B846F1}">
+                <asvg:svgBlip xmlns:asvg="http://schemas.microsoft.com/office/drawing/2016/SVG/main" r:embed="rId5"/>
+              </a:ext>
+            </a:extLst>
+          </a:blip>
+          <a:stretch>
+            <a:fillRect/>
+          </a:stretch>
+        </p:blipFill>
+        <p:spPr>
+          <a:xfrm>
+            <a:off x="2648896" y="2507632"/>
+            <a:ext cx="2467853" cy="2114526"/>
+          </a:xfrm>
+          <a:prstGeom prst="rect">
+            <a:avLst/>
+          </a:prstGeom>
+        </p:spPr>
+      </p:pic>
+      <p:sp>
+        <p:nvSpPr>
+          <p:cNvPr id="9" name="TextBox 8">
+            <a:extLst>
+              <a:ext uri="{FF2B5EF4-FFF2-40B4-BE49-F238E27FC236}">
+                <a16:creationId xmlns:a16="http://schemas.microsoft.com/office/drawing/2014/main" id="{2CEDA9B3-B422-E94D-98D3-4125D51615A0}"/>
               </a:ext>
             </a:extLst>
           </p:cNvPr>
@@ -8255,8 +12880,8 @@
         </p:nvSpPr>
         <p:spPr>
           <a:xfrm>
-            <a:off x="5559635" y="691286"/>
-            <a:ext cx="1552028" cy="584775"/>
+            <a:off x="1652604" y="4979880"/>
+            <a:ext cx="3852337" cy="707886"/>
           </a:xfrm>
           <a:prstGeom prst="rect">
             <a:avLst/>
@@ -8270,113 +12895,41 @@
           <a:lstStyle/>
           <a:p>
             <a:r>
-              <a:rPr lang="en-RS" sz="3200" b="1">
-                <a:solidFill>
-                  <a:schemeClr val="accent1">
-                    <a:lumMod val="75000"/>
-                  </a:schemeClr>
-                </a:solidFill>
-                <a:latin typeface="Myriad Pro Light" panose="020B0403030403020204" pitchFamily="34" charset="0"/>
-              </a:rPr>
-              <a:t>Sesija A</a:t>
-            </a:r>
-          </a:p>
-        </p:txBody>
-      </p:sp>
-      <p:cxnSp>
-        <p:nvCxnSpPr>
-          <p:cNvPr id="7" name="Straight Arrow Connector 6">
-            <a:extLst>
-              <a:ext uri="{FF2B5EF4-FFF2-40B4-BE49-F238E27FC236}">
-                <a16:creationId xmlns:a16="http://schemas.microsoft.com/office/drawing/2014/main" id="{F9AC25A1-09F4-4340-8469-9191DAC63AE4}"/>
-              </a:ext>
-            </a:extLst>
-          </p:cNvPr>
-          <p:cNvCxnSpPr>
-            <a:cxnSpLocks/>
-          </p:cNvCxnSpPr>
-          <p:nvPr/>
-        </p:nvCxnSpPr>
-        <p:spPr>
-          <a:xfrm>
-            <a:off x="1194361" y="6280659"/>
-            <a:ext cx="9275445" cy="0"/>
-          </a:xfrm>
-          <a:prstGeom prst="straightConnector1">
-            <a:avLst/>
-          </a:prstGeom>
-          <a:ln w="38100">
-            <a:solidFill>
-              <a:schemeClr val="accent1">
-                <a:lumMod val="75000"/>
-              </a:schemeClr>
-            </a:solidFill>
-            <a:tailEnd type="triangle" w="lg" len="lg"/>
-          </a:ln>
-        </p:spPr>
-        <p:style>
-          <a:lnRef idx="1">
-            <a:schemeClr val="accent1"/>
-          </a:lnRef>
-          <a:fillRef idx="0">
-            <a:schemeClr val="accent1"/>
-          </a:fillRef>
-          <a:effectRef idx="0">
-            <a:schemeClr val="accent1"/>
-          </a:effectRef>
-          <a:fontRef idx="minor">
-            <a:schemeClr val="tx1"/>
-          </a:fontRef>
-        </p:style>
-      </p:cxnSp>
-      <p:sp>
-        <p:nvSpPr>
-          <p:cNvPr id="8" name="TextBox 7">
-            <a:extLst>
-              <a:ext uri="{FF2B5EF4-FFF2-40B4-BE49-F238E27FC236}">
-                <a16:creationId xmlns:a16="http://schemas.microsoft.com/office/drawing/2014/main" id="{889DF298-CA37-C443-BD10-316450C059B6}"/>
-              </a:ext>
-            </a:extLst>
-          </p:cNvPr>
-          <p:cNvSpPr txBox="1"/>
-          <p:nvPr/>
-        </p:nvSpPr>
-        <p:spPr>
-          <a:xfrm>
-            <a:off x="5559635" y="6278203"/>
-            <a:ext cx="1526380" cy="584775"/>
-          </a:xfrm>
-          <a:prstGeom prst="rect">
-            <a:avLst/>
-          </a:prstGeom>
-          <a:noFill/>
-        </p:spPr>
-        <p:txBody>
-          <a:bodyPr wrap="none" rtlCol="0">
-            <a:spAutoFit/>
-          </a:bodyPr>
-          <a:lstStyle/>
-          <a:p>
-            <a:r>
-              <a:rPr lang="en-RS" sz="3200" b="1">
-                <a:solidFill>
-                  <a:schemeClr val="accent1">
-                    <a:lumMod val="75000"/>
-                  </a:schemeClr>
-                </a:solidFill>
-                <a:latin typeface="Myriad Pro Light" panose="020B0403030403020204" pitchFamily="34" charset="0"/>
-              </a:rPr>
-              <a:t>Sesija B</a:t>
-            </a:r>
-          </a:p>
-        </p:txBody>
-      </p:sp>
-      <p:sp>
-        <p:nvSpPr>
-          <p:cNvPr id="15" name="Rectangle 14">
-            <a:extLst>
-              <a:ext uri="{FF2B5EF4-FFF2-40B4-BE49-F238E27FC236}">
-                <a16:creationId xmlns:a16="http://schemas.microsoft.com/office/drawing/2014/main" id="{269D0B31-08FC-AE46-9FD4-DE17EB32D886}"/>
+              <a:rPr lang="en-RS" sz="2000">
+                <a:latin typeface="Consolas" panose="020B0609020204030204" pitchFamily="49" charset="0"/>
+                <a:cs typeface="Consolas" panose="020B0609020204030204" pitchFamily="49" charset="0"/>
+              </a:rPr>
+              <a:t>SELECT stanje FROM racuni</a:t>
+            </a:r>
+          </a:p>
+          <a:p>
+            <a:r>
+              <a:rPr lang="en-RS" sz="2000">
+                <a:latin typeface="Consolas" panose="020B0609020204030204" pitchFamily="49" charset="0"/>
+                <a:cs typeface="Consolas" panose="020B0609020204030204" pitchFamily="49" charset="0"/>
+              </a:rPr>
+              <a:t>  WHERE br_racuna</a:t>
+            </a:r>
+            <a:r>
+              <a:rPr lang="sr-Latn-RS" sz="2000">
+                <a:latin typeface="Consolas" panose="020B0609020204030204" pitchFamily="49" charset="0"/>
+                <a:cs typeface="Consolas" panose="020B0609020204030204" pitchFamily="49" charset="0"/>
+              </a:rPr>
+              <a:t>=1234567;</a:t>
+            </a:r>
+            <a:endParaRPr lang="en-RS" sz="2000">
+              <a:latin typeface="Consolas" panose="020B0609020204030204" pitchFamily="49" charset="0"/>
+              <a:cs typeface="Consolas" panose="020B0609020204030204" pitchFamily="49" charset="0"/>
+            </a:endParaRPr>
+          </a:p>
+        </p:txBody>
+      </p:sp>
+      <p:sp>
+        <p:nvSpPr>
+          <p:cNvPr id="10" name="Rounded Rectangular Callout 9">
+            <a:extLst>
+              <a:ext uri="{FF2B5EF4-FFF2-40B4-BE49-F238E27FC236}">
+                <a16:creationId xmlns:a16="http://schemas.microsoft.com/office/drawing/2014/main" id="{365C7CA1-DC6F-F24F-A393-5CC84AE1F7BD}"/>
               </a:ext>
             </a:extLst>
           </p:cNvPr>
@@ -8385,11 +12938,15 @@
         </p:nvSpPr>
         <p:spPr>
           <a:xfrm>
-            <a:off x="5759589" y="2328265"/>
-            <a:ext cx="1457750" cy="391684"/>
-          </a:xfrm>
-          <a:prstGeom prst="rect">
-            <a:avLst/>
+            <a:off x="767090" y="1293459"/>
+            <a:ext cx="2245242" cy="1243914"/>
+          </a:xfrm>
+          <a:prstGeom prst="wedgeRoundRectCallout">
+            <a:avLst>
+              <a:gd name="adj1" fmla="val 49771"/>
+              <a:gd name="adj2" fmla="val 65445"/>
+              <a:gd name="adj3" fmla="val 16667"/>
+            </a:avLst>
           </a:prstGeom>
         </p:spPr>
         <p:style>
@@ -8412,22 +12969,54 @@
           <a:bodyPr rtlCol="0" anchor="ctr"/>
           <a:lstStyle/>
           <a:p>
-            <a:pPr algn="ctr"/>
-            <a:r>
-              <a:rPr lang="en-RS" b="1">
-                <a:latin typeface="Myriad Pro Light" panose="020B0403030403020204" pitchFamily="34" charset="0"/>
-              </a:rPr>
-              <a:t>COMMIT</a:t>
-            </a:r>
-          </a:p>
-        </p:txBody>
-      </p:sp>
-      <p:sp>
-        <p:nvSpPr>
-          <p:cNvPr id="16" name="TextBox 15">
-            <a:extLst>
-              <a:ext uri="{FF2B5EF4-FFF2-40B4-BE49-F238E27FC236}">
-                <a16:creationId xmlns:a16="http://schemas.microsoft.com/office/drawing/2014/main" id="{7594550B-0930-A74D-BFB0-EA1888B64B5A}"/>
+            <a:r>
+              <a:rPr lang="sr-Latn-RS">
+                <a:latin typeface="Myriad Pro" panose="020B0503030403020204" pitchFamily="34" charset="0"/>
+              </a:rPr>
+              <a:t>koje je stanje na mom računu?</a:t>
+            </a:r>
+            <a:endParaRPr lang="en-RS">
+              <a:latin typeface="Myriad Pro" panose="020B0503030403020204" pitchFamily="34" charset="0"/>
+            </a:endParaRPr>
+          </a:p>
+        </p:txBody>
+      </p:sp>
+    </p:spTree>
+    <p:extLst>
+      <p:ext uri="{BB962C8B-B14F-4D97-AF65-F5344CB8AC3E}">
+        <p14:creationId xmlns:p14="http://schemas.microsoft.com/office/powerpoint/2010/main" val="747610404"/>
+      </p:ext>
+    </p:extLst>
+  </p:cSld>
+  <p:clrMapOvr>
+    <a:masterClrMapping/>
+  </p:clrMapOvr>
+</p:sld>
+</file>
+
+<file path=ppt/slides/slide8.xml><?xml version="1.0" encoding="utf-8"?>
+<p:sld xmlns:a="http://schemas.openxmlformats.org/drawingml/2006/main" xmlns:r="http://schemas.openxmlformats.org/officeDocument/2006/relationships" xmlns:p="http://schemas.openxmlformats.org/presentationml/2006/main">
+  <p:cSld>
+    <p:spTree>
+      <p:nvGrpSpPr>
+        <p:cNvPr id="1" name=""/>
+        <p:cNvGrpSpPr/>
+        <p:nvPr/>
+      </p:nvGrpSpPr>
+      <p:grpSpPr>
+        <a:xfrm>
+          <a:off x="0" y="0"/>
+          <a:ext cx="0" cy="0"/>
+          <a:chOff x="0" y="0"/>
+          <a:chExt cx="0" cy="0"/>
+        </a:xfrm>
+      </p:grpSpPr>
+      <p:sp>
+        <p:nvSpPr>
+          <p:cNvPr id="2" name="TextBox 1">
+            <a:extLst>
+              <a:ext uri="{FF2B5EF4-FFF2-40B4-BE49-F238E27FC236}">
+                <a16:creationId xmlns:a16="http://schemas.microsoft.com/office/drawing/2014/main" id="{3644231C-430A-C34A-AD93-86C7C8CA184D}"/>
               </a:ext>
             </a:extLst>
           </p:cNvPr>
@@ -8436,53 +13025,18 @@
         </p:nvSpPr>
         <p:spPr>
           <a:xfrm>
-            <a:off x="6065304" y="1872932"/>
-            <a:ext cx="377026" cy="523220"/>
+            <a:off x="0" y="0"/>
+            <a:ext cx="12192000" cy="646331"/>
           </a:xfrm>
           <a:prstGeom prst="rect">
             <a:avLst/>
           </a:prstGeom>
-          <a:noFill/>
-        </p:spPr>
-        <p:txBody>
-          <a:bodyPr wrap="none" rtlCol="0">
-            <a:spAutoFit/>
-          </a:bodyPr>
-          <a:lstStyle/>
-          <a:p>
-            <a:r>
-              <a:rPr lang="en-RS" sz="2800" b="1">
-                <a:solidFill>
-                  <a:srgbClr val="C00000"/>
-                </a:solidFill>
-                <a:latin typeface="Myriad Pro Light" panose="020B0403030403020204" pitchFamily="34" charset="0"/>
-              </a:rPr>
-              <a:t>4</a:t>
-            </a:r>
-          </a:p>
-        </p:txBody>
-      </p:sp>
-      <p:cxnSp>
-        <p:nvCxnSpPr>
-          <p:cNvPr id="18" name="Straight Connector 17">
-            <a:extLst>
-              <a:ext uri="{FF2B5EF4-FFF2-40B4-BE49-F238E27FC236}">
-                <a16:creationId xmlns:a16="http://schemas.microsoft.com/office/drawing/2014/main" id="{B367081D-D3F3-1740-8057-463E3BA51DD4}"/>
-              </a:ext>
-            </a:extLst>
-          </p:cNvPr>
-          <p:cNvCxnSpPr/>
-          <p:nvPr/>
-        </p:nvCxnSpPr>
-        <p:spPr>
-          <a:xfrm>
-            <a:off x="1214082" y="1122100"/>
-            <a:ext cx="0" cy="437939"/>
-          </a:xfrm>
-          <a:prstGeom prst="line">
-            <a:avLst/>
-          </a:prstGeom>
-          <a:ln w="38100">
+          <a:solidFill>
+            <a:schemeClr val="accent1">
+              <a:lumMod val="75000"/>
+            </a:schemeClr>
+          </a:solidFill>
+          <a:ln>
             <a:solidFill>
               <a:schemeClr val="accent1">
                 <a:lumMod val="75000"/>
@@ -8490,113 +13044,196 @@
             </a:solidFill>
           </a:ln>
         </p:spPr>
-        <p:style>
-          <a:lnRef idx="1">
-            <a:schemeClr val="accent1"/>
-          </a:lnRef>
-          <a:fillRef idx="0">
-            <a:schemeClr val="accent1"/>
-          </a:fillRef>
-          <a:effectRef idx="0">
-            <a:schemeClr val="accent1"/>
-          </a:effectRef>
-          <a:fontRef idx="minor">
-            <a:schemeClr val="tx1"/>
-          </a:fontRef>
-        </p:style>
-      </p:cxnSp>
-      <p:cxnSp>
-        <p:nvCxnSpPr>
-          <p:cNvPr id="19" name="Straight Connector 18">
-            <a:extLst>
-              <a:ext uri="{FF2B5EF4-FFF2-40B4-BE49-F238E27FC236}">
-                <a16:creationId xmlns:a16="http://schemas.microsoft.com/office/drawing/2014/main" id="{C3EFF11A-F124-E142-9B09-B9C01A7D564A}"/>
-              </a:ext>
-            </a:extLst>
-          </p:cNvPr>
-          <p:cNvCxnSpPr/>
-          <p:nvPr/>
-        </p:nvCxnSpPr>
-        <p:spPr>
-          <a:xfrm>
-            <a:off x="1185124" y="6059234"/>
-            <a:ext cx="0" cy="437939"/>
-          </a:xfrm>
-          <a:prstGeom prst="line">
-            <a:avLst/>
-          </a:prstGeom>
-          <a:ln w="38100">
-            <a:solidFill>
-              <a:schemeClr val="accent1">
-                <a:lumMod val="75000"/>
-              </a:schemeClr>
-            </a:solidFill>
-          </a:ln>
-        </p:spPr>
-        <p:style>
-          <a:lnRef idx="1">
-            <a:schemeClr val="accent1"/>
-          </a:lnRef>
-          <a:fillRef idx="0">
-            <a:schemeClr val="accent1"/>
-          </a:fillRef>
-          <a:effectRef idx="0">
-            <a:schemeClr val="accent1"/>
-          </a:effectRef>
-          <a:fontRef idx="minor">
-            <a:schemeClr val="tx1"/>
-          </a:fontRef>
-        </p:style>
-      </p:cxnSp>
-      <p:cxnSp>
-        <p:nvCxnSpPr>
-          <p:cNvPr id="20" name="Straight Connector 19">
-            <a:extLst>
-              <a:ext uri="{FF2B5EF4-FFF2-40B4-BE49-F238E27FC236}">
-                <a16:creationId xmlns:a16="http://schemas.microsoft.com/office/drawing/2014/main" id="{5F3CC795-87BA-F547-9E61-8D2239EE5F17}"/>
-              </a:ext>
-            </a:extLst>
-          </p:cNvPr>
-          <p:cNvCxnSpPr/>
-          <p:nvPr/>
-        </p:nvCxnSpPr>
-        <p:spPr>
-          <a:xfrm>
-            <a:off x="10486445" y="1118647"/>
-            <a:ext cx="0" cy="437939"/>
-          </a:xfrm>
-          <a:prstGeom prst="line">
-            <a:avLst/>
-          </a:prstGeom>
-          <a:ln w="38100">
-            <a:solidFill>
-              <a:schemeClr val="accent1">
-                <a:lumMod val="75000"/>
-              </a:schemeClr>
-            </a:solidFill>
-          </a:ln>
-        </p:spPr>
-        <p:style>
-          <a:lnRef idx="1">
-            <a:schemeClr val="accent1"/>
-          </a:lnRef>
-          <a:fillRef idx="0">
-            <a:schemeClr val="accent1"/>
-          </a:fillRef>
-          <a:effectRef idx="0">
-            <a:schemeClr val="accent1"/>
-          </a:effectRef>
-          <a:fontRef idx="minor">
-            <a:schemeClr val="tx1"/>
-          </a:fontRef>
-        </p:style>
-      </p:cxnSp>
-      <p:sp>
-        <p:nvSpPr>
-          <p:cNvPr id="25" name="Rectangle 24">
-            <a:extLst>
-              <a:ext uri="{FF2B5EF4-FFF2-40B4-BE49-F238E27FC236}">
-                <a16:creationId xmlns:a16="http://schemas.microsoft.com/office/drawing/2014/main" id="{AFD971F6-3E09-C54B-A51D-C459E493293B}"/>
+        <p:txBody>
+          <a:bodyPr wrap="square" rtlCol="0">
+            <a:spAutoFit/>
+          </a:bodyPr>
+          <a:lstStyle/>
+          <a:p>
+            <a:r>
+              <a:rPr lang="en-US" sz="3600" b="1">
+                <a:solidFill>
+                  <a:schemeClr val="bg1"/>
+                </a:solidFill>
+                <a:latin typeface="Myriad Pro Light" panose="020B0403030403020204" pitchFamily="34" charset="0"/>
+              </a:rPr>
+              <a:t>Optimističko zaključavanje</a:t>
+            </a:r>
+          </a:p>
+        </p:txBody>
+      </p:sp>
+      <p:pic>
+        <p:nvPicPr>
+          <p:cNvPr id="4" name="Graphic 3">
+            <a:extLst>
+              <a:ext uri="{FF2B5EF4-FFF2-40B4-BE49-F238E27FC236}">
+                <a16:creationId xmlns:a16="http://schemas.microsoft.com/office/drawing/2014/main" id="{F40467E2-ACB0-DA49-B112-FE6F8092DAF2}"/>
+              </a:ext>
+            </a:extLst>
+          </p:cNvPr>
+          <p:cNvPicPr>
+            <a:picLocks noChangeAspect="1"/>
+          </p:cNvPicPr>
+          <p:nvPr/>
+        </p:nvPicPr>
+        <p:blipFill>
+          <a:blip r:embed="rId2">
+            <a:extLst>
+              <a:ext uri="{96DAC541-7B7A-43D3-8B79-37D633B846F1}">
+                <asvg:svgBlip xmlns:asvg="http://schemas.microsoft.com/office/drawing/2016/SVG/main" r:embed="rId3"/>
+              </a:ext>
+            </a:extLst>
+          </a:blip>
+          <a:stretch>
+            <a:fillRect/>
+          </a:stretch>
+        </p:blipFill>
+        <p:spPr>
+          <a:xfrm>
+            <a:off x="2648896" y="2507632"/>
+            <a:ext cx="2467853" cy="1842736"/>
+          </a:xfrm>
+          <a:prstGeom prst="rect">
+            <a:avLst/>
+          </a:prstGeom>
+        </p:spPr>
+      </p:pic>
+      <p:pic>
+        <p:nvPicPr>
+          <p:cNvPr id="5" name="Graphic 4">
+            <a:extLst>
+              <a:ext uri="{FF2B5EF4-FFF2-40B4-BE49-F238E27FC236}">
+                <a16:creationId xmlns:a16="http://schemas.microsoft.com/office/drawing/2014/main" id="{F3FD7091-381A-1243-B5FD-DBD8B23E8B7A}"/>
+              </a:ext>
+            </a:extLst>
+          </p:cNvPr>
+          <p:cNvPicPr>
+            <a:picLocks noChangeAspect="1"/>
+          </p:cNvPicPr>
+          <p:nvPr/>
+        </p:nvPicPr>
+        <p:blipFill>
+          <a:blip r:embed="rId2">
+            <a:extLst>
+              <a:ext uri="{96DAC541-7B7A-43D3-8B79-37D633B846F1}">
+                <asvg:svgBlip xmlns:asvg="http://schemas.microsoft.com/office/drawing/2016/SVG/main" r:embed="rId3"/>
+              </a:ext>
+            </a:extLst>
+          </a:blip>
+          <a:stretch>
+            <a:fillRect/>
+          </a:stretch>
+        </p:blipFill>
+        <p:spPr>
+          <a:xfrm>
+            <a:off x="6711815" y="2507632"/>
+            <a:ext cx="2467853" cy="1842736"/>
+          </a:xfrm>
+          <a:prstGeom prst="rect">
+            <a:avLst/>
+          </a:prstGeom>
+        </p:spPr>
+      </p:pic>
+      <p:pic>
+        <p:nvPicPr>
+          <p:cNvPr id="8" name="Graphic 7">
+            <a:extLst>
+              <a:ext uri="{FF2B5EF4-FFF2-40B4-BE49-F238E27FC236}">
+                <a16:creationId xmlns:a16="http://schemas.microsoft.com/office/drawing/2014/main" id="{D8D2772E-1512-1547-93FE-1C90748E0203}"/>
+              </a:ext>
+            </a:extLst>
+          </p:cNvPr>
+          <p:cNvPicPr>
+            <a:picLocks noChangeAspect="1"/>
+          </p:cNvPicPr>
+          <p:nvPr/>
+        </p:nvPicPr>
+        <p:blipFill>
+          <a:blip r:embed="rId4">
+            <a:extLst>
+              <a:ext uri="{96DAC541-7B7A-43D3-8B79-37D633B846F1}">
+                <asvg:svgBlip xmlns:asvg="http://schemas.microsoft.com/office/drawing/2016/SVG/main" r:embed="rId5"/>
+              </a:ext>
+            </a:extLst>
+          </a:blip>
+          <a:stretch>
+            <a:fillRect/>
+          </a:stretch>
+        </p:blipFill>
+        <p:spPr>
+          <a:xfrm>
+            <a:off x="6711814" y="2507632"/>
+            <a:ext cx="2467853" cy="2114526"/>
+          </a:xfrm>
+          <a:prstGeom prst="rect">
+            <a:avLst/>
+          </a:prstGeom>
+        </p:spPr>
+      </p:pic>
+      <p:sp>
+        <p:nvSpPr>
+          <p:cNvPr id="9" name="TextBox 8">
+            <a:extLst>
+              <a:ext uri="{FF2B5EF4-FFF2-40B4-BE49-F238E27FC236}">
+                <a16:creationId xmlns:a16="http://schemas.microsoft.com/office/drawing/2014/main" id="{2CEDA9B3-B422-E94D-98D3-4125D51615A0}"/>
+              </a:ext>
+            </a:extLst>
+          </p:cNvPr>
+          <p:cNvSpPr txBox="1"/>
+          <p:nvPr/>
+        </p:nvSpPr>
+        <p:spPr>
+          <a:xfrm>
+            <a:off x="6710631" y="4979880"/>
+            <a:ext cx="3852337" cy="707886"/>
+          </a:xfrm>
+          <a:prstGeom prst="rect">
+            <a:avLst/>
+          </a:prstGeom>
+          <a:noFill/>
+        </p:spPr>
+        <p:txBody>
+          <a:bodyPr wrap="none" rtlCol="0">
+            <a:spAutoFit/>
+          </a:bodyPr>
+          <a:lstStyle/>
+          <a:p>
+            <a:r>
+              <a:rPr lang="en-RS" sz="2000">
+                <a:latin typeface="Consolas" panose="020B0609020204030204" pitchFamily="49" charset="0"/>
+                <a:cs typeface="Consolas" panose="020B0609020204030204" pitchFamily="49" charset="0"/>
+              </a:rPr>
+              <a:t>SELECT stanje FROM racuni</a:t>
+            </a:r>
+          </a:p>
+          <a:p>
+            <a:r>
+              <a:rPr lang="en-RS" sz="2000">
+                <a:latin typeface="Consolas" panose="020B0609020204030204" pitchFamily="49" charset="0"/>
+                <a:cs typeface="Consolas" panose="020B0609020204030204" pitchFamily="49" charset="0"/>
+              </a:rPr>
+              <a:t>  WHERE br_racuna</a:t>
+            </a:r>
+            <a:r>
+              <a:rPr lang="sr-Latn-RS" sz="2000">
+                <a:latin typeface="Consolas" panose="020B0609020204030204" pitchFamily="49" charset="0"/>
+                <a:cs typeface="Consolas" panose="020B0609020204030204" pitchFamily="49" charset="0"/>
+              </a:rPr>
+              <a:t>=1234567;</a:t>
+            </a:r>
+            <a:endParaRPr lang="en-RS" sz="2000">
+              <a:latin typeface="Consolas" panose="020B0609020204030204" pitchFamily="49" charset="0"/>
+              <a:cs typeface="Consolas" panose="020B0609020204030204" pitchFamily="49" charset="0"/>
+            </a:endParaRPr>
+          </a:p>
+        </p:txBody>
+      </p:sp>
+      <p:sp>
+        <p:nvSpPr>
+          <p:cNvPr id="10" name="Rounded Rectangular Callout 9">
+            <a:extLst>
+              <a:ext uri="{FF2B5EF4-FFF2-40B4-BE49-F238E27FC236}">
+                <a16:creationId xmlns:a16="http://schemas.microsoft.com/office/drawing/2014/main" id="{9A2278EB-7E04-744B-BA3E-186E4B691137}"/>
               </a:ext>
             </a:extLst>
           </p:cNvPr>
@@ -8605,11 +13242,15 @@
         </p:nvSpPr>
         <p:spPr>
           <a:xfrm>
-            <a:off x="9576563" y="4922854"/>
-            <a:ext cx="1457750" cy="391684"/>
-          </a:xfrm>
-          <a:prstGeom prst="rect">
-            <a:avLst/>
+            <a:off x="4973379" y="1275843"/>
+            <a:ext cx="2245242" cy="1243914"/>
+          </a:xfrm>
+          <a:prstGeom prst="wedgeRoundRectCallout">
+            <a:avLst>
+              <a:gd name="adj1" fmla="val 49771"/>
+              <a:gd name="adj2" fmla="val 65445"/>
+              <a:gd name="adj3" fmla="val 16667"/>
+            </a:avLst>
           </a:prstGeom>
         </p:spPr>
         <p:style>
@@ -8632,62 +13273,24 @@
           <a:bodyPr rtlCol="0" anchor="ctr"/>
           <a:lstStyle/>
           <a:p>
-            <a:pPr algn="ctr"/>
-            <a:r>
-              <a:rPr lang="en-RS" b="1">
-                <a:latin typeface="Myriad Pro Light" panose="020B0403030403020204" pitchFamily="34" charset="0"/>
-              </a:rPr>
-              <a:t>COMMIT</a:t>
-            </a:r>
-          </a:p>
-        </p:txBody>
-      </p:sp>
-      <p:sp>
-        <p:nvSpPr>
-          <p:cNvPr id="26" name="TextBox 25">
-            <a:extLst>
-              <a:ext uri="{FF2B5EF4-FFF2-40B4-BE49-F238E27FC236}">
-                <a16:creationId xmlns:a16="http://schemas.microsoft.com/office/drawing/2014/main" id="{DFBB1786-9648-1448-BD10-6C3E8C9993F7}"/>
-              </a:ext>
-            </a:extLst>
-          </p:cNvPr>
-          <p:cNvSpPr txBox="1"/>
-          <p:nvPr/>
-        </p:nvSpPr>
-        <p:spPr>
-          <a:xfrm>
-            <a:off x="9882278" y="4477681"/>
-            <a:ext cx="377026" cy="523220"/>
-          </a:xfrm>
-          <a:prstGeom prst="rect">
-            <a:avLst/>
-          </a:prstGeom>
-          <a:noFill/>
-        </p:spPr>
-        <p:txBody>
-          <a:bodyPr wrap="none" rtlCol="0">
-            <a:spAutoFit/>
-          </a:bodyPr>
-          <a:lstStyle/>
-          <a:p>
-            <a:r>
-              <a:rPr lang="en-RS" sz="2800" b="1">
-                <a:solidFill>
-                  <a:srgbClr val="C00000"/>
-                </a:solidFill>
-                <a:latin typeface="Myriad Pro Light" panose="020B0403030403020204" pitchFamily="34" charset="0"/>
-              </a:rPr>
-              <a:t>6</a:t>
-            </a:r>
-          </a:p>
-        </p:txBody>
-      </p:sp>
-      <p:sp>
-        <p:nvSpPr>
-          <p:cNvPr id="28" name="Rectangle 27">
-            <a:extLst>
-              <a:ext uri="{FF2B5EF4-FFF2-40B4-BE49-F238E27FC236}">
-                <a16:creationId xmlns:a16="http://schemas.microsoft.com/office/drawing/2014/main" id="{D0252FA8-BC4E-2143-B620-77F75C36870E}"/>
+            <a:r>
+              <a:rPr lang="sr-Latn-RS">
+                <a:latin typeface="Myriad Pro" panose="020B0503030403020204" pitchFamily="34" charset="0"/>
+              </a:rPr>
+              <a:t>koje je stanje na mom računu?</a:t>
+            </a:r>
+            <a:endParaRPr lang="en-RS">
+              <a:latin typeface="Myriad Pro" panose="020B0503030403020204" pitchFamily="34" charset="0"/>
+            </a:endParaRPr>
+          </a:p>
+        </p:txBody>
+      </p:sp>
+      <p:sp>
+        <p:nvSpPr>
+          <p:cNvPr id="11" name="Curved Down Arrow 10">
+            <a:extLst>
+              <a:ext uri="{FF2B5EF4-FFF2-40B4-BE49-F238E27FC236}">
+                <a16:creationId xmlns:a16="http://schemas.microsoft.com/office/drawing/2014/main" id="{F67F27F8-96FE-994D-B37A-88B73127FF1E}"/>
               </a:ext>
             </a:extLst>
           </p:cNvPr>
@@ -8696,14 +13299,24 @@
         </p:nvSpPr>
         <p:spPr>
           <a:xfrm>
-            <a:off x="2433877" y="3302073"/>
-            <a:ext cx="700894" cy="700894"/>
-          </a:xfrm>
-          <a:prstGeom prst="rect">
-            <a:avLst/>
-          </a:prstGeom>
-          <a:noFill/>
-          <a:ln w="38100"/>
+            <a:off x="5292850" y="2970408"/>
+            <a:ext cx="1242862" cy="357722"/>
+          </a:xfrm>
+          <a:prstGeom prst="curvedDownArrow">
+            <a:avLst>
+              <a:gd name="adj1" fmla="val 25000"/>
+              <a:gd name="adj2" fmla="val 59285"/>
+              <a:gd name="adj3" fmla="val 50331"/>
+            </a:avLst>
+          </a:prstGeom>
+          <a:solidFill>
+            <a:schemeClr val="accent2"/>
+          </a:solidFill>
+          <a:ln>
+            <a:solidFill>
+              <a:schemeClr val="accent2"/>
+            </a:solidFill>
+          </a:ln>
         </p:spPr>
         <p:style>
           <a:lnRef idx="2">
@@ -8726,79 +13339,293 @@
           <a:lstStyle/>
           <a:p>
             <a:pPr algn="ctr"/>
-            <a:r>
-              <a:rPr lang="en-RS" b="1">
-                <a:ln>
-                  <a:solidFill>
-                    <a:schemeClr val="accent1">
-                      <a:lumMod val="75000"/>
-                    </a:schemeClr>
-                  </a:solidFill>
-                </a:ln>
-                <a:solidFill>
-                  <a:schemeClr val="accent1">
-                    <a:lumMod val="75000"/>
-                  </a:schemeClr>
-                </a:solidFill>
-                <a:latin typeface="Myriad Pro Light" panose="020B0403030403020204" pitchFamily="34" charset="0"/>
-              </a:rPr>
-              <a:t>D1</a:t>
-            </a:r>
-          </a:p>
-        </p:txBody>
-      </p:sp>
-      <p:cxnSp>
-        <p:nvCxnSpPr>
-          <p:cNvPr id="29" name="Straight Arrow Connector 28">
-            <a:extLst>
-              <a:ext uri="{FF2B5EF4-FFF2-40B4-BE49-F238E27FC236}">
-                <a16:creationId xmlns:a16="http://schemas.microsoft.com/office/drawing/2014/main" id="{4D750665-DBB6-0840-B7FB-CEA7AB4D4915}"/>
-              </a:ext>
-            </a:extLst>
-          </p:cNvPr>
-          <p:cNvCxnSpPr>
-            <a:cxnSpLocks/>
-          </p:cNvCxnSpPr>
-          <p:nvPr/>
-        </p:nvCxnSpPr>
-        <p:spPr>
-          <a:xfrm flipV="1">
-            <a:off x="2784324" y="4155440"/>
-            <a:ext cx="0" cy="1633816"/>
-          </a:xfrm>
-          <a:prstGeom prst="straightConnector1">
-            <a:avLst/>
-          </a:prstGeom>
-          <a:ln w="38100">
+            <a:endParaRPr lang="en-RS">
+              <a:solidFill>
+                <a:schemeClr val="tx1"/>
+              </a:solidFill>
+            </a:endParaRPr>
+          </a:p>
+        </p:txBody>
+      </p:sp>
+    </p:spTree>
+    <p:extLst>
+      <p:ext uri="{BB962C8B-B14F-4D97-AF65-F5344CB8AC3E}">
+        <p14:creationId xmlns:p14="http://schemas.microsoft.com/office/powerpoint/2010/main" val="2733216102"/>
+      </p:ext>
+    </p:extLst>
+  </p:cSld>
+  <p:clrMapOvr>
+    <a:masterClrMapping/>
+  </p:clrMapOvr>
+</p:sld>
+</file>
+
+<file path=ppt/slides/slide9.xml><?xml version="1.0" encoding="utf-8"?>
+<p:sld xmlns:a="http://schemas.openxmlformats.org/drawingml/2006/main" xmlns:r="http://schemas.openxmlformats.org/officeDocument/2006/relationships" xmlns:p="http://schemas.openxmlformats.org/presentationml/2006/main">
+  <p:cSld>
+    <p:spTree>
+      <p:nvGrpSpPr>
+        <p:cNvPr id="1" name=""/>
+        <p:cNvGrpSpPr/>
+        <p:nvPr/>
+      </p:nvGrpSpPr>
+      <p:grpSpPr>
+        <a:xfrm>
+          <a:off x="0" y="0"/>
+          <a:ext cx="0" cy="0"/>
+          <a:chOff x="0" y="0"/>
+          <a:chExt cx="0" cy="0"/>
+        </a:xfrm>
+      </p:grpSpPr>
+      <p:sp>
+        <p:nvSpPr>
+          <p:cNvPr id="2" name="TextBox 1">
+            <a:extLst>
+              <a:ext uri="{FF2B5EF4-FFF2-40B4-BE49-F238E27FC236}">
+                <a16:creationId xmlns:a16="http://schemas.microsoft.com/office/drawing/2014/main" id="{3644231C-430A-C34A-AD93-86C7C8CA184D}"/>
+              </a:ext>
+            </a:extLst>
+          </p:cNvPr>
+          <p:cNvSpPr txBox="1"/>
+          <p:nvPr/>
+        </p:nvSpPr>
+        <p:spPr>
+          <a:xfrm>
+            <a:off x="0" y="0"/>
+            <a:ext cx="12192000" cy="646331"/>
+          </a:xfrm>
+          <a:prstGeom prst="rect">
+            <a:avLst/>
+          </a:prstGeom>
+          <a:solidFill>
+            <a:schemeClr val="accent1">
+              <a:lumMod val="75000"/>
+            </a:schemeClr>
+          </a:solidFill>
+          <a:ln>
             <a:solidFill>
               <a:schemeClr val="accent1">
                 <a:lumMod val="75000"/>
               </a:schemeClr>
             </a:solidFill>
-            <a:tailEnd type="triangle"/>
           </a:ln>
         </p:spPr>
-        <p:style>
-          <a:lnRef idx="1">
-            <a:schemeClr val="accent1"/>
-          </a:lnRef>
-          <a:fillRef idx="0">
-            <a:schemeClr val="accent1"/>
-          </a:fillRef>
-          <a:effectRef idx="0">
-            <a:schemeClr val="accent1"/>
-          </a:effectRef>
-          <a:fontRef idx="minor">
-            <a:schemeClr val="tx1"/>
-          </a:fontRef>
-        </p:style>
-      </p:cxnSp>
-      <p:sp>
-        <p:nvSpPr>
-          <p:cNvPr id="30" name="Rectangle 29">
-            <a:extLst>
-              <a:ext uri="{FF2B5EF4-FFF2-40B4-BE49-F238E27FC236}">
-                <a16:creationId xmlns:a16="http://schemas.microsoft.com/office/drawing/2014/main" id="{7FBF86B7-2145-D44A-AE98-59E70378AEE4}"/>
+        <p:txBody>
+          <a:bodyPr wrap="square" rtlCol="0">
+            <a:spAutoFit/>
+          </a:bodyPr>
+          <a:lstStyle/>
+          <a:p>
+            <a:r>
+              <a:rPr lang="en-US" sz="3600" b="1">
+                <a:solidFill>
+                  <a:schemeClr val="bg1"/>
+                </a:solidFill>
+                <a:latin typeface="Myriad Pro Light" panose="020B0403030403020204" pitchFamily="34" charset="0"/>
+              </a:rPr>
+              <a:t>Optimističko zaključavanje</a:t>
+            </a:r>
+          </a:p>
+        </p:txBody>
+      </p:sp>
+      <p:pic>
+        <p:nvPicPr>
+          <p:cNvPr id="4" name="Graphic 3">
+            <a:extLst>
+              <a:ext uri="{FF2B5EF4-FFF2-40B4-BE49-F238E27FC236}">
+                <a16:creationId xmlns:a16="http://schemas.microsoft.com/office/drawing/2014/main" id="{F40467E2-ACB0-DA49-B112-FE6F8092DAF2}"/>
+              </a:ext>
+            </a:extLst>
+          </p:cNvPr>
+          <p:cNvPicPr>
+            <a:picLocks noChangeAspect="1"/>
+          </p:cNvPicPr>
+          <p:nvPr/>
+        </p:nvPicPr>
+        <p:blipFill>
+          <a:blip r:embed="rId2">
+            <a:extLst>
+              <a:ext uri="{96DAC541-7B7A-43D3-8B79-37D633B846F1}">
+                <asvg:svgBlip xmlns:asvg="http://schemas.microsoft.com/office/drawing/2016/SVG/main" r:embed="rId3"/>
+              </a:ext>
+            </a:extLst>
+          </a:blip>
+          <a:stretch>
+            <a:fillRect/>
+          </a:stretch>
+        </p:blipFill>
+        <p:spPr>
+          <a:xfrm>
+            <a:off x="2648896" y="2507632"/>
+            <a:ext cx="2467853" cy="1842736"/>
+          </a:xfrm>
+          <a:prstGeom prst="rect">
+            <a:avLst/>
+          </a:prstGeom>
+        </p:spPr>
+      </p:pic>
+      <p:pic>
+        <p:nvPicPr>
+          <p:cNvPr id="5" name="Graphic 4">
+            <a:extLst>
+              <a:ext uri="{FF2B5EF4-FFF2-40B4-BE49-F238E27FC236}">
+                <a16:creationId xmlns:a16="http://schemas.microsoft.com/office/drawing/2014/main" id="{F3FD7091-381A-1243-B5FD-DBD8B23E8B7A}"/>
+              </a:ext>
+            </a:extLst>
+          </p:cNvPr>
+          <p:cNvPicPr>
+            <a:picLocks noChangeAspect="1"/>
+          </p:cNvPicPr>
+          <p:nvPr/>
+        </p:nvPicPr>
+        <p:blipFill>
+          <a:blip r:embed="rId2">
+            <a:extLst>
+              <a:ext uri="{96DAC541-7B7A-43D3-8B79-37D633B846F1}">
+                <asvg:svgBlip xmlns:asvg="http://schemas.microsoft.com/office/drawing/2016/SVG/main" r:embed="rId3"/>
+              </a:ext>
+            </a:extLst>
+          </a:blip>
+          <a:stretch>
+            <a:fillRect/>
+          </a:stretch>
+        </p:blipFill>
+        <p:spPr>
+          <a:xfrm>
+            <a:off x="6711815" y="2507632"/>
+            <a:ext cx="2467853" cy="1842736"/>
+          </a:xfrm>
+          <a:prstGeom prst="rect">
+            <a:avLst/>
+          </a:prstGeom>
+        </p:spPr>
+      </p:pic>
+      <p:pic>
+        <p:nvPicPr>
+          <p:cNvPr id="8" name="Graphic 7">
+            <a:extLst>
+              <a:ext uri="{FF2B5EF4-FFF2-40B4-BE49-F238E27FC236}">
+                <a16:creationId xmlns:a16="http://schemas.microsoft.com/office/drawing/2014/main" id="{D8D2772E-1512-1547-93FE-1C90748E0203}"/>
+              </a:ext>
+            </a:extLst>
+          </p:cNvPr>
+          <p:cNvPicPr>
+            <a:picLocks noChangeAspect="1"/>
+          </p:cNvPicPr>
+          <p:nvPr/>
+        </p:nvPicPr>
+        <p:blipFill>
+          <a:blip r:embed="rId4">
+            <a:extLst>
+              <a:ext uri="{96DAC541-7B7A-43D3-8B79-37D633B846F1}">
+                <asvg:svgBlip xmlns:asvg="http://schemas.microsoft.com/office/drawing/2016/SVG/main" r:embed="rId5"/>
+              </a:ext>
+            </a:extLst>
+          </a:blip>
+          <a:stretch>
+            <a:fillRect/>
+          </a:stretch>
+        </p:blipFill>
+        <p:spPr>
+          <a:xfrm>
+            <a:off x="2648896" y="2507632"/>
+            <a:ext cx="2467853" cy="2114526"/>
+          </a:xfrm>
+          <a:prstGeom prst="rect">
+            <a:avLst/>
+          </a:prstGeom>
+        </p:spPr>
+      </p:pic>
+      <p:sp>
+        <p:nvSpPr>
+          <p:cNvPr id="9" name="TextBox 8">
+            <a:extLst>
+              <a:ext uri="{FF2B5EF4-FFF2-40B4-BE49-F238E27FC236}">
+                <a16:creationId xmlns:a16="http://schemas.microsoft.com/office/drawing/2014/main" id="{2CEDA9B3-B422-E94D-98D3-4125D51615A0}"/>
+              </a:ext>
+            </a:extLst>
+          </p:cNvPr>
+          <p:cNvSpPr txBox="1"/>
+          <p:nvPr/>
+        </p:nvSpPr>
+        <p:spPr>
+          <a:xfrm>
+            <a:off x="1652604" y="4979880"/>
+            <a:ext cx="3852337" cy="1015663"/>
+          </a:xfrm>
+          <a:prstGeom prst="rect">
+            <a:avLst/>
+          </a:prstGeom>
+          <a:noFill/>
+        </p:spPr>
+        <p:txBody>
+          <a:bodyPr wrap="none" rtlCol="0">
+            <a:spAutoFit/>
+          </a:bodyPr>
+          <a:lstStyle/>
+          <a:p>
+            <a:r>
+              <a:rPr lang="en-RS" sz="2000">
+                <a:latin typeface="Consolas" panose="020B0609020204030204" pitchFamily="49" charset="0"/>
+                <a:cs typeface="Consolas" panose="020B0609020204030204" pitchFamily="49" charset="0"/>
+              </a:rPr>
+              <a:t>SELECT stanje FROM racuni</a:t>
+            </a:r>
+          </a:p>
+          <a:p>
+            <a:r>
+              <a:rPr lang="en-RS" sz="2000">
+                <a:latin typeface="Consolas" panose="020B0609020204030204" pitchFamily="49" charset="0"/>
+                <a:cs typeface="Consolas" panose="020B0609020204030204" pitchFamily="49" charset="0"/>
+              </a:rPr>
+              <a:t>  WHERE br_racuna</a:t>
+            </a:r>
+            <a:r>
+              <a:rPr lang="sr-Latn-RS" sz="2000">
+                <a:latin typeface="Consolas" panose="020B0609020204030204" pitchFamily="49" charset="0"/>
+                <a:cs typeface="Consolas" panose="020B0609020204030204" pitchFamily="49" charset="0"/>
+              </a:rPr>
+              <a:t>=1234567;</a:t>
+            </a:r>
+          </a:p>
+          <a:p>
+            <a:r>
+              <a:rPr lang="sr-Latn-RS" sz="2000">
+                <a:solidFill>
+                  <a:srgbClr val="FF0000"/>
+                </a:solidFill>
+                <a:latin typeface="Consolas" panose="020B0609020204030204" pitchFamily="49" charset="0"/>
+                <a:cs typeface="Consolas" panose="020B0609020204030204" pitchFamily="49" charset="0"/>
+              </a:rPr>
+              <a:t>---</a:t>
+            </a:r>
+            <a:r>
+              <a:rPr lang="sr-Latn-RS" sz="2000">
+                <a:solidFill>
+                  <a:srgbClr val="FF0000"/>
+                </a:solidFill>
+                <a:latin typeface="Consolas" panose="020B0609020204030204" pitchFamily="49" charset="0"/>
+                <a:cs typeface="Consolas" panose="020B0609020204030204" pitchFamily="49" charset="0"/>
+                <a:sym typeface="Wingdings" pitchFamily="2" charset="2"/>
+              </a:rPr>
+              <a:t>&gt;  1000</a:t>
+            </a:r>
+            <a:endParaRPr lang="en-RS" sz="2000">
+              <a:solidFill>
+                <a:srgbClr val="FF0000"/>
+              </a:solidFill>
+              <a:latin typeface="Consolas" panose="020B0609020204030204" pitchFamily="49" charset="0"/>
+              <a:cs typeface="Consolas" panose="020B0609020204030204" pitchFamily="49" charset="0"/>
+            </a:endParaRPr>
+          </a:p>
+        </p:txBody>
+      </p:sp>
+      <p:sp>
+        <p:nvSpPr>
+          <p:cNvPr id="10" name="Rounded Rectangular Callout 9">
+            <a:extLst>
+              <a:ext uri="{FF2B5EF4-FFF2-40B4-BE49-F238E27FC236}">
+                <a16:creationId xmlns:a16="http://schemas.microsoft.com/office/drawing/2014/main" id="{8C1889A5-6128-9E47-8C21-98B34BB1DD90}"/>
               </a:ext>
             </a:extLst>
           </p:cNvPr>
@@ -8807,11 +13634,15 @@
         </p:nvSpPr>
         <p:spPr>
           <a:xfrm>
-            <a:off x="2101583" y="4929225"/>
-            <a:ext cx="1457750" cy="391684"/>
-          </a:xfrm>
-          <a:prstGeom prst="rect">
-            <a:avLst/>
+            <a:off x="1994528" y="1084857"/>
+            <a:ext cx="2245242" cy="1243914"/>
+          </a:xfrm>
+          <a:prstGeom prst="wedgeRoundRectCallout">
+            <a:avLst>
+              <a:gd name="adj1" fmla="val 49771"/>
+              <a:gd name="adj2" fmla="val 65445"/>
+              <a:gd name="adj3" fmla="val 16667"/>
+            </a:avLst>
           </a:prstGeom>
         </p:spPr>
         <p:style>
@@ -8834,121 +13665,50 @@
           <a:bodyPr rtlCol="0" anchor="ctr"/>
           <a:lstStyle/>
           <a:p>
-            <a:pPr algn="ctr"/>
-            <a:r>
-              <a:rPr lang="en-RS" b="1">
-                <a:latin typeface="Myriad Pro Light" panose="020B0403030403020204" pitchFamily="34" charset="0"/>
-              </a:rPr>
-              <a:t>SELECT</a:t>
-            </a:r>
-          </a:p>
-        </p:txBody>
-      </p:sp>
-      <p:sp>
-        <p:nvSpPr>
-          <p:cNvPr id="31" name="TextBox 30">
-            <a:extLst>
-              <a:ext uri="{FF2B5EF4-FFF2-40B4-BE49-F238E27FC236}">
-                <a16:creationId xmlns:a16="http://schemas.microsoft.com/office/drawing/2014/main" id="{37D4CD11-B00A-9C48-A021-15444038893C}"/>
-              </a:ext>
-            </a:extLst>
-          </p:cNvPr>
-          <p:cNvSpPr txBox="1"/>
-          <p:nvPr/>
-        </p:nvSpPr>
-        <p:spPr>
-          <a:xfrm>
-            <a:off x="2407298" y="4473892"/>
-            <a:ext cx="377026" cy="523220"/>
-          </a:xfrm>
-          <a:prstGeom prst="rect">
-            <a:avLst/>
-          </a:prstGeom>
-          <a:noFill/>
-        </p:spPr>
-        <p:txBody>
-          <a:bodyPr wrap="none" rtlCol="0">
-            <a:spAutoFit/>
-          </a:bodyPr>
-          <a:lstStyle/>
-          <a:p>
-            <a:r>
-              <a:rPr lang="en-RS" sz="2800" b="1">
-                <a:solidFill>
-                  <a:srgbClr val="C00000"/>
-                </a:solidFill>
-                <a:latin typeface="Myriad Pro Light" panose="020B0403030403020204" pitchFamily="34" charset="0"/>
-              </a:rPr>
-              <a:t>2</a:t>
-            </a:r>
-          </a:p>
-        </p:txBody>
-      </p:sp>
-      <p:cxnSp>
-        <p:nvCxnSpPr>
-          <p:cNvPr id="35" name="Straight Connector 34">
-            <a:extLst>
-              <a:ext uri="{FF2B5EF4-FFF2-40B4-BE49-F238E27FC236}">
-                <a16:creationId xmlns:a16="http://schemas.microsoft.com/office/drawing/2014/main" id="{F20B565E-F1A4-8F40-AB41-C57996A785B6}"/>
-              </a:ext>
-            </a:extLst>
-          </p:cNvPr>
-          <p:cNvCxnSpPr/>
-          <p:nvPr/>
-        </p:nvCxnSpPr>
-        <p:spPr>
-          <a:xfrm>
-            <a:off x="10493487" y="6061689"/>
-            <a:ext cx="0" cy="437939"/>
-          </a:xfrm>
-          <a:prstGeom prst="line">
-            <a:avLst/>
-          </a:prstGeom>
-          <a:ln w="38100">
+            <a:r>
+              <a:rPr lang="sr-Latn-RS">
+                <a:latin typeface="Myriad Pro" panose="020B0503030403020204" pitchFamily="34" charset="0"/>
+              </a:rPr>
+              <a:t>stanje na Vašem računu je 1000</a:t>
+            </a:r>
+            <a:endParaRPr lang="en-RS">
+              <a:latin typeface="Myriad Pro" panose="020B0503030403020204" pitchFamily="34" charset="0"/>
+            </a:endParaRPr>
+          </a:p>
+        </p:txBody>
+      </p:sp>
+      <p:sp>
+        <p:nvSpPr>
+          <p:cNvPr id="11" name="Curved Down Arrow 10">
+            <a:extLst>
+              <a:ext uri="{FF2B5EF4-FFF2-40B4-BE49-F238E27FC236}">
+                <a16:creationId xmlns:a16="http://schemas.microsoft.com/office/drawing/2014/main" id="{FF68D52F-B6DD-BA4E-8A53-1CB25119E706}"/>
+              </a:ext>
+            </a:extLst>
+          </p:cNvPr>
+          <p:cNvSpPr/>
+          <p:nvPr/>
+        </p:nvSpPr>
+        <p:spPr>
+          <a:xfrm flipH="1">
+            <a:off x="5292850" y="2970408"/>
+            <a:ext cx="1242862" cy="357722"/>
+          </a:xfrm>
+          <a:prstGeom prst="curvedDownArrow">
+            <a:avLst>
+              <a:gd name="adj1" fmla="val 25000"/>
+              <a:gd name="adj2" fmla="val 59285"/>
+              <a:gd name="adj3" fmla="val 50331"/>
+            </a:avLst>
+          </a:prstGeom>
+          <a:solidFill>
+            <a:schemeClr val="accent2"/>
+          </a:solidFill>
+          <a:ln>
             <a:solidFill>
-              <a:schemeClr val="accent1">
-                <a:lumMod val="75000"/>
-              </a:schemeClr>
+              <a:schemeClr val="accent2"/>
             </a:solidFill>
           </a:ln>
-        </p:spPr>
-        <p:style>
-          <a:lnRef idx="1">
-            <a:schemeClr val="accent1"/>
-          </a:lnRef>
-          <a:fillRef idx="0">
-            <a:schemeClr val="accent1"/>
-          </a:fillRef>
-          <a:effectRef idx="0">
-            <a:schemeClr val="accent1"/>
-          </a:effectRef>
-          <a:fontRef idx="minor">
-            <a:schemeClr val="tx1"/>
-          </a:fontRef>
-        </p:style>
-      </p:cxnSp>
-      <p:sp>
-        <p:nvSpPr>
-          <p:cNvPr id="27" name="Rectangle 26">
-            <a:extLst>
-              <a:ext uri="{FF2B5EF4-FFF2-40B4-BE49-F238E27FC236}">
-                <a16:creationId xmlns:a16="http://schemas.microsoft.com/office/drawing/2014/main" id="{FD403F15-1690-574A-9D4B-ABBE9A237230}"/>
-              </a:ext>
-            </a:extLst>
-          </p:cNvPr>
-          <p:cNvSpPr/>
-          <p:nvPr/>
-        </p:nvSpPr>
-        <p:spPr>
-          <a:xfrm>
-            <a:off x="1665369" y="3302073"/>
-            <a:ext cx="700894" cy="700894"/>
-          </a:xfrm>
-          <a:prstGeom prst="rect">
-            <a:avLst/>
-          </a:prstGeom>
-          <a:noFill/>
-          <a:ln w="38100"/>
         </p:spPr>
         <p:style>
           <a:lnRef idx="2">
@@ -8971,1284 +13731,18 @@
           <a:lstStyle/>
           <a:p>
             <a:pPr algn="ctr"/>
-            <a:r>
-              <a:rPr lang="en-RS" b="1">
-                <a:ln>
-                  <a:solidFill>
-                    <a:schemeClr val="accent1">
-                      <a:lumMod val="75000"/>
-                    </a:schemeClr>
-                  </a:solidFill>
-                </a:ln>
-                <a:solidFill>
-                  <a:schemeClr val="accent1">
-                    <a:lumMod val="75000"/>
-                  </a:schemeClr>
-                </a:solidFill>
-                <a:latin typeface="Myriad Pro Light" panose="020B0403030403020204" pitchFamily="34" charset="0"/>
-              </a:rPr>
-              <a:t>D1</a:t>
-            </a:r>
-          </a:p>
-        </p:txBody>
-      </p:sp>
-      <p:cxnSp>
-        <p:nvCxnSpPr>
-          <p:cNvPr id="32" name="Straight Arrow Connector 31">
-            <a:extLst>
-              <a:ext uri="{FF2B5EF4-FFF2-40B4-BE49-F238E27FC236}">
-                <a16:creationId xmlns:a16="http://schemas.microsoft.com/office/drawing/2014/main" id="{000C4DFA-0C61-7D42-A02B-22FA5CDDB492}"/>
-              </a:ext>
-            </a:extLst>
-          </p:cNvPr>
-          <p:cNvCxnSpPr>
-            <a:cxnSpLocks/>
-          </p:cNvCxnSpPr>
-          <p:nvPr/>
-        </p:nvCxnSpPr>
-        <p:spPr>
-          <a:xfrm>
-            <a:off x="2015817" y="1852626"/>
-            <a:ext cx="0" cy="1317294"/>
-          </a:xfrm>
-          <a:prstGeom prst="straightConnector1">
-            <a:avLst/>
-          </a:prstGeom>
-          <a:ln w="38100">
-            <a:solidFill>
-              <a:schemeClr val="accent1">
-                <a:lumMod val="75000"/>
-              </a:schemeClr>
-            </a:solidFill>
-            <a:tailEnd type="triangle"/>
-          </a:ln>
-        </p:spPr>
-        <p:style>
-          <a:lnRef idx="1">
-            <a:schemeClr val="accent1"/>
-          </a:lnRef>
-          <a:fillRef idx="0">
-            <a:schemeClr val="accent1"/>
-          </a:fillRef>
-          <a:effectRef idx="0">
-            <a:schemeClr val="accent1"/>
-          </a:effectRef>
-          <a:fontRef idx="minor">
-            <a:schemeClr val="tx1"/>
-          </a:fontRef>
-        </p:style>
-      </p:cxnSp>
-      <p:sp>
-        <p:nvSpPr>
-          <p:cNvPr id="33" name="Rectangle 32">
-            <a:extLst>
-              <a:ext uri="{FF2B5EF4-FFF2-40B4-BE49-F238E27FC236}">
-                <a16:creationId xmlns:a16="http://schemas.microsoft.com/office/drawing/2014/main" id="{B63DA8F4-B1FE-CC49-9905-B5A91EA9F9A5}"/>
-              </a:ext>
-            </a:extLst>
-          </p:cNvPr>
-          <p:cNvSpPr/>
-          <p:nvPr/>
-        </p:nvSpPr>
-        <p:spPr>
-          <a:xfrm>
-            <a:off x="1333075" y="2328265"/>
-            <a:ext cx="1457750" cy="391684"/>
-          </a:xfrm>
-          <a:prstGeom prst="rect">
-            <a:avLst/>
-          </a:prstGeom>
-        </p:spPr>
-        <p:style>
-          <a:lnRef idx="2">
-            <a:schemeClr val="accent1">
-              <a:shade val="50000"/>
-            </a:schemeClr>
-          </a:lnRef>
-          <a:fillRef idx="1">
-            <a:schemeClr val="accent1"/>
-          </a:fillRef>
-          <a:effectRef idx="0">
-            <a:schemeClr val="accent1"/>
-          </a:effectRef>
-          <a:fontRef idx="minor">
-            <a:schemeClr val="lt1"/>
-          </a:fontRef>
-        </p:style>
-        <p:txBody>
-          <a:bodyPr rtlCol="0" anchor="ctr"/>
-          <a:lstStyle/>
-          <a:p>
-            <a:pPr algn="ctr"/>
-            <a:r>
-              <a:rPr lang="en-RS" b="1">
-                <a:latin typeface="Myriad Pro Light" panose="020B0403030403020204" pitchFamily="34" charset="0"/>
-              </a:rPr>
-              <a:t>SELECT</a:t>
-            </a:r>
-          </a:p>
-        </p:txBody>
-      </p:sp>
-      <p:sp>
-        <p:nvSpPr>
-          <p:cNvPr id="34" name="TextBox 33">
-            <a:extLst>
-              <a:ext uri="{FF2B5EF4-FFF2-40B4-BE49-F238E27FC236}">
-                <a16:creationId xmlns:a16="http://schemas.microsoft.com/office/drawing/2014/main" id="{C5E9034D-0975-B44C-9A0B-6B0095E202C8}"/>
-              </a:ext>
-            </a:extLst>
-          </p:cNvPr>
-          <p:cNvSpPr txBox="1"/>
-          <p:nvPr/>
-        </p:nvSpPr>
-        <p:spPr>
-          <a:xfrm>
-            <a:off x="1638790" y="1872932"/>
-            <a:ext cx="377026" cy="523220"/>
-          </a:xfrm>
-          <a:prstGeom prst="rect">
-            <a:avLst/>
-          </a:prstGeom>
-          <a:noFill/>
-        </p:spPr>
-        <p:txBody>
-          <a:bodyPr wrap="none" rtlCol="0">
-            <a:spAutoFit/>
-          </a:bodyPr>
-          <a:lstStyle/>
-          <a:p>
-            <a:r>
-              <a:rPr lang="en-RS" sz="2800" b="1">
-                <a:solidFill>
-                  <a:srgbClr val="C00000"/>
-                </a:solidFill>
-                <a:latin typeface="Myriad Pro Light" panose="020B0403030403020204" pitchFamily="34" charset="0"/>
-              </a:rPr>
-              <a:t>1</a:t>
-            </a:r>
-          </a:p>
-        </p:txBody>
-      </p:sp>
-      <p:cxnSp>
-        <p:nvCxnSpPr>
-          <p:cNvPr id="36" name="Straight Arrow Connector 35">
-            <a:extLst>
-              <a:ext uri="{FF2B5EF4-FFF2-40B4-BE49-F238E27FC236}">
-                <a16:creationId xmlns:a16="http://schemas.microsoft.com/office/drawing/2014/main" id="{E39D2202-13B2-924E-8566-F92B359468CB}"/>
-              </a:ext>
-            </a:extLst>
-          </p:cNvPr>
-          <p:cNvCxnSpPr>
-            <a:cxnSpLocks/>
-          </p:cNvCxnSpPr>
-          <p:nvPr/>
-        </p:nvCxnSpPr>
-        <p:spPr>
-          <a:xfrm>
-            <a:off x="1366482" y="1716832"/>
-            <a:ext cx="1681518" cy="0"/>
-          </a:xfrm>
-          <a:prstGeom prst="straightConnector1">
-            <a:avLst/>
-          </a:prstGeom>
-          <a:ln w="38100">
-            <a:solidFill>
-              <a:schemeClr val="accent6">
-                <a:lumMod val="75000"/>
-              </a:schemeClr>
-            </a:solidFill>
-            <a:tailEnd type="triangle" w="lg" len="lg"/>
-          </a:ln>
-        </p:spPr>
-        <p:style>
-          <a:lnRef idx="1">
-            <a:schemeClr val="accent1"/>
-          </a:lnRef>
-          <a:fillRef idx="0">
-            <a:schemeClr val="accent1"/>
-          </a:fillRef>
-          <a:effectRef idx="0">
-            <a:schemeClr val="accent1"/>
-          </a:effectRef>
-          <a:fontRef idx="minor">
-            <a:schemeClr val="tx1"/>
-          </a:fontRef>
-        </p:style>
-      </p:cxnSp>
-      <p:cxnSp>
-        <p:nvCxnSpPr>
-          <p:cNvPr id="37" name="Straight Connector 36">
-            <a:extLst>
-              <a:ext uri="{FF2B5EF4-FFF2-40B4-BE49-F238E27FC236}">
-                <a16:creationId xmlns:a16="http://schemas.microsoft.com/office/drawing/2014/main" id="{78A51126-921E-624E-91D7-1A1512153453}"/>
-              </a:ext>
-            </a:extLst>
-          </p:cNvPr>
-          <p:cNvCxnSpPr>
-            <a:cxnSpLocks/>
-          </p:cNvCxnSpPr>
-          <p:nvPr/>
-        </p:nvCxnSpPr>
-        <p:spPr>
-          <a:xfrm>
-            <a:off x="1366482" y="1589146"/>
-            <a:ext cx="0" cy="255373"/>
-          </a:xfrm>
-          <a:prstGeom prst="line">
-            <a:avLst/>
-          </a:prstGeom>
-          <a:ln w="38100">
-            <a:solidFill>
-              <a:schemeClr val="accent6">
-                <a:lumMod val="75000"/>
-              </a:schemeClr>
-            </a:solidFill>
-          </a:ln>
-        </p:spPr>
-        <p:style>
-          <a:lnRef idx="1">
-            <a:schemeClr val="accent1"/>
-          </a:lnRef>
-          <a:fillRef idx="0">
-            <a:schemeClr val="accent1"/>
-          </a:fillRef>
-          <a:effectRef idx="0">
-            <a:schemeClr val="accent1"/>
-          </a:effectRef>
-          <a:fontRef idx="minor">
-            <a:schemeClr val="tx1"/>
-          </a:fontRef>
-        </p:style>
-      </p:cxnSp>
-      <p:cxnSp>
-        <p:nvCxnSpPr>
-          <p:cNvPr id="39" name="Straight Connector 38">
-            <a:extLst>
-              <a:ext uri="{FF2B5EF4-FFF2-40B4-BE49-F238E27FC236}">
-                <a16:creationId xmlns:a16="http://schemas.microsoft.com/office/drawing/2014/main" id="{5CA64291-3DD4-8841-B018-EFDC3F45E4FB}"/>
-              </a:ext>
-            </a:extLst>
-          </p:cNvPr>
-          <p:cNvCxnSpPr>
-            <a:cxnSpLocks/>
-          </p:cNvCxnSpPr>
-          <p:nvPr/>
-        </p:nvCxnSpPr>
-        <p:spPr>
-          <a:xfrm>
-            <a:off x="3048000" y="1601378"/>
-            <a:ext cx="0" cy="255373"/>
-          </a:xfrm>
-          <a:prstGeom prst="line">
-            <a:avLst/>
-          </a:prstGeom>
-          <a:ln w="38100">
-            <a:solidFill>
-              <a:schemeClr val="accent6">
-                <a:lumMod val="75000"/>
-              </a:schemeClr>
-            </a:solidFill>
-          </a:ln>
-        </p:spPr>
-        <p:style>
-          <a:lnRef idx="1">
-            <a:schemeClr val="accent1"/>
-          </a:lnRef>
-          <a:fillRef idx="0">
-            <a:schemeClr val="accent1"/>
-          </a:fillRef>
-          <a:effectRef idx="0">
-            <a:schemeClr val="accent1"/>
-          </a:effectRef>
-          <a:fontRef idx="minor">
-            <a:schemeClr val="tx1"/>
-          </a:fontRef>
-        </p:style>
-      </p:cxnSp>
-      <p:sp>
-        <p:nvSpPr>
-          <p:cNvPr id="40" name="TextBox 39">
-            <a:extLst>
-              <a:ext uri="{FF2B5EF4-FFF2-40B4-BE49-F238E27FC236}">
-                <a16:creationId xmlns:a16="http://schemas.microsoft.com/office/drawing/2014/main" id="{0A2FF21A-AD2E-B84E-A6D8-6B44A945A8E4}"/>
-              </a:ext>
-            </a:extLst>
-          </p:cNvPr>
-          <p:cNvSpPr txBox="1"/>
-          <p:nvPr/>
-        </p:nvSpPr>
-        <p:spPr>
-          <a:xfrm>
-            <a:off x="1904333" y="1394444"/>
-            <a:ext cx="420308" cy="369332"/>
-          </a:xfrm>
-          <a:prstGeom prst="rect">
-            <a:avLst/>
-          </a:prstGeom>
-          <a:noFill/>
-        </p:spPr>
-        <p:txBody>
-          <a:bodyPr wrap="none" rtlCol="0">
-            <a:spAutoFit/>
-          </a:bodyPr>
-          <a:lstStyle/>
-          <a:p>
-            <a:r>
-              <a:rPr lang="en-RS" b="1">
-                <a:solidFill>
-                  <a:schemeClr val="accent6">
-                    <a:lumMod val="75000"/>
-                  </a:schemeClr>
-                </a:solidFill>
-                <a:latin typeface="Myriad Pro Light" panose="020B0403030403020204" pitchFamily="34" charset="0"/>
-              </a:rPr>
-              <a:t>Tx</a:t>
-            </a:r>
-          </a:p>
-        </p:txBody>
-      </p:sp>
-      <p:cxnSp>
-        <p:nvCxnSpPr>
-          <p:cNvPr id="41" name="Straight Arrow Connector 40">
-            <a:extLst>
-              <a:ext uri="{FF2B5EF4-FFF2-40B4-BE49-F238E27FC236}">
-                <a16:creationId xmlns:a16="http://schemas.microsoft.com/office/drawing/2014/main" id="{CB15FFEE-9854-D24A-8237-DABAF344A9A3}"/>
-              </a:ext>
-            </a:extLst>
-          </p:cNvPr>
-          <p:cNvCxnSpPr>
-            <a:cxnSpLocks/>
-          </p:cNvCxnSpPr>
-          <p:nvPr/>
-        </p:nvCxnSpPr>
-        <p:spPr>
-          <a:xfrm>
-            <a:off x="2015816" y="6056464"/>
-            <a:ext cx="1681518" cy="0"/>
-          </a:xfrm>
-          <a:prstGeom prst="straightConnector1">
-            <a:avLst/>
-          </a:prstGeom>
-          <a:ln w="38100">
-            <a:solidFill>
-              <a:schemeClr val="accent6">
-                <a:lumMod val="75000"/>
-              </a:schemeClr>
-            </a:solidFill>
-            <a:tailEnd type="triangle" w="lg" len="lg"/>
-          </a:ln>
-        </p:spPr>
-        <p:style>
-          <a:lnRef idx="1">
-            <a:schemeClr val="accent1"/>
-          </a:lnRef>
-          <a:fillRef idx="0">
-            <a:schemeClr val="accent1"/>
-          </a:fillRef>
-          <a:effectRef idx="0">
-            <a:schemeClr val="accent1"/>
-          </a:effectRef>
-          <a:fontRef idx="minor">
-            <a:schemeClr val="tx1"/>
-          </a:fontRef>
-        </p:style>
-      </p:cxnSp>
-      <p:cxnSp>
-        <p:nvCxnSpPr>
-          <p:cNvPr id="42" name="Straight Connector 41">
-            <a:extLst>
-              <a:ext uri="{FF2B5EF4-FFF2-40B4-BE49-F238E27FC236}">
-                <a16:creationId xmlns:a16="http://schemas.microsoft.com/office/drawing/2014/main" id="{A44FDB79-5AA4-CD4B-9B45-630EA4EFE59E}"/>
-              </a:ext>
-            </a:extLst>
-          </p:cNvPr>
-          <p:cNvCxnSpPr>
-            <a:cxnSpLocks/>
-          </p:cNvCxnSpPr>
-          <p:nvPr/>
-        </p:nvCxnSpPr>
-        <p:spPr>
-          <a:xfrm>
-            <a:off x="2015816" y="5928778"/>
-            <a:ext cx="0" cy="255373"/>
-          </a:xfrm>
-          <a:prstGeom prst="line">
-            <a:avLst/>
-          </a:prstGeom>
-          <a:ln w="38100">
-            <a:solidFill>
-              <a:schemeClr val="accent6">
-                <a:lumMod val="75000"/>
-              </a:schemeClr>
-            </a:solidFill>
-          </a:ln>
-        </p:spPr>
-        <p:style>
-          <a:lnRef idx="1">
-            <a:schemeClr val="accent1"/>
-          </a:lnRef>
-          <a:fillRef idx="0">
-            <a:schemeClr val="accent1"/>
-          </a:fillRef>
-          <a:effectRef idx="0">
-            <a:schemeClr val="accent1"/>
-          </a:effectRef>
-          <a:fontRef idx="minor">
-            <a:schemeClr val="tx1"/>
-          </a:fontRef>
-        </p:style>
-      </p:cxnSp>
-      <p:cxnSp>
-        <p:nvCxnSpPr>
-          <p:cNvPr id="43" name="Straight Connector 42">
-            <a:extLst>
-              <a:ext uri="{FF2B5EF4-FFF2-40B4-BE49-F238E27FC236}">
-                <a16:creationId xmlns:a16="http://schemas.microsoft.com/office/drawing/2014/main" id="{E10DD427-558B-CB44-B7A9-E5B8DDCF0D39}"/>
-              </a:ext>
-            </a:extLst>
-          </p:cNvPr>
-          <p:cNvCxnSpPr>
-            <a:cxnSpLocks/>
-          </p:cNvCxnSpPr>
-          <p:nvPr/>
-        </p:nvCxnSpPr>
-        <p:spPr>
-          <a:xfrm>
-            <a:off x="3697334" y="5941010"/>
-            <a:ext cx="0" cy="255373"/>
-          </a:xfrm>
-          <a:prstGeom prst="line">
-            <a:avLst/>
-          </a:prstGeom>
-          <a:ln w="38100">
-            <a:solidFill>
-              <a:schemeClr val="accent6">
-                <a:lumMod val="75000"/>
-              </a:schemeClr>
-            </a:solidFill>
-          </a:ln>
-        </p:spPr>
-        <p:style>
-          <a:lnRef idx="1">
-            <a:schemeClr val="accent1"/>
-          </a:lnRef>
-          <a:fillRef idx="0">
-            <a:schemeClr val="accent1"/>
-          </a:fillRef>
-          <a:effectRef idx="0">
-            <a:schemeClr val="accent1"/>
-          </a:effectRef>
-          <a:fontRef idx="minor">
-            <a:schemeClr val="tx1"/>
-          </a:fontRef>
-        </p:style>
-      </p:cxnSp>
-      <p:sp>
-        <p:nvSpPr>
-          <p:cNvPr id="44" name="TextBox 43">
-            <a:extLst>
-              <a:ext uri="{FF2B5EF4-FFF2-40B4-BE49-F238E27FC236}">
-                <a16:creationId xmlns:a16="http://schemas.microsoft.com/office/drawing/2014/main" id="{6DAAF60F-FA93-2B4F-8E27-02A0CB1CA890}"/>
-              </a:ext>
-            </a:extLst>
-          </p:cNvPr>
-          <p:cNvSpPr txBox="1"/>
-          <p:nvPr/>
-        </p:nvSpPr>
-        <p:spPr>
-          <a:xfrm>
-            <a:off x="2553667" y="5734076"/>
-            <a:ext cx="420308" cy="369332"/>
-          </a:xfrm>
-          <a:prstGeom prst="rect">
-            <a:avLst/>
-          </a:prstGeom>
-          <a:noFill/>
-        </p:spPr>
-        <p:txBody>
-          <a:bodyPr wrap="none" rtlCol="0">
-            <a:spAutoFit/>
-          </a:bodyPr>
-          <a:lstStyle/>
-          <a:p>
-            <a:r>
-              <a:rPr lang="en-RS" b="1">
-                <a:solidFill>
-                  <a:schemeClr val="accent6">
-                    <a:lumMod val="75000"/>
-                  </a:schemeClr>
-                </a:solidFill>
-                <a:latin typeface="Myriad Pro Light" panose="020B0403030403020204" pitchFamily="34" charset="0"/>
-              </a:rPr>
-              <a:t>Tx</a:t>
-            </a:r>
-          </a:p>
-        </p:txBody>
-      </p:sp>
-      <p:sp>
-        <p:nvSpPr>
-          <p:cNvPr id="45" name="Rectangle 44">
-            <a:extLst>
-              <a:ext uri="{FF2B5EF4-FFF2-40B4-BE49-F238E27FC236}">
-                <a16:creationId xmlns:a16="http://schemas.microsoft.com/office/drawing/2014/main" id="{90040359-E3B2-6445-A312-014AD4D36129}"/>
-              </a:ext>
-            </a:extLst>
-          </p:cNvPr>
-          <p:cNvSpPr/>
-          <p:nvPr/>
-        </p:nvSpPr>
-        <p:spPr>
-          <a:xfrm>
-            <a:off x="4572226" y="3302073"/>
-            <a:ext cx="700894" cy="700894"/>
-          </a:xfrm>
-          <a:prstGeom prst="rect">
-            <a:avLst/>
-          </a:prstGeom>
-          <a:noFill/>
-          <a:ln w="38100"/>
-        </p:spPr>
-        <p:style>
-          <a:lnRef idx="2">
-            <a:schemeClr val="accent1">
-              <a:shade val="50000"/>
-            </a:schemeClr>
-          </a:lnRef>
-          <a:fillRef idx="1">
-            <a:schemeClr val="accent1"/>
-          </a:fillRef>
-          <a:effectRef idx="0">
-            <a:schemeClr val="accent1"/>
-          </a:effectRef>
-          <a:fontRef idx="minor">
-            <a:schemeClr val="lt1"/>
-          </a:fontRef>
-        </p:style>
-        <p:txBody>
-          <a:bodyPr rtlCol="0" anchor="ctr"/>
-          <a:lstStyle/>
-          <a:p>
-            <a:pPr algn="ctr"/>
-            <a:r>
-              <a:rPr lang="en-RS" b="1">
-                <a:ln>
-                  <a:solidFill>
-                    <a:schemeClr val="accent1">
-                      <a:lumMod val="75000"/>
-                    </a:schemeClr>
-                  </a:solidFill>
-                </a:ln>
-                <a:solidFill>
-                  <a:schemeClr val="accent1">
-                    <a:lumMod val="75000"/>
-                  </a:schemeClr>
-                </a:solidFill>
-                <a:latin typeface="Myriad Pro Light" panose="020B0403030403020204" pitchFamily="34" charset="0"/>
-              </a:rPr>
-              <a:t>D1</a:t>
-            </a:r>
-          </a:p>
-        </p:txBody>
-      </p:sp>
-      <p:cxnSp>
-        <p:nvCxnSpPr>
-          <p:cNvPr id="46" name="Straight Arrow Connector 45">
-            <a:extLst>
-              <a:ext uri="{FF2B5EF4-FFF2-40B4-BE49-F238E27FC236}">
-                <a16:creationId xmlns:a16="http://schemas.microsoft.com/office/drawing/2014/main" id="{D74574F1-EB13-3A4C-9CCD-57419403AF62}"/>
-              </a:ext>
-            </a:extLst>
-          </p:cNvPr>
-          <p:cNvCxnSpPr>
-            <a:cxnSpLocks/>
-          </p:cNvCxnSpPr>
-          <p:nvPr/>
-        </p:nvCxnSpPr>
-        <p:spPr>
-          <a:xfrm>
-            <a:off x="4922674" y="1852626"/>
-            <a:ext cx="0" cy="1317294"/>
-          </a:xfrm>
-          <a:prstGeom prst="straightConnector1">
-            <a:avLst/>
-          </a:prstGeom>
-          <a:ln w="38100">
-            <a:solidFill>
-              <a:schemeClr val="accent1">
-                <a:lumMod val="75000"/>
-              </a:schemeClr>
-            </a:solidFill>
-            <a:tailEnd type="triangle"/>
-          </a:ln>
-        </p:spPr>
-        <p:style>
-          <a:lnRef idx="1">
-            <a:schemeClr val="accent1"/>
-          </a:lnRef>
-          <a:fillRef idx="0">
-            <a:schemeClr val="accent1"/>
-          </a:fillRef>
-          <a:effectRef idx="0">
-            <a:schemeClr val="accent1"/>
-          </a:effectRef>
-          <a:fontRef idx="minor">
-            <a:schemeClr val="tx1"/>
-          </a:fontRef>
-        </p:style>
-      </p:cxnSp>
-      <p:sp>
-        <p:nvSpPr>
-          <p:cNvPr id="47" name="Rectangle 46">
-            <a:extLst>
-              <a:ext uri="{FF2B5EF4-FFF2-40B4-BE49-F238E27FC236}">
-                <a16:creationId xmlns:a16="http://schemas.microsoft.com/office/drawing/2014/main" id="{9AD60722-8873-544B-A674-DA8131C7E393}"/>
-              </a:ext>
-            </a:extLst>
-          </p:cNvPr>
-          <p:cNvSpPr/>
-          <p:nvPr/>
-        </p:nvSpPr>
-        <p:spPr>
-          <a:xfrm>
-            <a:off x="4239932" y="2328265"/>
-            <a:ext cx="1457750" cy="391684"/>
-          </a:xfrm>
-          <a:prstGeom prst="rect">
-            <a:avLst/>
-          </a:prstGeom>
-        </p:spPr>
-        <p:style>
-          <a:lnRef idx="2">
-            <a:schemeClr val="accent1">
-              <a:shade val="50000"/>
-            </a:schemeClr>
-          </a:lnRef>
-          <a:fillRef idx="1">
-            <a:schemeClr val="accent1"/>
-          </a:fillRef>
-          <a:effectRef idx="0">
-            <a:schemeClr val="accent1"/>
-          </a:effectRef>
-          <a:fontRef idx="minor">
-            <a:schemeClr val="lt1"/>
-          </a:fontRef>
-        </p:style>
-        <p:txBody>
-          <a:bodyPr rtlCol="0" anchor="ctr"/>
-          <a:lstStyle/>
-          <a:p>
-            <a:pPr algn="ctr"/>
-            <a:r>
-              <a:rPr lang="en-RS" b="1">
-                <a:latin typeface="Myriad Pro Light" panose="020B0403030403020204" pitchFamily="34" charset="0"/>
-              </a:rPr>
-              <a:t>SELECT</a:t>
-            </a:r>
-          </a:p>
-        </p:txBody>
-      </p:sp>
-      <p:sp>
-        <p:nvSpPr>
-          <p:cNvPr id="48" name="TextBox 47">
-            <a:extLst>
-              <a:ext uri="{FF2B5EF4-FFF2-40B4-BE49-F238E27FC236}">
-                <a16:creationId xmlns:a16="http://schemas.microsoft.com/office/drawing/2014/main" id="{F93CA9BA-7B2B-0C41-8118-17A34DA18B09}"/>
-              </a:ext>
-            </a:extLst>
-          </p:cNvPr>
-          <p:cNvSpPr txBox="1"/>
-          <p:nvPr/>
-        </p:nvSpPr>
-        <p:spPr>
-          <a:xfrm>
-            <a:off x="4545647" y="1872932"/>
-            <a:ext cx="377026" cy="523220"/>
-          </a:xfrm>
-          <a:prstGeom prst="rect">
-            <a:avLst/>
-          </a:prstGeom>
-          <a:noFill/>
-        </p:spPr>
-        <p:txBody>
-          <a:bodyPr wrap="none" rtlCol="0">
-            <a:spAutoFit/>
-          </a:bodyPr>
-          <a:lstStyle/>
-          <a:p>
-            <a:r>
-              <a:rPr lang="en-RS" sz="2800" b="1">
-                <a:solidFill>
-                  <a:srgbClr val="C00000"/>
-                </a:solidFill>
-                <a:latin typeface="Myriad Pro Light" panose="020B0403030403020204" pitchFamily="34" charset="0"/>
-              </a:rPr>
-              <a:t>3</a:t>
-            </a:r>
-          </a:p>
-        </p:txBody>
-      </p:sp>
-      <p:cxnSp>
-        <p:nvCxnSpPr>
-          <p:cNvPr id="49" name="Straight Arrow Connector 48">
-            <a:extLst>
-              <a:ext uri="{FF2B5EF4-FFF2-40B4-BE49-F238E27FC236}">
-                <a16:creationId xmlns:a16="http://schemas.microsoft.com/office/drawing/2014/main" id="{D50A4ADA-7D61-5A40-8484-85F7257DCA5D}"/>
-              </a:ext>
-            </a:extLst>
-          </p:cNvPr>
-          <p:cNvCxnSpPr>
-            <a:cxnSpLocks/>
-          </p:cNvCxnSpPr>
-          <p:nvPr/>
-        </p:nvCxnSpPr>
-        <p:spPr>
-          <a:xfrm>
-            <a:off x="4273339" y="1716832"/>
-            <a:ext cx="1681518" cy="0"/>
-          </a:xfrm>
-          <a:prstGeom prst="straightConnector1">
-            <a:avLst/>
-          </a:prstGeom>
-          <a:ln w="38100">
-            <a:solidFill>
-              <a:schemeClr val="accent6">
-                <a:lumMod val="75000"/>
-              </a:schemeClr>
-            </a:solidFill>
-            <a:tailEnd type="triangle" w="lg" len="lg"/>
-          </a:ln>
-        </p:spPr>
-        <p:style>
-          <a:lnRef idx="1">
-            <a:schemeClr val="accent1"/>
-          </a:lnRef>
-          <a:fillRef idx="0">
-            <a:schemeClr val="accent1"/>
-          </a:fillRef>
-          <a:effectRef idx="0">
-            <a:schemeClr val="accent1"/>
-          </a:effectRef>
-          <a:fontRef idx="minor">
-            <a:schemeClr val="tx1"/>
-          </a:fontRef>
-        </p:style>
-      </p:cxnSp>
-      <p:cxnSp>
-        <p:nvCxnSpPr>
-          <p:cNvPr id="50" name="Straight Connector 49">
-            <a:extLst>
-              <a:ext uri="{FF2B5EF4-FFF2-40B4-BE49-F238E27FC236}">
-                <a16:creationId xmlns:a16="http://schemas.microsoft.com/office/drawing/2014/main" id="{D472A76C-D922-FC44-9AC6-2366296CADC8}"/>
-              </a:ext>
-            </a:extLst>
-          </p:cNvPr>
-          <p:cNvCxnSpPr>
-            <a:cxnSpLocks/>
-          </p:cNvCxnSpPr>
-          <p:nvPr/>
-        </p:nvCxnSpPr>
-        <p:spPr>
-          <a:xfrm>
-            <a:off x="4273339" y="1589146"/>
-            <a:ext cx="0" cy="255373"/>
-          </a:xfrm>
-          <a:prstGeom prst="line">
-            <a:avLst/>
-          </a:prstGeom>
-          <a:ln w="38100">
-            <a:solidFill>
-              <a:schemeClr val="accent6">
-                <a:lumMod val="75000"/>
-              </a:schemeClr>
-            </a:solidFill>
-          </a:ln>
-        </p:spPr>
-        <p:style>
-          <a:lnRef idx="1">
-            <a:schemeClr val="accent1"/>
-          </a:lnRef>
-          <a:fillRef idx="0">
-            <a:schemeClr val="accent1"/>
-          </a:fillRef>
-          <a:effectRef idx="0">
-            <a:schemeClr val="accent1"/>
-          </a:effectRef>
-          <a:fontRef idx="minor">
-            <a:schemeClr val="tx1"/>
-          </a:fontRef>
-        </p:style>
-      </p:cxnSp>
-      <p:cxnSp>
-        <p:nvCxnSpPr>
-          <p:cNvPr id="51" name="Straight Connector 50">
-            <a:extLst>
-              <a:ext uri="{FF2B5EF4-FFF2-40B4-BE49-F238E27FC236}">
-                <a16:creationId xmlns:a16="http://schemas.microsoft.com/office/drawing/2014/main" id="{65CC7A7C-7BAA-0B41-A0BB-C7AC7E09CF23}"/>
-              </a:ext>
-            </a:extLst>
-          </p:cNvPr>
-          <p:cNvCxnSpPr>
-            <a:cxnSpLocks/>
-          </p:cNvCxnSpPr>
-          <p:nvPr/>
-        </p:nvCxnSpPr>
-        <p:spPr>
-          <a:xfrm>
-            <a:off x="5954857" y="1601378"/>
-            <a:ext cx="0" cy="255373"/>
-          </a:xfrm>
-          <a:prstGeom prst="line">
-            <a:avLst/>
-          </a:prstGeom>
-          <a:ln w="38100">
-            <a:solidFill>
-              <a:schemeClr val="accent6">
-                <a:lumMod val="75000"/>
-              </a:schemeClr>
-            </a:solidFill>
-          </a:ln>
-        </p:spPr>
-        <p:style>
-          <a:lnRef idx="1">
-            <a:schemeClr val="accent1"/>
-          </a:lnRef>
-          <a:fillRef idx="0">
-            <a:schemeClr val="accent1"/>
-          </a:fillRef>
-          <a:effectRef idx="0">
-            <a:schemeClr val="accent1"/>
-          </a:effectRef>
-          <a:fontRef idx="minor">
-            <a:schemeClr val="tx1"/>
-          </a:fontRef>
-        </p:style>
-      </p:cxnSp>
-      <p:sp>
-        <p:nvSpPr>
-          <p:cNvPr id="52" name="TextBox 51">
-            <a:extLst>
-              <a:ext uri="{FF2B5EF4-FFF2-40B4-BE49-F238E27FC236}">
-                <a16:creationId xmlns:a16="http://schemas.microsoft.com/office/drawing/2014/main" id="{C4695658-EBA5-3B40-B714-30FE5CCFEECF}"/>
-              </a:ext>
-            </a:extLst>
-          </p:cNvPr>
-          <p:cNvSpPr txBox="1"/>
-          <p:nvPr/>
-        </p:nvSpPr>
-        <p:spPr>
-          <a:xfrm>
-            <a:off x="4811190" y="1394444"/>
-            <a:ext cx="420308" cy="369332"/>
-          </a:xfrm>
-          <a:prstGeom prst="rect">
-            <a:avLst/>
-          </a:prstGeom>
-          <a:noFill/>
-        </p:spPr>
-        <p:txBody>
-          <a:bodyPr wrap="none" rtlCol="0">
-            <a:spAutoFit/>
-          </a:bodyPr>
-          <a:lstStyle/>
-          <a:p>
-            <a:r>
-              <a:rPr lang="en-RS" b="1">
-                <a:solidFill>
-                  <a:schemeClr val="accent6">
-                    <a:lumMod val="75000"/>
-                  </a:schemeClr>
-                </a:solidFill>
-                <a:latin typeface="Myriad Pro Light" panose="020B0403030403020204" pitchFamily="34" charset="0"/>
-              </a:rPr>
-              <a:t>Tx</a:t>
-            </a:r>
-          </a:p>
-        </p:txBody>
-      </p:sp>
-      <p:sp>
-        <p:nvSpPr>
-          <p:cNvPr id="53" name="Rectangle 52">
-            <a:extLst>
-              <a:ext uri="{FF2B5EF4-FFF2-40B4-BE49-F238E27FC236}">
-                <a16:creationId xmlns:a16="http://schemas.microsoft.com/office/drawing/2014/main" id="{3366DD6C-1AC1-AF4D-AEFA-02B42892C92E}"/>
-              </a:ext>
-            </a:extLst>
-          </p:cNvPr>
-          <p:cNvSpPr/>
-          <p:nvPr/>
-        </p:nvSpPr>
-        <p:spPr>
-          <a:xfrm>
-            <a:off x="8387637" y="3302073"/>
-            <a:ext cx="700894" cy="700894"/>
-          </a:xfrm>
-          <a:prstGeom prst="rect">
-            <a:avLst/>
-          </a:prstGeom>
-          <a:noFill/>
-          <a:ln w="38100"/>
-        </p:spPr>
-        <p:style>
-          <a:lnRef idx="2">
-            <a:schemeClr val="accent1">
-              <a:shade val="50000"/>
-            </a:schemeClr>
-          </a:lnRef>
-          <a:fillRef idx="1">
-            <a:schemeClr val="accent1"/>
-          </a:fillRef>
-          <a:effectRef idx="0">
-            <a:schemeClr val="accent1"/>
-          </a:effectRef>
-          <a:fontRef idx="minor">
-            <a:schemeClr val="lt1"/>
-          </a:fontRef>
-        </p:style>
-        <p:txBody>
-          <a:bodyPr rtlCol="0" anchor="ctr"/>
-          <a:lstStyle/>
-          <a:p>
-            <a:pPr algn="ctr"/>
-            <a:r>
-              <a:rPr lang="en-RS" b="1">
-                <a:ln>
-                  <a:solidFill>
-                    <a:schemeClr val="accent1">
-                      <a:lumMod val="75000"/>
-                    </a:schemeClr>
-                  </a:solidFill>
-                </a:ln>
-                <a:solidFill>
-                  <a:schemeClr val="accent1">
-                    <a:lumMod val="75000"/>
-                  </a:schemeClr>
-                </a:solidFill>
-                <a:latin typeface="Myriad Pro Light" panose="020B0403030403020204" pitchFamily="34" charset="0"/>
-              </a:rPr>
-              <a:t>D1</a:t>
-            </a:r>
-          </a:p>
-        </p:txBody>
-      </p:sp>
-      <p:cxnSp>
-        <p:nvCxnSpPr>
-          <p:cNvPr id="54" name="Straight Arrow Connector 53">
-            <a:extLst>
-              <a:ext uri="{FF2B5EF4-FFF2-40B4-BE49-F238E27FC236}">
-                <a16:creationId xmlns:a16="http://schemas.microsoft.com/office/drawing/2014/main" id="{EBDFBD49-0780-5945-B485-7111D9D613AC}"/>
-              </a:ext>
-            </a:extLst>
-          </p:cNvPr>
-          <p:cNvCxnSpPr>
-            <a:cxnSpLocks/>
-          </p:cNvCxnSpPr>
-          <p:nvPr/>
-        </p:nvCxnSpPr>
-        <p:spPr>
-          <a:xfrm flipV="1">
-            <a:off x="8738084" y="4155440"/>
-            <a:ext cx="0" cy="1633816"/>
-          </a:xfrm>
-          <a:prstGeom prst="straightConnector1">
-            <a:avLst/>
-          </a:prstGeom>
-          <a:ln w="38100">
-            <a:solidFill>
-              <a:schemeClr val="accent1">
-                <a:lumMod val="75000"/>
-              </a:schemeClr>
-            </a:solidFill>
-            <a:tailEnd type="triangle"/>
-          </a:ln>
-        </p:spPr>
-        <p:style>
-          <a:lnRef idx="1">
-            <a:schemeClr val="accent1"/>
-          </a:lnRef>
-          <a:fillRef idx="0">
-            <a:schemeClr val="accent1"/>
-          </a:fillRef>
-          <a:effectRef idx="0">
-            <a:schemeClr val="accent1"/>
-          </a:effectRef>
-          <a:fontRef idx="minor">
-            <a:schemeClr val="tx1"/>
-          </a:fontRef>
-        </p:style>
-      </p:cxnSp>
-      <p:sp>
-        <p:nvSpPr>
-          <p:cNvPr id="55" name="Rectangle 54">
-            <a:extLst>
-              <a:ext uri="{FF2B5EF4-FFF2-40B4-BE49-F238E27FC236}">
-                <a16:creationId xmlns:a16="http://schemas.microsoft.com/office/drawing/2014/main" id="{9DC02469-401B-9B4A-8B16-CEBC9801480C}"/>
-              </a:ext>
-            </a:extLst>
-          </p:cNvPr>
-          <p:cNvSpPr/>
-          <p:nvPr/>
-        </p:nvSpPr>
-        <p:spPr>
-          <a:xfrm>
-            <a:off x="8055343" y="4929225"/>
-            <a:ext cx="1457750" cy="391684"/>
-          </a:xfrm>
-          <a:prstGeom prst="rect">
-            <a:avLst/>
-          </a:prstGeom>
-        </p:spPr>
-        <p:style>
-          <a:lnRef idx="2">
-            <a:schemeClr val="accent1">
-              <a:shade val="50000"/>
-            </a:schemeClr>
-          </a:lnRef>
-          <a:fillRef idx="1">
-            <a:schemeClr val="accent1"/>
-          </a:fillRef>
-          <a:effectRef idx="0">
-            <a:schemeClr val="accent1"/>
-          </a:effectRef>
-          <a:fontRef idx="minor">
-            <a:schemeClr val="lt1"/>
-          </a:fontRef>
-        </p:style>
-        <p:txBody>
-          <a:bodyPr rtlCol="0" anchor="ctr"/>
-          <a:lstStyle/>
-          <a:p>
-            <a:pPr algn="ctr"/>
-            <a:r>
-              <a:rPr lang="en-RS" b="1">
-                <a:latin typeface="Myriad Pro Light" panose="020B0403030403020204" pitchFamily="34" charset="0"/>
-              </a:rPr>
-              <a:t>UPDATE</a:t>
-            </a:r>
-          </a:p>
-        </p:txBody>
-      </p:sp>
-      <p:sp>
-        <p:nvSpPr>
-          <p:cNvPr id="56" name="TextBox 55">
-            <a:extLst>
-              <a:ext uri="{FF2B5EF4-FFF2-40B4-BE49-F238E27FC236}">
-                <a16:creationId xmlns:a16="http://schemas.microsoft.com/office/drawing/2014/main" id="{676D5632-382A-EA44-B2E0-67E2A714B966}"/>
-              </a:ext>
-            </a:extLst>
-          </p:cNvPr>
-          <p:cNvSpPr txBox="1"/>
-          <p:nvPr/>
-        </p:nvSpPr>
-        <p:spPr>
-          <a:xfrm>
-            <a:off x="8361058" y="4473892"/>
-            <a:ext cx="377026" cy="523220"/>
-          </a:xfrm>
-          <a:prstGeom prst="rect">
-            <a:avLst/>
-          </a:prstGeom>
-          <a:noFill/>
-        </p:spPr>
-        <p:txBody>
-          <a:bodyPr wrap="none" rtlCol="0">
-            <a:spAutoFit/>
-          </a:bodyPr>
-          <a:lstStyle/>
-          <a:p>
-            <a:r>
-              <a:rPr lang="en-RS" sz="2800" b="1">
-                <a:solidFill>
-                  <a:srgbClr val="C00000"/>
-                </a:solidFill>
-                <a:latin typeface="Myriad Pro Light" panose="020B0403030403020204" pitchFamily="34" charset="0"/>
-              </a:rPr>
-              <a:t>5</a:t>
-            </a:r>
-          </a:p>
-        </p:txBody>
-      </p:sp>
-      <p:cxnSp>
-        <p:nvCxnSpPr>
-          <p:cNvPr id="57" name="Straight Arrow Connector 56">
-            <a:extLst>
-              <a:ext uri="{FF2B5EF4-FFF2-40B4-BE49-F238E27FC236}">
-                <a16:creationId xmlns:a16="http://schemas.microsoft.com/office/drawing/2014/main" id="{6833D3C9-BF3A-AF47-A62D-9384CD6FC34E}"/>
-              </a:ext>
-            </a:extLst>
-          </p:cNvPr>
-          <p:cNvCxnSpPr>
-            <a:cxnSpLocks/>
-          </p:cNvCxnSpPr>
-          <p:nvPr/>
-        </p:nvCxnSpPr>
-        <p:spPr>
-          <a:xfrm>
-            <a:off x="7969576" y="6056464"/>
-            <a:ext cx="1681518" cy="0"/>
-          </a:xfrm>
-          <a:prstGeom prst="straightConnector1">
-            <a:avLst/>
-          </a:prstGeom>
-          <a:ln w="38100">
-            <a:solidFill>
-              <a:schemeClr val="accent6">
-                <a:lumMod val="75000"/>
-              </a:schemeClr>
-            </a:solidFill>
-            <a:tailEnd type="triangle" w="lg" len="lg"/>
-          </a:ln>
-        </p:spPr>
-        <p:style>
-          <a:lnRef idx="1">
-            <a:schemeClr val="accent1"/>
-          </a:lnRef>
-          <a:fillRef idx="0">
-            <a:schemeClr val="accent1"/>
-          </a:fillRef>
-          <a:effectRef idx="0">
-            <a:schemeClr val="accent1"/>
-          </a:effectRef>
-          <a:fontRef idx="minor">
-            <a:schemeClr val="tx1"/>
-          </a:fontRef>
-        </p:style>
-      </p:cxnSp>
-      <p:cxnSp>
-        <p:nvCxnSpPr>
-          <p:cNvPr id="58" name="Straight Connector 57">
-            <a:extLst>
-              <a:ext uri="{FF2B5EF4-FFF2-40B4-BE49-F238E27FC236}">
-                <a16:creationId xmlns:a16="http://schemas.microsoft.com/office/drawing/2014/main" id="{87FFD686-E349-E048-9650-3EBEB567A3D4}"/>
-              </a:ext>
-            </a:extLst>
-          </p:cNvPr>
-          <p:cNvCxnSpPr>
-            <a:cxnSpLocks/>
-          </p:cNvCxnSpPr>
-          <p:nvPr/>
-        </p:nvCxnSpPr>
-        <p:spPr>
-          <a:xfrm>
-            <a:off x="7969576" y="5928778"/>
-            <a:ext cx="0" cy="255373"/>
-          </a:xfrm>
-          <a:prstGeom prst="line">
-            <a:avLst/>
-          </a:prstGeom>
-          <a:ln w="38100">
-            <a:solidFill>
-              <a:schemeClr val="accent6">
-                <a:lumMod val="75000"/>
-              </a:schemeClr>
-            </a:solidFill>
-          </a:ln>
-        </p:spPr>
-        <p:style>
-          <a:lnRef idx="1">
-            <a:schemeClr val="accent1"/>
-          </a:lnRef>
-          <a:fillRef idx="0">
-            <a:schemeClr val="accent1"/>
-          </a:fillRef>
-          <a:effectRef idx="0">
-            <a:schemeClr val="accent1"/>
-          </a:effectRef>
-          <a:fontRef idx="minor">
-            <a:schemeClr val="tx1"/>
-          </a:fontRef>
-        </p:style>
-      </p:cxnSp>
-      <p:cxnSp>
-        <p:nvCxnSpPr>
-          <p:cNvPr id="59" name="Straight Connector 58">
-            <a:extLst>
-              <a:ext uri="{FF2B5EF4-FFF2-40B4-BE49-F238E27FC236}">
-                <a16:creationId xmlns:a16="http://schemas.microsoft.com/office/drawing/2014/main" id="{60B45EFA-D2EF-2D46-BAA1-8CAC22C8FB03}"/>
-              </a:ext>
-            </a:extLst>
-          </p:cNvPr>
-          <p:cNvCxnSpPr>
-            <a:cxnSpLocks/>
-          </p:cNvCxnSpPr>
-          <p:nvPr/>
-        </p:nvCxnSpPr>
-        <p:spPr>
-          <a:xfrm>
-            <a:off x="9651094" y="5941010"/>
-            <a:ext cx="0" cy="255373"/>
-          </a:xfrm>
-          <a:prstGeom prst="line">
-            <a:avLst/>
-          </a:prstGeom>
-          <a:ln w="38100">
-            <a:solidFill>
-              <a:schemeClr val="accent6">
-                <a:lumMod val="75000"/>
-              </a:schemeClr>
-            </a:solidFill>
-          </a:ln>
-        </p:spPr>
-        <p:style>
-          <a:lnRef idx="1">
-            <a:schemeClr val="accent1"/>
-          </a:lnRef>
-          <a:fillRef idx="0">
-            <a:schemeClr val="accent1"/>
-          </a:fillRef>
-          <a:effectRef idx="0">
-            <a:schemeClr val="accent1"/>
-          </a:effectRef>
-          <a:fontRef idx="minor">
-            <a:schemeClr val="tx1"/>
-          </a:fontRef>
-        </p:style>
-      </p:cxnSp>
-      <p:sp>
-        <p:nvSpPr>
-          <p:cNvPr id="60" name="TextBox 59">
-            <a:extLst>
-              <a:ext uri="{FF2B5EF4-FFF2-40B4-BE49-F238E27FC236}">
-                <a16:creationId xmlns:a16="http://schemas.microsoft.com/office/drawing/2014/main" id="{51EFB39C-70BF-3347-8064-53C0D236A2AF}"/>
-              </a:ext>
-            </a:extLst>
-          </p:cNvPr>
-          <p:cNvSpPr txBox="1"/>
-          <p:nvPr/>
-        </p:nvSpPr>
-        <p:spPr>
-          <a:xfrm>
-            <a:off x="8507427" y="5734076"/>
-            <a:ext cx="420308" cy="369332"/>
-          </a:xfrm>
-          <a:prstGeom prst="rect">
-            <a:avLst/>
-          </a:prstGeom>
-          <a:noFill/>
-        </p:spPr>
-        <p:txBody>
-          <a:bodyPr wrap="none" rtlCol="0">
-            <a:spAutoFit/>
-          </a:bodyPr>
-          <a:lstStyle/>
-          <a:p>
-            <a:r>
-              <a:rPr lang="en-RS" b="1">
-                <a:solidFill>
-                  <a:schemeClr val="accent6">
-                    <a:lumMod val="75000"/>
-                  </a:schemeClr>
-                </a:solidFill>
-                <a:latin typeface="Myriad Pro Light" panose="020B0403030403020204" pitchFamily="34" charset="0"/>
-              </a:rPr>
-              <a:t>Tx</a:t>
-            </a:r>
+            <a:endParaRPr lang="en-RS">
+              <a:solidFill>
+                <a:schemeClr val="tx1"/>
+              </a:solidFill>
+            </a:endParaRPr>
           </a:p>
         </p:txBody>
       </p:sp>
     </p:spTree>
     <p:extLst>
       <p:ext uri="{BB962C8B-B14F-4D97-AF65-F5344CB8AC3E}">
-        <p14:creationId xmlns:p14="http://schemas.microsoft.com/office/powerpoint/2010/main" val="3311530147"/>
+        <p14:creationId xmlns:p14="http://schemas.microsoft.com/office/powerpoint/2010/main" val="3041342935"/>
       </p:ext>
     </p:extLst>
   </p:cSld>
